--- a/documents/News Dashboard.pptx
+++ b/documents/News Dashboard.pptx
@@ -6,10 +6,9 @@
   </p:sldMasterIdLst>
   <p:sldIdLst>
     <p:sldId id="256" r:id="rId2"/>
-    <p:sldId id="257" r:id="rId3"/>
+    <p:sldId id="260" r:id="rId3"/>
     <p:sldId id="258" r:id="rId4"/>
     <p:sldId id="259" r:id="rId5"/>
-    <p:sldId id="260" r:id="rId6"/>
   </p:sldIdLst>
   <p:sldSz cx="12192000" cy="6858000"/>
   <p:notesSz cx="6858000" cy="9144000"/>
@@ -108,7 +107,7474 @@
       </a:defRPr>
     </a:lvl9pPr>
   </p:defaultTextStyle>
+  <p:extLst>
+    <p:ext uri="{EFAFB233-063F-42B5-8137-9DF3F51BA10A}">
+      <p15:sldGuideLst xmlns:p15="http://schemas.microsoft.com/office/powerpoint/2012/main"/>
+    </p:ext>
+  </p:extLst>
 </p:presentation>
+</file>
+
+<file path=ppt/revisionInfo.xml><?xml version="1.0" encoding="utf-8"?>
+<p1510:revInfo xmlns:a="http://schemas.openxmlformats.org/drawingml/2006/main" xmlns:r="http://schemas.openxmlformats.org/officeDocument/2006/relationships" xmlns:p1510="http://schemas.microsoft.com/office/powerpoint/2015/10/main">
+  <p1510:revLst>
+    <p1510:client id="{35162536-F808-402C-8072-4AD7802BF7D2}" v="185" dt="2023-06-12T19:48:09.895"/>
+    <p1510:client id="{86EC039E-8995-4AE5-8D69-358184608638}" v="28" dt="2023-06-12T19:38:43.199"/>
+  </p1510:revLst>
+</p1510:revInfo>
+</file>
+
+<file path=ppt/changesInfos/changesInfo1.xml><?xml version="1.0" encoding="utf-8"?>
+<pc:chgInfo xmlns:a="http://schemas.openxmlformats.org/drawingml/2006/main" xmlns:r="http://schemas.openxmlformats.org/officeDocument/2006/relationships" xmlns:ac="http://schemas.microsoft.com/office/drawing/2013/main/command" xmlns:pc="http://schemas.microsoft.com/office/powerpoint/2013/main/command">
+  <pc:docChgLst>
+    <pc:chgData name="Andres Mock" userId="7046b6485cce1a6f" providerId="Windows Live" clId="Web-{86EC039E-8995-4AE5-8D69-358184608638}"/>
+    <pc:docChg chg="addSld delSld modSld">
+      <pc:chgData name="Andres Mock" userId="7046b6485cce1a6f" providerId="Windows Live" clId="Web-{86EC039E-8995-4AE5-8D69-358184608638}" dt="2023-06-12T19:38:43.199" v="27"/>
+      <pc:docMkLst>
+        <pc:docMk/>
+      </pc:docMkLst>
+      <pc:sldChg chg="modSp mod setBg">
+        <pc:chgData name="Andres Mock" userId="7046b6485cce1a6f" providerId="Windows Live" clId="Web-{86EC039E-8995-4AE5-8D69-358184608638}" dt="2023-06-12T19:24:04.114" v="6" actId="1076"/>
+        <pc:sldMkLst>
+          <pc:docMk/>
+          <pc:sldMk cId="352878824" sldId="259"/>
+        </pc:sldMkLst>
+        <pc:spChg chg="mod">
+          <ac:chgData name="Andres Mock" userId="7046b6485cce1a6f" providerId="Windows Live" clId="Web-{86EC039E-8995-4AE5-8D69-358184608638}" dt="2023-06-12T19:23:44.598" v="3" actId="14100"/>
+          <ac:spMkLst>
+            <pc:docMk/>
+            <pc:sldMk cId="352878824" sldId="259"/>
+            <ac:spMk id="2" creationId="{22946E84-82F1-9809-2EF6-0325DBE1FCB6}"/>
+          </ac:spMkLst>
+        </pc:spChg>
+        <pc:picChg chg="mod">
+          <ac:chgData name="Andres Mock" userId="7046b6485cce1a6f" providerId="Windows Live" clId="Web-{86EC039E-8995-4AE5-8D69-358184608638}" dt="2023-06-12T19:24:04.114" v="6" actId="1076"/>
+          <ac:picMkLst>
+            <pc:docMk/>
+            <pc:sldMk cId="352878824" sldId="259"/>
+            <ac:picMk id="5" creationId="{570F4389-06F7-1D11-BCC4-64B85370DA35}"/>
+          </ac:picMkLst>
+        </pc:picChg>
+      </pc:sldChg>
+      <pc:sldChg chg="addSp delSp modSp">
+        <pc:chgData name="Andres Mock" userId="7046b6485cce1a6f" providerId="Windows Live" clId="Web-{86EC039E-8995-4AE5-8D69-358184608638}" dt="2023-06-12T19:27:17.478" v="22" actId="1076"/>
+        <pc:sldMkLst>
+          <pc:docMk/>
+          <pc:sldMk cId="3854154161" sldId="259"/>
+        </pc:sldMkLst>
+        <pc:spChg chg="del mod">
+          <ac:chgData name="Andres Mock" userId="7046b6485cce1a6f" providerId="Windows Live" clId="Web-{86EC039E-8995-4AE5-8D69-358184608638}" dt="2023-06-12T19:27:03.525" v="18"/>
+          <ac:spMkLst>
+            <pc:docMk/>
+            <pc:sldMk cId="3854154161" sldId="259"/>
+            <ac:spMk id="2" creationId="{9C5A7825-A62C-13C8-69BF-B8C03487C33E}"/>
+          </ac:spMkLst>
+        </pc:spChg>
+        <pc:spChg chg="add del mod">
+          <ac:chgData name="Andres Mock" userId="7046b6485cce1a6f" providerId="Windows Live" clId="Web-{86EC039E-8995-4AE5-8D69-358184608638}" dt="2023-06-12T19:27:11.072" v="20"/>
+          <ac:spMkLst>
+            <pc:docMk/>
+            <pc:sldMk cId="3854154161" sldId="259"/>
+            <ac:spMk id="6" creationId="{69DC0438-A17C-7D41-9B04-353340D5A5B3}"/>
+          </ac:spMkLst>
+        </pc:spChg>
+        <pc:picChg chg="mod">
+          <ac:chgData name="Andres Mock" userId="7046b6485cce1a6f" providerId="Windows Live" clId="Web-{86EC039E-8995-4AE5-8D69-358184608638}" dt="2023-06-12T19:27:17.478" v="22" actId="1076"/>
+          <ac:picMkLst>
+            <pc:docMk/>
+            <pc:sldMk cId="3854154161" sldId="259"/>
+            <ac:picMk id="5" creationId="{F2C95D6F-EA01-04E6-90A5-57F3C1EF0C88}"/>
+          </ac:picMkLst>
+        </pc:picChg>
+      </pc:sldChg>
+      <pc:sldChg chg="delSp modSp">
+        <pc:chgData name="Andres Mock" userId="7046b6485cce1a6f" providerId="Windows Live" clId="Web-{86EC039E-8995-4AE5-8D69-358184608638}" dt="2023-06-12T19:37:11.275" v="25"/>
+        <pc:sldMkLst>
+          <pc:docMk/>
+          <pc:sldMk cId="1662944093" sldId="260"/>
+        </pc:sldMkLst>
+        <pc:spChg chg="del mod">
+          <ac:chgData name="Andres Mock" userId="7046b6485cce1a6f" providerId="Windows Live" clId="Web-{86EC039E-8995-4AE5-8D69-358184608638}" dt="2023-06-12T19:37:11.275" v="25"/>
+          <ac:spMkLst>
+            <pc:docMk/>
+            <pc:sldMk cId="1662944093" sldId="260"/>
+            <ac:spMk id="2" creationId="{EC62AA56-0E54-5917-E6C5-767B96530992}"/>
+          </ac:spMkLst>
+        </pc:spChg>
+      </pc:sldChg>
+      <pc:sldChg chg="add del replId">
+        <pc:chgData name="Andres Mock" userId="7046b6485cce1a6f" providerId="Windows Live" clId="Web-{86EC039E-8995-4AE5-8D69-358184608638}" dt="2023-06-12T19:38:43.199" v="27"/>
+        <pc:sldMkLst>
+          <pc:docMk/>
+          <pc:sldMk cId="4142320290" sldId="261"/>
+        </pc:sldMkLst>
+      </pc:sldChg>
+    </pc:docChg>
+  </pc:docChgLst>
+  <pc:docChgLst>
+    <pc:chgData name="Mike Gasser" userId="c2a457e3a0091398" providerId="LiveId" clId="{35162536-F808-402C-8072-4AD7802BF7D2}"/>
+    <pc:docChg chg="undo custSel addSld delSld modSld">
+      <pc:chgData name="Mike Gasser" userId="c2a457e3a0091398" providerId="LiveId" clId="{35162536-F808-402C-8072-4AD7802BF7D2}" dt="2023-06-12T19:48:09.895" v="419" actId="122"/>
+      <pc:docMkLst>
+        <pc:docMk/>
+      </pc:docMkLst>
+      <pc:sldChg chg="addSp delSp modSp mod setBg addAnim delAnim modAnim">
+        <pc:chgData name="Mike Gasser" userId="c2a457e3a0091398" providerId="LiveId" clId="{35162536-F808-402C-8072-4AD7802BF7D2}" dt="2023-06-12T19:13:18.838" v="233"/>
+        <pc:sldMkLst>
+          <pc:docMk/>
+          <pc:sldMk cId="3405554973" sldId="256"/>
+        </pc:sldMkLst>
+        <pc:spChg chg="mod">
+          <ac:chgData name="Mike Gasser" userId="c2a457e3a0091398" providerId="LiveId" clId="{35162536-F808-402C-8072-4AD7802BF7D2}" dt="2023-06-12T19:12:40.065" v="228" actId="26606"/>
+          <ac:spMkLst>
+            <pc:docMk/>
+            <pc:sldMk cId="3405554973" sldId="256"/>
+            <ac:spMk id="2" creationId="{9BDAE9A8-B61A-52F1-D025-5208E64CD694}"/>
+          </ac:spMkLst>
+        </pc:spChg>
+        <pc:spChg chg="mod">
+          <ac:chgData name="Mike Gasser" userId="c2a457e3a0091398" providerId="LiveId" clId="{35162536-F808-402C-8072-4AD7802BF7D2}" dt="2023-06-12T19:12:40.065" v="228" actId="26606"/>
+          <ac:spMkLst>
+            <pc:docMk/>
+            <pc:sldMk cId="3405554973" sldId="256"/>
+            <ac:spMk id="3" creationId="{EF2EE95D-D99A-4484-6B59-BE4AD5F029CD}"/>
+          </ac:spMkLst>
+        </pc:spChg>
+        <pc:spChg chg="add del">
+          <ac:chgData name="Mike Gasser" userId="c2a457e3a0091398" providerId="LiveId" clId="{35162536-F808-402C-8072-4AD7802BF7D2}" dt="2023-06-12T19:12:40.069" v="229" actId="26606"/>
+          <ac:spMkLst>
+            <pc:docMk/>
+            <pc:sldMk cId="3405554973" sldId="256"/>
+            <ac:spMk id="9" creationId="{FFD48BC7-DC40-47DE-87EE-9F4B6ECB9ABB}"/>
+          </ac:spMkLst>
+        </pc:spChg>
+        <pc:spChg chg="add del">
+          <ac:chgData name="Mike Gasser" userId="c2a457e3a0091398" providerId="LiveId" clId="{35162536-F808-402C-8072-4AD7802BF7D2}" dt="2023-06-12T19:12:40.069" v="229" actId="26606"/>
+          <ac:spMkLst>
+            <pc:docMk/>
+            <pc:sldMk cId="3405554973" sldId="256"/>
+            <ac:spMk id="11" creationId="{E502BBC7-2C76-46F3-BC24-5985BC13DB88}"/>
+          </ac:spMkLst>
+        </pc:spChg>
+        <pc:spChg chg="add del">
+          <ac:chgData name="Mike Gasser" userId="c2a457e3a0091398" providerId="LiveId" clId="{35162536-F808-402C-8072-4AD7802BF7D2}" dt="2023-06-12T19:12:40.069" v="229" actId="26606"/>
+          <ac:spMkLst>
+            <pc:docMk/>
+            <pc:sldMk cId="3405554973" sldId="256"/>
+            <ac:spMk id="13" creationId="{C7F28D52-2A5F-4D23-81AE-7CB8B591C7AF}"/>
+          </ac:spMkLst>
+        </pc:spChg>
+        <pc:spChg chg="add del">
+          <ac:chgData name="Mike Gasser" userId="c2a457e3a0091398" providerId="LiveId" clId="{35162536-F808-402C-8072-4AD7802BF7D2}" dt="2023-06-12T19:12:40.069" v="229" actId="26606"/>
+          <ac:spMkLst>
+            <pc:docMk/>
+            <pc:sldMk cId="3405554973" sldId="256"/>
+            <ac:spMk id="15" creationId="{3629484E-3792-4B3D-89AD-7C8A1ED0E0D4}"/>
+          </ac:spMkLst>
+        </pc:spChg>
+        <pc:spChg chg="add del">
+          <ac:chgData name="Mike Gasser" userId="c2a457e3a0091398" providerId="LiveId" clId="{35162536-F808-402C-8072-4AD7802BF7D2}" dt="2023-06-12T19:12:40.065" v="228" actId="26606"/>
+          <ac:spMkLst>
+            <pc:docMk/>
+            <pc:sldMk cId="3405554973" sldId="256"/>
+            <ac:spMk id="20" creationId="{6F5A5072-7B47-4D32-B52A-4EBBF590B8A5}"/>
+          </ac:spMkLst>
+        </pc:spChg>
+        <pc:spChg chg="add del">
+          <ac:chgData name="Mike Gasser" userId="c2a457e3a0091398" providerId="LiveId" clId="{35162536-F808-402C-8072-4AD7802BF7D2}" dt="2023-06-12T19:12:40.065" v="228" actId="26606"/>
+          <ac:spMkLst>
+            <pc:docMk/>
+            <pc:sldMk cId="3405554973" sldId="256"/>
+            <ac:spMk id="22" creationId="{9715DAF0-AE1B-46C9-8A6B-DB2AA05AB91D}"/>
+          </ac:spMkLst>
+        </pc:spChg>
+        <pc:spChg chg="add del">
+          <ac:chgData name="Mike Gasser" userId="c2a457e3a0091398" providerId="LiveId" clId="{35162536-F808-402C-8072-4AD7802BF7D2}" dt="2023-06-12T19:12:40.065" v="228" actId="26606"/>
+          <ac:spMkLst>
+            <pc:docMk/>
+            <pc:sldMk cId="3405554973" sldId="256"/>
+            <ac:spMk id="24" creationId="{6016219D-510E-4184-9090-6D5578A87BD1}"/>
+          </ac:spMkLst>
+        </pc:spChg>
+        <pc:spChg chg="add del">
+          <ac:chgData name="Mike Gasser" userId="c2a457e3a0091398" providerId="LiveId" clId="{35162536-F808-402C-8072-4AD7802BF7D2}" dt="2023-06-12T19:12:40.065" v="228" actId="26606"/>
+          <ac:spMkLst>
+            <pc:docMk/>
+            <pc:sldMk cId="3405554973" sldId="256"/>
+            <ac:spMk id="26" creationId="{AFF4A713-7B75-4B21-90D7-5AB19547C728}"/>
+          </ac:spMkLst>
+        </pc:spChg>
+        <pc:spChg chg="add del">
+          <ac:chgData name="Mike Gasser" userId="c2a457e3a0091398" providerId="LiveId" clId="{35162536-F808-402C-8072-4AD7802BF7D2}" dt="2023-06-12T19:12:40.065" v="228" actId="26606"/>
+          <ac:spMkLst>
+            <pc:docMk/>
+            <pc:sldMk cId="3405554973" sldId="256"/>
+            <ac:spMk id="28" creationId="{DC631C0B-6DA6-4E57-8231-CE32B3434A7E}"/>
+          </ac:spMkLst>
+        </pc:spChg>
+        <pc:spChg chg="add del">
+          <ac:chgData name="Mike Gasser" userId="c2a457e3a0091398" providerId="LiveId" clId="{35162536-F808-402C-8072-4AD7802BF7D2}" dt="2023-06-12T19:12:40.065" v="228" actId="26606"/>
+          <ac:spMkLst>
+            <pc:docMk/>
+            <pc:sldMk cId="3405554973" sldId="256"/>
+            <ac:spMk id="30" creationId="{C29501E6-A978-4A61-9689-9085AF97A53A}"/>
+          </ac:spMkLst>
+        </pc:spChg>
+        <pc:spChg chg="add">
+          <ac:chgData name="Mike Gasser" userId="c2a457e3a0091398" providerId="LiveId" clId="{35162536-F808-402C-8072-4AD7802BF7D2}" dt="2023-06-12T19:12:40.069" v="229" actId="26606"/>
+          <ac:spMkLst>
+            <pc:docMk/>
+            <pc:sldMk cId="3405554973" sldId="256"/>
+            <ac:spMk id="32" creationId="{FFD48BC7-DC40-47DE-87EE-9F4B6ECB9ABB}"/>
+          </ac:spMkLst>
+        </pc:spChg>
+        <pc:spChg chg="add">
+          <ac:chgData name="Mike Gasser" userId="c2a457e3a0091398" providerId="LiveId" clId="{35162536-F808-402C-8072-4AD7802BF7D2}" dt="2023-06-12T19:12:40.069" v="229" actId="26606"/>
+          <ac:spMkLst>
+            <pc:docMk/>
+            <pc:sldMk cId="3405554973" sldId="256"/>
+            <ac:spMk id="33" creationId="{E502BBC7-2C76-46F3-BC24-5985BC13DB88}"/>
+          </ac:spMkLst>
+        </pc:spChg>
+        <pc:spChg chg="add">
+          <ac:chgData name="Mike Gasser" userId="c2a457e3a0091398" providerId="LiveId" clId="{35162536-F808-402C-8072-4AD7802BF7D2}" dt="2023-06-12T19:12:40.069" v="229" actId="26606"/>
+          <ac:spMkLst>
+            <pc:docMk/>
+            <pc:sldMk cId="3405554973" sldId="256"/>
+            <ac:spMk id="34" creationId="{C7F28D52-2A5F-4D23-81AE-7CB8B591C7AF}"/>
+          </ac:spMkLst>
+        </pc:spChg>
+        <pc:spChg chg="add">
+          <ac:chgData name="Mike Gasser" userId="c2a457e3a0091398" providerId="LiveId" clId="{35162536-F808-402C-8072-4AD7802BF7D2}" dt="2023-06-12T19:12:40.069" v="229" actId="26606"/>
+          <ac:spMkLst>
+            <pc:docMk/>
+            <pc:sldMk cId="3405554973" sldId="256"/>
+            <ac:spMk id="35" creationId="{3629484E-3792-4B3D-89AD-7C8A1ED0E0D4}"/>
+          </ac:spMkLst>
+        </pc:spChg>
+        <pc:picChg chg="add mod modCrop">
+          <ac:chgData name="Mike Gasser" userId="c2a457e3a0091398" providerId="LiveId" clId="{35162536-F808-402C-8072-4AD7802BF7D2}" dt="2023-06-12T18:47:02.811" v="112" actId="732"/>
+          <ac:picMkLst>
+            <pc:docMk/>
+            <pc:sldMk cId="3405554973" sldId="256"/>
+            <ac:picMk id="4" creationId="{B323DC05-632C-69DC-10DE-800FFCF62431}"/>
+          </ac:picMkLst>
+        </pc:picChg>
+      </pc:sldChg>
+      <pc:sldChg chg="addSp delSp modSp del mod setBg">
+        <pc:chgData name="Mike Gasser" userId="c2a457e3a0091398" providerId="LiveId" clId="{35162536-F808-402C-8072-4AD7802BF7D2}" dt="2023-06-12T19:26:02.533" v="245" actId="2696"/>
+        <pc:sldMkLst>
+          <pc:docMk/>
+          <pc:sldMk cId="171745422" sldId="257"/>
+        </pc:sldMkLst>
+        <pc:spChg chg="mod">
+          <ac:chgData name="Mike Gasser" userId="c2a457e3a0091398" providerId="LiveId" clId="{35162536-F808-402C-8072-4AD7802BF7D2}" dt="2023-06-12T19:12:25.574" v="224" actId="26606"/>
+          <ac:spMkLst>
+            <pc:docMk/>
+            <pc:sldMk cId="171745422" sldId="257"/>
+            <ac:spMk id="2" creationId="{2F3A695E-13D0-9BC3-3341-CB7F7C484ED8}"/>
+          </ac:spMkLst>
+        </pc:spChg>
+        <pc:spChg chg="mod ord">
+          <ac:chgData name="Mike Gasser" userId="c2a457e3a0091398" providerId="LiveId" clId="{35162536-F808-402C-8072-4AD7802BF7D2}" dt="2023-06-12T19:12:25.574" v="224" actId="26606"/>
+          <ac:spMkLst>
+            <pc:docMk/>
+            <pc:sldMk cId="171745422" sldId="257"/>
+            <ac:spMk id="3" creationId="{DC2D6670-983B-7015-4658-6C84E07BB6D1}"/>
+          </ac:spMkLst>
+        </pc:spChg>
+        <pc:spChg chg="add del">
+          <ac:chgData name="Mike Gasser" userId="c2a457e3a0091398" providerId="LiveId" clId="{35162536-F808-402C-8072-4AD7802BF7D2}" dt="2023-06-12T18:59:36.209" v="114" actId="26606"/>
+          <ac:spMkLst>
+            <pc:docMk/>
+            <pc:sldMk cId="171745422" sldId="257"/>
+            <ac:spMk id="9" creationId="{F13C74B1-5B17-4795-BED0-7140497B445A}"/>
+          </ac:spMkLst>
+        </pc:spChg>
+        <pc:spChg chg="add del">
+          <ac:chgData name="Mike Gasser" userId="c2a457e3a0091398" providerId="LiveId" clId="{35162536-F808-402C-8072-4AD7802BF7D2}" dt="2023-06-12T18:59:36.209" v="114" actId="26606"/>
+          <ac:spMkLst>
+            <pc:docMk/>
+            <pc:sldMk cId="171745422" sldId="257"/>
+            <ac:spMk id="11" creationId="{D4974D33-8DC5-464E-8C6D-BE58F0669C17}"/>
+          </ac:spMkLst>
+        </pc:spChg>
+        <pc:spChg chg="add del">
+          <ac:chgData name="Mike Gasser" userId="c2a457e3a0091398" providerId="LiveId" clId="{35162536-F808-402C-8072-4AD7802BF7D2}" dt="2023-06-12T19:06:29.368" v="148" actId="26606"/>
+          <ac:spMkLst>
+            <pc:docMk/>
+            <pc:sldMk cId="171745422" sldId="257"/>
+            <ac:spMk id="16" creationId="{04812C46-200A-4DEB-A05E-3ED6C68C2387}"/>
+          </ac:spMkLst>
+        </pc:spChg>
+        <pc:spChg chg="add del">
+          <ac:chgData name="Mike Gasser" userId="c2a457e3a0091398" providerId="LiveId" clId="{35162536-F808-402C-8072-4AD7802BF7D2}" dt="2023-06-12T19:06:29.368" v="148" actId="26606"/>
+          <ac:spMkLst>
+            <pc:docMk/>
+            <pc:sldMk cId="171745422" sldId="257"/>
+            <ac:spMk id="18" creationId="{D1EA859B-E555-4109-94F3-6700E046E008}"/>
+          </ac:spMkLst>
+        </pc:spChg>
+        <pc:spChg chg="add del">
+          <ac:chgData name="Mike Gasser" userId="c2a457e3a0091398" providerId="LiveId" clId="{35162536-F808-402C-8072-4AD7802BF7D2}" dt="2023-06-12T19:06:04.110" v="141" actId="26606"/>
+          <ac:spMkLst>
+            <pc:docMk/>
+            <pc:sldMk cId="171745422" sldId="257"/>
+            <ac:spMk id="23" creationId="{D1D34770-47A8-402C-AF23-2B653F2D88C1}"/>
+          </ac:spMkLst>
+        </pc:spChg>
+        <pc:spChg chg="add del">
+          <ac:chgData name="Mike Gasser" userId="c2a457e3a0091398" providerId="LiveId" clId="{35162536-F808-402C-8072-4AD7802BF7D2}" dt="2023-06-12T19:06:24.623" v="143" actId="26606"/>
+          <ac:spMkLst>
+            <pc:docMk/>
+            <pc:sldMk cId="171745422" sldId="257"/>
+            <ac:spMk id="25" creationId="{D009D6D5-DAC2-4A8B-A17A-E206B9012D09}"/>
+          </ac:spMkLst>
+        </pc:spChg>
+        <pc:spChg chg="add del">
+          <ac:chgData name="Mike Gasser" userId="c2a457e3a0091398" providerId="LiveId" clId="{35162536-F808-402C-8072-4AD7802BF7D2}" dt="2023-06-12T19:06:26.012" v="145" actId="26606"/>
+          <ac:spMkLst>
+            <pc:docMk/>
+            <pc:sldMk cId="171745422" sldId="257"/>
+            <ac:spMk id="27" creationId="{04812C46-200A-4DEB-A05E-3ED6C68C2387}"/>
+          </ac:spMkLst>
+        </pc:spChg>
+        <pc:spChg chg="add del">
+          <ac:chgData name="Mike Gasser" userId="c2a457e3a0091398" providerId="LiveId" clId="{35162536-F808-402C-8072-4AD7802BF7D2}" dt="2023-06-12T19:06:26.012" v="145" actId="26606"/>
+          <ac:spMkLst>
+            <pc:docMk/>
+            <pc:sldMk cId="171745422" sldId="257"/>
+            <ac:spMk id="28" creationId="{D1EA859B-E555-4109-94F3-6700E046E008}"/>
+          </ac:spMkLst>
+        </pc:spChg>
+        <pc:spChg chg="add del">
+          <ac:chgData name="Mike Gasser" userId="c2a457e3a0091398" providerId="LiveId" clId="{35162536-F808-402C-8072-4AD7802BF7D2}" dt="2023-06-12T19:06:29.364" v="147" actId="26606"/>
+          <ac:spMkLst>
+            <pc:docMk/>
+            <pc:sldMk cId="171745422" sldId="257"/>
+            <ac:spMk id="30" creationId="{D1D34770-47A8-402C-AF23-2B653F2D88C1}"/>
+          </ac:spMkLst>
+        </pc:spChg>
+        <pc:spChg chg="add del">
+          <ac:chgData name="Mike Gasser" userId="c2a457e3a0091398" providerId="LiveId" clId="{35162536-F808-402C-8072-4AD7802BF7D2}" dt="2023-06-12T19:12:11.811" v="223" actId="26606"/>
+          <ac:spMkLst>
+            <pc:docMk/>
+            <pc:sldMk cId="171745422" sldId="257"/>
+            <ac:spMk id="32" creationId="{D009D6D5-DAC2-4A8B-A17A-E206B9012D09}"/>
+          </ac:spMkLst>
+        </pc:spChg>
+        <pc:spChg chg="add del">
+          <ac:chgData name="Mike Gasser" userId="c2a457e3a0091398" providerId="LiveId" clId="{35162536-F808-402C-8072-4AD7802BF7D2}" dt="2023-06-12T19:12:11.806" v="222" actId="26606"/>
+          <ac:spMkLst>
+            <pc:docMk/>
+            <pc:sldMk cId="171745422" sldId="257"/>
+            <ac:spMk id="34" creationId="{3346177D-ADC4-4968-B747-5CFCD390B5B9}"/>
+          </ac:spMkLst>
+        </pc:spChg>
+        <pc:spChg chg="add del">
+          <ac:chgData name="Mike Gasser" userId="c2a457e3a0091398" providerId="LiveId" clId="{35162536-F808-402C-8072-4AD7802BF7D2}" dt="2023-06-12T19:12:11.806" v="222" actId="26606"/>
+          <ac:spMkLst>
+            <pc:docMk/>
+            <pc:sldMk cId="171745422" sldId="257"/>
+            <ac:spMk id="35" creationId="{0844A943-BF79-4FEA-ABB1-3BD54D236606}"/>
+          </ac:spMkLst>
+        </pc:spChg>
+        <pc:spChg chg="add del">
+          <ac:chgData name="Mike Gasser" userId="c2a457e3a0091398" providerId="LiveId" clId="{35162536-F808-402C-8072-4AD7802BF7D2}" dt="2023-06-12T19:12:11.806" v="222" actId="26606"/>
+          <ac:spMkLst>
+            <pc:docMk/>
+            <pc:sldMk cId="171745422" sldId="257"/>
+            <ac:spMk id="36" creationId="{6437CC72-F4A8-4DC3-AFAB-D22C482C8100}"/>
+          </ac:spMkLst>
+        </pc:spChg>
+        <pc:spChg chg="add del">
+          <ac:chgData name="Mike Gasser" userId="c2a457e3a0091398" providerId="LiveId" clId="{35162536-F808-402C-8072-4AD7802BF7D2}" dt="2023-06-12T19:11:46.581" v="214" actId="26606"/>
+          <ac:spMkLst>
+            <pc:docMk/>
+            <pc:sldMk cId="171745422" sldId="257"/>
+            <ac:spMk id="37" creationId="{2596F992-698C-48C0-9D89-70DA4CE927EF}"/>
+          </ac:spMkLst>
+        </pc:spChg>
+        <pc:spChg chg="add del">
+          <ac:chgData name="Mike Gasser" userId="c2a457e3a0091398" providerId="LiveId" clId="{35162536-F808-402C-8072-4AD7802BF7D2}" dt="2023-06-12T19:12:25.574" v="224" actId="26606"/>
+          <ac:spMkLst>
+            <pc:docMk/>
+            <pc:sldMk cId="171745422" sldId="257"/>
+            <ac:spMk id="38" creationId="{0CCC4BA0-1298-4DBD-86F1-B51D8C9D3437}"/>
+          </ac:spMkLst>
+        </pc:spChg>
+        <pc:spChg chg="add del">
+          <ac:chgData name="Mike Gasser" userId="c2a457e3a0091398" providerId="LiveId" clId="{35162536-F808-402C-8072-4AD7802BF7D2}" dt="2023-06-12T19:11:46.581" v="214" actId="26606"/>
+          <ac:spMkLst>
+            <pc:docMk/>
+            <pc:sldMk cId="171745422" sldId="257"/>
+            <ac:spMk id="39" creationId="{A344AAA5-41F4-4862-97EF-688D31DC7567}"/>
+          </ac:spMkLst>
+        </pc:spChg>
+        <pc:spChg chg="add del">
+          <ac:chgData name="Mike Gasser" userId="c2a457e3a0091398" providerId="LiveId" clId="{35162536-F808-402C-8072-4AD7802BF7D2}" dt="2023-06-12T19:12:25.574" v="224" actId="26606"/>
+          <ac:spMkLst>
+            <pc:docMk/>
+            <pc:sldMk cId="171745422" sldId="257"/>
+            <ac:spMk id="40" creationId="{EEBF1590-3B36-48EE-A89D-3B6F3CB256AB}"/>
+          </ac:spMkLst>
+        </pc:spChg>
+        <pc:spChg chg="add del">
+          <ac:chgData name="Mike Gasser" userId="c2a457e3a0091398" providerId="LiveId" clId="{35162536-F808-402C-8072-4AD7802BF7D2}" dt="2023-06-12T19:11:46.581" v="214" actId="26606"/>
+          <ac:spMkLst>
+            <pc:docMk/>
+            <pc:sldMk cId="171745422" sldId="257"/>
+            <ac:spMk id="41" creationId="{69E1A62C-2AAF-4B3E-8CDB-65E237080997}"/>
+          </ac:spMkLst>
+        </pc:spChg>
+        <pc:spChg chg="add del">
+          <ac:chgData name="Mike Gasser" userId="c2a457e3a0091398" providerId="LiveId" clId="{35162536-F808-402C-8072-4AD7802BF7D2}" dt="2023-06-12T19:12:25.574" v="224" actId="26606"/>
+          <ac:spMkLst>
+            <pc:docMk/>
+            <pc:sldMk cId="171745422" sldId="257"/>
+            <ac:spMk id="42" creationId="{AC8F6C8C-AB5A-4548-942D-E3FD40ACBC49}"/>
+          </ac:spMkLst>
+        </pc:spChg>
+        <pc:spChg chg="add del">
+          <ac:chgData name="Mike Gasser" userId="c2a457e3a0091398" providerId="LiveId" clId="{35162536-F808-402C-8072-4AD7802BF7D2}" dt="2023-06-12T19:11:50.319" v="216" actId="26606"/>
+          <ac:spMkLst>
+            <pc:docMk/>
+            <pc:sldMk cId="171745422" sldId="257"/>
+            <ac:spMk id="43" creationId="{2813A4FA-24A5-41ED-A534-3807D1B2F344}"/>
+          </ac:spMkLst>
+        </pc:spChg>
+        <pc:spChg chg="add del">
+          <ac:chgData name="Mike Gasser" userId="c2a457e3a0091398" providerId="LiveId" clId="{35162536-F808-402C-8072-4AD7802BF7D2}" dt="2023-06-12T19:11:50.319" v="216" actId="26606"/>
+          <ac:spMkLst>
+            <pc:docMk/>
+            <pc:sldMk cId="171745422" sldId="257"/>
+            <ac:spMk id="44" creationId="{12609869-9E80-471B-A487-A53288E0E791}"/>
+          </ac:spMkLst>
+        </pc:spChg>
+        <pc:spChg chg="add del">
+          <ac:chgData name="Mike Gasser" userId="c2a457e3a0091398" providerId="LiveId" clId="{35162536-F808-402C-8072-4AD7802BF7D2}" dt="2023-06-12T19:11:50.319" v="216" actId="26606"/>
+          <ac:spMkLst>
+            <pc:docMk/>
+            <pc:sldMk cId="171745422" sldId="257"/>
+            <ac:spMk id="45" creationId="{C3944F27-CA70-4E84-A51A-E6BF89558979}"/>
+          </ac:spMkLst>
+        </pc:spChg>
+        <pc:spChg chg="add del">
+          <ac:chgData name="Mike Gasser" userId="c2a457e3a0091398" providerId="LiveId" clId="{35162536-F808-402C-8072-4AD7802BF7D2}" dt="2023-06-12T19:11:50.319" v="216" actId="26606"/>
+          <ac:spMkLst>
+            <pc:docMk/>
+            <pc:sldMk cId="171745422" sldId="257"/>
+            <ac:spMk id="46" creationId="{7004738A-9D34-43E8-97D2-CA0EED4F8BE0}"/>
+          </ac:spMkLst>
+        </pc:spChg>
+        <pc:spChg chg="add del">
+          <ac:chgData name="Mike Gasser" userId="c2a457e3a0091398" providerId="LiveId" clId="{35162536-F808-402C-8072-4AD7802BF7D2}" dt="2023-06-12T19:11:50.319" v="216" actId="26606"/>
+          <ac:spMkLst>
+            <pc:docMk/>
+            <pc:sldMk cId="171745422" sldId="257"/>
+            <ac:spMk id="47" creationId="{B8B8D07F-F13E-443E-BA68-2D26672D76B9}"/>
+          </ac:spMkLst>
+        </pc:spChg>
+        <pc:spChg chg="add del">
+          <ac:chgData name="Mike Gasser" userId="c2a457e3a0091398" providerId="LiveId" clId="{35162536-F808-402C-8072-4AD7802BF7D2}" dt="2023-06-12T19:11:51.996" v="218" actId="26606"/>
+          <ac:spMkLst>
+            <pc:docMk/>
+            <pc:sldMk cId="171745422" sldId="257"/>
+            <ac:spMk id="49" creationId="{3AFE8227-C443-417B-BA91-520EB1EF4559}"/>
+          </ac:spMkLst>
+        </pc:spChg>
+        <pc:spChg chg="add del">
+          <ac:chgData name="Mike Gasser" userId="c2a457e3a0091398" providerId="LiveId" clId="{35162536-F808-402C-8072-4AD7802BF7D2}" dt="2023-06-12T19:11:51.996" v="218" actId="26606"/>
+          <ac:spMkLst>
+            <pc:docMk/>
+            <pc:sldMk cId="171745422" sldId="257"/>
+            <ac:spMk id="50" creationId="{907741FC-B544-4A6E-B831-6789D042333D}"/>
+          </ac:spMkLst>
+        </pc:spChg>
+        <pc:spChg chg="add del">
+          <ac:chgData name="Mike Gasser" userId="c2a457e3a0091398" providerId="LiveId" clId="{35162536-F808-402C-8072-4AD7802BF7D2}" dt="2023-06-12T19:11:51.996" v="218" actId="26606"/>
+          <ac:spMkLst>
+            <pc:docMk/>
+            <pc:sldMk cId="171745422" sldId="257"/>
+            <ac:spMk id="51" creationId="{3F0BE7ED-7814-4273-B18A-F26CC0380380}"/>
+          </ac:spMkLst>
+        </pc:spChg>
+        <pc:picChg chg="add mod ord">
+          <ac:chgData name="Mike Gasser" userId="c2a457e3a0091398" providerId="LiveId" clId="{35162536-F808-402C-8072-4AD7802BF7D2}" dt="2023-06-12T19:12:25.574" v="224" actId="26606"/>
+          <ac:picMkLst>
+            <pc:docMk/>
+            <pc:sldMk cId="171745422" sldId="257"/>
+            <ac:picMk id="5" creationId="{91BCC2B0-1CA3-A8E1-704B-396D2C22F203}"/>
+          </ac:picMkLst>
+        </pc:picChg>
+      </pc:sldChg>
+      <pc:sldChg chg="addSp delSp modSp mod setBg">
+        <pc:chgData name="Mike Gasser" userId="c2a457e3a0091398" providerId="LiveId" clId="{35162536-F808-402C-8072-4AD7802BF7D2}" dt="2023-06-12T19:48:09.895" v="419" actId="122"/>
+        <pc:sldMkLst>
+          <pc:docMk/>
+          <pc:sldMk cId="4280237170" sldId="258"/>
+        </pc:sldMkLst>
+        <pc:spChg chg="mod">
+          <ac:chgData name="Mike Gasser" userId="c2a457e3a0091398" providerId="LiveId" clId="{35162536-F808-402C-8072-4AD7802BF7D2}" dt="2023-06-12T19:48:09.895" v="419" actId="122"/>
+          <ac:spMkLst>
+            <pc:docMk/>
+            <pc:sldMk cId="4280237170" sldId="258"/>
+            <ac:spMk id="2" creationId="{A286FABF-5E5C-55DD-6093-74D517D03BA9}"/>
+          </ac:spMkLst>
+        </pc:spChg>
+        <pc:spChg chg="add del mod">
+          <ac:chgData name="Mike Gasser" userId="c2a457e3a0091398" providerId="LiveId" clId="{35162536-F808-402C-8072-4AD7802BF7D2}" dt="2023-06-12T19:38:21.526" v="396" actId="26606"/>
+          <ac:spMkLst>
+            <pc:docMk/>
+            <pc:sldMk cId="4280237170" sldId="258"/>
+            <ac:spMk id="3" creationId="{6A02531B-E70B-73A3-48B5-ED7CCF75FA72}"/>
+          </ac:spMkLst>
+        </pc:spChg>
+        <pc:spChg chg="add del">
+          <ac:chgData name="Mike Gasser" userId="c2a457e3a0091398" providerId="LiveId" clId="{35162536-F808-402C-8072-4AD7802BF7D2}" dt="2023-06-12T19:38:21.526" v="396" actId="26606"/>
+          <ac:spMkLst>
+            <pc:docMk/>
+            <pc:sldMk cId="4280237170" sldId="258"/>
+            <ac:spMk id="8" creationId="{1B15ED52-F352-441B-82BF-E0EA34836D08}"/>
+          </ac:spMkLst>
+        </pc:spChg>
+        <pc:spChg chg="add del">
+          <ac:chgData name="Mike Gasser" userId="c2a457e3a0091398" providerId="LiveId" clId="{35162536-F808-402C-8072-4AD7802BF7D2}" dt="2023-06-12T19:38:21.526" v="396" actId="26606"/>
+          <ac:spMkLst>
+            <pc:docMk/>
+            <pc:sldMk cId="4280237170" sldId="258"/>
+            <ac:spMk id="10" creationId="{3B2E3793-BFE6-45A2-9B7B-E18844431C99}"/>
+          </ac:spMkLst>
+        </pc:spChg>
+        <pc:spChg chg="add del">
+          <ac:chgData name="Mike Gasser" userId="c2a457e3a0091398" providerId="LiveId" clId="{35162536-F808-402C-8072-4AD7802BF7D2}" dt="2023-06-12T19:38:21.526" v="396" actId="26606"/>
+          <ac:spMkLst>
+            <pc:docMk/>
+            <pc:sldMk cId="4280237170" sldId="258"/>
+            <ac:spMk id="12" creationId="{BC4C4868-CB8F-4AF9-9CDB-8108F2C19B67}"/>
+          </ac:spMkLst>
+        </pc:spChg>
+        <pc:spChg chg="add del">
+          <ac:chgData name="Mike Gasser" userId="c2a457e3a0091398" providerId="LiveId" clId="{35162536-F808-402C-8072-4AD7802BF7D2}" dt="2023-06-12T19:38:21.526" v="396" actId="26606"/>
+          <ac:spMkLst>
+            <pc:docMk/>
+            <pc:sldMk cId="4280237170" sldId="258"/>
+            <ac:spMk id="14" creationId="{375E0459-6403-40CD-989D-56A4407CA12E}"/>
+          </ac:spMkLst>
+        </pc:spChg>
+        <pc:spChg chg="add del">
+          <ac:chgData name="Mike Gasser" userId="c2a457e3a0091398" providerId="LiveId" clId="{35162536-F808-402C-8072-4AD7802BF7D2}" dt="2023-06-12T19:38:21.526" v="396" actId="26606"/>
+          <ac:spMkLst>
+            <pc:docMk/>
+            <pc:sldMk cId="4280237170" sldId="258"/>
+            <ac:spMk id="16" creationId="{53E5B1A8-3AC9-4BD1-9BBC-78CA94F2D1BA}"/>
+          </ac:spMkLst>
+        </pc:spChg>
+        <pc:spChg chg="add del">
+          <ac:chgData name="Mike Gasser" userId="c2a457e3a0091398" providerId="LiveId" clId="{35162536-F808-402C-8072-4AD7802BF7D2}" dt="2023-06-12T19:38:18.528" v="393" actId="26606"/>
+          <ac:spMkLst>
+            <pc:docMk/>
+            <pc:sldMk cId="4280237170" sldId="258"/>
+            <ac:spMk id="21" creationId="{081EA652-8C6A-4E69-BEB9-170809474553}"/>
+          </ac:spMkLst>
+        </pc:spChg>
+        <pc:spChg chg="add del">
+          <ac:chgData name="Mike Gasser" userId="c2a457e3a0091398" providerId="LiveId" clId="{35162536-F808-402C-8072-4AD7802BF7D2}" dt="2023-06-12T19:38:04.500" v="377" actId="26606"/>
+          <ac:spMkLst>
+            <pc:docMk/>
+            <pc:sldMk cId="4280237170" sldId="258"/>
+            <ac:spMk id="22" creationId="{F944E337-3E5D-4A1F-A5A1-2057F25B8A7B}"/>
+          </ac:spMkLst>
+        </pc:spChg>
+        <pc:spChg chg="add del">
+          <ac:chgData name="Mike Gasser" userId="c2a457e3a0091398" providerId="LiveId" clId="{35162536-F808-402C-8072-4AD7802BF7D2}" dt="2023-06-12T19:38:03.846" v="375" actId="26606"/>
+          <ac:spMkLst>
+            <pc:docMk/>
+            <pc:sldMk cId="4280237170" sldId="258"/>
+            <ac:spMk id="23" creationId="{B50AB553-2A96-4A92-96F2-93548E096954}"/>
+          </ac:spMkLst>
+        </pc:spChg>
+        <pc:spChg chg="add del">
+          <ac:chgData name="Mike Gasser" userId="c2a457e3a0091398" providerId="LiveId" clId="{35162536-F808-402C-8072-4AD7802BF7D2}" dt="2023-06-12T19:38:04.500" v="377" actId="26606"/>
+          <ac:spMkLst>
+            <pc:docMk/>
+            <pc:sldMk cId="4280237170" sldId="258"/>
+            <ac:spMk id="24" creationId="{4DA50D69-7CF7-4844-B844-A2B821C77F24}"/>
+          </ac:spMkLst>
+        </pc:spChg>
+        <pc:spChg chg="add del">
+          <ac:chgData name="Mike Gasser" userId="c2a457e3a0091398" providerId="LiveId" clId="{35162536-F808-402C-8072-4AD7802BF7D2}" dt="2023-06-12T19:38:04.500" v="377" actId="26606"/>
+          <ac:spMkLst>
+            <pc:docMk/>
+            <pc:sldMk cId="4280237170" sldId="258"/>
+            <ac:spMk id="26" creationId="{6A02531B-E70B-73A3-48B5-ED7CCF75FA72}"/>
+          </ac:spMkLst>
+        </pc:spChg>
+        <pc:spChg chg="add del">
+          <ac:chgData name="Mike Gasser" userId="c2a457e3a0091398" providerId="LiveId" clId="{35162536-F808-402C-8072-4AD7802BF7D2}" dt="2023-06-12T19:38:05.862" v="379" actId="26606"/>
+          <ac:spMkLst>
+            <pc:docMk/>
+            <pc:sldMk cId="4280237170" sldId="258"/>
+            <ac:spMk id="28" creationId="{063BBA22-50EA-4C4D-BE05-F1CE4E63AA56}"/>
+          </ac:spMkLst>
+        </pc:spChg>
+        <pc:spChg chg="add del">
+          <ac:chgData name="Mike Gasser" userId="c2a457e3a0091398" providerId="LiveId" clId="{35162536-F808-402C-8072-4AD7802BF7D2}" dt="2023-06-12T19:38:05.862" v="379" actId="26606"/>
+          <ac:spMkLst>
+            <pc:docMk/>
+            <pc:sldMk cId="4280237170" sldId="258"/>
+            <ac:spMk id="29" creationId="{BACC6370-2D7E-4714-9D71-7542949D7D5D}"/>
+          </ac:spMkLst>
+        </pc:spChg>
+        <pc:spChg chg="add del">
+          <ac:chgData name="Mike Gasser" userId="c2a457e3a0091398" providerId="LiveId" clId="{35162536-F808-402C-8072-4AD7802BF7D2}" dt="2023-06-12T19:38:05.862" v="379" actId="26606"/>
+          <ac:spMkLst>
+            <pc:docMk/>
+            <pc:sldMk cId="4280237170" sldId="258"/>
+            <ac:spMk id="30" creationId="{F68B3F68-107C-434F-AA38-110D5EA91B85}"/>
+          </ac:spMkLst>
+        </pc:spChg>
+        <pc:spChg chg="add del">
+          <ac:chgData name="Mike Gasser" userId="c2a457e3a0091398" providerId="LiveId" clId="{35162536-F808-402C-8072-4AD7802BF7D2}" dt="2023-06-12T19:38:05.862" v="379" actId="26606"/>
+          <ac:spMkLst>
+            <pc:docMk/>
+            <pc:sldMk cId="4280237170" sldId="258"/>
+            <ac:spMk id="31" creationId="{AAD0DBB9-1A4B-4391-81D4-CB19F9AB918A}"/>
+          </ac:spMkLst>
+        </pc:spChg>
+        <pc:spChg chg="add del">
+          <ac:chgData name="Mike Gasser" userId="c2a457e3a0091398" providerId="LiveId" clId="{35162536-F808-402C-8072-4AD7802BF7D2}" dt="2023-06-12T19:38:07.054" v="381" actId="26606"/>
+          <ac:spMkLst>
+            <pc:docMk/>
+            <pc:sldMk cId="4280237170" sldId="258"/>
+            <ac:spMk id="34" creationId="{56E9B3E6-E277-4D68-BA48-9CB43FFBD6E2}"/>
+          </ac:spMkLst>
+        </pc:spChg>
+        <pc:spChg chg="add del">
+          <ac:chgData name="Mike Gasser" userId="c2a457e3a0091398" providerId="LiveId" clId="{35162536-F808-402C-8072-4AD7802BF7D2}" dt="2023-06-12T19:38:07.054" v="381" actId="26606"/>
+          <ac:spMkLst>
+            <pc:docMk/>
+            <pc:sldMk cId="4280237170" sldId="258"/>
+            <ac:spMk id="38" creationId="{D5B0017B-2ECA-49AF-B397-DC140825DF8D}"/>
+          </ac:spMkLst>
+        </pc:spChg>
+        <pc:spChg chg="add del">
+          <ac:chgData name="Mike Gasser" userId="c2a457e3a0091398" providerId="LiveId" clId="{35162536-F808-402C-8072-4AD7802BF7D2}" dt="2023-06-12T19:38:08.392" v="383" actId="26606"/>
+          <ac:spMkLst>
+            <pc:docMk/>
+            <pc:sldMk cId="4280237170" sldId="258"/>
+            <ac:spMk id="42" creationId="{BACC6370-2D7E-4714-9D71-7542949D7D5D}"/>
+          </ac:spMkLst>
+        </pc:spChg>
+        <pc:spChg chg="add del">
+          <ac:chgData name="Mike Gasser" userId="c2a457e3a0091398" providerId="LiveId" clId="{35162536-F808-402C-8072-4AD7802BF7D2}" dt="2023-06-12T19:38:08.392" v="383" actId="26606"/>
+          <ac:spMkLst>
+            <pc:docMk/>
+            <pc:sldMk cId="4280237170" sldId="258"/>
+            <ac:spMk id="43" creationId="{F68B3F68-107C-434F-AA38-110D5EA91B85}"/>
+          </ac:spMkLst>
+        </pc:spChg>
+        <pc:spChg chg="add del">
+          <ac:chgData name="Mike Gasser" userId="c2a457e3a0091398" providerId="LiveId" clId="{35162536-F808-402C-8072-4AD7802BF7D2}" dt="2023-06-12T19:38:08.392" v="383" actId="26606"/>
+          <ac:spMkLst>
+            <pc:docMk/>
+            <pc:sldMk cId="4280237170" sldId="258"/>
+            <ac:spMk id="44" creationId="{AAD0DBB9-1A4B-4391-81D4-CB19F9AB918A}"/>
+          </ac:spMkLst>
+        </pc:spChg>
+        <pc:spChg chg="add del">
+          <ac:chgData name="Mike Gasser" userId="c2a457e3a0091398" providerId="LiveId" clId="{35162536-F808-402C-8072-4AD7802BF7D2}" dt="2023-06-12T19:38:08.392" v="383" actId="26606"/>
+          <ac:spMkLst>
+            <pc:docMk/>
+            <pc:sldMk cId="4280237170" sldId="258"/>
+            <ac:spMk id="45" creationId="{063BBA22-50EA-4C4D-BE05-F1CE4E63AA56}"/>
+          </ac:spMkLst>
+        </pc:spChg>
+        <pc:spChg chg="add del">
+          <ac:chgData name="Mike Gasser" userId="c2a457e3a0091398" providerId="LiveId" clId="{35162536-F808-402C-8072-4AD7802BF7D2}" dt="2023-06-12T19:38:09.728" v="385" actId="26606"/>
+          <ac:spMkLst>
+            <pc:docMk/>
+            <pc:sldMk cId="4280237170" sldId="258"/>
+            <ac:spMk id="48" creationId="{56E9B3E6-E277-4D68-BA48-9CB43FFBD6E2}"/>
+          </ac:spMkLst>
+        </pc:spChg>
+        <pc:spChg chg="add del">
+          <ac:chgData name="Mike Gasser" userId="c2a457e3a0091398" providerId="LiveId" clId="{35162536-F808-402C-8072-4AD7802BF7D2}" dt="2023-06-12T19:38:09.728" v="385" actId="26606"/>
+          <ac:spMkLst>
+            <pc:docMk/>
+            <pc:sldMk cId="4280237170" sldId="258"/>
+            <ac:spMk id="52" creationId="{D5B0017B-2ECA-49AF-B397-DC140825DF8D}"/>
+          </ac:spMkLst>
+        </pc:spChg>
+        <pc:spChg chg="add del">
+          <ac:chgData name="Mike Gasser" userId="c2a457e3a0091398" providerId="LiveId" clId="{35162536-F808-402C-8072-4AD7802BF7D2}" dt="2023-06-12T19:38:11.123" v="387" actId="26606"/>
+          <ac:spMkLst>
+            <pc:docMk/>
+            <pc:sldMk cId="4280237170" sldId="258"/>
+            <ac:spMk id="56" creationId="{1B15ED52-F352-441B-82BF-E0EA34836D08}"/>
+          </ac:spMkLst>
+        </pc:spChg>
+        <pc:spChg chg="add del">
+          <ac:chgData name="Mike Gasser" userId="c2a457e3a0091398" providerId="LiveId" clId="{35162536-F808-402C-8072-4AD7802BF7D2}" dt="2023-06-12T19:38:11.123" v="387" actId="26606"/>
+          <ac:spMkLst>
+            <pc:docMk/>
+            <pc:sldMk cId="4280237170" sldId="258"/>
+            <ac:spMk id="57" creationId="{3B2E3793-BFE6-45A2-9B7B-E18844431C99}"/>
+          </ac:spMkLst>
+        </pc:spChg>
+        <pc:spChg chg="add del">
+          <ac:chgData name="Mike Gasser" userId="c2a457e3a0091398" providerId="LiveId" clId="{35162536-F808-402C-8072-4AD7802BF7D2}" dt="2023-06-12T19:38:11.123" v="387" actId="26606"/>
+          <ac:spMkLst>
+            <pc:docMk/>
+            <pc:sldMk cId="4280237170" sldId="258"/>
+            <ac:spMk id="58" creationId="{BC4C4868-CB8F-4AF9-9CDB-8108F2C19B67}"/>
+          </ac:spMkLst>
+        </pc:spChg>
+        <pc:spChg chg="add del">
+          <ac:chgData name="Mike Gasser" userId="c2a457e3a0091398" providerId="LiveId" clId="{35162536-F808-402C-8072-4AD7802BF7D2}" dt="2023-06-12T19:38:11.123" v="387" actId="26606"/>
+          <ac:spMkLst>
+            <pc:docMk/>
+            <pc:sldMk cId="4280237170" sldId="258"/>
+            <ac:spMk id="59" creationId="{375E0459-6403-40CD-989D-56A4407CA12E}"/>
+          </ac:spMkLst>
+        </pc:spChg>
+        <pc:spChg chg="add del">
+          <ac:chgData name="Mike Gasser" userId="c2a457e3a0091398" providerId="LiveId" clId="{35162536-F808-402C-8072-4AD7802BF7D2}" dt="2023-06-12T19:38:11.123" v="387" actId="26606"/>
+          <ac:spMkLst>
+            <pc:docMk/>
+            <pc:sldMk cId="4280237170" sldId="258"/>
+            <ac:spMk id="60" creationId="{53E5B1A8-3AC9-4BD1-9BBC-78CA94F2D1BA}"/>
+          </ac:spMkLst>
+        </pc:spChg>
+        <pc:spChg chg="add del">
+          <ac:chgData name="Mike Gasser" userId="c2a457e3a0091398" providerId="LiveId" clId="{35162536-F808-402C-8072-4AD7802BF7D2}" dt="2023-06-12T19:38:12.517" v="389" actId="26606"/>
+          <ac:spMkLst>
+            <pc:docMk/>
+            <pc:sldMk cId="4280237170" sldId="258"/>
+            <ac:spMk id="63" creationId="{1B15ED52-F352-441B-82BF-E0EA34836D08}"/>
+          </ac:spMkLst>
+        </pc:spChg>
+        <pc:spChg chg="add del">
+          <ac:chgData name="Mike Gasser" userId="c2a457e3a0091398" providerId="LiveId" clId="{35162536-F808-402C-8072-4AD7802BF7D2}" dt="2023-06-12T19:38:12.517" v="389" actId="26606"/>
+          <ac:spMkLst>
+            <pc:docMk/>
+            <pc:sldMk cId="4280237170" sldId="258"/>
+            <ac:spMk id="64" creationId="{3B2E3793-BFE6-45A2-9B7B-E18844431C99}"/>
+          </ac:spMkLst>
+        </pc:spChg>
+        <pc:spChg chg="add del">
+          <ac:chgData name="Mike Gasser" userId="c2a457e3a0091398" providerId="LiveId" clId="{35162536-F808-402C-8072-4AD7802BF7D2}" dt="2023-06-12T19:38:12.517" v="389" actId="26606"/>
+          <ac:spMkLst>
+            <pc:docMk/>
+            <pc:sldMk cId="4280237170" sldId="258"/>
+            <ac:spMk id="65" creationId="{BC4C4868-CB8F-4AF9-9CDB-8108F2C19B67}"/>
+          </ac:spMkLst>
+        </pc:spChg>
+        <pc:spChg chg="add del">
+          <ac:chgData name="Mike Gasser" userId="c2a457e3a0091398" providerId="LiveId" clId="{35162536-F808-402C-8072-4AD7802BF7D2}" dt="2023-06-12T19:38:12.517" v="389" actId="26606"/>
+          <ac:spMkLst>
+            <pc:docMk/>
+            <pc:sldMk cId="4280237170" sldId="258"/>
+            <ac:spMk id="66" creationId="{375E0459-6403-40CD-989D-56A4407CA12E}"/>
+          </ac:spMkLst>
+        </pc:spChg>
+        <pc:spChg chg="add del">
+          <ac:chgData name="Mike Gasser" userId="c2a457e3a0091398" providerId="LiveId" clId="{35162536-F808-402C-8072-4AD7802BF7D2}" dt="2023-06-12T19:38:12.517" v="389" actId="26606"/>
+          <ac:spMkLst>
+            <pc:docMk/>
+            <pc:sldMk cId="4280237170" sldId="258"/>
+            <ac:spMk id="67" creationId="{53E5B1A8-3AC9-4BD1-9BBC-78CA94F2D1BA}"/>
+          </ac:spMkLst>
+        </pc:spChg>
+        <pc:spChg chg="add del">
+          <ac:chgData name="Mike Gasser" userId="c2a457e3a0091398" providerId="LiveId" clId="{35162536-F808-402C-8072-4AD7802BF7D2}" dt="2023-06-12T19:38:17.144" v="391" actId="26606"/>
+          <ac:spMkLst>
+            <pc:docMk/>
+            <pc:sldMk cId="4280237170" sldId="258"/>
+            <ac:spMk id="70" creationId="{1B15ED52-F352-441B-82BF-E0EA34836D08}"/>
+          </ac:spMkLst>
+        </pc:spChg>
+        <pc:spChg chg="add del">
+          <ac:chgData name="Mike Gasser" userId="c2a457e3a0091398" providerId="LiveId" clId="{35162536-F808-402C-8072-4AD7802BF7D2}" dt="2023-06-12T19:38:17.144" v="391" actId="26606"/>
+          <ac:spMkLst>
+            <pc:docMk/>
+            <pc:sldMk cId="4280237170" sldId="258"/>
+            <ac:spMk id="71" creationId="{3B2E3793-BFE6-45A2-9B7B-E18844431C99}"/>
+          </ac:spMkLst>
+        </pc:spChg>
+        <pc:spChg chg="add del">
+          <ac:chgData name="Mike Gasser" userId="c2a457e3a0091398" providerId="LiveId" clId="{35162536-F808-402C-8072-4AD7802BF7D2}" dt="2023-06-12T19:38:17.144" v="391" actId="26606"/>
+          <ac:spMkLst>
+            <pc:docMk/>
+            <pc:sldMk cId="4280237170" sldId="258"/>
+            <ac:spMk id="72" creationId="{BC4C4868-CB8F-4AF9-9CDB-8108F2C19B67}"/>
+          </ac:spMkLst>
+        </pc:spChg>
+        <pc:spChg chg="add del">
+          <ac:chgData name="Mike Gasser" userId="c2a457e3a0091398" providerId="LiveId" clId="{35162536-F808-402C-8072-4AD7802BF7D2}" dt="2023-06-12T19:38:17.144" v="391" actId="26606"/>
+          <ac:spMkLst>
+            <pc:docMk/>
+            <pc:sldMk cId="4280237170" sldId="258"/>
+            <ac:spMk id="73" creationId="{375E0459-6403-40CD-989D-56A4407CA12E}"/>
+          </ac:spMkLst>
+        </pc:spChg>
+        <pc:spChg chg="add del">
+          <ac:chgData name="Mike Gasser" userId="c2a457e3a0091398" providerId="LiveId" clId="{35162536-F808-402C-8072-4AD7802BF7D2}" dt="2023-06-12T19:38:17.144" v="391" actId="26606"/>
+          <ac:spMkLst>
+            <pc:docMk/>
+            <pc:sldMk cId="4280237170" sldId="258"/>
+            <ac:spMk id="74" creationId="{53E5B1A8-3AC9-4BD1-9BBC-78CA94F2D1BA}"/>
+          </ac:spMkLst>
+        </pc:spChg>
+        <pc:spChg chg="add del">
+          <ac:chgData name="Mike Gasser" userId="c2a457e3a0091398" providerId="LiveId" clId="{35162536-F808-402C-8072-4AD7802BF7D2}" dt="2023-06-12T19:38:18.528" v="393" actId="26606"/>
+          <ac:spMkLst>
+            <pc:docMk/>
+            <pc:sldMk cId="4280237170" sldId="258"/>
+            <ac:spMk id="77" creationId="{5298780A-33B9-4EA2-8F67-DE68AD62841B}"/>
+          </ac:spMkLst>
+        </pc:spChg>
+        <pc:spChg chg="add del">
+          <ac:chgData name="Mike Gasser" userId="c2a457e3a0091398" providerId="LiveId" clId="{35162536-F808-402C-8072-4AD7802BF7D2}" dt="2023-06-12T19:38:18.528" v="393" actId="26606"/>
+          <ac:spMkLst>
+            <pc:docMk/>
+            <pc:sldMk cId="4280237170" sldId="258"/>
+            <ac:spMk id="78" creationId="{7F488E8B-4E1E-4402-8935-D4E6C02615C7}"/>
+          </ac:spMkLst>
+        </pc:spChg>
+        <pc:spChg chg="add del">
+          <ac:chgData name="Mike Gasser" userId="c2a457e3a0091398" providerId="LiveId" clId="{35162536-F808-402C-8072-4AD7802BF7D2}" dt="2023-06-12T19:38:18.528" v="393" actId="26606"/>
+          <ac:spMkLst>
+            <pc:docMk/>
+            <pc:sldMk cId="4280237170" sldId="258"/>
+            <ac:spMk id="79" creationId="{6A02531B-E70B-73A3-48B5-ED7CCF75FA72}"/>
+          </ac:spMkLst>
+        </pc:spChg>
+        <pc:spChg chg="add del">
+          <ac:chgData name="Mike Gasser" userId="c2a457e3a0091398" providerId="LiveId" clId="{35162536-F808-402C-8072-4AD7802BF7D2}" dt="2023-06-12T19:38:21.520" v="395" actId="26606"/>
+          <ac:spMkLst>
+            <pc:docMk/>
+            <pc:sldMk cId="4280237170" sldId="258"/>
+            <ac:spMk id="81" creationId="{100EDD19-6802-4EC3-95CE-CFFAB042CFD6}"/>
+          </ac:spMkLst>
+        </pc:spChg>
+        <pc:spChg chg="add del">
+          <ac:chgData name="Mike Gasser" userId="c2a457e3a0091398" providerId="LiveId" clId="{35162536-F808-402C-8072-4AD7802BF7D2}" dt="2023-06-12T19:38:21.520" v="395" actId="26606"/>
+          <ac:spMkLst>
+            <pc:docMk/>
+            <pc:sldMk cId="4280237170" sldId="258"/>
+            <ac:spMk id="82" creationId="{DB17E863-922E-4C26-BD64-E8FD41D28661}"/>
+          </ac:spMkLst>
+        </pc:spChg>
+        <pc:spChg chg="add del">
+          <ac:chgData name="Mike Gasser" userId="c2a457e3a0091398" providerId="LiveId" clId="{35162536-F808-402C-8072-4AD7802BF7D2}" dt="2023-06-12T19:38:21.520" v="395" actId="26606"/>
+          <ac:spMkLst>
+            <pc:docMk/>
+            <pc:sldMk cId="4280237170" sldId="258"/>
+            <ac:spMk id="83" creationId="{6A02531B-E70B-73A3-48B5-ED7CCF75FA72}"/>
+          </ac:spMkLst>
+        </pc:spChg>
+        <pc:spChg chg="add del">
+          <ac:chgData name="Mike Gasser" userId="c2a457e3a0091398" providerId="LiveId" clId="{35162536-F808-402C-8072-4AD7802BF7D2}" dt="2023-06-12T19:38:45.178" v="399" actId="26606"/>
+          <ac:spMkLst>
+            <pc:docMk/>
+            <pc:sldMk cId="4280237170" sldId="258"/>
+            <ac:spMk id="85" creationId="{1BB867FF-FC45-48F7-8104-F89BE54909F1}"/>
+          </ac:spMkLst>
+        </pc:spChg>
+        <pc:spChg chg="add del">
+          <ac:chgData name="Mike Gasser" userId="c2a457e3a0091398" providerId="LiveId" clId="{35162536-F808-402C-8072-4AD7802BF7D2}" dt="2023-06-12T19:38:45.178" v="399" actId="26606"/>
+          <ac:spMkLst>
+            <pc:docMk/>
+            <pc:sldMk cId="4280237170" sldId="258"/>
+            <ac:spMk id="86" creationId="{8BB56887-D0D5-4F0C-9E19-7247EB83C8B7}"/>
+          </ac:spMkLst>
+        </pc:spChg>
+        <pc:spChg chg="add del">
+          <ac:chgData name="Mike Gasser" userId="c2a457e3a0091398" providerId="LiveId" clId="{35162536-F808-402C-8072-4AD7802BF7D2}" dt="2023-06-12T19:38:45.178" v="399" actId="26606"/>
+          <ac:spMkLst>
+            <pc:docMk/>
+            <pc:sldMk cId="4280237170" sldId="258"/>
+            <ac:spMk id="87" creationId="{081E4A58-353D-44AE-B2FC-2A74E2E400F7}"/>
+          </ac:spMkLst>
+        </pc:spChg>
+        <pc:spChg chg="add del">
+          <ac:chgData name="Mike Gasser" userId="c2a457e3a0091398" providerId="LiveId" clId="{35162536-F808-402C-8072-4AD7802BF7D2}" dt="2023-06-12T19:38:45.178" v="399" actId="26606"/>
+          <ac:spMkLst>
+            <pc:docMk/>
+            <pc:sldMk cId="4280237170" sldId="258"/>
+            <ac:spMk id="88" creationId="{6A02531B-E70B-73A3-48B5-ED7CCF75FA72}"/>
+          </ac:spMkLst>
+        </pc:spChg>
+        <pc:spChg chg="add del mod">
+          <ac:chgData name="Mike Gasser" userId="c2a457e3a0091398" providerId="LiveId" clId="{35162536-F808-402C-8072-4AD7802BF7D2}" dt="2023-06-12T19:42:52.480" v="404" actId="12084"/>
+          <ac:spMkLst>
+            <pc:docMk/>
+            <pc:sldMk cId="4280237170" sldId="258"/>
+            <ac:spMk id="92" creationId="{6A02531B-E70B-73A3-48B5-ED7CCF75FA72}"/>
+          </ac:spMkLst>
+        </pc:spChg>
+        <pc:spChg chg="add del">
+          <ac:chgData name="Mike Gasser" userId="c2a457e3a0091398" providerId="LiveId" clId="{35162536-F808-402C-8072-4AD7802BF7D2}" dt="2023-06-12T19:43:08.462" v="407" actId="26606"/>
+          <ac:spMkLst>
+            <pc:docMk/>
+            <pc:sldMk cId="4280237170" sldId="258"/>
+            <ac:spMk id="93" creationId="{6128F3BD-7564-4310-B528-888E64F87576}"/>
+          </ac:spMkLst>
+        </pc:spChg>
+        <pc:spChg chg="add del">
+          <ac:chgData name="Mike Gasser" userId="c2a457e3a0091398" providerId="LiveId" clId="{35162536-F808-402C-8072-4AD7802BF7D2}" dt="2023-06-12T19:43:08.462" v="407" actId="26606"/>
+          <ac:spMkLst>
+            <pc:docMk/>
+            <pc:sldMk cId="4280237170" sldId="258"/>
+            <ac:spMk id="95" creationId="{82AA3C4E-019E-440F-87AB-67EFA9BE6C81}"/>
+          </ac:spMkLst>
+        </pc:spChg>
+        <pc:spChg chg="add del">
+          <ac:chgData name="Mike Gasser" userId="c2a457e3a0091398" providerId="LiveId" clId="{35162536-F808-402C-8072-4AD7802BF7D2}" dt="2023-06-12T19:43:08.269" v="406" actId="26606"/>
+          <ac:spMkLst>
+            <pc:docMk/>
+            <pc:sldMk cId="4280237170" sldId="258"/>
+            <ac:spMk id="100" creationId="{AE2B703B-46F9-481A-A605-82E2A828C4FA}"/>
+          </ac:spMkLst>
+        </pc:spChg>
+        <pc:spChg chg="add del">
+          <ac:chgData name="Mike Gasser" userId="c2a457e3a0091398" providerId="LiveId" clId="{35162536-F808-402C-8072-4AD7802BF7D2}" dt="2023-06-12T19:43:08.269" v="406" actId="26606"/>
+          <ac:spMkLst>
+            <pc:docMk/>
+            <pc:sldMk cId="4280237170" sldId="258"/>
+            <ac:spMk id="102" creationId="{F13BE4D7-0C3D-4906-B230-A1C5B4665CCF}"/>
+          </ac:spMkLst>
+        </pc:spChg>
+        <pc:spChg chg="add del">
+          <ac:chgData name="Mike Gasser" userId="c2a457e3a0091398" providerId="LiveId" clId="{35162536-F808-402C-8072-4AD7802BF7D2}" dt="2023-06-12T19:45:24.492" v="413" actId="26606"/>
+          <ac:spMkLst>
+            <pc:docMk/>
+            <pc:sldMk cId="4280237170" sldId="258"/>
+            <ac:spMk id="104" creationId="{6128F3BD-7564-4310-B528-888E64F87576}"/>
+          </ac:spMkLst>
+        </pc:spChg>
+        <pc:spChg chg="add del">
+          <ac:chgData name="Mike Gasser" userId="c2a457e3a0091398" providerId="LiveId" clId="{35162536-F808-402C-8072-4AD7802BF7D2}" dt="2023-06-12T19:45:24.492" v="413" actId="26606"/>
+          <ac:spMkLst>
+            <pc:docMk/>
+            <pc:sldMk cId="4280237170" sldId="258"/>
+            <ac:spMk id="105" creationId="{82AA3C4E-019E-440F-87AB-67EFA9BE6C81}"/>
+          </ac:spMkLst>
+        </pc:spChg>
+        <pc:spChg chg="add del">
+          <ac:chgData name="Mike Gasser" userId="c2a457e3a0091398" providerId="LiveId" clId="{35162536-F808-402C-8072-4AD7802BF7D2}" dt="2023-06-12T19:46:24.571" v="414" actId="26606"/>
+          <ac:spMkLst>
+            <pc:docMk/>
+            <pc:sldMk cId="4280237170" sldId="258"/>
+            <ac:spMk id="110" creationId="{6C4028FD-8BAA-4A19-BFDE-594D991B7552}"/>
+          </ac:spMkLst>
+        </pc:spChg>
+        <pc:spChg chg="add">
+          <ac:chgData name="Mike Gasser" userId="c2a457e3a0091398" providerId="LiveId" clId="{35162536-F808-402C-8072-4AD7802BF7D2}" dt="2023-06-12T19:46:24.571" v="414" actId="26606"/>
+          <ac:spMkLst>
+            <pc:docMk/>
+            <pc:sldMk cId="4280237170" sldId="258"/>
+            <ac:spMk id="115" creationId="{E02239D2-A05D-4A1C-9F06-FBA7FC730E1B}"/>
+          </ac:spMkLst>
+        </pc:spChg>
+        <pc:grpChg chg="add del">
+          <ac:chgData name="Mike Gasser" userId="c2a457e3a0091398" providerId="LiveId" clId="{35162536-F808-402C-8072-4AD7802BF7D2}" dt="2023-06-12T19:38:07.054" v="381" actId="26606"/>
+          <ac:grpSpMkLst>
+            <pc:docMk/>
+            <pc:sldMk cId="4280237170" sldId="258"/>
+            <ac:grpSpMk id="35" creationId="{AE1C45F0-260A-458C-96ED-C1F6D2151219}"/>
+          </ac:grpSpMkLst>
+        </pc:grpChg>
+        <pc:grpChg chg="add del">
+          <ac:chgData name="Mike Gasser" userId="c2a457e3a0091398" providerId="LiveId" clId="{35162536-F808-402C-8072-4AD7802BF7D2}" dt="2023-06-12T19:38:09.728" v="385" actId="26606"/>
+          <ac:grpSpMkLst>
+            <pc:docMk/>
+            <pc:sldMk cId="4280237170" sldId="258"/>
+            <ac:grpSpMk id="49" creationId="{AE1C45F0-260A-458C-96ED-C1F6D2151219}"/>
+          </ac:grpSpMkLst>
+        </pc:grpChg>
+        <pc:graphicFrameChg chg="add mod modGraphic">
+          <ac:chgData name="Mike Gasser" userId="c2a457e3a0091398" providerId="LiveId" clId="{35162536-F808-402C-8072-4AD7802BF7D2}" dt="2023-06-12T19:46:24.571" v="414" actId="26606"/>
+          <ac:graphicFrameMkLst>
+            <pc:docMk/>
+            <pc:sldMk cId="4280237170" sldId="258"/>
+            <ac:graphicFrameMk id="4" creationId="{A30AEF16-02BF-6223-C209-1ED6639BD96D}"/>
+          </ac:graphicFrameMkLst>
+        </pc:graphicFrameChg>
+        <pc:graphicFrameChg chg="add del">
+          <ac:chgData name="Mike Gasser" userId="c2a457e3a0091398" providerId="LiveId" clId="{35162536-F808-402C-8072-4AD7802BF7D2}" dt="2023-06-12T19:38:03.846" v="375" actId="26606"/>
+          <ac:graphicFrameMkLst>
+            <pc:docMk/>
+            <pc:sldMk cId="4280237170" sldId="258"/>
+            <ac:graphicFrameMk id="18" creationId="{86EADD92-8580-D436-EFED-8E26E0C9B652}"/>
+          </ac:graphicFrameMkLst>
+        </pc:graphicFrameChg>
+        <pc:graphicFrameChg chg="add del">
+          <ac:chgData name="Mike Gasser" userId="c2a457e3a0091398" providerId="LiveId" clId="{35162536-F808-402C-8072-4AD7802BF7D2}" dt="2023-06-12T19:38:05.862" v="379" actId="26606"/>
+          <ac:graphicFrameMkLst>
+            <pc:docMk/>
+            <pc:sldMk cId="4280237170" sldId="258"/>
+            <ac:graphicFrameMk id="32" creationId="{F1BD7FF6-0E2D-EE33-E74A-E54AFB5108D1}"/>
+          </ac:graphicFrameMkLst>
+        </pc:graphicFrameChg>
+        <pc:graphicFrameChg chg="add del">
+          <ac:chgData name="Mike Gasser" userId="c2a457e3a0091398" providerId="LiveId" clId="{35162536-F808-402C-8072-4AD7802BF7D2}" dt="2023-06-12T19:38:07.054" v="381" actId="26606"/>
+          <ac:graphicFrameMkLst>
+            <pc:docMk/>
+            <pc:sldMk cId="4280237170" sldId="258"/>
+            <ac:graphicFrameMk id="40" creationId="{20F4C3B6-406E-BFDC-91BB-CB4D4DD652F0}"/>
+          </ac:graphicFrameMkLst>
+        </pc:graphicFrameChg>
+        <pc:graphicFrameChg chg="add del">
+          <ac:chgData name="Mike Gasser" userId="c2a457e3a0091398" providerId="LiveId" clId="{35162536-F808-402C-8072-4AD7802BF7D2}" dt="2023-06-12T19:38:08.392" v="383" actId="26606"/>
+          <ac:graphicFrameMkLst>
+            <pc:docMk/>
+            <pc:sldMk cId="4280237170" sldId="258"/>
+            <ac:graphicFrameMk id="46" creationId="{DE9099EE-CE20-8CA2-0356-CEFAAF97879E}"/>
+          </ac:graphicFrameMkLst>
+        </pc:graphicFrameChg>
+        <pc:graphicFrameChg chg="add del">
+          <ac:chgData name="Mike Gasser" userId="c2a457e3a0091398" providerId="LiveId" clId="{35162536-F808-402C-8072-4AD7802BF7D2}" dt="2023-06-12T19:38:09.728" v="385" actId="26606"/>
+          <ac:graphicFrameMkLst>
+            <pc:docMk/>
+            <pc:sldMk cId="4280237170" sldId="258"/>
+            <ac:graphicFrameMk id="54" creationId="{5E2B3600-4AF1-44CB-E62F-629726259904}"/>
+          </ac:graphicFrameMkLst>
+        </pc:graphicFrameChg>
+        <pc:graphicFrameChg chg="add del">
+          <ac:chgData name="Mike Gasser" userId="c2a457e3a0091398" providerId="LiveId" clId="{35162536-F808-402C-8072-4AD7802BF7D2}" dt="2023-06-12T19:38:11.123" v="387" actId="26606"/>
+          <ac:graphicFrameMkLst>
+            <pc:docMk/>
+            <pc:sldMk cId="4280237170" sldId="258"/>
+            <ac:graphicFrameMk id="61" creationId="{E4CD8604-E8F3-74D0-A9AF-9C3B56BC9809}"/>
+          </ac:graphicFrameMkLst>
+        </pc:graphicFrameChg>
+        <pc:graphicFrameChg chg="add del">
+          <ac:chgData name="Mike Gasser" userId="c2a457e3a0091398" providerId="LiveId" clId="{35162536-F808-402C-8072-4AD7802BF7D2}" dt="2023-06-12T19:38:12.517" v="389" actId="26606"/>
+          <ac:graphicFrameMkLst>
+            <pc:docMk/>
+            <pc:sldMk cId="4280237170" sldId="258"/>
+            <ac:graphicFrameMk id="68" creationId="{40836E92-C3F6-2CCE-AD43-73BF7D955170}"/>
+          </ac:graphicFrameMkLst>
+        </pc:graphicFrameChg>
+        <pc:graphicFrameChg chg="add del">
+          <ac:chgData name="Mike Gasser" userId="c2a457e3a0091398" providerId="LiveId" clId="{35162536-F808-402C-8072-4AD7802BF7D2}" dt="2023-06-12T19:38:17.144" v="391" actId="26606"/>
+          <ac:graphicFrameMkLst>
+            <pc:docMk/>
+            <pc:sldMk cId="4280237170" sldId="258"/>
+            <ac:graphicFrameMk id="75" creationId="{4C55BE77-2D04-3023-E9D7-7740EA5E27B9}"/>
+          </ac:graphicFrameMkLst>
+        </pc:graphicFrameChg>
+        <pc:graphicFrameChg chg="add del">
+          <ac:chgData name="Mike Gasser" userId="c2a457e3a0091398" providerId="LiveId" clId="{35162536-F808-402C-8072-4AD7802BF7D2}" dt="2023-06-12T19:38:45.015" v="398" actId="26606"/>
+          <ac:graphicFrameMkLst>
+            <pc:docMk/>
+            <pc:sldMk cId="4280237170" sldId="258"/>
+            <ac:graphicFrameMk id="90" creationId="{FE3BF0BE-4664-D41E-D486-C515B05F797F}"/>
+          </ac:graphicFrameMkLst>
+        </pc:graphicFrameChg>
+        <pc:picChg chg="add del">
+          <ac:chgData name="Mike Gasser" userId="c2a457e3a0091398" providerId="LiveId" clId="{35162536-F808-402C-8072-4AD7802BF7D2}" dt="2023-06-12T19:38:03.846" v="375" actId="26606"/>
+          <ac:picMkLst>
+            <pc:docMk/>
+            <pc:sldMk cId="4280237170" sldId="258"/>
+            <ac:picMk id="19" creationId="{2D8EB1FE-2E58-2600-3C76-F3A09F53EEA8}"/>
+          </ac:picMkLst>
+        </pc:picChg>
+        <pc:picChg chg="add del">
+          <ac:chgData name="Mike Gasser" userId="c2a457e3a0091398" providerId="LiveId" clId="{35162536-F808-402C-8072-4AD7802BF7D2}" dt="2023-06-12T19:38:04.500" v="377" actId="26606"/>
+          <ac:picMkLst>
+            <pc:docMk/>
+            <pc:sldMk cId="4280237170" sldId="258"/>
+            <ac:picMk id="25" creationId="{A6509E75-A8BD-A651-0CB2-E3D7F47FC2C5}"/>
+          </ac:picMkLst>
+        </pc:picChg>
+        <pc:cxnChg chg="add del">
+          <ac:chgData name="Mike Gasser" userId="c2a457e3a0091398" providerId="LiveId" clId="{35162536-F808-402C-8072-4AD7802BF7D2}" dt="2023-06-12T19:38:18.528" v="393" actId="26606"/>
+          <ac:cxnSpMkLst>
+            <pc:docMk/>
+            <pc:sldMk cId="4280237170" sldId="258"/>
+            <ac:cxnSpMk id="27" creationId="{23AAC9B5-8015-485C-ACF9-A750390E9A56}"/>
+          </ac:cxnSpMkLst>
+        </pc:cxnChg>
+        <pc:cxnChg chg="add del">
+          <ac:chgData name="Mike Gasser" userId="c2a457e3a0091398" providerId="LiveId" clId="{35162536-F808-402C-8072-4AD7802BF7D2}" dt="2023-06-12T19:38:07.054" v="381" actId="26606"/>
+          <ac:cxnSpMkLst>
+            <pc:docMk/>
+            <pc:sldMk cId="4280237170" sldId="258"/>
+            <ac:cxnSpMk id="39" creationId="{6CF1BAF6-AD41-4082-B212-8A1F9A2E8779}"/>
+          </ac:cxnSpMkLst>
+        </pc:cxnChg>
+        <pc:cxnChg chg="add del">
+          <ac:chgData name="Mike Gasser" userId="c2a457e3a0091398" providerId="LiveId" clId="{35162536-F808-402C-8072-4AD7802BF7D2}" dt="2023-06-12T19:38:09.728" v="385" actId="26606"/>
+          <ac:cxnSpMkLst>
+            <pc:docMk/>
+            <pc:sldMk cId="4280237170" sldId="258"/>
+            <ac:cxnSpMk id="53" creationId="{6CF1BAF6-AD41-4082-B212-8A1F9A2E8779}"/>
+          </ac:cxnSpMkLst>
+        </pc:cxnChg>
+      </pc:sldChg>
+      <pc:sldChg chg="addSp delSp modSp new del mod setBg">
+        <pc:chgData name="Mike Gasser" userId="c2a457e3a0091398" providerId="LiveId" clId="{35162536-F808-402C-8072-4AD7802BF7D2}" dt="2023-06-12T19:24:10.745" v="240" actId="2696"/>
+        <pc:sldMkLst>
+          <pc:docMk/>
+          <pc:sldMk cId="352878824" sldId="259"/>
+        </pc:sldMkLst>
+        <pc:spChg chg="mod">
+          <ac:chgData name="Mike Gasser" userId="c2a457e3a0091398" providerId="LiveId" clId="{35162536-F808-402C-8072-4AD7802BF7D2}" dt="2023-06-12T19:11:31.219" v="211" actId="26606"/>
+          <ac:spMkLst>
+            <pc:docMk/>
+            <pc:sldMk cId="352878824" sldId="259"/>
+            <ac:spMk id="2" creationId="{22946E84-82F1-9809-2EF6-0325DBE1FCB6}"/>
+          </ac:spMkLst>
+        </pc:spChg>
+        <pc:spChg chg="del">
+          <ac:chgData name="Mike Gasser" userId="c2a457e3a0091398" providerId="LiveId" clId="{35162536-F808-402C-8072-4AD7802BF7D2}" dt="2023-06-12T19:10:31.879" v="203" actId="931"/>
+          <ac:spMkLst>
+            <pc:docMk/>
+            <pc:sldMk cId="352878824" sldId="259"/>
+            <ac:spMk id="3" creationId="{15C1DCC2-671E-F38F-F36D-E67E8A3EAC90}"/>
+          </ac:spMkLst>
+        </pc:spChg>
+        <pc:spChg chg="add">
+          <ac:chgData name="Mike Gasser" userId="c2a457e3a0091398" providerId="LiveId" clId="{35162536-F808-402C-8072-4AD7802BF7D2}" dt="2023-06-12T19:11:31.219" v="211" actId="26606"/>
+          <ac:spMkLst>
+            <pc:docMk/>
+            <pc:sldMk cId="352878824" sldId="259"/>
+            <ac:spMk id="10" creationId="{A8384FB5-9ADC-4DDC-881B-597D56F5B15D}"/>
+          </ac:spMkLst>
+        </pc:spChg>
+        <pc:spChg chg="add">
+          <ac:chgData name="Mike Gasser" userId="c2a457e3a0091398" providerId="LiveId" clId="{35162536-F808-402C-8072-4AD7802BF7D2}" dt="2023-06-12T19:11:31.219" v="211" actId="26606"/>
+          <ac:spMkLst>
+            <pc:docMk/>
+            <pc:sldMk cId="352878824" sldId="259"/>
+            <ac:spMk id="12" creationId="{91E5A9A7-95C6-4F4F-B00E-C82E07FE62EF}"/>
+          </ac:spMkLst>
+        </pc:spChg>
+        <pc:spChg chg="add">
+          <ac:chgData name="Mike Gasser" userId="c2a457e3a0091398" providerId="LiveId" clId="{35162536-F808-402C-8072-4AD7802BF7D2}" dt="2023-06-12T19:11:31.219" v="211" actId="26606"/>
+          <ac:spMkLst>
+            <pc:docMk/>
+            <pc:sldMk cId="352878824" sldId="259"/>
+            <ac:spMk id="14" creationId="{D07DD2DE-F619-49DD-B5E7-03A290FF4ED1}"/>
+          </ac:spMkLst>
+        </pc:spChg>
+        <pc:spChg chg="add">
+          <ac:chgData name="Mike Gasser" userId="c2a457e3a0091398" providerId="LiveId" clId="{35162536-F808-402C-8072-4AD7802BF7D2}" dt="2023-06-12T19:11:31.219" v="211" actId="26606"/>
+          <ac:spMkLst>
+            <pc:docMk/>
+            <pc:sldMk cId="352878824" sldId="259"/>
+            <ac:spMk id="16" creationId="{85149191-5F60-4A28-AAFF-039F96B0F3EC}"/>
+          </ac:spMkLst>
+        </pc:spChg>
+        <pc:spChg chg="add">
+          <ac:chgData name="Mike Gasser" userId="c2a457e3a0091398" providerId="LiveId" clId="{35162536-F808-402C-8072-4AD7802BF7D2}" dt="2023-06-12T19:11:31.219" v="211" actId="26606"/>
+          <ac:spMkLst>
+            <pc:docMk/>
+            <pc:sldMk cId="352878824" sldId="259"/>
+            <ac:spMk id="18" creationId="{F8260ED5-17F7-4158-B241-D51DD4CF1B7E}"/>
+          </ac:spMkLst>
+        </pc:spChg>
+        <pc:picChg chg="add mod">
+          <ac:chgData name="Mike Gasser" userId="c2a457e3a0091398" providerId="LiveId" clId="{35162536-F808-402C-8072-4AD7802BF7D2}" dt="2023-06-12T19:20:50.613" v="239" actId="1076"/>
+          <ac:picMkLst>
+            <pc:docMk/>
+            <pc:sldMk cId="352878824" sldId="259"/>
+            <ac:picMk id="5" creationId="{570F4389-06F7-1D11-BCC4-64B85370DA35}"/>
+          </ac:picMkLst>
+        </pc:picChg>
+      </pc:sldChg>
+      <pc:sldChg chg="addSp delSp modSp new del mod setBg">
+        <pc:chgData name="Mike Gasser" userId="c2a457e3a0091398" providerId="LiveId" clId="{35162536-F808-402C-8072-4AD7802BF7D2}" dt="2023-06-12T19:10:19.590" v="194" actId="2696"/>
+        <pc:sldMkLst>
+          <pc:docMk/>
+          <pc:sldMk cId="2195372574" sldId="259"/>
+        </pc:sldMkLst>
+        <pc:spChg chg="mod">
+          <ac:chgData name="Mike Gasser" userId="c2a457e3a0091398" providerId="LiveId" clId="{35162536-F808-402C-8072-4AD7802BF7D2}" dt="2023-06-12T19:09:46.150" v="193" actId="26606"/>
+          <ac:spMkLst>
+            <pc:docMk/>
+            <pc:sldMk cId="2195372574" sldId="259"/>
+            <ac:spMk id="2" creationId="{E5DF5033-C3F8-64B7-AA17-AAB6BA203C2B}"/>
+          </ac:spMkLst>
+        </pc:spChg>
+        <pc:spChg chg="del">
+          <ac:chgData name="Mike Gasser" userId="c2a457e3a0091398" providerId="LiveId" clId="{35162536-F808-402C-8072-4AD7802BF7D2}" dt="2023-06-12T19:09:21.568" v="188" actId="931"/>
+          <ac:spMkLst>
+            <pc:docMk/>
+            <pc:sldMk cId="2195372574" sldId="259"/>
+            <ac:spMk id="3" creationId="{EBEC39BC-D90C-6F71-70FB-BEA7CB8DE157}"/>
+          </ac:spMkLst>
+        </pc:spChg>
+        <pc:spChg chg="add">
+          <ac:chgData name="Mike Gasser" userId="c2a457e3a0091398" providerId="LiveId" clId="{35162536-F808-402C-8072-4AD7802BF7D2}" dt="2023-06-12T19:09:46.150" v="193" actId="26606"/>
+          <ac:spMkLst>
+            <pc:docMk/>
+            <pc:sldMk cId="2195372574" sldId="259"/>
+            <ac:spMk id="10" creationId="{A8384FB5-9ADC-4DDC-881B-597D56F5B15D}"/>
+          </ac:spMkLst>
+        </pc:spChg>
+        <pc:spChg chg="add">
+          <ac:chgData name="Mike Gasser" userId="c2a457e3a0091398" providerId="LiveId" clId="{35162536-F808-402C-8072-4AD7802BF7D2}" dt="2023-06-12T19:09:46.150" v="193" actId="26606"/>
+          <ac:spMkLst>
+            <pc:docMk/>
+            <pc:sldMk cId="2195372574" sldId="259"/>
+            <ac:spMk id="12" creationId="{91E5A9A7-95C6-4F4F-B00E-C82E07FE62EF}"/>
+          </ac:spMkLst>
+        </pc:spChg>
+        <pc:spChg chg="add">
+          <ac:chgData name="Mike Gasser" userId="c2a457e3a0091398" providerId="LiveId" clId="{35162536-F808-402C-8072-4AD7802BF7D2}" dt="2023-06-12T19:09:46.150" v="193" actId="26606"/>
+          <ac:spMkLst>
+            <pc:docMk/>
+            <pc:sldMk cId="2195372574" sldId="259"/>
+            <ac:spMk id="14" creationId="{D07DD2DE-F619-49DD-B5E7-03A290FF4ED1}"/>
+          </ac:spMkLst>
+        </pc:spChg>
+        <pc:spChg chg="add">
+          <ac:chgData name="Mike Gasser" userId="c2a457e3a0091398" providerId="LiveId" clId="{35162536-F808-402C-8072-4AD7802BF7D2}" dt="2023-06-12T19:09:46.150" v="193" actId="26606"/>
+          <ac:spMkLst>
+            <pc:docMk/>
+            <pc:sldMk cId="2195372574" sldId="259"/>
+            <ac:spMk id="16" creationId="{85149191-5F60-4A28-AAFF-039F96B0F3EC}"/>
+          </ac:spMkLst>
+        </pc:spChg>
+        <pc:spChg chg="add">
+          <ac:chgData name="Mike Gasser" userId="c2a457e3a0091398" providerId="LiveId" clId="{35162536-F808-402C-8072-4AD7802BF7D2}" dt="2023-06-12T19:09:46.150" v="193" actId="26606"/>
+          <ac:spMkLst>
+            <pc:docMk/>
+            <pc:sldMk cId="2195372574" sldId="259"/>
+            <ac:spMk id="18" creationId="{F8260ED5-17F7-4158-B241-D51DD4CF1B7E}"/>
+          </ac:spMkLst>
+        </pc:spChg>
+        <pc:picChg chg="add mod">
+          <ac:chgData name="Mike Gasser" userId="c2a457e3a0091398" providerId="LiveId" clId="{35162536-F808-402C-8072-4AD7802BF7D2}" dt="2023-06-12T19:09:46.150" v="193" actId="26606"/>
+          <ac:picMkLst>
+            <pc:docMk/>
+            <pc:sldMk cId="2195372574" sldId="259"/>
+            <ac:picMk id="5" creationId="{080259D1-7B40-149F-0D20-467AEF8E3A11}"/>
+          </ac:picMkLst>
+        </pc:picChg>
+      </pc:sldChg>
+      <pc:sldChg chg="addSp delSp modSp del mod setBg">
+        <pc:chgData name="Mike Gasser" userId="c2a457e3a0091398" providerId="LiveId" clId="{35162536-F808-402C-8072-4AD7802BF7D2}" dt="2023-06-12T19:08:59.807" v="177" actId="2696"/>
+        <pc:sldMkLst>
+          <pc:docMk/>
+          <pc:sldMk cId="2805990035" sldId="259"/>
+        </pc:sldMkLst>
+        <pc:spChg chg="del mod">
+          <ac:chgData name="Mike Gasser" userId="c2a457e3a0091398" providerId="LiveId" clId="{35162536-F808-402C-8072-4AD7802BF7D2}" dt="2023-06-12T19:08:11.641" v="164" actId="26606"/>
+          <ac:spMkLst>
+            <pc:docMk/>
+            <pc:sldMk cId="2805990035" sldId="259"/>
+            <ac:spMk id="2" creationId="{788FB5AC-4B76-783C-EBB1-C1D114AD51CA}"/>
+          </ac:spMkLst>
+        </pc:spChg>
+        <pc:spChg chg="del mod">
+          <ac:chgData name="Mike Gasser" userId="c2a457e3a0091398" providerId="LiveId" clId="{35162536-F808-402C-8072-4AD7802BF7D2}" dt="2023-06-12T19:08:06.903" v="161" actId="931"/>
+          <ac:spMkLst>
+            <pc:docMk/>
+            <pc:sldMk cId="2805990035" sldId="259"/>
+            <ac:spMk id="3" creationId="{177359EA-0885-CB9E-836F-64226617CE29}"/>
+          </ac:spMkLst>
+        </pc:spChg>
+        <pc:spChg chg="add mod">
+          <ac:chgData name="Mike Gasser" userId="c2a457e3a0091398" providerId="LiveId" clId="{35162536-F808-402C-8072-4AD7802BF7D2}" dt="2023-06-12T19:08:56.382" v="176" actId="478"/>
+          <ac:spMkLst>
+            <pc:docMk/>
+            <pc:sldMk cId="2805990035" sldId="259"/>
+            <ac:spMk id="7" creationId="{8BAFD6A5-06B3-C068-C7C8-BC1968BCD4B3}"/>
+          </ac:spMkLst>
+        </pc:spChg>
+        <pc:spChg chg="add del">
+          <ac:chgData name="Mike Gasser" userId="c2a457e3a0091398" providerId="LiveId" clId="{35162536-F808-402C-8072-4AD7802BF7D2}" dt="2023-06-12T19:08:37.324" v="171" actId="26606"/>
+          <ac:spMkLst>
+            <pc:docMk/>
+            <pc:sldMk cId="2805990035" sldId="259"/>
+            <ac:spMk id="10" creationId="{AB8C311F-7253-4AED-9701-7FC0708C41C7}"/>
+          </ac:spMkLst>
+        </pc:spChg>
+        <pc:spChg chg="add del">
+          <ac:chgData name="Mike Gasser" userId="c2a457e3a0091398" providerId="LiveId" clId="{35162536-F808-402C-8072-4AD7802BF7D2}" dt="2023-06-12T19:08:37.324" v="171" actId="26606"/>
+          <ac:spMkLst>
+            <pc:docMk/>
+            <pc:sldMk cId="2805990035" sldId="259"/>
+            <ac:spMk id="12" creationId="{E2384209-CB15-4CDF-9D31-C44FD9A3F20D}"/>
+          </ac:spMkLst>
+        </pc:spChg>
+        <pc:spChg chg="add del">
+          <ac:chgData name="Mike Gasser" userId="c2a457e3a0091398" providerId="LiveId" clId="{35162536-F808-402C-8072-4AD7802BF7D2}" dt="2023-06-12T19:08:37.324" v="171" actId="26606"/>
+          <ac:spMkLst>
+            <pc:docMk/>
+            <pc:sldMk cId="2805990035" sldId="259"/>
+            <ac:spMk id="14" creationId="{2633B3B5-CC90-43F0-8714-D31D1F3F0209}"/>
+          </ac:spMkLst>
+        </pc:spChg>
+        <pc:spChg chg="add del">
+          <ac:chgData name="Mike Gasser" userId="c2a457e3a0091398" providerId="LiveId" clId="{35162536-F808-402C-8072-4AD7802BF7D2}" dt="2023-06-12T19:08:37.324" v="171" actId="26606"/>
+          <ac:spMkLst>
+            <pc:docMk/>
+            <pc:sldMk cId="2805990035" sldId="259"/>
+            <ac:spMk id="16" creationId="{A8D57A06-A426-446D-B02C-A2DC6B62E45E}"/>
+          </ac:spMkLst>
+        </pc:spChg>
+        <pc:spChg chg="add">
+          <ac:chgData name="Mike Gasser" userId="c2a457e3a0091398" providerId="LiveId" clId="{35162536-F808-402C-8072-4AD7802BF7D2}" dt="2023-06-12T19:08:37.330" v="172" actId="26606"/>
+          <ac:spMkLst>
+            <pc:docMk/>
+            <pc:sldMk cId="2805990035" sldId="259"/>
+            <ac:spMk id="18" creationId="{AB8C311F-7253-4AED-9701-7FC0708C41C7}"/>
+          </ac:spMkLst>
+        </pc:spChg>
+        <pc:spChg chg="add">
+          <ac:chgData name="Mike Gasser" userId="c2a457e3a0091398" providerId="LiveId" clId="{35162536-F808-402C-8072-4AD7802BF7D2}" dt="2023-06-12T19:08:37.330" v="172" actId="26606"/>
+          <ac:spMkLst>
+            <pc:docMk/>
+            <pc:sldMk cId="2805990035" sldId="259"/>
+            <ac:spMk id="19" creationId="{E2384209-CB15-4CDF-9D31-C44FD9A3F20D}"/>
+          </ac:spMkLst>
+        </pc:spChg>
+        <pc:spChg chg="add">
+          <ac:chgData name="Mike Gasser" userId="c2a457e3a0091398" providerId="LiveId" clId="{35162536-F808-402C-8072-4AD7802BF7D2}" dt="2023-06-12T19:08:37.330" v="172" actId="26606"/>
+          <ac:spMkLst>
+            <pc:docMk/>
+            <pc:sldMk cId="2805990035" sldId="259"/>
+            <ac:spMk id="20" creationId="{2633B3B5-CC90-43F0-8714-D31D1F3F0209}"/>
+          </ac:spMkLst>
+        </pc:spChg>
+        <pc:spChg chg="add">
+          <ac:chgData name="Mike Gasser" userId="c2a457e3a0091398" providerId="LiveId" clId="{35162536-F808-402C-8072-4AD7802BF7D2}" dt="2023-06-12T19:08:37.330" v="172" actId="26606"/>
+          <ac:spMkLst>
+            <pc:docMk/>
+            <pc:sldMk cId="2805990035" sldId="259"/>
+            <ac:spMk id="21" creationId="{A8D57A06-A426-446D-B02C-A2DC6B62E45E}"/>
+          </ac:spMkLst>
+        </pc:spChg>
+        <pc:picChg chg="add del mod">
+          <ac:chgData name="Mike Gasser" userId="c2a457e3a0091398" providerId="LiveId" clId="{35162536-F808-402C-8072-4AD7802BF7D2}" dt="2023-06-12T19:08:56.382" v="176" actId="478"/>
+          <ac:picMkLst>
+            <pc:docMk/>
+            <pc:sldMk cId="2805990035" sldId="259"/>
+            <ac:picMk id="5" creationId="{E7D7CD73-CB35-6DFA-5492-94B088EF6E74}"/>
+          </ac:picMkLst>
+        </pc:picChg>
+      </pc:sldChg>
+      <pc:sldChg chg="addSp delSp modSp new mod">
+        <pc:chgData name="Mike Gasser" userId="c2a457e3a0091398" providerId="LiveId" clId="{35162536-F808-402C-8072-4AD7802BF7D2}" dt="2023-06-12T19:24:20.377" v="244" actId="962"/>
+        <pc:sldMkLst>
+          <pc:docMk/>
+          <pc:sldMk cId="3854154161" sldId="259"/>
+        </pc:sldMkLst>
+        <pc:spChg chg="del">
+          <ac:chgData name="Mike Gasser" userId="c2a457e3a0091398" providerId="LiveId" clId="{35162536-F808-402C-8072-4AD7802BF7D2}" dt="2023-06-12T19:24:19.832" v="242" actId="931"/>
+          <ac:spMkLst>
+            <pc:docMk/>
+            <pc:sldMk cId="3854154161" sldId="259"/>
+            <ac:spMk id="3" creationId="{6D035F9D-624E-5ED2-4ED8-74B802FF0512}"/>
+          </ac:spMkLst>
+        </pc:spChg>
+        <pc:picChg chg="add mod">
+          <ac:chgData name="Mike Gasser" userId="c2a457e3a0091398" providerId="LiveId" clId="{35162536-F808-402C-8072-4AD7802BF7D2}" dt="2023-06-12T19:24:20.377" v="244" actId="962"/>
+          <ac:picMkLst>
+            <pc:docMk/>
+            <pc:sldMk cId="3854154161" sldId="259"/>
+            <ac:picMk id="5" creationId="{F2C95D6F-EA01-04E6-90A5-57F3C1EF0C88}"/>
+          </ac:picMkLst>
+        </pc:picChg>
+      </pc:sldChg>
+      <pc:sldChg chg="addSp delSp modSp new mod setBg">
+        <pc:chgData name="Mike Gasser" userId="c2a457e3a0091398" providerId="LiveId" clId="{35162536-F808-402C-8072-4AD7802BF7D2}" dt="2023-06-12T19:37:50.311" v="373" actId="26606"/>
+        <pc:sldMkLst>
+          <pc:docMk/>
+          <pc:sldMk cId="1662944093" sldId="260"/>
+        </pc:sldMkLst>
+        <pc:spChg chg="mod">
+          <ac:chgData name="Mike Gasser" userId="c2a457e3a0091398" providerId="LiveId" clId="{35162536-F808-402C-8072-4AD7802BF7D2}" dt="2023-06-12T19:37:06.165" v="370" actId="20577"/>
+          <ac:spMkLst>
+            <pc:docMk/>
+            <pc:sldMk cId="1662944093" sldId="260"/>
+            <ac:spMk id="2" creationId="{EC62AA56-0E54-5917-E6C5-767B96530992}"/>
+          </ac:spMkLst>
+        </pc:spChg>
+        <pc:spChg chg="add del mod">
+          <ac:chgData name="Mike Gasser" userId="c2a457e3a0091398" providerId="LiveId" clId="{35162536-F808-402C-8072-4AD7802BF7D2}" dt="2023-06-12T19:36:54.204" v="360" actId="26606"/>
+          <ac:spMkLst>
+            <pc:docMk/>
+            <pc:sldMk cId="1662944093" sldId="260"/>
+            <ac:spMk id="3" creationId="{D319F10A-C3C1-CB3E-6647-F19D1887746D}"/>
+          </ac:spMkLst>
+        </pc:spChg>
+        <pc:spChg chg="add del">
+          <ac:chgData name="Mike Gasser" userId="c2a457e3a0091398" providerId="LiveId" clId="{35162536-F808-402C-8072-4AD7802BF7D2}" dt="2023-06-12T19:35:59.906" v="353" actId="26606"/>
+          <ac:spMkLst>
+            <pc:docMk/>
+            <pc:sldMk cId="1662944093" sldId="260"/>
+            <ac:spMk id="9" creationId="{5C8908E2-EE49-44D2-9428-A28D2312A8D5}"/>
+          </ac:spMkLst>
+        </pc:spChg>
+        <pc:spChg chg="add del">
+          <ac:chgData name="Mike Gasser" userId="c2a457e3a0091398" providerId="LiveId" clId="{35162536-F808-402C-8072-4AD7802BF7D2}" dt="2023-06-12T19:35:59.906" v="353" actId="26606"/>
+          <ac:spMkLst>
+            <pc:docMk/>
+            <pc:sldMk cId="1662944093" sldId="260"/>
+            <ac:spMk id="15" creationId="{7449A6C7-D15F-4AA5-BFA5-71A404B47016}"/>
+          </ac:spMkLst>
+        </pc:spChg>
+        <pc:spChg chg="add del">
+          <ac:chgData name="Mike Gasser" userId="c2a457e3a0091398" providerId="LiveId" clId="{35162536-F808-402C-8072-4AD7802BF7D2}" dt="2023-06-12T19:35:59.906" v="353" actId="26606"/>
+          <ac:spMkLst>
+            <pc:docMk/>
+            <pc:sldMk cId="1662944093" sldId="260"/>
+            <ac:spMk id="17" creationId="{ED888B23-07FA-482A-96DF-47E31AF1A603}"/>
+          </ac:spMkLst>
+        </pc:spChg>
+        <pc:grpChg chg="add del">
+          <ac:chgData name="Mike Gasser" userId="c2a457e3a0091398" providerId="LiveId" clId="{35162536-F808-402C-8072-4AD7802BF7D2}" dt="2023-06-12T19:35:59.906" v="353" actId="26606"/>
+          <ac:grpSpMkLst>
+            <pc:docMk/>
+            <pc:sldMk cId="1662944093" sldId="260"/>
+            <ac:grpSpMk id="11" creationId="{05314994-6337-4875-8CF5-652CAFE8342C}"/>
+          </ac:grpSpMkLst>
+        </pc:grpChg>
+        <pc:graphicFrameChg chg="add del">
+          <ac:chgData name="Mike Gasser" userId="c2a457e3a0091398" providerId="LiveId" clId="{35162536-F808-402C-8072-4AD7802BF7D2}" dt="2023-06-12T19:35:59.906" v="353" actId="26606"/>
+          <ac:graphicFrameMkLst>
+            <pc:docMk/>
+            <pc:sldMk cId="1662944093" sldId="260"/>
+            <ac:graphicFrameMk id="5" creationId="{54C8F6CF-ED9B-7C6E-0F3F-7FB447B0B2CD}"/>
+          </ac:graphicFrameMkLst>
+        </pc:graphicFrameChg>
+        <pc:graphicFrameChg chg="add del">
+          <ac:chgData name="Mike Gasser" userId="c2a457e3a0091398" providerId="LiveId" clId="{35162536-F808-402C-8072-4AD7802BF7D2}" dt="2023-06-12T19:36:02.741" v="355" actId="26606"/>
+          <ac:graphicFrameMkLst>
+            <pc:docMk/>
+            <pc:sldMk cId="1662944093" sldId="260"/>
+            <ac:graphicFrameMk id="19" creationId="{D9C75D80-45B2-9DC0-19CE-4112C3401869}"/>
+          </ac:graphicFrameMkLst>
+        </pc:graphicFrameChg>
+        <pc:graphicFrameChg chg="add del">
+          <ac:chgData name="Mike Gasser" userId="c2a457e3a0091398" providerId="LiveId" clId="{35162536-F808-402C-8072-4AD7802BF7D2}" dt="2023-06-12T19:36:47.640" v="357" actId="26606"/>
+          <ac:graphicFrameMkLst>
+            <pc:docMk/>
+            <pc:sldMk cId="1662944093" sldId="260"/>
+            <ac:graphicFrameMk id="21" creationId="{6B8F697E-7E69-1FAB-62BB-FED69247AF60}"/>
+          </ac:graphicFrameMkLst>
+        </pc:graphicFrameChg>
+        <pc:graphicFrameChg chg="add del">
+          <ac:chgData name="Mike Gasser" userId="c2a457e3a0091398" providerId="LiveId" clId="{35162536-F808-402C-8072-4AD7802BF7D2}" dt="2023-06-12T19:36:54.185" v="359" actId="26606"/>
+          <ac:graphicFrameMkLst>
+            <pc:docMk/>
+            <pc:sldMk cId="1662944093" sldId="260"/>
+            <ac:graphicFrameMk id="23" creationId="{D9C75D80-45B2-9DC0-19CE-4112C3401869}"/>
+          </ac:graphicFrameMkLst>
+        </pc:graphicFrameChg>
+        <pc:graphicFrameChg chg="add mod">
+          <ac:chgData name="Mike Gasser" userId="c2a457e3a0091398" providerId="LiveId" clId="{35162536-F808-402C-8072-4AD7802BF7D2}" dt="2023-06-12T19:37:21.625" v="372" actId="14100"/>
+          <ac:graphicFrameMkLst>
+            <pc:docMk/>
+            <pc:sldMk cId="1662944093" sldId="260"/>
+            <ac:graphicFrameMk id="25" creationId="{6A08201B-E277-EAEC-7C61-CB3C0E46055C}"/>
+          </ac:graphicFrameMkLst>
+        </pc:graphicFrameChg>
+      </pc:sldChg>
+      <pc:sldChg chg="add del">
+        <pc:chgData name="Mike Gasser" userId="c2a457e3a0091398" providerId="LiveId" clId="{35162536-F808-402C-8072-4AD7802BF7D2}" dt="2023-06-12T19:09:14.335" v="187" actId="2696"/>
+        <pc:sldMkLst>
+          <pc:docMk/>
+          <pc:sldMk cId="1958269203" sldId="260"/>
+        </pc:sldMkLst>
+      </pc:sldChg>
+      <pc:sldChg chg="del">
+        <pc:chgData name="Mike Gasser" userId="c2a457e3a0091398" providerId="LiveId" clId="{35162536-F808-402C-8072-4AD7802BF7D2}" dt="2023-06-12T19:07:23.280" v="150" actId="2696"/>
+        <pc:sldMkLst>
+          <pc:docMk/>
+          <pc:sldMk cId="4054085666" sldId="260"/>
+        </pc:sldMkLst>
+      </pc:sldChg>
+    </pc:docChg>
+  </pc:docChgLst>
+</pc:chgInfo>
+</file>
+
+<file path=ppt/diagrams/colors1.xml><?xml version="1.0" encoding="utf-8"?>
+<dgm:colorsDef xmlns:dgm="http://schemas.openxmlformats.org/drawingml/2006/diagram" xmlns:a="http://schemas.openxmlformats.org/drawingml/2006/main" uniqueId="urn:microsoft.com/office/officeart/2005/8/colors/accent1_2">
+  <dgm:title val=""/>
+  <dgm:desc val=""/>
+  <dgm:catLst>
+    <dgm:cat type="accent1" pri="11200"/>
+  </dgm:catLst>
+  <dgm:styleLbl name="node0">
+    <dgm:fillClrLst meth="repeat">
+      <a:schemeClr val="accent1"/>
+    </dgm:fillClrLst>
+    <dgm:linClrLst meth="repeat">
+      <a:schemeClr val="lt1"/>
+    </dgm:linClrLst>
+    <dgm:effectClrLst/>
+    <dgm:txLinClrLst/>
+    <dgm:txFillClrLst/>
+    <dgm:txEffectClrLst/>
+  </dgm:styleLbl>
+  <dgm:styleLbl name="alignNode1">
+    <dgm:fillClrLst meth="repeat">
+      <a:schemeClr val="accent1"/>
+    </dgm:fillClrLst>
+    <dgm:linClrLst meth="repeat">
+      <a:schemeClr val="accent1"/>
+    </dgm:linClrLst>
+    <dgm:effectClrLst/>
+    <dgm:txLinClrLst/>
+    <dgm:txFillClrLst/>
+    <dgm:txEffectClrLst/>
+  </dgm:styleLbl>
+  <dgm:styleLbl name="node1">
+    <dgm:fillClrLst meth="repeat">
+      <a:schemeClr val="accent1"/>
+    </dgm:fillClrLst>
+    <dgm:linClrLst meth="repeat">
+      <a:schemeClr val="lt1"/>
+    </dgm:linClrLst>
+    <dgm:effectClrLst/>
+    <dgm:txLinClrLst/>
+    <dgm:txFillClrLst/>
+    <dgm:txEffectClrLst/>
+  </dgm:styleLbl>
+  <dgm:styleLbl name="lnNode1">
+    <dgm:fillClrLst meth="repeat">
+      <a:schemeClr val="accent1"/>
+    </dgm:fillClrLst>
+    <dgm:linClrLst meth="repeat">
+      <a:schemeClr val="lt1"/>
+    </dgm:linClrLst>
+    <dgm:effectClrLst/>
+    <dgm:txLinClrLst/>
+    <dgm:txFillClrLst/>
+    <dgm:txEffectClrLst/>
+  </dgm:styleLbl>
+  <dgm:styleLbl name="vennNode1">
+    <dgm:fillClrLst meth="repeat">
+      <a:schemeClr val="accent1">
+        <a:alpha val="50000"/>
+      </a:schemeClr>
+    </dgm:fillClrLst>
+    <dgm:linClrLst meth="repeat">
+      <a:schemeClr val="lt1"/>
+    </dgm:linClrLst>
+    <dgm:effectClrLst/>
+    <dgm:txLinClrLst/>
+    <dgm:txFillClrLst/>
+    <dgm:txEffectClrLst/>
+  </dgm:styleLbl>
+  <dgm:styleLbl name="node2">
+    <dgm:fillClrLst meth="repeat">
+      <a:schemeClr val="accent1"/>
+    </dgm:fillClrLst>
+    <dgm:linClrLst meth="repeat">
+      <a:schemeClr val="lt1"/>
+    </dgm:linClrLst>
+    <dgm:effectClrLst/>
+    <dgm:txLinClrLst/>
+    <dgm:txFillClrLst/>
+    <dgm:txEffectClrLst/>
+  </dgm:styleLbl>
+  <dgm:styleLbl name="node3">
+    <dgm:fillClrLst meth="repeat">
+      <a:schemeClr val="accent1"/>
+    </dgm:fillClrLst>
+    <dgm:linClrLst meth="repeat">
+      <a:schemeClr val="lt1"/>
+    </dgm:linClrLst>
+    <dgm:effectClrLst/>
+    <dgm:txLinClrLst/>
+    <dgm:txFillClrLst/>
+    <dgm:txEffectClrLst/>
+  </dgm:styleLbl>
+  <dgm:styleLbl name="node4">
+    <dgm:fillClrLst meth="repeat">
+      <a:schemeClr val="accent1"/>
+    </dgm:fillClrLst>
+    <dgm:linClrLst meth="repeat">
+      <a:schemeClr val="lt1"/>
+    </dgm:linClrLst>
+    <dgm:effectClrLst/>
+    <dgm:txLinClrLst/>
+    <dgm:txFillClrLst/>
+    <dgm:txEffectClrLst/>
+  </dgm:styleLbl>
+  <dgm:styleLbl name="fgImgPlace1">
+    <dgm:fillClrLst meth="repeat">
+      <a:schemeClr val="accent1">
+        <a:tint val="50000"/>
+      </a:schemeClr>
+    </dgm:fillClrLst>
+    <dgm:linClrLst meth="repeat">
+      <a:schemeClr val="lt1"/>
+    </dgm:linClrLst>
+    <dgm:effectClrLst/>
+    <dgm:txLinClrLst/>
+    <dgm:txFillClrLst meth="repeat">
+      <a:schemeClr val="lt1"/>
+    </dgm:txFillClrLst>
+    <dgm:txEffectClrLst/>
+  </dgm:styleLbl>
+  <dgm:styleLbl name="alignImgPlace1">
+    <dgm:fillClrLst meth="repeat">
+      <a:schemeClr val="accent1">
+        <a:tint val="50000"/>
+      </a:schemeClr>
+    </dgm:fillClrLst>
+    <dgm:linClrLst meth="repeat">
+      <a:schemeClr val="lt1"/>
+    </dgm:linClrLst>
+    <dgm:effectClrLst/>
+    <dgm:txLinClrLst/>
+    <dgm:txFillClrLst meth="repeat">
+      <a:schemeClr val="lt1"/>
+    </dgm:txFillClrLst>
+    <dgm:txEffectClrLst/>
+  </dgm:styleLbl>
+  <dgm:styleLbl name="bgImgPlace1">
+    <dgm:fillClrLst meth="repeat">
+      <a:schemeClr val="accent1">
+        <a:tint val="50000"/>
+      </a:schemeClr>
+    </dgm:fillClrLst>
+    <dgm:linClrLst meth="repeat">
+      <a:schemeClr val="lt1"/>
+    </dgm:linClrLst>
+    <dgm:effectClrLst/>
+    <dgm:txLinClrLst/>
+    <dgm:txFillClrLst meth="repeat">
+      <a:schemeClr val="lt1"/>
+    </dgm:txFillClrLst>
+    <dgm:txEffectClrLst/>
+  </dgm:styleLbl>
+  <dgm:styleLbl name="sibTrans2D1">
+    <dgm:fillClrLst meth="repeat">
+      <a:schemeClr val="accent1">
+        <a:tint val="60000"/>
+      </a:schemeClr>
+    </dgm:fillClrLst>
+    <dgm:linClrLst meth="repeat">
+      <a:schemeClr val="accent1">
+        <a:tint val="60000"/>
+      </a:schemeClr>
+    </dgm:linClrLst>
+    <dgm:effectClrLst/>
+    <dgm:txLinClrLst/>
+    <dgm:txFillClrLst/>
+    <dgm:txEffectClrLst/>
+  </dgm:styleLbl>
+  <dgm:styleLbl name="fgSibTrans2D1">
+    <dgm:fillClrLst meth="repeat">
+      <a:schemeClr val="accent1">
+        <a:tint val="60000"/>
+      </a:schemeClr>
+    </dgm:fillClrLst>
+    <dgm:linClrLst meth="repeat">
+      <a:schemeClr val="accent1">
+        <a:tint val="60000"/>
+      </a:schemeClr>
+    </dgm:linClrLst>
+    <dgm:effectClrLst/>
+    <dgm:txLinClrLst/>
+    <dgm:txFillClrLst/>
+    <dgm:txEffectClrLst/>
+  </dgm:styleLbl>
+  <dgm:styleLbl name="bgSibTrans2D1">
+    <dgm:fillClrLst meth="repeat">
+      <a:schemeClr val="accent1">
+        <a:tint val="60000"/>
+      </a:schemeClr>
+    </dgm:fillClrLst>
+    <dgm:linClrLst meth="repeat">
+      <a:schemeClr val="accent1">
+        <a:tint val="60000"/>
+      </a:schemeClr>
+    </dgm:linClrLst>
+    <dgm:effectClrLst/>
+    <dgm:txLinClrLst/>
+    <dgm:txFillClrLst/>
+    <dgm:txEffectClrLst/>
+  </dgm:styleLbl>
+  <dgm:styleLbl name="sibTrans1D1">
+    <dgm:fillClrLst meth="repeat">
+      <a:schemeClr val="accent1"/>
+    </dgm:fillClrLst>
+    <dgm:linClrLst meth="repeat">
+      <a:schemeClr val="accent1"/>
+    </dgm:linClrLst>
+    <dgm:effectClrLst/>
+    <dgm:txLinClrLst/>
+    <dgm:txFillClrLst meth="repeat">
+      <a:schemeClr val="tx1"/>
+    </dgm:txFillClrLst>
+    <dgm:txEffectClrLst/>
+  </dgm:styleLbl>
+  <dgm:styleLbl name="callout">
+    <dgm:fillClrLst meth="repeat">
+      <a:schemeClr val="accent1"/>
+    </dgm:fillClrLst>
+    <dgm:linClrLst meth="repeat">
+      <a:schemeClr val="accent1">
+        <a:tint val="50000"/>
+      </a:schemeClr>
+    </dgm:linClrLst>
+    <dgm:effectClrLst/>
+    <dgm:txLinClrLst/>
+    <dgm:txFillClrLst meth="repeat">
+      <a:schemeClr val="tx1"/>
+    </dgm:txFillClrLst>
+    <dgm:txEffectClrLst/>
+  </dgm:styleLbl>
+  <dgm:styleLbl name="asst0">
+    <dgm:fillClrLst meth="repeat">
+      <a:schemeClr val="accent1"/>
+    </dgm:fillClrLst>
+    <dgm:linClrLst meth="repeat">
+      <a:schemeClr val="lt1"/>
+    </dgm:linClrLst>
+    <dgm:effectClrLst/>
+    <dgm:txLinClrLst/>
+    <dgm:txFillClrLst/>
+    <dgm:txEffectClrLst/>
+  </dgm:styleLbl>
+  <dgm:styleLbl name="asst1">
+    <dgm:fillClrLst meth="repeat">
+      <a:schemeClr val="accent1"/>
+    </dgm:fillClrLst>
+    <dgm:linClrLst meth="repeat">
+      <a:schemeClr val="lt1"/>
+    </dgm:linClrLst>
+    <dgm:effectClrLst/>
+    <dgm:txLinClrLst/>
+    <dgm:txFillClrLst/>
+    <dgm:txEffectClrLst/>
+  </dgm:styleLbl>
+  <dgm:styleLbl name="asst2">
+    <dgm:fillClrLst meth="repeat">
+      <a:schemeClr val="accent1"/>
+    </dgm:fillClrLst>
+    <dgm:linClrLst meth="repeat">
+      <a:schemeClr val="lt1"/>
+    </dgm:linClrLst>
+    <dgm:effectClrLst/>
+    <dgm:txLinClrLst/>
+    <dgm:txFillClrLst/>
+    <dgm:txEffectClrLst/>
+  </dgm:styleLbl>
+  <dgm:styleLbl name="asst3">
+    <dgm:fillClrLst meth="repeat">
+      <a:schemeClr val="accent1"/>
+    </dgm:fillClrLst>
+    <dgm:linClrLst meth="repeat">
+      <a:schemeClr val="lt1"/>
+    </dgm:linClrLst>
+    <dgm:effectClrLst/>
+    <dgm:txLinClrLst/>
+    <dgm:txFillClrLst/>
+    <dgm:txEffectClrLst/>
+  </dgm:styleLbl>
+  <dgm:styleLbl name="asst4">
+    <dgm:fillClrLst meth="repeat">
+      <a:schemeClr val="accent1"/>
+    </dgm:fillClrLst>
+    <dgm:linClrLst meth="repeat">
+      <a:schemeClr val="lt1"/>
+    </dgm:linClrLst>
+    <dgm:effectClrLst/>
+    <dgm:txLinClrLst/>
+    <dgm:txFillClrLst/>
+    <dgm:txEffectClrLst/>
+  </dgm:styleLbl>
+  <dgm:styleLbl name="parChTrans2D1">
+    <dgm:fillClrLst meth="repeat">
+      <a:schemeClr val="accent1">
+        <a:tint val="60000"/>
+      </a:schemeClr>
+    </dgm:fillClrLst>
+    <dgm:linClrLst meth="repeat">
+      <a:schemeClr val="accent1">
+        <a:tint val="60000"/>
+      </a:schemeClr>
+    </dgm:linClrLst>
+    <dgm:effectClrLst/>
+    <dgm:txLinClrLst/>
+    <dgm:txFillClrLst meth="repeat">
+      <a:schemeClr val="lt1"/>
+    </dgm:txFillClrLst>
+    <dgm:txEffectClrLst/>
+  </dgm:styleLbl>
+  <dgm:styleLbl name="parChTrans2D2">
+    <dgm:fillClrLst meth="repeat">
+      <a:schemeClr val="accent1"/>
+    </dgm:fillClrLst>
+    <dgm:linClrLst meth="repeat">
+      <a:schemeClr val="accent1"/>
+    </dgm:linClrLst>
+    <dgm:effectClrLst/>
+    <dgm:txLinClrLst/>
+    <dgm:txFillClrLst meth="repeat">
+      <a:schemeClr val="lt1"/>
+    </dgm:txFillClrLst>
+    <dgm:txEffectClrLst/>
+  </dgm:styleLbl>
+  <dgm:styleLbl name="parChTrans2D3">
+    <dgm:fillClrLst meth="repeat">
+      <a:schemeClr val="accent1"/>
+    </dgm:fillClrLst>
+    <dgm:linClrLst meth="repeat">
+      <a:schemeClr val="accent1"/>
+    </dgm:linClrLst>
+    <dgm:effectClrLst/>
+    <dgm:txLinClrLst/>
+    <dgm:txFillClrLst meth="repeat">
+      <a:schemeClr val="lt1"/>
+    </dgm:txFillClrLst>
+    <dgm:txEffectClrLst/>
+  </dgm:styleLbl>
+  <dgm:styleLbl name="parChTrans2D4">
+    <dgm:fillClrLst meth="repeat">
+      <a:schemeClr val="accent1"/>
+    </dgm:fillClrLst>
+    <dgm:linClrLst meth="repeat">
+      <a:schemeClr val="accent1"/>
+    </dgm:linClrLst>
+    <dgm:effectClrLst/>
+    <dgm:txLinClrLst/>
+    <dgm:txFillClrLst meth="repeat">
+      <a:schemeClr val="lt1"/>
+    </dgm:txFillClrLst>
+    <dgm:txEffectClrLst/>
+  </dgm:styleLbl>
+  <dgm:styleLbl name="parChTrans1D1">
+    <dgm:fillClrLst meth="repeat">
+      <a:schemeClr val="accent1"/>
+    </dgm:fillClrLst>
+    <dgm:linClrLst meth="repeat">
+      <a:schemeClr val="accent1">
+        <a:shade val="60000"/>
+      </a:schemeClr>
+    </dgm:linClrLst>
+    <dgm:effectClrLst/>
+    <dgm:txLinClrLst/>
+    <dgm:txFillClrLst meth="repeat">
+      <a:schemeClr val="tx1"/>
+    </dgm:txFillClrLst>
+    <dgm:txEffectClrLst/>
+  </dgm:styleLbl>
+  <dgm:styleLbl name="parChTrans1D2">
+    <dgm:fillClrLst meth="repeat">
+      <a:schemeClr val="accent1"/>
+    </dgm:fillClrLst>
+    <dgm:linClrLst meth="repeat">
+      <a:schemeClr val="accent1">
+        <a:shade val="60000"/>
+      </a:schemeClr>
+    </dgm:linClrLst>
+    <dgm:effectClrLst/>
+    <dgm:txLinClrLst/>
+    <dgm:txFillClrLst meth="repeat">
+      <a:schemeClr val="tx1"/>
+    </dgm:txFillClrLst>
+    <dgm:txEffectClrLst/>
+  </dgm:styleLbl>
+  <dgm:styleLbl name="parChTrans1D3">
+    <dgm:fillClrLst meth="repeat">
+      <a:schemeClr val="accent1"/>
+    </dgm:fillClrLst>
+    <dgm:linClrLst meth="repeat">
+      <a:schemeClr val="accent1">
+        <a:shade val="80000"/>
+      </a:schemeClr>
+    </dgm:linClrLst>
+    <dgm:effectClrLst/>
+    <dgm:txLinClrLst/>
+    <dgm:txFillClrLst meth="repeat">
+      <a:schemeClr val="tx1"/>
+    </dgm:txFillClrLst>
+    <dgm:txEffectClrLst/>
+  </dgm:styleLbl>
+  <dgm:styleLbl name="parChTrans1D4">
+    <dgm:fillClrLst meth="repeat">
+      <a:schemeClr val="accent1"/>
+    </dgm:fillClrLst>
+    <dgm:linClrLst meth="repeat">
+      <a:schemeClr val="accent1">
+        <a:shade val="80000"/>
+      </a:schemeClr>
+    </dgm:linClrLst>
+    <dgm:effectClrLst/>
+    <dgm:txLinClrLst/>
+    <dgm:txFillClrLst meth="repeat">
+      <a:schemeClr val="tx1"/>
+    </dgm:txFillClrLst>
+    <dgm:txEffectClrLst/>
+  </dgm:styleLbl>
+  <dgm:styleLbl name="fgAcc1">
+    <dgm:fillClrLst meth="repeat">
+      <a:schemeClr val="lt1">
+        <a:alpha val="90000"/>
+      </a:schemeClr>
+    </dgm:fillClrLst>
+    <dgm:linClrLst meth="repeat">
+      <a:schemeClr val="accent1"/>
+    </dgm:linClrLst>
+    <dgm:effectClrLst/>
+    <dgm:txLinClrLst/>
+    <dgm:txFillClrLst meth="repeat">
+      <a:schemeClr val="dk1"/>
+    </dgm:txFillClrLst>
+    <dgm:txEffectClrLst/>
+  </dgm:styleLbl>
+  <dgm:styleLbl name="conFgAcc1">
+    <dgm:fillClrLst meth="repeat">
+      <a:schemeClr val="lt1">
+        <a:alpha val="90000"/>
+      </a:schemeClr>
+    </dgm:fillClrLst>
+    <dgm:linClrLst meth="repeat">
+      <a:schemeClr val="accent1"/>
+    </dgm:linClrLst>
+    <dgm:effectClrLst/>
+    <dgm:txLinClrLst/>
+    <dgm:txFillClrLst meth="repeat">
+      <a:schemeClr val="dk1"/>
+    </dgm:txFillClrLst>
+    <dgm:txEffectClrLst/>
+  </dgm:styleLbl>
+  <dgm:styleLbl name="alignAcc1">
+    <dgm:fillClrLst meth="repeat">
+      <a:schemeClr val="lt1">
+        <a:alpha val="90000"/>
+      </a:schemeClr>
+    </dgm:fillClrLst>
+    <dgm:linClrLst meth="repeat">
+      <a:schemeClr val="accent1"/>
+    </dgm:linClrLst>
+    <dgm:effectClrLst/>
+    <dgm:txLinClrLst/>
+    <dgm:txFillClrLst meth="repeat">
+      <a:schemeClr val="dk1"/>
+    </dgm:txFillClrLst>
+    <dgm:txEffectClrLst/>
+  </dgm:styleLbl>
+  <dgm:styleLbl name="trAlignAcc1">
+    <dgm:fillClrLst meth="repeat">
+      <a:schemeClr val="lt1">
+        <a:alpha val="40000"/>
+      </a:schemeClr>
+    </dgm:fillClrLst>
+    <dgm:linClrLst meth="repeat">
+      <a:schemeClr val="accent1"/>
+    </dgm:linClrLst>
+    <dgm:effectClrLst/>
+    <dgm:txLinClrLst/>
+    <dgm:txFillClrLst meth="repeat">
+      <a:schemeClr val="dk1"/>
+    </dgm:txFillClrLst>
+    <dgm:txEffectClrLst/>
+  </dgm:styleLbl>
+  <dgm:styleLbl name="bgAcc1">
+    <dgm:fillClrLst meth="repeat">
+      <a:schemeClr val="lt1">
+        <a:alpha val="90000"/>
+      </a:schemeClr>
+    </dgm:fillClrLst>
+    <dgm:linClrLst meth="repeat">
+      <a:schemeClr val="accent1"/>
+    </dgm:linClrLst>
+    <dgm:effectClrLst/>
+    <dgm:txLinClrLst/>
+    <dgm:txFillClrLst meth="repeat">
+      <a:schemeClr val="dk1"/>
+    </dgm:txFillClrLst>
+    <dgm:txEffectClrLst/>
+  </dgm:styleLbl>
+  <dgm:styleLbl name="solidFgAcc1">
+    <dgm:fillClrLst meth="repeat">
+      <a:schemeClr val="lt1"/>
+    </dgm:fillClrLst>
+    <dgm:linClrLst meth="repeat">
+      <a:schemeClr val="accent1"/>
+    </dgm:linClrLst>
+    <dgm:effectClrLst/>
+    <dgm:txLinClrLst/>
+    <dgm:txFillClrLst meth="repeat">
+      <a:schemeClr val="dk1"/>
+    </dgm:txFillClrLst>
+    <dgm:txEffectClrLst/>
+  </dgm:styleLbl>
+  <dgm:styleLbl name="solidAlignAcc1">
+    <dgm:fillClrLst meth="repeat">
+      <a:schemeClr val="lt1"/>
+    </dgm:fillClrLst>
+    <dgm:linClrLst meth="repeat">
+      <a:schemeClr val="accent1"/>
+    </dgm:linClrLst>
+    <dgm:effectClrLst/>
+    <dgm:txLinClrLst/>
+    <dgm:txFillClrLst meth="repeat">
+      <a:schemeClr val="dk1"/>
+    </dgm:txFillClrLst>
+    <dgm:txEffectClrLst/>
+  </dgm:styleLbl>
+  <dgm:styleLbl name="solidBgAcc1">
+    <dgm:fillClrLst meth="repeat">
+      <a:schemeClr val="lt1"/>
+    </dgm:fillClrLst>
+    <dgm:linClrLst meth="repeat">
+      <a:schemeClr val="accent1"/>
+    </dgm:linClrLst>
+    <dgm:effectClrLst/>
+    <dgm:txLinClrLst/>
+    <dgm:txFillClrLst meth="repeat">
+      <a:schemeClr val="dk1"/>
+    </dgm:txFillClrLst>
+    <dgm:txEffectClrLst/>
+  </dgm:styleLbl>
+  <dgm:styleLbl name="fgAccFollowNode1">
+    <dgm:fillClrLst meth="repeat">
+      <a:schemeClr val="accent1">
+        <a:alpha val="90000"/>
+        <a:tint val="40000"/>
+      </a:schemeClr>
+    </dgm:fillClrLst>
+    <dgm:linClrLst meth="repeat">
+      <a:schemeClr val="accent1">
+        <a:alpha val="90000"/>
+        <a:tint val="40000"/>
+      </a:schemeClr>
+    </dgm:linClrLst>
+    <dgm:effectClrLst/>
+    <dgm:txLinClrLst/>
+    <dgm:txFillClrLst meth="repeat">
+      <a:schemeClr val="dk1"/>
+    </dgm:txFillClrLst>
+    <dgm:txEffectClrLst/>
+  </dgm:styleLbl>
+  <dgm:styleLbl name="alignAccFollowNode1">
+    <dgm:fillClrLst meth="repeat">
+      <a:schemeClr val="accent1">
+        <a:alpha val="90000"/>
+        <a:tint val="40000"/>
+      </a:schemeClr>
+    </dgm:fillClrLst>
+    <dgm:linClrLst meth="repeat">
+      <a:schemeClr val="accent1">
+        <a:alpha val="90000"/>
+        <a:tint val="40000"/>
+      </a:schemeClr>
+    </dgm:linClrLst>
+    <dgm:effectClrLst/>
+    <dgm:txLinClrLst/>
+    <dgm:txFillClrLst meth="repeat">
+      <a:schemeClr val="dk1"/>
+    </dgm:txFillClrLst>
+    <dgm:txEffectClrLst/>
+  </dgm:styleLbl>
+  <dgm:styleLbl name="bgAccFollowNode1">
+    <dgm:fillClrLst meth="repeat">
+      <a:schemeClr val="accent1">
+        <a:alpha val="90000"/>
+        <a:tint val="40000"/>
+      </a:schemeClr>
+    </dgm:fillClrLst>
+    <dgm:linClrLst meth="repeat">
+      <a:schemeClr val="accent1">
+        <a:alpha val="90000"/>
+        <a:tint val="40000"/>
+      </a:schemeClr>
+    </dgm:linClrLst>
+    <dgm:effectClrLst/>
+    <dgm:txLinClrLst/>
+    <dgm:txFillClrLst meth="repeat">
+      <a:schemeClr val="dk1"/>
+    </dgm:txFillClrLst>
+    <dgm:txEffectClrLst/>
+  </dgm:styleLbl>
+  <dgm:styleLbl name="fgAcc0">
+    <dgm:fillClrLst meth="repeat">
+      <a:schemeClr val="lt1">
+        <a:alpha val="90000"/>
+      </a:schemeClr>
+    </dgm:fillClrLst>
+    <dgm:linClrLst meth="repeat">
+      <a:schemeClr val="accent1"/>
+    </dgm:linClrLst>
+    <dgm:effectClrLst/>
+    <dgm:txLinClrLst/>
+    <dgm:txFillClrLst meth="repeat">
+      <a:schemeClr val="dk1"/>
+    </dgm:txFillClrLst>
+    <dgm:txEffectClrLst/>
+  </dgm:styleLbl>
+  <dgm:styleLbl name="fgAcc2">
+    <dgm:fillClrLst meth="repeat">
+      <a:schemeClr val="lt1">
+        <a:alpha val="90000"/>
+      </a:schemeClr>
+    </dgm:fillClrLst>
+    <dgm:linClrLst meth="repeat">
+      <a:schemeClr val="accent1"/>
+    </dgm:linClrLst>
+    <dgm:effectClrLst/>
+    <dgm:txLinClrLst/>
+    <dgm:txFillClrLst meth="repeat">
+      <a:schemeClr val="dk1"/>
+    </dgm:txFillClrLst>
+    <dgm:txEffectClrLst/>
+  </dgm:styleLbl>
+  <dgm:styleLbl name="fgAcc3">
+    <dgm:fillClrLst meth="repeat">
+      <a:schemeClr val="lt1">
+        <a:alpha val="90000"/>
+      </a:schemeClr>
+    </dgm:fillClrLst>
+    <dgm:linClrLst meth="repeat">
+      <a:schemeClr val="accent1"/>
+    </dgm:linClrLst>
+    <dgm:effectClrLst/>
+    <dgm:txLinClrLst/>
+    <dgm:txFillClrLst meth="repeat">
+      <a:schemeClr val="dk1"/>
+    </dgm:txFillClrLst>
+    <dgm:txEffectClrLst/>
+  </dgm:styleLbl>
+  <dgm:styleLbl name="fgAcc4">
+    <dgm:fillClrLst meth="repeat">
+      <a:schemeClr val="lt1">
+        <a:alpha val="90000"/>
+      </a:schemeClr>
+    </dgm:fillClrLst>
+    <dgm:linClrLst meth="repeat">
+      <a:schemeClr val="accent1"/>
+    </dgm:linClrLst>
+    <dgm:effectClrLst/>
+    <dgm:txLinClrLst/>
+    <dgm:txFillClrLst meth="repeat">
+      <a:schemeClr val="dk1"/>
+    </dgm:txFillClrLst>
+    <dgm:txEffectClrLst/>
+  </dgm:styleLbl>
+  <dgm:styleLbl name="bgShp">
+    <dgm:fillClrLst meth="repeat">
+      <a:schemeClr val="accent1">
+        <a:tint val="40000"/>
+      </a:schemeClr>
+    </dgm:fillClrLst>
+    <dgm:linClrLst meth="repeat">
+      <a:schemeClr val="accent1"/>
+    </dgm:linClrLst>
+    <dgm:effectClrLst/>
+    <dgm:txLinClrLst/>
+    <dgm:txFillClrLst meth="repeat">
+      <a:schemeClr val="dk1"/>
+    </dgm:txFillClrLst>
+    <dgm:txEffectClrLst/>
+  </dgm:styleLbl>
+  <dgm:styleLbl name="dkBgShp">
+    <dgm:fillClrLst meth="repeat">
+      <a:schemeClr val="accent1">
+        <a:shade val="80000"/>
+      </a:schemeClr>
+    </dgm:fillClrLst>
+    <dgm:linClrLst meth="repeat">
+      <a:schemeClr val="accent1"/>
+    </dgm:linClrLst>
+    <dgm:effectClrLst/>
+    <dgm:txLinClrLst/>
+    <dgm:txFillClrLst meth="repeat">
+      <a:schemeClr val="lt1"/>
+    </dgm:txFillClrLst>
+    <dgm:txEffectClrLst/>
+  </dgm:styleLbl>
+  <dgm:styleLbl name="trBgShp">
+    <dgm:fillClrLst meth="repeat">
+      <a:schemeClr val="accent1">
+        <a:tint val="50000"/>
+        <a:alpha val="40000"/>
+      </a:schemeClr>
+    </dgm:fillClrLst>
+    <dgm:linClrLst meth="repeat">
+      <a:schemeClr val="accent1"/>
+    </dgm:linClrLst>
+    <dgm:effectClrLst/>
+    <dgm:txLinClrLst/>
+    <dgm:txFillClrLst meth="repeat">
+      <a:schemeClr val="lt1"/>
+    </dgm:txFillClrLst>
+    <dgm:txEffectClrLst/>
+  </dgm:styleLbl>
+  <dgm:styleLbl name="fgShp">
+    <dgm:fillClrLst meth="repeat">
+      <a:schemeClr val="accent1">
+        <a:tint val="60000"/>
+      </a:schemeClr>
+    </dgm:fillClrLst>
+    <dgm:linClrLst meth="repeat">
+      <a:schemeClr val="lt1"/>
+    </dgm:linClrLst>
+    <dgm:effectClrLst/>
+    <dgm:txLinClrLst/>
+    <dgm:txFillClrLst meth="repeat">
+      <a:schemeClr val="dk1"/>
+    </dgm:txFillClrLst>
+    <dgm:txEffectClrLst/>
+  </dgm:styleLbl>
+  <dgm:styleLbl name="revTx">
+    <dgm:fillClrLst meth="repeat">
+      <a:schemeClr val="lt1">
+        <a:alpha val="0"/>
+      </a:schemeClr>
+    </dgm:fillClrLst>
+    <dgm:linClrLst meth="repeat">
+      <a:schemeClr val="dk1">
+        <a:alpha val="0"/>
+      </a:schemeClr>
+    </dgm:linClrLst>
+    <dgm:effectClrLst/>
+    <dgm:txLinClrLst/>
+    <dgm:txFillClrLst meth="repeat">
+      <a:schemeClr val="tx1"/>
+    </dgm:txFillClrLst>
+    <dgm:txEffectClrLst/>
+  </dgm:styleLbl>
+</dgm:colorsDef>
+</file>
+
+<file path=ppt/diagrams/colors2.xml><?xml version="1.0" encoding="utf-8"?>
+<dgm:colorsDef xmlns:dgm="http://schemas.openxmlformats.org/drawingml/2006/diagram" xmlns:a="http://schemas.openxmlformats.org/drawingml/2006/main" uniqueId="urn:microsoft.com/office/officeart/2018/5/colors/Iconchunking_neutralbg_accent1_2">
+  <dgm:title val=""/>
+  <dgm:desc val=""/>
+  <dgm:catLst>
+    <dgm:cat type="accent1" pri="11200"/>
+  </dgm:catLst>
+  <dgm:styleLbl name="node0">
+    <dgm:fillClrLst meth="repeat">
+      <a:schemeClr val="accent1"/>
+    </dgm:fillClrLst>
+    <dgm:linClrLst meth="repeat">
+      <a:schemeClr val="lt1"/>
+    </dgm:linClrLst>
+    <dgm:effectClrLst/>
+    <dgm:txLinClrLst/>
+    <dgm:txFillClrLst/>
+    <dgm:txEffectClrLst/>
+  </dgm:styleLbl>
+  <dgm:styleLbl name="alignNode1">
+    <dgm:fillClrLst meth="repeat">
+      <a:schemeClr val="accent1"/>
+    </dgm:fillClrLst>
+    <dgm:linClrLst meth="repeat">
+      <a:schemeClr val="accent1"/>
+    </dgm:linClrLst>
+    <dgm:effectClrLst/>
+    <dgm:txLinClrLst/>
+    <dgm:txFillClrLst/>
+    <dgm:txEffectClrLst/>
+  </dgm:styleLbl>
+  <dgm:styleLbl name="node1">
+    <dgm:fillClrLst meth="repeat">
+      <a:schemeClr val="accent1"/>
+    </dgm:fillClrLst>
+    <dgm:linClrLst meth="repeat">
+      <a:schemeClr val="lt1">
+        <a:alpha val="0"/>
+      </a:schemeClr>
+    </dgm:linClrLst>
+    <dgm:effectClrLst/>
+    <dgm:txLinClrLst/>
+    <dgm:txFillClrLst/>
+    <dgm:txEffectClrLst/>
+  </dgm:styleLbl>
+  <dgm:styleLbl name="lnNode1">
+    <dgm:fillClrLst meth="repeat">
+      <a:schemeClr val="accent1"/>
+    </dgm:fillClrLst>
+    <dgm:linClrLst meth="repeat">
+      <a:schemeClr val="lt1"/>
+    </dgm:linClrLst>
+    <dgm:effectClrLst/>
+    <dgm:txLinClrLst/>
+    <dgm:txFillClrLst/>
+    <dgm:txEffectClrLst/>
+  </dgm:styleLbl>
+  <dgm:styleLbl name="vennNode1">
+    <dgm:fillClrLst meth="repeat">
+      <a:schemeClr val="accent1">
+        <a:alpha val="50000"/>
+      </a:schemeClr>
+    </dgm:fillClrLst>
+    <dgm:linClrLst meth="repeat">
+      <a:schemeClr val="lt1"/>
+    </dgm:linClrLst>
+    <dgm:effectClrLst/>
+    <dgm:txLinClrLst/>
+    <dgm:txFillClrLst/>
+    <dgm:txEffectClrLst/>
+  </dgm:styleLbl>
+  <dgm:styleLbl name="node2">
+    <dgm:fillClrLst meth="repeat">
+      <a:schemeClr val="accent1"/>
+    </dgm:fillClrLst>
+    <dgm:linClrLst meth="repeat">
+      <a:schemeClr val="lt1"/>
+    </dgm:linClrLst>
+    <dgm:effectClrLst/>
+    <dgm:txLinClrLst/>
+    <dgm:txFillClrLst/>
+    <dgm:txEffectClrLst/>
+  </dgm:styleLbl>
+  <dgm:styleLbl name="node3">
+    <dgm:fillClrLst meth="repeat">
+      <a:schemeClr val="accent1"/>
+    </dgm:fillClrLst>
+    <dgm:linClrLst meth="repeat">
+      <a:schemeClr val="lt1"/>
+    </dgm:linClrLst>
+    <dgm:effectClrLst/>
+    <dgm:txLinClrLst/>
+    <dgm:txFillClrLst/>
+    <dgm:txEffectClrLst/>
+  </dgm:styleLbl>
+  <dgm:styleLbl name="node4">
+    <dgm:fillClrLst meth="repeat">
+      <a:schemeClr val="accent1"/>
+    </dgm:fillClrLst>
+    <dgm:linClrLst meth="repeat">
+      <a:schemeClr val="lt1"/>
+    </dgm:linClrLst>
+    <dgm:effectClrLst/>
+    <dgm:txLinClrLst/>
+    <dgm:txFillClrLst/>
+    <dgm:txEffectClrLst/>
+  </dgm:styleLbl>
+  <dgm:styleLbl name="fgImgPlace1">
+    <dgm:fillClrLst meth="repeat">
+      <a:schemeClr val="accent1">
+        <a:tint val="50000"/>
+      </a:schemeClr>
+    </dgm:fillClrLst>
+    <dgm:linClrLst meth="repeat">
+      <a:schemeClr val="lt1"/>
+    </dgm:linClrLst>
+    <dgm:effectClrLst/>
+    <dgm:txLinClrLst/>
+    <dgm:txFillClrLst meth="repeat">
+      <a:schemeClr val="lt1"/>
+    </dgm:txFillClrLst>
+    <dgm:txEffectClrLst/>
+  </dgm:styleLbl>
+  <dgm:styleLbl name="alignImgPlace1">
+    <dgm:fillClrLst meth="repeat">
+      <a:schemeClr val="accent1">
+        <a:tint val="50000"/>
+      </a:schemeClr>
+    </dgm:fillClrLst>
+    <dgm:linClrLst meth="repeat">
+      <a:schemeClr val="lt1"/>
+    </dgm:linClrLst>
+    <dgm:effectClrLst/>
+    <dgm:txLinClrLst/>
+    <dgm:txFillClrLst meth="repeat">
+      <a:schemeClr val="lt1"/>
+    </dgm:txFillClrLst>
+    <dgm:txEffectClrLst/>
+  </dgm:styleLbl>
+  <dgm:styleLbl name="bgImgPlace1">
+    <dgm:fillClrLst meth="repeat">
+      <a:schemeClr val="accent1">
+        <a:tint val="50000"/>
+      </a:schemeClr>
+    </dgm:fillClrLst>
+    <dgm:linClrLst meth="repeat">
+      <a:schemeClr val="lt1"/>
+    </dgm:linClrLst>
+    <dgm:effectClrLst/>
+    <dgm:txLinClrLst/>
+    <dgm:txFillClrLst meth="repeat">
+      <a:schemeClr val="lt1"/>
+    </dgm:txFillClrLst>
+    <dgm:txEffectClrLst/>
+  </dgm:styleLbl>
+  <dgm:styleLbl name="sibTrans2D1">
+    <dgm:fillClrLst meth="repeat">
+      <a:schemeClr val="accent1">
+        <a:tint val="60000"/>
+      </a:schemeClr>
+    </dgm:fillClrLst>
+    <dgm:linClrLst meth="repeat">
+      <a:schemeClr val="accent1">
+        <a:tint val="60000"/>
+      </a:schemeClr>
+    </dgm:linClrLst>
+    <dgm:effectClrLst/>
+    <dgm:txLinClrLst/>
+    <dgm:txFillClrLst/>
+    <dgm:txEffectClrLst/>
+  </dgm:styleLbl>
+  <dgm:styleLbl name="fgSibTrans2D1">
+    <dgm:fillClrLst meth="repeat">
+      <a:schemeClr val="accent1">
+        <a:tint val="60000"/>
+      </a:schemeClr>
+    </dgm:fillClrLst>
+    <dgm:linClrLst meth="repeat">
+      <a:schemeClr val="accent1">
+        <a:tint val="60000"/>
+      </a:schemeClr>
+    </dgm:linClrLst>
+    <dgm:effectClrLst/>
+    <dgm:txLinClrLst/>
+    <dgm:txFillClrLst/>
+    <dgm:txEffectClrLst/>
+  </dgm:styleLbl>
+  <dgm:styleLbl name="bgSibTrans2D1">
+    <dgm:fillClrLst meth="repeat">
+      <a:schemeClr val="accent1">
+        <a:tint val="60000"/>
+      </a:schemeClr>
+    </dgm:fillClrLst>
+    <dgm:linClrLst meth="repeat">
+      <a:schemeClr val="accent1">
+        <a:tint val="60000"/>
+      </a:schemeClr>
+    </dgm:linClrLst>
+    <dgm:effectClrLst/>
+    <dgm:txLinClrLst/>
+    <dgm:txFillClrLst/>
+    <dgm:txEffectClrLst/>
+  </dgm:styleLbl>
+  <dgm:styleLbl name="sibTrans1D1">
+    <dgm:fillClrLst meth="repeat">
+      <a:schemeClr val="accent1"/>
+    </dgm:fillClrLst>
+    <dgm:linClrLst meth="repeat">
+      <a:schemeClr val="accent1"/>
+    </dgm:linClrLst>
+    <dgm:effectClrLst/>
+    <dgm:txLinClrLst/>
+    <dgm:txFillClrLst meth="repeat">
+      <a:schemeClr val="tx1"/>
+    </dgm:txFillClrLst>
+    <dgm:txEffectClrLst/>
+  </dgm:styleLbl>
+  <dgm:styleLbl name="callout">
+    <dgm:fillClrLst meth="repeat">
+      <a:schemeClr val="accent1"/>
+    </dgm:fillClrLst>
+    <dgm:linClrLst meth="repeat">
+      <a:schemeClr val="accent1">
+        <a:tint val="50000"/>
+      </a:schemeClr>
+    </dgm:linClrLst>
+    <dgm:effectClrLst/>
+    <dgm:txLinClrLst/>
+    <dgm:txFillClrLst meth="repeat">
+      <a:schemeClr val="tx1"/>
+    </dgm:txFillClrLst>
+    <dgm:txEffectClrLst/>
+  </dgm:styleLbl>
+  <dgm:styleLbl name="asst0">
+    <dgm:fillClrLst meth="repeat">
+      <a:schemeClr val="accent1"/>
+    </dgm:fillClrLst>
+    <dgm:linClrLst meth="repeat">
+      <a:schemeClr val="lt1"/>
+    </dgm:linClrLst>
+    <dgm:effectClrLst/>
+    <dgm:txLinClrLst/>
+    <dgm:txFillClrLst/>
+    <dgm:txEffectClrLst/>
+  </dgm:styleLbl>
+  <dgm:styleLbl name="asst1">
+    <dgm:fillClrLst meth="repeat">
+      <a:schemeClr val="accent1"/>
+    </dgm:fillClrLst>
+    <dgm:linClrLst meth="repeat">
+      <a:schemeClr val="lt1"/>
+    </dgm:linClrLst>
+    <dgm:effectClrLst/>
+    <dgm:txLinClrLst/>
+    <dgm:txFillClrLst/>
+    <dgm:txEffectClrLst/>
+  </dgm:styleLbl>
+  <dgm:styleLbl name="asst2">
+    <dgm:fillClrLst meth="repeat">
+      <a:schemeClr val="accent1"/>
+    </dgm:fillClrLst>
+    <dgm:linClrLst meth="repeat">
+      <a:schemeClr val="lt1"/>
+    </dgm:linClrLst>
+    <dgm:effectClrLst/>
+    <dgm:txLinClrLst/>
+    <dgm:txFillClrLst/>
+    <dgm:txEffectClrLst/>
+  </dgm:styleLbl>
+  <dgm:styleLbl name="asst3">
+    <dgm:fillClrLst meth="repeat">
+      <a:schemeClr val="accent1"/>
+    </dgm:fillClrLst>
+    <dgm:linClrLst meth="repeat">
+      <a:schemeClr val="lt1"/>
+    </dgm:linClrLst>
+    <dgm:effectClrLst/>
+    <dgm:txLinClrLst/>
+    <dgm:txFillClrLst/>
+    <dgm:txEffectClrLst/>
+  </dgm:styleLbl>
+  <dgm:styleLbl name="asst4">
+    <dgm:fillClrLst meth="repeat">
+      <a:schemeClr val="accent1"/>
+    </dgm:fillClrLst>
+    <dgm:linClrLst meth="repeat">
+      <a:schemeClr val="lt1"/>
+    </dgm:linClrLst>
+    <dgm:effectClrLst/>
+    <dgm:txLinClrLst/>
+    <dgm:txFillClrLst/>
+    <dgm:txEffectClrLst/>
+  </dgm:styleLbl>
+  <dgm:styleLbl name="parChTrans2D1">
+    <dgm:fillClrLst meth="repeat">
+      <a:schemeClr val="accent1">
+        <a:tint val="60000"/>
+      </a:schemeClr>
+    </dgm:fillClrLst>
+    <dgm:linClrLst meth="repeat">
+      <a:schemeClr val="accent1">
+        <a:tint val="60000"/>
+      </a:schemeClr>
+    </dgm:linClrLst>
+    <dgm:effectClrLst/>
+    <dgm:txLinClrLst/>
+    <dgm:txFillClrLst meth="repeat">
+      <a:schemeClr val="lt1"/>
+    </dgm:txFillClrLst>
+    <dgm:txEffectClrLst/>
+  </dgm:styleLbl>
+  <dgm:styleLbl name="parChTrans2D2">
+    <dgm:fillClrLst meth="repeat">
+      <a:schemeClr val="accent1"/>
+    </dgm:fillClrLst>
+    <dgm:linClrLst meth="repeat">
+      <a:schemeClr val="accent1"/>
+    </dgm:linClrLst>
+    <dgm:effectClrLst/>
+    <dgm:txLinClrLst/>
+    <dgm:txFillClrLst meth="repeat">
+      <a:schemeClr val="lt1"/>
+    </dgm:txFillClrLst>
+    <dgm:txEffectClrLst/>
+  </dgm:styleLbl>
+  <dgm:styleLbl name="parChTrans2D3">
+    <dgm:fillClrLst meth="repeat">
+      <a:schemeClr val="accent1"/>
+    </dgm:fillClrLst>
+    <dgm:linClrLst meth="repeat">
+      <a:schemeClr val="accent1"/>
+    </dgm:linClrLst>
+    <dgm:effectClrLst/>
+    <dgm:txLinClrLst/>
+    <dgm:txFillClrLst meth="repeat">
+      <a:schemeClr val="lt1"/>
+    </dgm:txFillClrLst>
+    <dgm:txEffectClrLst/>
+  </dgm:styleLbl>
+  <dgm:styleLbl name="parChTrans2D4">
+    <dgm:fillClrLst meth="repeat">
+      <a:schemeClr val="accent1"/>
+    </dgm:fillClrLst>
+    <dgm:linClrLst meth="repeat">
+      <a:schemeClr val="accent1"/>
+    </dgm:linClrLst>
+    <dgm:effectClrLst/>
+    <dgm:txLinClrLst/>
+    <dgm:txFillClrLst meth="repeat">
+      <a:schemeClr val="lt1"/>
+    </dgm:txFillClrLst>
+    <dgm:txEffectClrLst/>
+  </dgm:styleLbl>
+  <dgm:styleLbl name="parChTrans1D1">
+    <dgm:fillClrLst meth="repeat">
+      <a:schemeClr val="accent1"/>
+    </dgm:fillClrLst>
+    <dgm:linClrLst meth="repeat">
+      <a:schemeClr val="accent1">
+        <a:shade val="60000"/>
+      </a:schemeClr>
+    </dgm:linClrLst>
+    <dgm:effectClrLst/>
+    <dgm:txLinClrLst/>
+    <dgm:txFillClrLst meth="repeat">
+      <a:schemeClr val="tx1"/>
+    </dgm:txFillClrLst>
+    <dgm:txEffectClrLst/>
+  </dgm:styleLbl>
+  <dgm:styleLbl name="parChTrans1D2">
+    <dgm:fillClrLst meth="repeat">
+      <a:schemeClr val="accent1"/>
+    </dgm:fillClrLst>
+    <dgm:linClrLst meth="repeat">
+      <a:schemeClr val="accent1">
+        <a:shade val="60000"/>
+      </a:schemeClr>
+    </dgm:linClrLst>
+    <dgm:effectClrLst/>
+    <dgm:txLinClrLst/>
+    <dgm:txFillClrLst meth="repeat">
+      <a:schemeClr val="tx1"/>
+    </dgm:txFillClrLst>
+    <dgm:txEffectClrLst/>
+  </dgm:styleLbl>
+  <dgm:styleLbl name="parChTrans1D3">
+    <dgm:fillClrLst meth="repeat">
+      <a:schemeClr val="accent1"/>
+    </dgm:fillClrLst>
+    <dgm:linClrLst meth="repeat">
+      <a:schemeClr val="accent1">
+        <a:shade val="80000"/>
+      </a:schemeClr>
+    </dgm:linClrLst>
+    <dgm:effectClrLst/>
+    <dgm:txLinClrLst/>
+    <dgm:txFillClrLst meth="repeat">
+      <a:schemeClr val="tx1"/>
+    </dgm:txFillClrLst>
+    <dgm:txEffectClrLst/>
+  </dgm:styleLbl>
+  <dgm:styleLbl name="parChTrans1D4">
+    <dgm:fillClrLst meth="repeat">
+      <a:schemeClr val="accent1"/>
+    </dgm:fillClrLst>
+    <dgm:linClrLst meth="repeat">
+      <a:schemeClr val="accent1">
+        <a:shade val="80000"/>
+      </a:schemeClr>
+    </dgm:linClrLst>
+    <dgm:effectClrLst/>
+    <dgm:txLinClrLst/>
+    <dgm:txFillClrLst meth="repeat">
+      <a:schemeClr val="tx1"/>
+    </dgm:txFillClrLst>
+    <dgm:txEffectClrLst/>
+  </dgm:styleLbl>
+  <dgm:styleLbl name="fgAcc1">
+    <dgm:fillClrLst meth="repeat">
+      <a:schemeClr val="lt1">
+        <a:alpha val="90000"/>
+      </a:schemeClr>
+    </dgm:fillClrLst>
+    <dgm:linClrLst meth="repeat">
+      <a:schemeClr val="accent1"/>
+    </dgm:linClrLst>
+    <dgm:effectClrLst/>
+    <dgm:txLinClrLst/>
+    <dgm:txFillClrLst meth="repeat">
+      <a:schemeClr val="dk1"/>
+    </dgm:txFillClrLst>
+    <dgm:txEffectClrLst/>
+  </dgm:styleLbl>
+  <dgm:styleLbl name="conFgAcc1">
+    <dgm:fillClrLst meth="repeat">
+      <a:schemeClr val="lt1">
+        <a:alpha val="90000"/>
+      </a:schemeClr>
+    </dgm:fillClrLst>
+    <dgm:linClrLst meth="repeat">
+      <a:schemeClr val="accent1"/>
+    </dgm:linClrLst>
+    <dgm:effectClrLst/>
+    <dgm:txLinClrLst/>
+    <dgm:txFillClrLst meth="repeat">
+      <a:schemeClr val="dk1"/>
+    </dgm:txFillClrLst>
+    <dgm:txEffectClrLst/>
+  </dgm:styleLbl>
+  <dgm:styleLbl name="alignAcc1">
+    <dgm:fillClrLst meth="repeat">
+      <a:schemeClr val="lt1">
+        <a:alpha val="90000"/>
+      </a:schemeClr>
+    </dgm:fillClrLst>
+    <dgm:linClrLst meth="repeat">
+      <a:schemeClr val="accent1"/>
+    </dgm:linClrLst>
+    <dgm:effectClrLst/>
+    <dgm:txLinClrLst/>
+    <dgm:txFillClrLst meth="repeat">
+      <a:schemeClr val="dk1"/>
+    </dgm:txFillClrLst>
+    <dgm:txEffectClrLst/>
+  </dgm:styleLbl>
+  <dgm:styleLbl name="trAlignAcc1">
+    <dgm:fillClrLst meth="repeat">
+      <a:schemeClr val="lt1">
+        <a:alpha val="40000"/>
+      </a:schemeClr>
+    </dgm:fillClrLst>
+    <dgm:linClrLst meth="repeat">
+      <a:schemeClr val="accent1"/>
+    </dgm:linClrLst>
+    <dgm:effectClrLst/>
+    <dgm:txLinClrLst/>
+    <dgm:txFillClrLst meth="repeat">
+      <a:schemeClr val="dk1"/>
+    </dgm:txFillClrLst>
+    <dgm:txEffectClrLst/>
+  </dgm:styleLbl>
+  <dgm:styleLbl name="bgAcc1">
+    <dgm:fillClrLst meth="repeat">
+      <a:schemeClr val="lt1">
+        <a:alpha val="90000"/>
+      </a:schemeClr>
+    </dgm:fillClrLst>
+    <dgm:linClrLst meth="repeat">
+      <a:schemeClr val="accent1"/>
+    </dgm:linClrLst>
+    <dgm:effectClrLst/>
+    <dgm:txLinClrLst/>
+    <dgm:txFillClrLst meth="repeat">
+      <a:schemeClr val="dk1"/>
+    </dgm:txFillClrLst>
+    <dgm:txEffectClrLst/>
+  </dgm:styleLbl>
+  <dgm:styleLbl name="solidFgAcc1">
+    <dgm:fillClrLst meth="repeat">
+      <a:schemeClr val="lt1"/>
+    </dgm:fillClrLst>
+    <dgm:linClrLst meth="repeat">
+      <a:schemeClr val="accent1"/>
+    </dgm:linClrLst>
+    <dgm:effectClrLst/>
+    <dgm:txLinClrLst/>
+    <dgm:txFillClrLst meth="repeat">
+      <a:schemeClr val="dk1"/>
+    </dgm:txFillClrLst>
+    <dgm:txEffectClrLst/>
+  </dgm:styleLbl>
+  <dgm:styleLbl name="solidAlignAcc1">
+    <dgm:fillClrLst meth="repeat">
+      <a:schemeClr val="lt1"/>
+    </dgm:fillClrLst>
+    <dgm:linClrLst meth="repeat">
+      <a:schemeClr val="accent1"/>
+    </dgm:linClrLst>
+    <dgm:effectClrLst/>
+    <dgm:txLinClrLst/>
+    <dgm:txFillClrLst meth="repeat">
+      <a:schemeClr val="dk1"/>
+    </dgm:txFillClrLst>
+    <dgm:txEffectClrLst/>
+  </dgm:styleLbl>
+  <dgm:styleLbl name="solidBgAcc1">
+    <dgm:fillClrLst meth="repeat">
+      <a:schemeClr val="lt1"/>
+    </dgm:fillClrLst>
+    <dgm:linClrLst meth="repeat">
+      <a:schemeClr val="accent1"/>
+    </dgm:linClrLst>
+    <dgm:effectClrLst/>
+    <dgm:txLinClrLst/>
+    <dgm:txFillClrLst meth="repeat">
+      <a:schemeClr val="dk1"/>
+    </dgm:txFillClrLst>
+    <dgm:txEffectClrLst/>
+  </dgm:styleLbl>
+  <dgm:styleLbl name="fgAccFollowNode1">
+    <dgm:fillClrLst meth="repeat">
+      <a:schemeClr val="accent1">
+        <a:alpha val="90000"/>
+        <a:tint val="40000"/>
+      </a:schemeClr>
+    </dgm:fillClrLst>
+    <dgm:linClrLst meth="repeat">
+      <a:schemeClr val="accent1">
+        <a:alpha val="90000"/>
+        <a:tint val="40000"/>
+      </a:schemeClr>
+    </dgm:linClrLst>
+    <dgm:effectClrLst/>
+    <dgm:txLinClrLst/>
+    <dgm:txFillClrLst meth="repeat">
+      <a:schemeClr val="dk1"/>
+    </dgm:txFillClrLst>
+    <dgm:txEffectClrLst/>
+  </dgm:styleLbl>
+  <dgm:styleLbl name="alignAccFollowNode1">
+    <dgm:fillClrLst meth="repeat">
+      <a:schemeClr val="accent1">
+        <a:alpha val="90000"/>
+        <a:tint val="40000"/>
+      </a:schemeClr>
+    </dgm:fillClrLst>
+    <dgm:linClrLst meth="repeat">
+      <a:schemeClr val="accent1">
+        <a:alpha val="90000"/>
+        <a:tint val="40000"/>
+      </a:schemeClr>
+    </dgm:linClrLst>
+    <dgm:effectClrLst/>
+    <dgm:txLinClrLst/>
+    <dgm:txFillClrLst meth="repeat">
+      <a:schemeClr val="dk1"/>
+    </dgm:txFillClrLst>
+    <dgm:txEffectClrLst/>
+  </dgm:styleLbl>
+  <dgm:styleLbl name="bgAccFollowNode1">
+    <dgm:fillClrLst meth="repeat">
+      <a:schemeClr val="accent1">
+        <a:alpha val="90000"/>
+        <a:tint val="40000"/>
+      </a:schemeClr>
+    </dgm:fillClrLst>
+    <dgm:linClrLst meth="repeat">
+      <a:schemeClr val="accent1">
+        <a:alpha val="90000"/>
+        <a:tint val="40000"/>
+      </a:schemeClr>
+    </dgm:linClrLst>
+    <dgm:effectClrLst/>
+    <dgm:txLinClrLst/>
+    <dgm:txFillClrLst meth="repeat">
+      <a:schemeClr val="dk1"/>
+    </dgm:txFillClrLst>
+    <dgm:txEffectClrLst/>
+  </dgm:styleLbl>
+  <dgm:styleLbl name="fgAcc0">
+    <dgm:fillClrLst meth="repeat">
+      <a:schemeClr val="lt1">
+        <a:alpha val="90000"/>
+      </a:schemeClr>
+    </dgm:fillClrLst>
+    <dgm:linClrLst meth="repeat">
+      <a:schemeClr val="accent1"/>
+    </dgm:linClrLst>
+    <dgm:effectClrLst/>
+    <dgm:txLinClrLst/>
+    <dgm:txFillClrLst meth="repeat">
+      <a:schemeClr val="dk1"/>
+    </dgm:txFillClrLst>
+    <dgm:txEffectClrLst/>
+  </dgm:styleLbl>
+  <dgm:styleLbl name="fgAcc2">
+    <dgm:fillClrLst meth="repeat">
+      <a:schemeClr val="lt1">
+        <a:alpha val="90000"/>
+      </a:schemeClr>
+    </dgm:fillClrLst>
+    <dgm:linClrLst meth="repeat">
+      <a:schemeClr val="accent1"/>
+    </dgm:linClrLst>
+    <dgm:effectClrLst/>
+    <dgm:txLinClrLst/>
+    <dgm:txFillClrLst meth="repeat">
+      <a:schemeClr val="dk1"/>
+    </dgm:txFillClrLst>
+    <dgm:txEffectClrLst/>
+  </dgm:styleLbl>
+  <dgm:styleLbl name="fgAcc3">
+    <dgm:fillClrLst meth="repeat">
+      <a:schemeClr val="lt1">
+        <a:alpha val="90000"/>
+      </a:schemeClr>
+    </dgm:fillClrLst>
+    <dgm:linClrLst meth="repeat">
+      <a:schemeClr val="accent1"/>
+    </dgm:linClrLst>
+    <dgm:effectClrLst/>
+    <dgm:txLinClrLst/>
+    <dgm:txFillClrLst meth="repeat">
+      <a:schemeClr val="dk1"/>
+    </dgm:txFillClrLst>
+    <dgm:txEffectClrLst/>
+  </dgm:styleLbl>
+  <dgm:styleLbl name="fgAcc4">
+    <dgm:fillClrLst meth="repeat">
+      <a:schemeClr val="lt1">
+        <a:alpha val="90000"/>
+      </a:schemeClr>
+    </dgm:fillClrLst>
+    <dgm:linClrLst meth="repeat">
+      <a:schemeClr val="accent1"/>
+    </dgm:linClrLst>
+    <dgm:effectClrLst/>
+    <dgm:txLinClrLst/>
+    <dgm:txFillClrLst meth="repeat">
+      <a:schemeClr val="dk1"/>
+    </dgm:txFillClrLst>
+    <dgm:txEffectClrLst/>
+  </dgm:styleLbl>
+  <dgm:styleLbl name="bgShp">
+    <dgm:fillClrLst meth="repeat">
+      <a:schemeClr val="bg1">
+        <a:lumMod val="95000"/>
+      </a:schemeClr>
+    </dgm:fillClrLst>
+    <dgm:linClrLst meth="repeat">
+      <a:schemeClr val="accent1"/>
+    </dgm:linClrLst>
+    <dgm:effectClrLst/>
+    <dgm:txLinClrLst/>
+    <dgm:txFillClrLst meth="repeat">
+      <a:schemeClr val="dk1"/>
+    </dgm:txFillClrLst>
+    <dgm:txEffectClrLst/>
+  </dgm:styleLbl>
+  <dgm:styleLbl name="dkBgShp">
+    <dgm:fillClrLst meth="repeat">
+      <a:schemeClr val="accent1">
+        <a:shade val="80000"/>
+      </a:schemeClr>
+    </dgm:fillClrLst>
+    <dgm:linClrLst meth="repeat">
+      <a:schemeClr val="accent1"/>
+    </dgm:linClrLst>
+    <dgm:effectClrLst/>
+    <dgm:txLinClrLst/>
+    <dgm:txFillClrLst meth="repeat">
+      <a:schemeClr val="lt1"/>
+    </dgm:txFillClrLst>
+    <dgm:txEffectClrLst/>
+  </dgm:styleLbl>
+  <dgm:styleLbl name="trBgShp">
+    <dgm:fillClrLst meth="repeat">
+      <a:schemeClr val="accent1">
+        <a:tint val="50000"/>
+        <a:alpha val="40000"/>
+      </a:schemeClr>
+    </dgm:fillClrLst>
+    <dgm:linClrLst meth="repeat">
+      <a:schemeClr val="accent1"/>
+    </dgm:linClrLst>
+    <dgm:effectClrLst/>
+    <dgm:txLinClrLst/>
+    <dgm:txFillClrLst meth="repeat">
+      <a:schemeClr val="lt1"/>
+    </dgm:txFillClrLst>
+    <dgm:txEffectClrLst/>
+  </dgm:styleLbl>
+  <dgm:styleLbl name="fgShp">
+    <dgm:fillClrLst meth="repeat">
+      <a:schemeClr val="accent1">
+        <a:tint val="60000"/>
+      </a:schemeClr>
+    </dgm:fillClrLst>
+    <dgm:linClrLst meth="repeat">
+      <a:schemeClr val="lt1"/>
+    </dgm:linClrLst>
+    <dgm:effectClrLst/>
+    <dgm:txLinClrLst/>
+    <dgm:txFillClrLst meth="repeat">
+      <a:schemeClr val="dk1"/>
+    </dgm:txFillClrLst>
+    <dgm:txEffectClrLst/>
+  </dgm:styleLbl>
+  <dgm:styleLbl name="revTx">
+    <dgm:fillClrLst meth="repeat">
+      <a:schemeClr val="lt1">
+        <a:alpha val="0"/>
+      </a:schemeClr>
+    </dgm:fillClrLst>
+    <dgm:linClrLst meth="repeat">
+      <a:schemeClr val="dk1">
+        <a:alpha val="0"/>
+      </a:schemeClr>
+    </dgm:linClrLst>
+    <dgm:effectClrLst/>
+    <dgm:txLinClrLst/>
+    <dgm:txFillClrLst meth="repeat">
+      <a:schemeClr val="tx1"/>
+    </dgm:txFillClrLst>
+    <dgm:txEffectClrLst/>
+  </dgm:styleLbl>
+</dgm:colorsDef>
+</file>
+
+<file path=ppt/diagrams/data1.xml><?xml version="1.0" encoding="utf-8"?>
+<dgm:dataModel xmlns:dgm="http://schemas.openxmlformats.org/drawingml/2006/diagram" xmlns:a="http://schemas.openxmlformats.org/drawingml/2006/main">
+  <dgm:ptLst>
+    <dgm:pt modelId="{EC75874E-FC66-4236-996C-042E6951ED78}" type="doc">
+      <dgm:prSet loTypeId="urn:microsoft.com/office/officeart/2005/8/layout/vList2" loCatId="list" qsTypeId="urn:microsoft.com/office/officeart/2005/8/quickstyle/simple1" qsCatId="simple" csTypeId="urn:microsoft.com/office/officeart/2005/8/colors/accent1_2" csCatId="accent1"/>
+      <dgm:spPr/>
+      <dgm:t>
+        <a:bodyPr/>
+        <a:lstStyle/>
+        <a:p>
+          <a:endParaRPr lang="en-US"/>
+        </a:p>
+      </dgm:t>
+    </dgm:pt>
+    <dgm:pt modelId="{4B1ACBDF-E7AD-44F0-A83C-84CA8316E972}">
+      <dgm:prSet/>
+      <dgm:spPr/>
+      <dgm:t>
+        <a:bodyPr/>
+        <a:lstStyle/>
+        <a:p>
+          <a:r>
+            <a:rPr lang="de-CH"/>
+            <a:t>Unser Projekt</a:t>
+          </a:r>
+          <a:endParaRPr lang="en-US"/>
+        </a:p>
+      </dgm:t>
+    </dgm:pt>
+    <dgm:pt modelId="{299FA21B-7C73-4D9E-AB7C-65818B1EFE41}" type="parTrans" cxnId="{2A105E30-3563-4B65-96E3-9D892305D1C8}">
+      <dgm:prSet/>
+      <dgm:spPr/>
+      <dgm:t>
+        <a:bodyPr/>
+        <a:lstStyle/>
+        <a:p>
+          <a:endParaRPr lang="en-US"/>
+        </a:p>
+      </dgm:t>
+    </dgm:pt>
+    <dgm:pt modelId="{57336158-CCE4-4462-9517-E114D211554D}" type="sibTrans" cxnId="{2A105E30-3563-4B65-96E3-9D892305D1C8}">
+      <dgm:prSet/>
+      <dgm:spPr/>
+      <dgm:t>
+        <a:bodyPr/>
+        <a:lstStyle/>
+        <a:p>
+          <a:endParaRPr lang="en-US"/>
+        </a:p>
+      </dgm:t>
+    </dgm:pt>
+    <dgm:pt modelId="{E450D12C-8D6A-479A-BB6A-86302AF96E77}">
+      <dgm:prSet/>
+      <dgm:spPr/>
+      <dgm:t>
+        <a:bodyPr/>
+        <a:lstStyle/>
+        <a:p>
+          <a:r>
+            <a:rPr lang="de-DE"/>
+            <a:t>Entwicklung eines dynamischen, datenbasierten Dashboards</a:t>
+          </a:r>
+          <a:endParaRPr lang="en-US"/>
+        </a:p>
+      </dgm:t>
+    </dgm:pt>
+    <dgm:pt modelId="{913D5605-0B9E-4766-9216-7551ACF5843B}" type="parTrans" cxnId="{60BF301E-A848-4CDE-B17B-0752C4FAABCA}">
+      <dgm:prSet/>
+      <dgm:spPr/>
+      <dgm:t>
+        <a:bodyPr/>
+        <a:lstStyle/>
+        <a:p>
+          <a:endParaRPr lang="en-US"/>
+        </a:p>
+      </dgm:t>
+    </dgm:pt>
+    <dgm:pt modelId="{923923D8-5A5B-49F3-BF78-789FD14DC706}" type="sibTrans" cxnId="{60BF301E-A848-4CDE-B17B-0752C4FAABCA}">
+      <dgm:prSet/>
+      <dgm:spPr/>
+      <dgm:t>
+        <a:bodyPr/>
+        <a:lstStyle/>
+        <a:p>
+          <a:endParaRPr lang="en-US"/>
+        </a:p>
+      </dgm:t>
+    </dgm:pt>
+    <dgm:pt modelId="{FC79ADE7-EE1D-4B4C-B873-79FC414E1D5C}">
+      <dgm:prSet/>
+      <dgm:spPr/>
+      <dgm:t>
+        <a:bodyPr/>
+        <a:lstStyle/>
+        <a:p>
+          <a:r>
+            <a:rPr lang="de-DE"/>
+            <a:t>Detaillierte Abbildung der Berichterstattung von acht Schweizer Zeitungen aus dem Jahr 2022</a:t>
+          </a:r>
+          <a:endParaRPr lang="en-US"/>
+        </a:p>
+      </dgm:t>
+    </dgm:pt>
+    <dgm:pt modelId="{924F45D5-2657-4974-88E7-4E27A3931A55}" type="parTrans" cxnId="{D5A1F258-5E70-4E59-ACFD-16E52AA04502}">
+      <dgm:prSet/>
+      <dgm:spPr/>
+      <dgm:t>
+        <a:bodyPr/>
+        <a:lstStyle/>
+        <a:p>
+          <a:endParaRPr lang="en-US"/>
+        </a:p>
+      </dgm:t>
+    </dgm:pt>
+    <dgm:pt modelId="{F5686E28-F11F-46BF-A252-2E28822178A9}" type="sibTrans" cxnId="{D5A1F258-5E70-4E59-ACFD-16E52AA04502}">
+      <dgm:prSet/>
+      <dgm:spPr/>
+      <dgm:t>
+        <a:bodyPr/>
+        <a:lstStyle/>
+        <a:p>
+          <a:endParaRPr lang="en-US"/>
+        </a:p>
+      </dgm:t>
+    </dgm:pt>
+    <dgm:pt modelId="{AE6DF04A-9698-479A-A37E-8AD47826268B}">
+      <dgm:prSet/>
+      <dgm:spPr/>
+      <dgm:t>
+        <a:bodyPr/>
+        <a:lstStyle/>
+        <a:p>
+          <a:r>
+            <a:rPr lang="de-CH"/>
+            <a:t>Was wir bieten</a:t>
+          </a:r>
+          <a:endParaRPr lang="en-US"/>
+        </a:p>
+      </dgm:t>
+    </dgm:pt>
+    <dgm:pt modelId="{43D34F04-EA67-4DF0-AB1C-97E0A0974D38}" type="parTrans" cxnId="{1B9CD402-6281-48F8-A6FE-012DD073ECC9}">
+      <dgm:prSet/>
+      <dgm:spPr/>
+      <dgm:t>
+        <a:bodyPr/>
+        <a:lstStyle/>
+        <a:p>
+          <a:endParaRPr lang="en-US"/>
+        </a:p>
+      </dgm:t>
+    </dgm:pt>
+    <dgm:pt modelId="{E3DF9C37-CFF0-43CD-A273-D71B96FDD6FE}" type="sibTrans" cxnId="{1B9CD402-6281-48F8-A6FE-012DD073ECC9}">
+      <dgm:prSet/>
+      <dgm:spPr/>
+      <dgm:t>
+        <a:bodyPr/>
+        <a:lstStyle/>
+        <a:p>
+          <a:endParaRPr lang="en-US"/>
+        </a:p>
+      </dgm:t>
+    </dgm:pt>
+    <dgm:pt modelId="{F905BC0F-FFD5-4BEC-A1E2-C89819E13345}">
+      <dgm:prSet/>
+      <dgm:spPr/>
+      <dgm:t>
+        <a:bodyPr/>
+        <a:lstStyle/>
+        <a:p>
+          <a:r>
+            <a:rPr lang="de-DE"/>
+            <a:t>Interaktive Visualisierung von täglichen Themen</a:t>
+          </a:r>
+          <a:endParaRPr lang="en-US"/>
+        </a:p>
+      </dgm:t>
+    </dgm:pt>
+    <dgm:pt modelId="{21299508-0E98-42F6-BE62-B1FB2C986719}" type="parTrans" cxnId="{E1840AA0-9F1B-4DD3-AEA2-64AADDD6D9FA}">
+      <dgm:prSet/>
+      <dgm:spPr/>
+      <dgm:t>
+        <a:bodyPr/>
+        <a:lstStyle/>
+        <a:p>
+          <a:endParaRPr lang="en-US"/>
+        </a:p>
+      </dgm:t>
+    </dgm:pt>
+    <dgm:pt modelId="{B487DD23-C658-4681-BDA5-25D4575CE486}" type="sibTrans" cxnId="{E1840AA0-9F1B-4DD3-AEA2-64AADDD6D9FA}">
+      <dgm:prSet/>
+      <dgm:spPr/>
+      <dgm:t>
+        <a:bodyPr/>
+        <a:lstStyle/>
+        <a:p>
+          <a:endParaRPr lang="en-US"/>
+        </a:p>
+      </dgm:t>
+    </dgm:pt>
+    <dgm:pt modelId="{67749B2E-0CDB-4A04-87CA-99E0B0E181A5}">
+      <dgm:prSet/>
+      <dgm:spPr/>
+      <dgm:t>
+        <a:bodyPr/>
+        <a:lstStyle/>
+        <a:p>
+          <a:r>
+            <a:rPr lang="de-DE"/>
+            <a:t>Darstellung von Länderreferenzen und deren Beziehungen</a:t>
+          </a:r>
+          <a:endParaRPr lang="en-US"/>
+        </a:p>
+      </dgm:t>
+    </dgm:pt>
+    <dgm:pt modelId="{147575B8-AE57-499D-8813-DAEF8B599312}" type="parTrans" cxnId="{095BA9D0-F14B-4E06-A18A-CCDB8CEA0CDB}">
+      <dgm:prSet/>
+      <dgm:spPr/>
+      <dgm:t>
+        <a:bodyPr/>
+        <a:lstStyle/>
+        <a:p>
+          <a:endParaRPr lang="en-US"/>
+        </a:p>
+      </dgm:t>
+    </dgm:pt>
+    <dgm:pt modelId="{DE277908-1BB9-4B33-84BD-65D7B5E765BE}" type="sibTrans" cxnId="{095BA9D0-F14B-4E06-A18A-CCDB8CEA0CDB}">
+      <dgm:prSet/>
+      <dgm:spPr/>
+      <dgm:t>
+        <a:bodyPr/>
+        <a:lstStyle/>
+        <a:p>
+          <a:endParaRPr lang="en-US"/>
+        </a:p>
+      </dgm:t>
+    </dgm:pt>
+    <dgm:pt modelId="{DB737A2E-CF19-4CB5-B74B-0C281E5B9A38}">
+      <dgm:prSet/>
+      <dgm:spPr/>
+      <dgm:t>
+        <a:bodyPr/>
+        <a:lstStyle/>
+        <a:p>
+          <a:r>
+            <a:rPr lang="de-DE"/>
+            <a:t>Highlighting der am häufigsten diskutierten Personen und Nomen</a:t>
+          </a:r>
+          <a:endParaRPr lang="en-US"/>
+        </a:p>
+      </dgm:t>
+    </dgm:pt>
+    <dgm:pt modelId="{A876496B-9B5F-45E8-92E3-4030666A8862}" type="parTrans" cxnId="{377875CF-57FA-49E7-8950-8FBAA050CABF}">
+      <dgm:prSet/>
+      <dgm:spPr/>
+      <dgm:t>
+        <a:bodyPr/>
+        <a:lstStyle/>
+        <a:p>
+          <a:endParaRPr lang="en-US"/>
+        </a:p>
+      </dgm:t>
+    </dgm:pt>
+    <dgm:pt modelId="{D702FA87-9564-46E0-98C5-EEE1288E960C}" type="sibTrans" cxnId="{377875CF-57FA-49E7-8950-8FBAA050CABF}">
+      <dgm:prSet/>
+      <dgm:spPr/>
+      <dgm:t>
+        <a:bodyPr/>
+        <a:lstStyle/>
+        <a:p>
+          <a:endParaRPr lang="en-US"/>
+        </a:p>
+      </dgm:t>
+    </dgm:pt>
+    <dgm:pt modelId="{B51C684C-826C-45C2-AA28-FD32DD879158}">
+      <dgm:prSet/>
+      <dgm:spPr/>
+      <dgm:t>
+        <a:bodyPr/>
+        <a:lstStyle/>
+        <a:p>
+          <a:r>
+            <a:rPr lang="de-DE"/>
+            <a:t>Unser Ziel</a:t>
+          </a:r>
+          <a:endParaRPr lang="en-US"/>
+        </a:p>
+      </dgm:t>
+    </dgm:pt>
+    <dgm:pt modelId="{6813F034-25AF-415F-9DD5-0D2E42B6D622}" type="parTrans" cxnId="{0CA360C6-7E00-486B-AF7A-48F437FD2724}">
+      <dgm:prSet/>
+      <dgm:spPr/>
+      <dgm:t>
+        <a:bodyPr/>
+        <a:lstStyle/>
+        <a:p>
+          <a:endParaRPr lang="en-US"/>
+        </a:p>
+      </dgm:t>
+    </dgm:pt>
+    <dgm:pt modelId="{C4B98692-6A55-4D58-8D10-E286EA69637A}" type="sibTrans" cxnId="{0CA360C6-7E00-486B-AF7A-48F437FD2724}">
+      <dgm:prSet/>
+      <dgm:spPr/>
+      <dgm:t>
+        <a:bodyPr/>
+        <a:lstStyle/>
+        <a:p>
+          <a:endParaRPr lang="en-US"/>
+        </a:p>
+      </dgm:t>
+    </dgm:pt>
+    <dgm:pt modelId="{F3130879-72DA-455F-9E7C-F0C73B4B207D}">
+      <dgm:prSet/>
+      <dgm:spPr/>
+      <dgm:t>
+        <a:bodyPr/>
+        <a:lstStyle/>
+        <a:p>
+          <a:r>
+            <a:rPr lang="de-CH"/>
+            <a:t>Bereitstellung eines umfassenden Analysetools</a:t>
+          </a:r>
+          <a:endParaRPr lang="en-US"/>
+        </a:p>
+      </dgm:t>
+    </dgm:pt>
+    <dgm:pt modelId="{BCE1D066-8160-4F95-8CD2-B4EA668B65BB}" type="parTrans" cxnId="{1006B4D9-07D8-4C11-A31D-4D77A150720A}">
+      <dgm:prSet/>
+      <dgm:spPr/>
+      <dgm:t>
+        <a:bodyPr/>
+        <a:lstStyle/>
+        <a:p>
+          <a:endParaRPr lang="en-US"/>
+        </a:p>
+      </dgm:t>
+    </dgm:pt>
+    <dgm:pt modelId="{414A58BA-9DCC-4E5A-A485-C8B8D333255F}" type="sibTrans" cxnId="{1006B4D9-07D8-4C11-A31D-4D77A150720A}">
+      <dgm:prSet/>
+      <dgm:spPr/>
+      <dgm:t>
+        <a:bodyPr/>
+        <a:lstStyle/>
+        <a:p>
+          <a:endParaRPr lang="en-US"/>
+        </a:p>
+      </dgm:t>
+    </dgm:pt>
+    <dgm:pt modelId="{87AFC753-E70B-400D-850A-92659B6B69A9}">
+      <dgm:prSet/>
+      <dgm:spPr/>
+      <dgm:t>
+        <a:bodyPr/>
+        <a:lstStyle/>
+        <a:p>
+          <a:r>
+            <a:rPr lang="de-DE"/>
+            <a:t>Aufdeckung von Trends und Mustern der Medienberichterstattung</a:t>
+          </a:r>
+          <a:endParaRPr lang="en-US"/>
+        </a:p>
+      </dgm:t>
+    </dgm:pt>
+    <dgm:pt modelId="{4D2D13F3-2E8C-4E60-8402-47DAB5A726FA}" type="parTrans" cxnId="{5ACFB14C-9FB6-4EC7-8E08-DFBCC0D1339E}">
+      <dgm:prSet/>
+      <dgm:spPr/>
+      <dgm:t>
+        <a:bodyPr/>
+        <a:lstStyle/>
+        <a:p>
+          <a:endParaRPr lang="en-US"/>
+        </a:p>
+      </dgm:t>
+    </dgm:pt>
+    <dgm:pt modelId="{C75EEF81-B93B-4E8B-806C-8112AA3A885C}" type="sibTrans" cxnId="{5ACFB14C-9FB6-4EC7-8E08-DFBCC0D1339E}">
+      <dgm:prSet/>
+      <dgm:spPr/>
+      <dgm:t>
+        <a:bodyPr/>
+        <a:lstStyle/>
+        <a:p>
+          <a:endParaRPr lang="en-US"/>
+        </a:p>
+      </dgm:t>
+    </dgm:pt>
+    <dgm:pt modelId="{C628BE97-ACA7-49D1-A6F1-C2B01B3FD98D}">
+      <dgm:prSet/>
+      <dgm:spPr/>
+      <dgm:t>
+        <a:bodyPr/>
+        <a:lstStyle/>
+        <a:p>
+          <a:r>
+            <a:rPr lang="de-DE"/>
+            <a:t>Ermöglichung eines tieferen Verständnisses der gesellschaftsbewegenden Themen</a:t>
+          </a:r>
+          <a:endParaRPr lang="en-US"/>
+        </a:p>
+      </dgm:t>
+    </dgm:pt>
+    <dgm:pt modelId="{6CBDFB23-472D-484C-A4C0-9A1BA8B57957}" type="parTrans" cxnId="{BDFDFB5F-07ED-45B1-88BC-8E7BF7BB1C02}">
+      <dgm:prSet/>
+      <dgm:spPr/>
+      <dgm:t>
+        <a:bodyPr/>
+        <a:lstStyle/>
+        <a:p>
+          <a:endParaRPr lang="en-US"/>
+        </a:p>
+      </dgm:t>
+    </dgm:pt>
+    <dgm:pt modelId="{353388D8-ED1A-4CC0-950A-405966839EA1}" type="sibTrans" cxnId="{BDFDFB5F-07ED-45B1-88BC-8E7BF7BB1C02}">
+      <dgm:prSet/>
+      <dgm:spPr/>
+      <dgm:t>
+        <a:bodyPr/>
+        <a:lstStyle/>
+        <a:p>
+          <a:endParaRPr lang="en-US"/>
+        </a:p>
+      </dgm:t>
+    </dgm:pt>
+    <dgm:pt modelId="{CC8A1D5C-499A-4E9F-A436-F0149B7156F2}">
+      <dgm:prSet/>
+      <dgm:spPr/>
+      <dgm:t>
+        <a:bodyPr/>
+        <a:lstStyle/>
+        <a:p>
+          <a:r>
+            <a:rPr lang="de-DE"/>
+            <a:t>Der Nutzen</a:t>
+          </a:r>
+          <a:endParaRPr lang="en-US"/>
+        </a:p>
+      </dgm:t>
+    </dgm:pt>
+    <dgm:pt modelId="{15475771-1D06-42F7-BF3F-391B1F2ECAF6}" type="parTrans" cxnId="{AEB04D8A-0C2A-4F8E-ADFE-B88CE868AA76}">
+      <dgm:prSet/>
+      <dgm:spPr/>
+      <dgm:t>
+        <a:bodyPr/>
+        <a:lstStyle/>
+        <a:p>
+          <a:endParaRPr lang="en-US"/>
+        </a:p>
+      </dgm:t>
+    </dgm:pt>
+    <dgm:pt modelId="{01C91D05-C9D2-49EB-9E70-35443EA90454}" type="sibTrans" cxnId="{AEB04D8A-0C2A-4F8E-ADFE-B88CE868AA76}">
+      <dgm:prSet/>
+      <dgm:spPr/>
+      <dgm:t>
+        <a:bodyPr/>
+        <a:lstStyle/>
+        <a:p>
+          <a:endParaRPr lang="en-US"/>
+        </a:p>
+      </dgm:t>
+    </dgm:pt>
+    <dgm:pt modelId="{A094F5EF-38C9-4416-9121-A0D456D0BB98}">
+      <dgm:prSet/>
+      <dgm:spPr/>
+      <dgm:t>
+        <a:bodyPr/>
+        <a:lstStyle/>
+        <a:p>
+          <a:r>
+            <a:rPr lang="de-DE"/>
+            <a:t>Fundament für zukunftsorientierte Entscheidungen und Strategien im Medienbereich</a:t>
+          </a:r>
+          <a:endParaRPr lang="en-US"/>
+        </a:p>
+      </dgm:t>
+    </dgm:pt>
+    <dgm:pt modelId="{2C00BB41-B3E7-44D4-A445-43BF253C3DCB}" type="parTrans" cxnId="{DCE9044C-3AE5-4977-BB3B-E9E72FFC4250}">
+      <dgm:prSet/>
+      <dgm:spPr/>
+      <dgm:t>
+        <a:bodyPr/>
+        <a:lstStyle/>
+        <a:p>
+          <a:endParaRPr lang="en-US"/>
+        </a:p>
+      </dgm:t>
+    </dgm:pt>
+    <dgm:pt modelId="{47EBD6CF-E68F-4A9A-8237-1F88A2912E81}" type="sibTrans" cxnId="{DCE9044C-3AE5-4977-BB3B-E9E72FFC4250}">
+      <dgm:prSet/>
+      <dgm:spPr/>
+      <dgm:t>
+        <a:bodyPr/>
+        <a:lstStyle/>
+        <a:p>
+          <a:endParaRPr lang="en-US"/>
+        </a:p>
+      </dgm:t>
+    </dgm:pt>
+    <dgm:pt modelId="{2F7A435A-678C-4FD9-865B-4F20666A14B1}">
+      <dgm:prSet/>
+      <dgm:spPr/>
+      <dgm:t>
+        <a:bodyPr/>
+        <a:lstStyle/>
+        <a:p>
+          <a:r>
+            <a:rPr lang="de-DE"/>
+            <a:t>Erweiterte Perspektive auf die Medienlandschaft</a:t>
+          </a:r>
+          <a:endParaRPr lang="en-US"/>
+        </a:p>
+      </dgm:t>
+    </dgm:pt>
+    <dgm:pt modelId="{179DCFFD-0980-472F-B14A-3FA5A00C1A83}" type="parTrans" cxnId="{0BB87DD2-C9CD-43C8-9692-045130F69BAC}">
+      <dgm:prSet/>
+      <dgm:spPr/>
+      <dgm:t>
+        <a:bodyPr/>
+        <a:lstStyle/>
+        <a:p>
+          <a:endParaRPr lang="en-US"/>
+        </a:p>
+      </dgm:t>
+    </dgm:pt>
+    <dgm:pt modelId="{28A18DBC-6AA7-422C-82EF-A26A985B0985}" type="sibTrans" cxnId="{0BB87DD2-C9CD-43C8-9692-045130F69BAC}">
+      <dgm:prSet/>
+      <dgm:spPr/>
+      <dgm:t>
+        <a:bodyPr/>
+        <a:lstStyle/>
+        <a:p>
+          <a:endParaRPr lang="en-US"/>
+        </a:p>
+      </dgm:t>
+    </dgm:pt>
+    <dgm:pt modelId="{2C2ADD90-62A4-4659-AD68-CD5312B78154}">
+      <dgm:prSet/>
+      <dgm:spPr/>
+      <dgm:t>
+        <a:bodyPr/>
+        <a:lstStyle/>
+        <a:p>
+          <a:r>
+            <a:rPr lang="de-DE"/>
+            <a:t>Unterstützung bei der Identifikation von Informationslücken und Potentialen</a:t>
+          </a:r>
+          <a:endParaRPr lang="en-US"/>
+        </a:p>
+      </dgm:t>
+    </dgm:pt>
+    <dgm:pt modelId="{B78D1CD6-CB3F-45EF-97F0-35BE480CB1C3}" type="parTrans" cxnId="{03885855-3504-4189-B9D3-08A0FC5C0206}">
+      <dgm:prSet/>
+      <dgm:spPr/>
+      <dgm:t>
+        <a:bodyPr/>
+        <a:lstStyle/>
+        <a:p>
+          <a:endParaRPr lang="en-US"/>
+        </a:p>
+      </dgm:t>
+    </dgm:pt>
+    <dgm:pt modelId="{CBCDABB4-4D8A-42B5-AA82-B94A1E36B370}" type="sibTrans" cxnId="{03885855-3504-4189-B9D3-08A0FC5C0206}">
+      <dgm:prSet/>
+      <dgm:spPr/>
+      <dgm:t>
+        <a:bodyPr/>
+        <a:lstStyle/>
+        <a:p>
+          <a:endParaRPr lang="en-US"/>
+        </a:p>
+      </dgm:t>
+    </dgm:pt>
+    <dgm:pt modelId="{4E68E5CF-53B4-493C-960C-EF088EAFB746}" type="pres">
+      <dgm:prSet presAssocID="{EC75874E-FC66-4236-996C-042E6951ED78}" presName="linear" presStyleCnt="0">
+        <dgm:presLayoutVars>
+          <dgm:animLvl val="lvl"/>
+          <dgm:resizeHandles val="exact"/>
+        </dgm:presLayoutVars>
+      </dgm:prSet>
+      <dgm:spPr/>
+    </dgm:pt>
+    <dgm:pt modelId="{D27BA4E2-9FBB-48A2-A03C-0936070BD690}" type="pres">
+      <dgm:prSet presAssocID="{4B1ACBDF-E7AD-44F0-A83C-84CA8316E972}" presName="parentText" presStyleLbl="node1" presStyleIdx="0" presStyleCnt="4">
+        <dgm:presLayoutVars>
+          <dgm:chMax val="0"/>
+          <dgm:bulletEnabled val="1"/>
+        </dgm:presLayoutVars>
+      </dgm:prSet>
+      <dgm:spPr/>
+    </dgm:pt>
+    <dgm:pt modelId="{6A829E34-31FC-4CCC-AD08-A8A0827641F1}" type="pres">
+      <dgm:prSet presAssocID="{4B1ACBDF-E7AD-44F0-A83C-84CA8316E972}" presName="childText" presStyleLbl="revTx" presStyleIdx="0" presStyleCnt="4">
+        <dgm:presLayoutVars>
+          <dgm:bulletEnabled val="1"/>
+        </dgm:presLayoutVars>
+      </dgm:prSet>
+      <dgm:spPr/>
+    </dgm:pt>
+    <dgm:pt modelId="{A6B2AED9-FB72-41D1-8202-C04F5FFEF7BA}" type="pres">
+      <dgm:prSet presAssocID="{AE6DF04A-9698-479A-A37E-8AD47826268B}" presName="parentText" presStyleLbl="node1" presStyleIdx="1" presStyleCnt="4">
+        <dgm:presLayoutVars>
+          <dgm:chMax val="0"/>
+          <dgm:bulletEnabled val="1"/>
+        </dgm:presLayoutVars>
+      </dgm:prSet>
+      <dgm:spPr/>
+    </dgm:pt>
+    <dgm:pt modelId="{21B708FD-3C92-47D9-BFEC-1D0372E829BC}" type="pres">
+      <dgm:prSet presAssocID="{AE6DF04A-9698-479A-A37E-8AD47826268B}" presName="childText" presStyleLbl="revTx" presStyleIdx="1" presStyleCnt="4">
+        <dgm:presLayoutVars>
+          <dgm:bulletEnabled val="1"/>
+        </dgm:presLayoutVars>
+      </dgm:prSet>
+      <dgm:spPr/>
+    </dgm:pt>
+    <dgm:pt modelId="{C2CA9DC7-7EE6-4EF6-BC85-1964DC343E9F}" type="pres">
+      <dgm:prSet presAssocID="{B51C684C-826C-45C2-AA28-FD32DD879158}" presName="parentText" presStyleLbl="node1" presStyleIdx="2" presStyleCnt="4">
+        <dgm:presLayoutVars>
+          <dgm:chMax val="0"/>
+          <dgm:bulletEnabled val="1"/>
+        </dgm:presLayoutVars>
+      </dgm:prSet>
+      <dgm:spPr/>
+    </dgm:pt>
+    <dgm:pt modelId="{2448F6B3-A9E5-4B12-AFA9-D4FB6384555B}" type="pres">
+      <dgm:prSet presAssocID="{B51C684C-826C-45C2-AA28-FD32DD879158}" presName="childText" presStyleLbl="revTx" presStyleIdx="2" presStyleCnt="4">
+        <dgm:presLayoutVars>
+          <dgm:bulletEnabled val="1"/>
+        </dgm:presLayoutVars>
+      </dgm:prSet>
+      <dgm:spPr/>
+    </dgm:pt>
+    <dgm:pt modelId="{0F923B10-6378-42BB-A893-56BA006A6B09}" type="pres">
+      <dgm:prSet presAssocID="{CC8A1D5C-499A-4E9F-A436-F0149B7156F2}" presName="parentText" presStyleLbl="node1" presStyleIdx="3" presStyleCnt="4">
+        <dgm:presLayoutVars>
+          <dgm:chMax val="0"/>
+          <dgm:bulletEnabled val="1"/>
+        </dgm:presLayoutVars>
+      </dgm:prSet>
+      <dgm:spPr/>
+    </dgm:pt>
+    <dgm:pt modelId="{494A643D-DEE2-4B91-ABD1-93CD2DE4F5A5}" type="pres">
+      <dgm:prSet presAssocID="{CC8A1D5C-499A-4E9F-A436-F0149B7156F2}" presName="childText" presStyleLbl="revTx" presStyleIdx="3" presStyleCnt="4">
+        <dgm:presLayoutVars>
+          <dgm:bulletEnabled val="1"/>
+        </dgm:presLayoutVars>
+      </dgm:prSet>
+      <dgm:spPr/>
+    </dgm:pt>
+  </dgm:ptLst>
+  <dgm:cxnLst>
+    <dgm:cxn modelId="{1B9CD402-6281-48F8-A6FE-012DD073ECC9}" srcId="{EC75874E-FC66-4236-996C-042E6951ED78}" destId="{AE6DF04A-9698-479A-A37E-8AD47826268B}" srcOrd="1" destOrd="0" parTransId="{43D34F04-EA67-4DF0-AB1C-97E0A0974D38}" sibTransId="{E3DF9C37-CFF0-43CD-A273-D71B96FDD6FE}"/>
+    <dgm:cxn modelId="{2EBF1C03-86BF-4CC2-99BE-2EAB711AB028}" type="presOf" srcId="{AE6DF04A-9698-479A-A37E-8AD47826268B}" destId="{A6B2AED9-FB72-41D1-8202-C04F5FFEF7BA}" srcOrd="0" destOrd="0" presId="urn:microsoft.com/office/officeart/2005/8/layout/vList2"/>
+    <dgm:cxn modelId="{56354110-4036-40BF-A498-539A74038271}" type="presOf" srcId="{A094F5EF-38C9-4416-9121-A0D456D0BB98}" destId="{494A643D-DEE2-4B91-ABD1-93CD2DE4F5A5}" srcOrd="0" destOrd="0" presId="urn:microsoft.com/office/officeart/2005/8/layout/vList2"/>
+    <dgm:cxn modelId="{E9989615-49CC-480F-87C1-BF22C60A982A}" type="presOf" srcId="{2F7A435A-678C-4FD9-865B-4F20666A14B1}" destId="{494A643D-DEE2-4B91-ABD1-93CD2DE4F5A5}" srcOrd="0" destOrd="1" presId="urn:microsoft.com/office/officeart/2005/8/layout/vList2"/>
+    <dgm:cxn modelId="{D939AD17-E878-4D68-AEAF-7A4C9A0ACBB3}" type="presOf" srcId="{C628BE97-ACA7-49D1-A6F1-C2B01B3FD98D}" destId="{2448F6B3-A9E5-4B12-AFA9-D4FB6384555B}" srcOrd="0" destOrd="2" presId="urn:microsoft.com/office/officeart/2005/8/layout/vList2"/>
+    <dgm:cxn modelId="{FA66D81A-9DCC-4C9B-888B-2B30A9661F5D}" type="presOf" srcId="{F905BC0F-FFD5-4BEC-A1E2-C89819E13345}" destId="{21B708FD-3C92-47D9-BFEC-1D0372E829BC}" srcOrd="0" destOrd="0" presId="urn:microsoft.com/office/officeart/2005/8/layout/vList2"/>
+    <dgm:cxn modelId="{60BF301E-A848-4CDE-B17B-0752C4FAABCA}" srcId="{4B1ACBDF-E7AD-44F0-A83C-84CA8316E972}" destId="{E450D12C-8D6A-479A-BB6A-86302AF96E77}" srcOrd="0" destOrd="0" parTransId="{913D5605-0B9E-4766-9216-7551ACF5843B}" sibTransId="{923923D8-5A5B-49F3-BF78-789FD14DC706}"/>
+    <dgm:cxn modelId="{7086F82A-DD83-4EA0-A5F9-8CE630434C37}" type="presOf" srcId="{87AFC753-E70B-400D-850A-92659B6B69A9}" destId="{2448F6B3-A9E5-4B12-AFA9-D4FB6384555B}" srcOrd="0" destOrd="1" presId="urn:microsoft.com/office/officeart/2005/8/layout/vList2"/>
+    <dgm:cxn modelId="{2A105E30-3563-4B65-96E3-9D892305D1C8}" srcId="{EC75874E-FC66-4236-996C-042E6951ED78}" destId="{4B1ACBDF-E7AD-44F0-A83C-84CA8316E972}" srcOrd="0" destOrd="0" parTransId="{299FA21B-7C73-4D9E-AB7C-65818B1EFE41}" sibTransId="{57336158-CCE4-4462-9517-E114D211554D}"/>
+    <dgm:cxn modelId="{2BABF23D-FA51-496D-8801-221290DECE70}" type="presOf" srcId="{B51C684C-826C-45C2-AA28-FD32DD879158}" destId="{C2CA9DC7-7EE6-4EF6-BC85-1964DC343E9F}" srcOrd="0" destOrd="0" presId="urn:microsoft.com/office/officeart/2005/8/layout/vList2"/>
+    <dgm:cxn modelId="{BDFDFB5F-07ED-45B1-88BC-8E7BF7BB1C02}" srcId="{B51C684C-826C-45C2-AA28-FD32DD879158}" destId="{C628BE97-ACA7-49D1-A6F1-C2B01B3FD98D}" srcOrd="2" destOrd="0" parTransId="{6CBDFB23-472D-484C-A4C0-9A1BA8B57957}" sibTransId="{353388D8-ED1A-4CC0-950A-405966839EA1}"/>
+    <dgm:cxn modelId="{DCE9044C-3AE5-4977-BB3B-E9E72FFC4250}" srcId="{CC8A1D5C-499A-4E9F-A436-F0149B7156F2}" destId="{A094F5EF-38C9-4416-9121-A0D456D0BB98}" srcOrd="0" destOrd="0" parTransId="{2C00BB41-B3E7-44D4-A445-43BF253C3DCB}" sibTransId="{47EBD6CF-E68F-4A9A-8237-1F88A2912E81}"/>
+    <dgm:cxn modelId="{5ACFB14C-9FB6-4EC7-8E08-DFBCC0D1339E}" srcId="{B51C684C-826C-45C2-AA28-FD32DD879158}" destId="{87AFC753-E70B-400D-850A-92659B6B69A9}" srcOrd="1" destOrd="0" parTransId="{4D2D13F3-2E8C-4E60-8402-47DAB5A726FA}" sibTransId="{C75EEF81-B93B-4E8B-806C-8112AA3A885C}"/>
+    <dgm:cxn modelId="{03885855-3504-4189-B9D3-08A0FC5C0206}" srcId="{CC8A1D5C-499A-4E9F-A436-F0149B7156F2}" destId="{2C2ADD90-62A4-4659-AD68-CD5312B78154}" srcOrd="2" destOrd="0" parTransId="{B78D1CD6-CB3F-45EF-97F0-35BE480CB1C3}" sibTransId="{CBCDABB4-4D8A-42B5-AA82-B94A1E36B370}"/>
+    <dgm:cxn modelId="{D5A1F258-5E70-4E59-ACFD-16E52AA04502}" srcId="{4B1ACBDF-E7AD-44F0-A83C-84CA8316E972}" destId="{FC79ADE7-EE1D-4B4C-B873-79FC414E1D5C}" srcOrd="1" destOrd="0" parTransId="{924F45D5-2657-4974-88E7-4E27A3931A55}" sibTransId="{F5686E28-F11F-46BF-A252-2E28822178A9}"/>
+    <dgm:cxn modelId="{0AE52A7F-DF4B-4CC8-AF42-BE32A4CA99E4}" type="presOf" srcId="{DB737A2E-CF19-4CB5-B74B-0C281E5B9A38}" destId="{21B708FD-3C92-47D9-BFEC-1D0372E829BC}" srcOrd="0" destOrd="2" presId="urn:microsoft.com/office/officeart/2005/8/layout/vList2"/>
+    <dgm:cxn modelId="{DA36FB89-9780-4A26-96DB-E7F536170859}" type="presOf" srcId="{CC8A1D5C-499A-4E9F-A436-F0149B7156F2}" destId="{0F923B10-6378-42BB-A893-56BA006A6B09}" srcOrd="0" destOrd="0" presId="urn:microsoft.com/office/officeart/2005/8/layout/vList2"/>
+    <dgm:cxn modelId="{AEB04D8A-0C2A-4F8E-ADFE-B88CE868AA76}" srcId="{EC75874E-FC66-4236-996C-042E6951ED78}" destId="{CC8A1D5C-499A-4E9F-A436-F0149B7156F2}" srcOrd="3" destOrd="0" parTransId="{15475771-1D06-42F7-BF3F-391B1F2ECAF6}" sibTransId="{01C91D05-C9D2-49EB-9E70-35443EA90454}"/>
+    <dgm:cxn modelId="{E1840AA0-9F1B-4DD3-AEA2-64AADDD6D9FA}" srcId="{AE6DF04A-9698-479A-A37E-8AD47826268B}" destId="{F905BC0F-FFD5-4BEC-A1E2-C89819E13345}" srcOrd="0" destOrd="0" parTransId="{21299508-0E98-42F6-BE62-B1FB2C986719}" sibTransId="{B487DD23-C658-4681-BDA5-25D4575CE486}"/>
+    <dgm:cxn modelId="{736FCEC3-6314-4E71-BEE7-41F59AE0597E}" type="presOf" srcId="{2C2ADD90-62A4-4659-AD68-CD5312B78154}" destId="{494A643D-DEE2-4B91-ABD1-93CD2DE4F5A5}" srcOrd="0" destOrd="2" presId="urn:microsoft.com/office/officeart/2005/8/layout/vList2"/>
+    <dgm:cxn modelId="{0CA360C6-7E00-486B-AF7A-48F437FD2724}" srcId="{EC75874E-FC66-4236-996C-042E6951ED78}" destId="{B51C684C-826C-45C2-AA28-FD32DD879158}" srcOrd="2" destOrd="0" parTransId="{6813F034-25AF-415F-9DD5-0D2E42B6D622}" sibTransId="{C4B98692-6A55-4D58-8D10-E286EA69637A}"/>
+    <dgm:cxn modelId="{377875CF-57FA-49E7-8950-8FBAA050CABF}" srcId="{AE6DF04A-9698-479A-A37E-8AD47826268B}" destId="{DB737A2E-CF19-4CB5-B74B-0C281E5B9A38}" srcOrd="2" destOrd="0" parTransId="{A876496B-9B5F-45E8-92E3-4030666A8862}" sibTransId="{D702FA87-9564-46E0-98C5-EEE1288E960C}"/>
+    <dgm:cxn modelId="{095BA9D0-F14B-4E06-A18A-CCDB8CEA0CDB}" srcId="{AE6DF04A-9698-479A-A37E-8AD47826268B}" destId="{67749B2E-0CDB-4A04-87CA-99E0B0E181A5}" srcOrd="1" destOrd="0" parTransId="{147575B8-AE57-499D-8813-DAEF8B599312}" sibTransId="{DE277908-1BB9-4B33-84BD-65D7B5E765BE}"/>
+    <dgm:cxn modelId="{0BB87DD2-C9CD-43C8-9692-045130F69BAC}" srcId="{CC8A1D5C-499A-4E9F-A436-F0149B7156F2}" destId="{2F7A435A-678C-4FD9-865B-4F20666A14B1}" srcOrd="1" destOrd="0" parTransId="{179DCFFD-0980-472F-B14A-3FA5A00C1A83}" sibTransId="{28A18DBC-6AA7-422C-82EF-A26A985B0985}"/>
+    <dgm:cxn modelId="{C10143D3-916B-4F5C-957F-ED4313DFAEAC}" type="presOf" srcId="{67749B2E-0CDB-4A04-87CA-99E0B0E181A5}" destId="{21B708FD-3C92-47D9-BFEC-1D0372E829BC}" srcOrd="0" destOrd="1" presId="urn:microsoft.com/office/officeart/2005/8/layout/vList2"/>
+    <dgm:cxn modelId="{A61698D7-3341-42E3-BB29-10363D810C42}" type="presOf" srcId="{FC79ADE7-EE1D-4B4C-B873-79FC414E1D5C}" destId="{6A829E34-31FC-4CCC-AD08-A8A0827641F1}" srcOrd="0" destOrd="1" presId="urn:microsoft.com/office/officeart/2005/8/layout/vList2"/>
+    <dgm:cxn modelId="{1006B4D9-07D8-4C11-A31D-4D77A150720A}" srcId="{B51C684C-826C-45C2-AA28-FD32DD879158}" destId="{F3130879-72DA-455F-9E7C-F0C73B4B207D}" srcOrd="0" destOrd="0" parTransId="{BCE1D066-8160-4F95-8CD2-B4EA668B65BB}" sibTransId="{414A58BA-9DCC-4E5A-A485-C8B8D333255F}"/>
+    <dgm:cxn modelId="{8B6E99DA-F36F-496A-926B-A8A9D620EA06}" type="presOf" srcId="{EC75874E-FC66-4236-996C-042E6951ED78}" destId="{4E68E5CF-53B4-493C-960C-EF088EAFB746}" srcOrd="0" destOrd="0" presId="urn:microsoft.com/office/officeart/2005/8/layout/vList2"/>
+    <dgm:cxn modelId="{C95414E2-3545-4946-BE67-8A64A346DE60}" type="presOf" srcId="{E450D12C-8D6A-479A-BB6A-86302AF96E77}" destId="{6A829E34-31FC-4CCC-AD08-A8A0827641F1}" srcOrd="0" destOrd="0" presId="urn:microsoft.com/office/officeart/2005/8/layout/vList2"/>
+    <dgm:cxn modelId="{66FE35EA-E5CC-432D-9775-33463C5A4102}" type="presOf" srcId="{4B1ACBDF-E7AD-44F0-A83C-84CA8316E972}" destId="{D27BA4E2-9FBB-48A2-A03C-0936070BD690}" srcOrd="0" destOrd="0" presId="urn:microsoft.com/office/officeart/2005/8/layout/vList2"/>
+    <dgm:cxn modelId="{F2240FFE-7DA6-4BA6-85A6-1614E3717293}" type="presOf" srcId="{F3130879-72DA-455F-9E7C-F0C73B4B207D}" destId="{2448F6B3-A9E5-4B12-AFA9-D4FB6384555B}" srcOrd="0" destOrd="0" presId="urn:microsoft.com/office/officeart/2005/8/layout/vList2"/>
+    <dgm:cxn modelId="{E5A8DE7D-0A59-41F4-9AFB-3181096E6D8C}" type="presParOf" srcId="{4E68E5CF-53B4-493C-960C-EF088EAFB746}" destId="{D27BA4E2-9FBB-48A2-A03C-0936070BD690}" srcOrd="0" destOrd="0" presId="urn:microsoft.com/office/officeart/2005/8/layout/vList2"/>
+    <dgm:cxn modelId="{269E0867-BE39-4598-9A53-24218D23E80C}" type="presParOf" srcId="{4E68E5CF-53B4-493C-960C-EF088EAFB746}" destId="{6A829E34-31FC-4CCC-AD08-A8A0827641F1}" srcOrd="1" destOrd="0" presId="urn:microsoft.com/office/officeart/2005/8/layout/vList2"/>
+    <dgm:cxn modelId="{453C94E2-D499-4315-B1AE-BD49679DDBB1}" type="presParOf" srcId="{4E68E5CF-53B4-493C-960C-EF088EAFB746}" destId="{A6B2AED9-FB72-41D1-8202-C04F5FFEF7BA}" srcOrd="2" destOrd="0" presId="urn:microsoft.com/office/officeart/2005/8/layout/vList2"/>
+    <dgm:cxn modelId="{552DCB36-C614-45F5-9609-011032DE10D0}" type="presParOf" srcId="{4E68E5CF-53B4-493C-960C-EF088EAFB746}" destId="{21B708FD-3C92-47D9-BFEC-1D0372E829BC}" srcOrd="3" destOrd="0" presId="urn:microsoft.com/office/officeart/2005/8/layout/vList2"/>
+    <dgm:cxn modelId="{4F996A4C-F136-404B-813E-7CE698A88F68}" type="presParOf" srcId="{4E68E5CF-53B4-493C-960C-EF088EAFB746}" destId="{C2CA9DC7-7EE6-4EF6-BC85-1964DC343E9F}" srcOrd="4" destOrd="0" presId="urn:microsoft.com/office/officeart/2005/8/layout/vList2"/>
+    <dgm:cxn modelId="{3DA8CE1F-C911-4B7A-9025-44DE91B96097}" type="presParOf" srcId="{4E68E5CF-53B4-493C-960C-EF088EAFB746}" destId="{2448F6B3-A9E5-4B12-AFA9-D4FB6384555B}" srcOrd="5" destOrd="0" presId="urn:microsoft.com/office/officeart/2005/8/layout/vList2"/>
+    <dgm:cxn modelId="{7B4A4168-B686-45E9-840A-E098005E84E7}" type="presParOf" srcId="{4E68E5CF-53B4-493C-960C-EF088EAFB746}" destId="{0F923B10-6378-42BB-A893-56BA006A6B09}" srcOrd="6" destOrd="0" presId="urn:microsoft.com/office/officeart/2005/8/layout/vList2"/>
+    <dgm:cxn modelId="{5E25D026-4B91-4AAA-8F5C-CDC47AE01F7B}" type="presParOf" srcId="{4E68E5CF-53B4-493C-960C-EF088EAFB746}" destId="{494A643D-DEE2-4B91-ABD1-93CD2DE4F5A5}" srcOrd="7" destOrd="0" presId="urn:microsoft.com/office/officeart/2005/8/layout/vList2"/>
+  </dgm:cxnLst>
+  <dgm:bg/>
+  <dgm:whole/>
+  <dgm:extLst>
+    <a:ext uri="http://schemas.microsoft.com/office/drawing/2008/diagram">
+      <dsp:dataModelExt xmlns:dsp="http://schemas.microsoft.com/office/drawing/2008/diagram" relId="rId6" minVer="http://schemas.openxmlformats.org/drawingml/2006/diagram"/>
+    </a:ext>
+  </dgm:extLst>
+</dgm:dataModel>
+</file>
+
+<file path=ppt/diagrams/data2.xml><?xml version="1.0" encoding="utf-8"?>
+<dgm:dataModel xmlns:dgm="http://schemas.openxmlformats.org/drawingml/2006/diagram" xmlns:a="http://schemas.openxmlformats.org/drawingml/2006/main">
+  <dgm:ptLst>
+    <dgm:pt modelId="{DD8C9898-20BC-4013-9748-A5F879C2AC3C}" type="doc">
+      <dgm:prSet loTypeId="urn:microsoft.com/office/officeart/2018/2/layout/IconLabelList" loCatId="icon" qsTypeId="urn:microsoft.com/office/officeart/2005/8/quickstyle/simple1" qsCatId="simple" csTypeId="urn:microsoft.com/office/officeart/2018/5/colors/Iconchunking_neutralbg_accent1_2" csCatId="accent1" phldr="1"/>
+      <dgm:spPr/>
+      <dgm:t>
+        <a:bodyPr/>
+        <a:lstStyle/>
+        <a:p>
+          <a:endParaRPr lang="de-CH"/>
+        </a:p>
+      </dgm:t>
+    </dgm:pt>
+    <dgm:pt modelId="{70D66CEB-F25F-41BF-92E0-27D2828CA145}">
+      <dgm:prSet/>
+      <dgm:spPr/>
+      <dgm:t>
+        <a:bodyPr/>
+        <a:lstStyle/>
+        <a:p>
+          <a:r>
+            <a:rPr lang="de-DE" b="1"/>
+            <a:t>Informationsüberfluss bewältigen</a:t>
+          </a:r>
+          <a:endParaRPr lang="de-CH"/>
+        </a:p>
+      </dgm:t>
+    </dgm:pt>
+    <dgm:pt modelId="{6699314B-AD40-43B5-9FAE-01AA3B1DFFE5}" type="parTrans" cxnId="{805B8967-C639-4086-898C-2E55694A7BCF}">
+      <dgm:prSet/>
+      <dgm:spPr/>
+      <dgm:t>
+        <a:bodyPr/>
+        <a:lstStyle/>
+        <a:p>
+          <a:endParaRPr lang="de-CH"/>
+        </a:p>
+      </dgm:t>
+    </dgm:pt>
+    <dgm:pt modelId="{A6035733-9242-4A4D-9D82-CBC05DC19FFD}" type="sibTrans" cxnId="{805B8967-C639-4086-898C-2E55694A7BCF}">
+      <dgm:prSet/>
+      <dgm:spPr/>
+      <dgm:t>
+        <a:bodyPr/>
+        <a:lstStyle/>
+        <a:p>
+          <a:endParaRPr lang="de-CH"/>
+        </a:p>
+      </dgm:t>
+    </dgm:pt>
+    <dgm:pt modelId="{31EBAEBE-5490-4CF4-AAFD-98C25D6EF560}">
+      <dgm:prSet/>
+      <dgm:spPr/>
+      <dgm:t>
+        <a:bodyPr/>
+        <a:lstStyle/>
+        <a:p>
+          <a:r>
+            <a:rPr lang="de-DE" b="1"/>
+            <a:t>Einblick in gesellschaftliche Trends</a:t>
+          </a:r>
+          <a:endParaRPr lang="de-CH"/>
+        </a:p>
+      </dgm:t>
+    </dgm:pt>
+    <dgm:pt modelId="{B34C567A-36E2-464F-BE2D-4CEA7DC8B0C8}" type="parTrans" cxnId="{FD378791-5B8B-4ECA-B274-38F135B0928C}">
+      <dgm:prSet/>
+      <dgm:spPr/>
+      <dgm:t>
+        <a:bodyPr/>
+        <a:lstStyle/>
+        <a:p>
+          <a:endParaRPr lang="de-CH"/>
+        </a:p>
+      </dgm:t>
+    </dgm:pt>
+    <dgm:pt modelId="{A8A0A817-F615-4D54-90D8-7C9A72A0C881}" type="sibTrans" cxnId="{FD378791-5B8B-4ECA-B274-38F135B0928C}">
+      <dgm:prSet/>
+      <dgm:spPr/>
+      <dgm:t>
+        <a:bodyPr/>
+        <a:lstStyle/>
+        <a:p>
+          <a:endParaRPr lang="de-CH"/>
+        </a:p>
+      </dgm:t>
+    </dgm:pt>
+    <dgm:pt modelId="{18F0A7BF-9297-495D-A00B-16A38C6BDB67}">
+      <dgm:prSet/>
+      <dgm:spPr/>
+      <dgm:t>
+        <a:bodyPr/>
+        <a:lstStyle/>
+        <a:p>
+          <a:r>
+            <a:rPr lang="de-DE" b="1"/>
+            <a:t>Transparenz fördern</a:t>
+          </a:r>
+          <a:endParaRPr lang="de-CH"/>
+        </a:p>
+      </dgm:t>
+    </dgm:pt>
+    <dgm:pt modelId="{D99A371C-2318-40C1-95D9-2BE7EA37D775}" type="parTrans" cxnId="{41790F3F-180C-4E7F-A7AD-9BBF9C041865}">
+      <dgm:prSet/>
+      <dgm:spPr/>
+      <dgm:t>
+        <a:bodyPr/>
+        <a:lstStyle/>
+        <a:p>
+          <a:endParaRPr lang="de-CH"/>
+        </a:p>
+      </dgm:t>
+    </dgm:pt>
+    <dgm:pt modelId="{56D4854B-A6F4-4EDE-8123-AA2BE7F2CB00}" type="sibTrans" cxnId="{41790F3F-180C-4E7F-A7AD-9BBF9C041865}">
+      <dgm:prSet/>
+      <dgm:spPr/>
+      <dgm:t>
+        <a:bodyPr/>
+        <a:lstStyle/>
+        <a:p>
+          <a:endParaRPr lang="de-CH"/>
+        </a:p>
+      </dgm:t>
+    </dgm:pt>
+    <dgm:pt modelId="{2B432A98-AB33-4C69-B613-4DC75962111E}" type="pres">
+      <dgm:prSet presAssocID="{DD8C9898-20BC-4013-9748-A5F879C2AC3C}" presName="root" presStyleCnt="0">
+        <dgm:presLayoutVars>
+          <dgm:dir/>
+          <dgm:resizeHandles val="exact"/>
+        </dgm:presLayoutVars>
+      </dgm:prSet>
+      <dgm:spPr/>
+    </dgm:pt>
+    <dgm:pt modelId="{28078F33-6E87-4F88-B998-F4C140EE31A8}" type="pres">
+      <dgm:prSet presAssocID="{70D66CEB-F25F-41BF-92E0-27D2828CA145}" presName="compNode" presStyleCnt="0"/>
+      <dgm:spPr/>
+    </dgm:pt>
+    <dgm:pt modelId="{21B0C448-FFBA-46E9-A844-E79A5F0E66E0}" type="pres">
+      <dgm:prSet presAssocID="{70D66CEB-F25F-41BF-92E0-27D2828CA145}" presName="iconRect" presStyleLbl="node1" presStyleIdx="0" presStyleCnt="3"/>
+      <dgm:spPr>
+        <a:blipFill>
+          <a:blip xmlns:r="http://schemas.openxmlformats.org/officeDocument/2006/relationships" r:embed="rId1">
+            <a:extLst>
+              <a:ext uri="{28A0092B-C50C-407E-A947-70E740481C1C}">
+                <a14:useLocalDpi xmlns:a14="http://schemas.microsoft.com/office/drawing/2010/main" val="0"/>
+              </a:ext>
+              <a:ext uri="{96DAC541-7B7A-43D3-8B79-37D633B846F1}">
+                <asvg:svgBlip xmlns:asvg="http://schemas.microsoft.com/office/drawing/2016/SVG/main" r:embed="rId2"/>
+              </a:ext>
+            </a:extLst>
+          </a:blip>
+          <a:stretch>
+            <a:fillRect/>
+          </a:stretch>
+        </a:blipFill>
+        <a:ln>
+          <a:noFill/>
+        </a:ln>
+      </dgm:spPr>
+      <dgm:extLst>
+        <a:ext uri="{E40237B7-FDA0-4F09-8148-C483321AD2D9}">
+          <dgm14:cNvPr xmlns:dgm14="http://schemas.microsoft.com/office/drawing/2010/diagram" id="0" name="" descr="Tools"/>
+        </a:ext>
+      </dgm:extLst>
+    </dgm:pt>
+    <dgm:pt modelId="{9831D953-702A-4222-864A-05783C139A77}" type="pres">
+      <dgm:prSet presAssocID="{70D66CEB-F25F-41BF-92E0-27D2828CA145}" presName="spaceRect" presStyleCnt="0"/>
+      <dgm:spPr/>
+    </dgm:pt>
+    <dgm:pt modelId="{38B7F327-E7D2-460C-8050-C0D6A7A852B9}" type="pres">
+      <dgm:prSet presAssocID="{70D66CEB-F25F-41BF-92E0-27D2828CA145}" presName="textRect" presStyleLbl="revTx" presStyleIdx="0" presStyleCnt="3">
+        <dgm:presLayoutVars>
+          <dgm:chMax val="1"/>
+          <dgm:chPref val="1"/>
+        </dgm:presLayoutVars>
+      </dgm:prSet>
+      <dgm:spPr/>
+    </dgm:pt>
+    <dgm:pt modelId="{C981A86D-0519-483F-905F-2ACE8BABE40A}" type="pres">
+      <dgm:prSet presAssocID="{A6035733-9242-4A4D-9D82-CBC05DC19FFD}" presName="sibTrans" presStyleCnt="0"/>
+      <dgm:spPr/>
+    </dgm:pt>
+    <dgm:pt modelId="{051A67F7-ACCF-4DE2-9E27-502114B2BF41}" type="pres">
+      <dgm:prSet presAssocID="{31EBAEBE-5490-4CF4-AAFD-98C25D6EF560}" presName="compNode" presStyleCnt="0"/>
+      <dgm:spPr/>
+    </dgm:pt>
+    <dgm:pt modelId="{0D4080E8-1E31-46F1-B6BC-69BC0D0561F2}" type="pres">
+      <dgm:prSet presAssocID="{31EBAEBE-5490-4CF4-AAFD-98C25D6EF560}" presName="iconRect" presStyleLbl="node1" presStyleIdx="1" presStyleCnt="3"/>
+      <dgm:spPr>
+        <a:blipFill>
+          <a:blip xmlns:r="http://schemas.openxmlformats.org/officeDocument/2006/relationships" r:embed="rId3">
+            <a:extLst>
+              <a:ext uri="{28A0092B-C50C-407E-A947-70E740481C1C}">
+                <a14:useLocalDpi xmlns:a14="http://schemas.microsoft.com/office/drawing/2010/main" val="0"/>
+              </a:ext>
+              <a:ext uri="{96DAC541-7B7A-43D3-8B79-37D633B846F1}">
+                <asvg:svgBlip xmlns:asvg="http://schemas.microsoft.com/office/drawing/2016/SVG/main" r:embed="rId4"/>
+              </a:ext>
+            </a:extLst>
+          </a:blip>
+          <a:stretch>
+            <a:fillRect/>
+          </a:stretch>
+        </a:blipFill>
+        <a:ln>
+          <a:noFill/>
+        </a:ln>
+      </dgm:spPr>
+      <dgm:extLst>
+        <a:ext uri="{E40237B7-FDA0-4F09-8148-C483321AD2D9}">
+          <dgm14:cNvPr xmlns:dgm14="http://schemas.microsoft.com/office/drawing/2010/diagram" id="0" name="" descr="Statistiken"/>
+        </a:ext>
+      </dgm:extLst>
+    </dgm:pt>
+    <dgm:pt modelId="{8C7F5509-225F-48A0-97CC-391A03FF6904}" type="pres">
+      <dgm:prSet presAssocID="{31EBAEBE-5490-4CF4-AAFD-98C25D6EF560}" presName="spaceRect" presStyleCnt="0"/>
+      <dgm:spPr/>
+    </dgm:pt>
+    <dgm:pt modelId="{509457D2-F316-4742-89B1-B94E0B721DB5}" type="pres">
+      <dgm:prSet presAssocID="{31EBAEBE-5490-4CF4-AAFD-98C25D6EF560}" presName="textRect" presStyleLbl="revTx" presStyleIdx="1" presStyleCnt="3">
+        <dgm:presLayoutVars>
+          <dgm:chMax val="1"/>
+          <dgm:chPref val="1"/>
+        </dgm:presLayoutVars>
+      </dgm:prSet>
+      <dgm:spPr/>
+    </dgm:pt>
+    <dgm:pt modelId="{1C3A6C76-BEDE-46DE-9E05-38CBCA835EDF}" type="pres">
+      <dgm:prSet presAssocID="{A8A0A817-F615-4D54-90D8-7C9A72A0C881}" presName="sibTrans" presStyleCnt="0"/>
+      <dgm:spPr/>
+    </dgm:pt>
+    <dgm:pt modelId="{24BEBC23-9DC5-4D20-91D1-127DA6406CE2}" type="pres">
+      <dgm:prSet presAssocID="{18F0A7BF-9297-495D-A00B-16A38C6BDB67}" presName="compNode" presStyleCnt="0"/>
+      <dgm:spPr/>
+    </dgm:pt>
+    <dgm:pt modelId="{2E37B065-2BE7-4380-9084-10D13C3F0B06}" type="pres">
+      <dgm:prSet presAssocID="{18F0A7BF-9297-495D-A00B-16A38C6BDB67}" presName="iconRect" presStyleLbl="node1" presStyleIdx="2" presStyleCnt="3"/>
+      <dgm:spPr>
+        <a:blipFill>
+          <a:blip xmlns:r="http://schemas.openxmlformats.org/officeDocument/2006/relationships" r:embed="rId5">
+            <a:extLst>
+              <a:ext uri="{28A0092B-C50C-407E-A947-70E740481C1C}">
+                <a14:useLocalDpi xmlns:a14="http://schemas.microsoft.com/office/drawing/2010/main" val="0"/>
+              </a:ext>
+              <a:ext uri="{96DAC541-7B7A-43D3-8B79-37D633B846F1}">
+                <asvg:svgBlip xmlns:asvg="http://schemas.microsoft.com/office/drawing/2016/SVG/main" r:embed="rId6"/>
+              </a:ext>
+            </a:extLst>
+          </a:blip>
+          <a:stretch>
+            <a:fillRect/>
+          </a:stretch>
+        </a:blipFill>
+        <a:ln>
+          <a:noFill/>
+        </a:ln>
+      </dgm:spPr>
+      <dgm:extLst>
+        <a:ext uri="{E40237B7-FDA0-4F09-8148-C483321AD2D9}">
+          <dgm14:cNvPr xmlns:dgm14="http://schemas.microsoft.com/office/drawing/2010/diagram" id="0" name="" descr="Business Growth"/>
+        </a:ext>
+      </dgm:extLst>
+    </dgm:pt>
+    <dgm:pt modelId="{72DB5418-F856-4837-9158-E6934C753A3E}" type="pres">
+      <dgm:prSet presAssocID="{18F0A7BF-9297-495D-A00B-16A38C6BDB67}" presName="spaceRect" presStyleCnt="0"/>
+      <dgm:spPr/>
+    </dgm:pt>
+    <dgm:pt modelId="{F6AAC5BE-B997-4C60-82A2-083D60E28668}" type="pres">
+      <dgm:prSet presAssocID="{18F0A7BF-9297-495D-A00B-16A38C6BDB67}" presName="textRect" presStyleLbl="revTx" presStyleIdx="2" presStyleCnt="3">
+        <dgm:presLayoutVars>
+          <dgm:chMax val="1"/>
+          <dgm:chPref val="1"/>
+        </dgm:presLayoutVars>
+      </dgm:prSet>
+      <dgm:spPr/>
+    </dgm:pt>
+  </dgm:ptLst>
+  <dgm:cxnLst>
+    <dgm:cxn modelId="{0AAA8E22-9C55-46DD-891B-9DC07869A360}" type="presOf" srcId="{18F0A7BF-9297-495D-A00B-16A38C6BDB67}" destId="{F6AAC5BE-B997-4C60-82A2-083D60E28668}" srcOrd="0" destOrd="0" presId="urn:microsoft.com/office/officeart/2018/2/layout/IconLabelList"/>
+    <dgm:cxn modelId="{41790F3F-180C-4E7F-A7AD-9BBF9C041865}" srcId="{DD8C9898-20BC-4013-9748-A5F879C2AC3C}" destId="{18F0A7BF-9297-495D-A00B-16A38C6BDB67}" srcOrd="2" destOrd="0" parTransId="{D99A371C-2318-40C1-95D9-2BE7EA37D775}" sibTransId="{56D4854B-A6F4-4EDE-8123-AA2BE7F2CB00}"/>
+    <dgm:cxn modelId="{805B8967-C639-4086-898C-2E55694A7BCF}" srcId="{DD8C9898-20BC-4013-9748-A5F879C2AC3C}" destId="{70D66CEB-F25F-41BF-92E0-27D2828CA145}" srcOrd="0" destOrd="0" parTransId="{6699314B-AD40-43B5-9FAE-01AA3B1DFFE5}" sibTransId="{A6035733-9242-4A4D-9D82-CBC05DC19FFD}"/>
+    <dgm:cxn modelId="{4554B56D-0729-40FF-BFFF-6A63E2D31D2B}" type="presOf" srcId="{70D66CEB-F25F-41BF-92E0-27D2828CA145}" destId="{38B7F327-E7D2-460C-8050-C0D6A7A852B9}" srcOrd="0" destOrd="0" presId="urn:microsoft.com/office/officeart/2018/2/layout/IconLabelList"/>
+    <dgm:cxn modelId="{B3AAFA55-93CA-49DE-B621-988209451C99}" type="presOf" srcId="{31EBAEBE-5490-4CF4-AAFD-98C25D6EF560}" destId="{509457D2-F316-4742-89B1-B94E0B721DB5}" srcOrd="0" destOrd="0" presId="urn:microsoft.com/office/officeart/2018/2/layout/IconLabelList"/>
+    <dgm:cxn modelId="{FD378791-5B8B-4ECA-B274-38F135B0928C}" srcId="{DD8C9898-20BC-4013-9748-A5F879C2AC3C}" destId="{31EBAEBE-5490-4CF4-AAFD-98C25D6EF560}" srcOrd="1" destOrd="0" parTransId="{B34C567A-36E2-464F-BE2D-4CEA7DC8B0C8}" sibTransId="{A8A0A817-F615-4D54-90D8-7C9A72A0C881}"/>
+    <dgm:cxn modelId="{24E0D891-ADD7-4DB8-B728-8F6E86B6CEC3}" type="presOf" srcId="{DD8C9898-20BC-4013-9748-A5F879C2AC3C}" destId="{2B432A98-AB33-4C69-B613-4DC75962111E}" srcOrd="0" destOrd="0" presId="urn:microsoft.com/office/officeart/2018/2/layout/IconLabelList"/>
+    <dgm:cxn modelId="{77EC74D1-B13C-4FCF-BFDF-A890F18C8B01}" type="presParOf" srcId="{2B432A98-AB33-4C69-B613-4DC75962111E}" destId="{28078F33-6E87-4F88-B998-F4C140EE31A8}" srcOrd="0" destOrd="0" presId="urn:microsoft.com/office/officeart/2018/2/layout/IconLabelList"/>
+    <dgm:cxn modelId="{104C8BD4-7EC9-4C20-A9EB-6C8064DC8EF1}" type="presParOf" srcId="{28078F33-6E87-4F88-B998-F4C140EE31A8}" destId="{21B0C448-FFBA-46E9-A844-E79A5F0E66E0}" srcOrd="0" destOrd="0" presId="urn:microsoft.com/office/officeart/2018/2/layout/IconLabelList"/>
+    <dgm:cxn modelId="{4C746141-1189-4061-9B56-21E37048329D}" type="presParOf" srcId="{28078F33-6E87-4F88-B998-F4C140EE31A8}" destId="{9831D953-702A-4222-864A-05783C139A77}" srcOrd="1" destOrd="0" presId="urn:microsoft.com/office/officeart/2018/2/layout/IconLabelList"/>
+    <dgm:cxn modelId="{23325F41-E3E8-4110-961D-4222BCA5C6EC}" type="presParOf" srcId="{28078F33-6E87-4F88-B998-F4C140EE31A8}" destId="{38B7F327-E7D2-460C-8050-C0D6A7A852B9}" srcOrd="2" destOrd="0" presId="urn:microsoft.com/office/officeart/2018/2/layout/IconLabelList"/>
+    <dgm:cxn modelId="{48683556-4C02-4F4F-A44F-28287B6B2EB8}" type="presParOf" srcId="{2B432A98-AB33-4C69-B613-4DC75962111E}" destId="{C981A86D-0519-483F-905F-2ACE8BABE40A}" srcOrd="1" destOrd="0" presId="urn:microsoft.com/office/officeart/2018/2/layout/IconLabelList"/>
+    <dgm:cxn modelId="{BEC1BCAD-9780-4516-AEAA-36511CAC1E01}" type="presParOf" srcId="{2B432A98-AB33-4C69-B613-4DC75962111E}" destId="{051A67F7-ACCF-4DE2-9E27-502114B2BF41}" srcOrd="2" destOrd="0" presId="urn:microsoft.com/office/officeart/2018/2/layout/IconLabelList"/>
+    <dgm:cxn modelId="{E8BEE862-B938-4472-8EAB-86EB4B1BBF2C}" type="presParOf" srcId="{051A67F7-ACCF-4DE2-9E27-502114B2BF41}" destId="{0D4080E8-1E31-46F1-B6BC-69BC0D0561F2}" srcOrd="0" destOrd="0" presId="urn:microsoft.com/office/officeart/2018/2/layout/IconLabelList"/>
+    <dgm:cxn modelId="{48F47CEC-B8E3-41C0-B57A-E1AF82094200}" type="presParOf" srcId="{051A67F7-ACCF-4DE2-9E27-502114B2BF41}" destId="{8C7F5509-225F-48A0-97CC-391A03FF6904}" srcOrd="1" destOrd="0" presId="urn:microsoft.com/office/officeart/2018/2/layout/IconLabelList"/>
+    <dgm:cxn modelId="{985B782E-88A8-4A32-A525-7F2B899DC2B0}" type="presParOf" srcId="{051A67F7-ACCF-4DE2-9E27-502114B2BF41}" destId="{509457D2-F316-4742-89B1-B94E0B721DB5}" srcOrd="2" destOrd="0" presId="urn:microsoft.com/office/officeart/2018/2/layout/IconLabelList"/>
+    <dgm:cxn modelId="{0B1F216D-F68A-4B41-9CFB-BA7126185CF5}" type="presParOf" srcId="{2B432A98-AB33-4C69-B613-4DC75962111E}" destId="{1C3A6C76-BEDE-46DE-9E05-38CBCA835EDF}" srcOrd="3" destOrd="0" presId="urn:microsoft.com/office/officeart/2018/2/layout/IconLabelList"/>
+    <dgm:cxn modelId="{6B1F8EDC-16E7-4877-8EC9-4B5CD00E71F8}" type="presParOf" srcId="{2B432A98-AB33-4C69-B613-4DC75962111E}" destId="{24BEBC23-9DC5-4D20-91D1-127DA6406CE2}" srcOrd="4" destOrd="0" presId="urn:microsoft.com/office/officeart/2018/2/layout/IconLabelList"/>
+    <dgm:cxn modelId="{7E96BD92-2285-445D-9E3C-4D9B6E18B907}" type="presParOf" srcId="{24BEBC23-9DC5-4D20-91D1-127DA6406CE2}" destId="{2E37B065-2BE7-4380-9084-10D13C3F0B06}" srcOrd="0" destOrd="0" presId="urn:microsoft.com/office/officeart/2018/2/layout/IconLabelList"/>
+    <dgm:cxn modelId="{54908A1C-FD34-4476-BD19-A531E6ED0910}" type="presParOf" srcId="{24BEBC23-9DC5-4D20-91D1-127DA6406CE2}" destId="{72DB5418-F856-4837-9158-E6934C753A3E}" srcOrd="1" destOrd="0" presId="urn:microsoft.com/office/officeart/2018/2/layout/IconLabelList"/>
+    <dgm:cxn modelId="{7392A3D3-EA78-4B53-B15E-AA419309D565}" type="presParOf" srcId="{24BEBC23-9DC5-4D20-91D1-127DA6406CE2}" destId="{F6AAC5BE-B997-4C60-82A2-083D60E28668}" srcOrd="2" destOrd="0" presId="urn:microsoft.com/office/officeart/2018/2/layout/IconLabelList"/>
+  </dgm:cxnLst>
+  <dgm:bg/>
+  <dgm:whole/>
+  <dgm:extLst>
+    <a:ext uri="http://schemas.microsoft.com/office/drawing/2008/diagram">
+      <dsp:dataModelExt xmlns:dsp="http://schemas.microsoft.com/office/drawing/2008/diagram" relId="rId6" minVer="http://schemas.openxmlformats.org/drawingml/2006/diagram"/>
+    </a:ext>
+  </dgm:extLst>
+</dgm:dataModel>
+</file>
+
+<file path=ppt/diagrams/drawing1.xml><?xml version="1.0" encoding="utf-8"?>
+<dsp:drawing xmlns:dgm="http://schemas.openxmlformats.org/drawingml/2006/diagram" xmlns:dsp="http://schemas.microsoft.com/office/drawing/2008/diagram" xmlns:a="http://schemas.openxmlformats.org/drawingml/2006/main">
+  <dsp:spTree>
+    <dsp:nvGrpSpPr>
+      <dsp:cNvPr id="0" name=""/>
+      <dsp:cNvGrpSpPr/>
+    </dsp:nvGrpSpPr>
+    <dsp:grpSpPr/>
+    <dsp:sp modelId="{D27BA4E2-9FBB-48A2-A03C-0936070BD690}">
+      <dsp:nvSpPr>
+        <dsp:cNvPr id="0" name=""/>
+        <dsp:cNvSpPr/>
+      </dsp:nvSpPr>
+      <dsp:spPr>
+        <a:xfrm>
+          <a:off x="0" y="69422"/>
+          <a:ext cx="11524422" cy="551655"/>
+        </a:xfrm>
+        <a:prstGeom prst="roundRect">
+          <a:avLst/>
+        </a:prstGeom>
+        <a:solidFill>
+          <a:schemeClr val="accent1">
+            <a:hueOff val="0"/>
+            <a:satOff val="0"/>
+            <a:lumOff val="0"/>
+            <a:alphaOff val="0"/>
+          </a:schemeClr>
+        </a:solidFill>
+        <a:ln w="12700" cap="flat" cmpd="sng" algn="ctr">
+          <a:solidFill>
+            <a:schemeClr val="lt1">
+              <a:hueOff val="0"/>
+              <a:satOff val="0"/>
+              <a:lumOff val="0"/>
+              <a:alphaOff val="0"/>
+            </a:schemeClr>
+          </a:solidFill>
+          <a:prstDash val="solid"/>
+          <a:miter lim="800000"/>
+        </a:ln>
+        <a:effectLst/>
+      </dsp:spPr>
+      <dsp:style>
+        <a:lnRef idx="2">
+          <a:scrgbClr r="0" g="0" b="0"/>
+        </a:lnRef>
+        <a:fillRef idx="1">
+          <a:scrgbClr r="0" g="0" b="0"/>
+        </a:fillRef>
+        <a:effectRef idx="0">
+          <a:scrgbClr r="0" g="0" b="0"/>
+        </a:effectRef>
+        <a:fontRef idx="minor">
+          <a:schemeClr val="lt1"/>
+        </a:fontRef>
+      </dsp:style>
+      <dsp:txBody>
+        <a:bodyPr spcFirstLastPara="0" vert="horz" wrap="square" lIns="87630" tIns="87630" rIns="87630" bIns="87630" numCol="1" spcCol="1270" anchor="ctr" anchorCtr="0">
+          <a:noAutofit/>
+        </a:bodyPr>
+        <a:lstStyle/>
+        <a:p>
+          <a:pPr marL="0" lvl="0" indent="0" algn="l" defTabSz="1022350">
+            <a:lnSpc>
+              <a:spcPct val="90000"/>
+            </a:lnSpc>
+            <a:spcBef>
+              <a:spcPct val="0"/>
+            </a:spcBef>
+            <a:spcAft>
+              <a:spcPct val="35000"/>
+            </a:spcAft>
+            <a:buNone/>
+          </a:pPr>
+          <a:r>
+            <a:rPr lang="de-CH" sz="2300" kern="1200"/>
+            <a:t>Unser Projekt</a:t>
+          </a:r>
+          <a:endParaRPr lang="en-US" sz="2300" kern="1200"/>
+        </a:p>
+      </dsp:txBody>
+      <dsp:txXfrm>
+        <a:off x="26930" y="96352"/>
+        <a:ext cx="11470562" cy="497795"/>
+      </dsp:txXfrm>
+    </dsp:sp>
+    <dsp:sp modelId="{6A829E34-31FC-4CCC-AD08-A8A0827641F1}">
+      <dsp:nvSpPr>
+        <dsp:cNvPr id="0" name=""/>
+        <dsp:cNvSpPr/>
+      </dsp:nvSpPr>
+      <dsp:spPr>
+        <a:xfrm>
+          <a:off x="0" y="621077"/>
+          <a:ext cx="11524422" cy="618930"/>
+        </a:xfrm>
+        <a:prstGeom prst="rect">
+          <a:avLst/>
+        </a:prstGeom>
+        <a:noFill/>
+        <a:ln>
+          <a:noFill/>
+        </a:ln>
+        <a:effectLst/>
+      </dsp:spPr>
+      <dsp:style>
+        <a:lnRef idx="0">
+          <a:scrgbClr r="0" g="0" b="0"/>
+        </a:lnRef>
+        <a:fillRef idx="0">
+          <a:scrgbClr r="0" g="0" b="0"/>
+        </a:fillRef>
+        <a:effectRef idx="0">
+          <a:scrgbClr r="0" g="0" b="0"/>
+        </a:effectRef>
+        <a:fontRef idx="minor"/>
+      </dsp:style>
+      <dsp:txBody>
+        <a:bodyPr spcFirstLastPara="0" vert="horz" wrap="square" lIns="365900" tIns="29210" rIns="163576" bIns="29210" numCol="1" spcCol="1270" anchor="t" anchorCtr="0">
+          <a:noAutofit/>
+        </a:bodyPr>
+        <a:lstStyle/>
+        <a:p>
+          <a:pPr marL="171450" lvl="1" indent="-171450" algn="l" defTabSz="800100">
+            <a:lnSpc>
+              <a:spcPct val="90000"/>
+            </a:lnSpc>
+            <a:spcBef>
+              <a:spcPct val="0"/>
+            </a:spcBef>
+            <a:spcAft>
+              <a:spcPct val="20000"/>
+            </a:spcAft>
+            <a:buChar char="•"/>
+          </a:pPr>
+          <a:r>
+            <a:rPr lang="de-DE" sz="1800" kern="1200"/>
+            <a:t>Entwicklung eines dynamischen, datenbasierten Dashboards</a:t>
+          </a:r>
+          <a:endParaRPr lang="en-US" sz="1800" kern="1200"/>
+        </a:p>
+        <a:p>
+          <a:pPr marL="171450" lvl="1" indent="-171450" algn="l" defTabSz="800100">
+            <a:lnSpc>
+              <a:spcPct val="90000"/>
+            </a:lnSpc>
+            <a:spcBef>
+              <a:spcPct val="0"/>
+            </a:spcBef>
+            <a:spcAft>
+              <a:spcPct val="20000"/>
+            </a:spcAft>
+            <a:buChar char="•"/>
+          </a:pPr>
+          <a:r>
+            <a:rPr lang="de-DE" sz="1800" kern="1200"/>
+            <a:t>Detaillierte Abbildung der Berichterstattung von acht Schweizer Zeitungen aus dem Jahr 2022</a:t>
+          </a:r>
+          <a:endParaRPr lang="en-US" sz="1800" kern="1200"/>
+        </a:p>
+      </dsp:txBody>
+      <dsp:txXfrm>
+        <a:off x="0" y="621077"/>
+        <a:ext cx="11524422" cy="618930"/>
+      </dsp:txXfrm>
+    </dsp:sp>
+    <dsp:sp modelId="{A6B2AED9-FB72-41D1-8202-C04F5FFEF7BA}">
+      <dsp:nvSpPr>
+        <dsp:cNvPr id="0" name=""/>
+        <dsp:cNvSpPr/>
+      </dsp:nvSpPr>
+      <dsp:spPr>
+        <a:xfrm>
+          <a:off x="0" y="1240007"/>
+          <a:ext cx="11524422" cy="551655"/>
+        </a:xfrm>
+        <a:prstGeom prst="roundRect">
+          <a:avLst/>
+        </a:prstGeom>
+        <a:solidFill>
+          <a:schemeClr val="accent1">
+            <a:hueOff val="0"/>
+            <a:satOff val="0"/>
+            <a:lumOff val="0"/>
+            <a:alphaOff val="0"/>
+          </a:schemeClr>
+        </a:solidFill>
+        <a:ln w="12700" cap="flat" cmpd="sng" algn="ctr">
+          <a:solidFill>
+            <a:schemeClr val="lt1">
+              <a:hueOff val="0"/>
+              <a:satOff val="0"/>
+              <a:lumOff val="0"/>
+              <a:alphaOff val="0"/>
+            </a:schemeClr>
+          </a:solidFill>
+          <a:prstDash val="solid"/>
+          <a:miter lim="800000"/>
+        </a:ln>
+        <a:effectLst/>
+      </dsp:spPr>
+      <dsp:style>
+        <a:lnRef idx="2">
+          <a:scrgbClr r="0" g="0" b="0"/>
+        </a:lnRef>
+        <a:fillRef idx="1">
+          <a:scrgbClr r="0" g="0" b="0"/>
+        </a:fillRef>
+        <a:effectRef idx="0">
+          <a:scrgbClr r="0" g="0" b="0"/>
+        </a:effectRef>
+        <a:fontRef idx="minor">
+          <a:schemeClr val="lt1"/>
+        </a:fontRef>
+      </dsp:style>
+      <dsp:txBody>
+        <a:bodyPr spcFirstLastPara="0" vert="horz" wrap="square" lIns="87630" tIns="87630" rIns="87630" bIns="87630" numCol="1" spcCol="1270" anchor="ctr" anchorCtr="0">
+          <a:noAutofit/>
+        </a:bodyPr>
+        <a:lstStyle/>
+        <a:p>
+          <a:pPr marL="0" lvl="0" indent="0" algn="l" defTabSz="1022350">
+            <a:lnSpc>
+              <a:spcPct val="90000"/>
+            </a:lnSpc>
+            <a:spcBef>
+              <a:spcPct val="0"/>
+            </a:spcBef>
+            <a:spcAft>
+              <a:spcPct val="35000"/>
+            </a:spcAft>
+            <a:buNone/>
+          </a:pPr>
+          <a:r>
+            <a:rPr lang="de-CH" sz="2300" kern="1200"/>
+            <a:t>Was wir bieten</a:t>
+          </a:r>
+          <a:endParaRPr lang="en-US" sz="2300" kern="1200"/>
+        </a:p>
+      </dsp:txBody>
+      <dsp:txXfrm>
+        <a:off x="26930" y="1266937"/>
+        <a:ext cx="11470562" cy="497795"/>
+      </dsp:txXfrm>
+    </dsp:sp>
+    <dsp:sp modelId="{21B708FD-3C92-47D9-BFEC-1D0372E829BC}">
+      <dsp:nvSpPr>
+        <dsp:cNvPr id="0" name=""/>
+        <dsp:cNvSpPr/>
+      </dsp:nvSpPr>
+      <dsp:spPr>
+        <a:xfrm>
+          <a:off x="0" y="1791662"/>
+          <a:ext cx="11524422" cy="928395"/>
+        </a:xfrm>
+        <a:prstGeom prst="rect">
+          <a:avLst/>
+        </a:prstGeom>
+        <a:noFill/>
+        <a:ln>
+          <a:noFill/>
+        </a:ln>
+        <a:effectLst/>
+      </dsp:spPr>
+      <dsp:style>
+        <a:lnRef idx="0">
+          <a:scrgbClr r="0" g="0" b="0"/>
+        </a:lnRef>
+        <a:fillRef idx="0">
+          <a:scrgbClr r="0" g="0" b="0"/>
+        </a:fillRef>
+        <a:effectRef idx="0">
+          <a:scrgbClr r="0" g="0" b="0"/>
+        </a:effectRef>
+        <a:fontRef idx="minor"/>
+      </dsp:style>
+      <dsp:txBody>
+        <a:bodyPr spcFirstLastPara="0" vert="horz" wrap="square" lIns="365900" tIns="29210" rIns="163576" bIns="29210" numCol="1" spcCol="1270" anchor="t" anchorCtr="0">
+          <a:noAutofit/>
+        </a:bodyPr>
+        <a:lstStyle/>
+        <a:p>
+          <a:pPr marL="171450" lvl="1" indent="-171450" algn="l" defTabSz="800100">
+            <a:lnSpc>
+              <a:spcPct val="90000"/>
+            </a:lnSpc>
+            <a:spcBef>
+              <a:spcPct val="0"/>
+            </a:spcBef>
+            <a:spcAft>
+              <a:spcPct val="20000"/>
+            </a:spcAft>
+            <a:buChar char="•"/>
+          </a:pPr>
+          <a:r>
+            <a:rPr lang="de-DE" sz="1800" kern="1200"/>
+            <a:t>Interaktive Visualisierung von täglichen Themen</a:t>
+          </a:r>
+          <a:endParaRPr lang="en-US" sz="1800" kern="1200"/>
+        </a:p>
+        <a:p>
+          <a:pPr marL="171450" lvl="1" indent="-171450" algn="l" defTabSz="800100">
+            <a:lnSpc>
+              <a:spcPct val="90000"/>
+            </a:lnSpc>
+            <a:spcBef>
+              <a:spcPct val="0"/>
+            </a:spcBef>
+            <a:spcAft>
+              <a:spcPct val="20000"/>
+            </a:spcAft>
+            <a:buChar char="•"/>
+          </a:pPr>
+          <a:r>
+            <a:rPr lang="de-DE" sz="1800" kern="1200"/>
+            <a:t>Darstellung von Länderreferenzen und deren Beziehungen</a:t>
+          </a:r>
+          <a:endParaRPr lang="en-US" sz="1800" kern="1200"/>
+        </a:p>
+        <a:p>
+          <a:pPr marL="171450" lvl="1" indent="-171450" algn="l" defTabSz="800100">
+            <a:lnSpc>
+              <a:spcPct val="90000"/>
+            </a:lnSpc>
+            <a:spcBef>
+              <a:spcPct val="0"/>
+            </a:spcBef>
+            <a:spcAft>
+              <a:spcPct val="20000"/>
+            </a:spcAft>
+            <a:buChar char="•"/>
+          </a:pPr>
+          <a:r>
+            <a:rPr lang="de-DE" sz="1800" kern="1200"/>
+            <a:t>Highlighting der am häufigsten diskutierten Personen und Nomen</a:t>
+          </a:r>
+          <a:endParaRPr lang="en-US" sz="1800" kern="1200"/>
+        </a:p>
+      </dsp:txBody>
+      <dsp:txXfrm>
+        <a:off x="0" y="1791662"/>
+        <a:ext cx="11524422" cy="928395"/>
+      </dsp:txXfrm>
+    </dsp:sp>
+    <dsp:sp modelId="{C2CA9DC7-7EE6-4EF6-BC85-1964DC343E9F}">
+      <dsp:nvSpPr>
+        <dsp:cNvPr id="0" name=""/>
+        <dsp:cNvSpPr/>
+      </dsp:nvSpPr>
+      <dsp:spPr>
+        <a:xfrm>
+          <a:off x="0" y="2720057"/>
+          <a:ext cx="11524422" cy="551655"/>
+        </a:xfrm>
+        <a:prstGeom prst="roundRect">
+          <a:avLst/>
+        </a:prstGeom>
+        <a:solidFill>
+          <a:schemeClr val="accent1">
+            <a:hueOff val="0"/>
+            <a:satOff val="0"/>
+            <a:lumOff val="0"/>
+            <a:alphaOff val="0"/>
+          </a:schemeClr>
+        </a:solidFill>
+        <a:ln w="12700" cap="flat" cmpd="sng" algn="ctr">
+          <a:solidFill>
+            <a:schemeClr val="lt1">
+              <a:hueOff val="0"/>
+              <a:satOff val="0"/>
+              <a:lumOff val="0"/>
+              <a:alphaOff val="0"/>
+            </a:schemeClr>
+          </a:solidFill>
+          <a:prstDash val="solid"/>
+          <a:miter lim="800000"/>
+        </a:ln>
+        <a:effectLst/>
+      </dsp:spPr>
+      <dsp:style>
+        <a:lnRef idx="2">
+          <a:scrgbClr r="0" g="0" b="0"/>
+        </a:lnRef>
+        <a:fillRef idx="1">
+          <a:scrgbClr r="0" g="0" b="0"/>
+        </a:fillRef>
+        <a:effectRef idx="0">
+          <a:scrgbClr r="0" g="0" b="0"/>
+        </a:effectRef>
+        <a:fontRef idx="minor">
+          <a:schemeClr val="lt1"/>
+        </a:fontRef>
+      </dsp:style>
+      <dsp:txBody>
+        <a:bodyPr spcFirstLastPara="0" vert="horz" wrap="square" lIns="87630" tIns="87630" rIns="87630" bIns="87630" numCol="1" spcCol="1270" anchor="ctr" anchorCtr="0">
+          <a:noAutofit/>
+        </a:bodyPr>
+        <a:lstStyle/>
+        <a:p>
+          <a:pPr marL="0" lvl="0" indent="0" algn="l" defTabSz="1022350">
+            <a:lnSpc>
+              <a:spcPct val="90000"/>
+            </a:lnSpc>
+            <a:spcBef>
+              <a:spcPct val="0"/>
+            </a:spcBef>
+            <a:spcAft>
+              <a:spcPct val="35000"/>
+            </a:spcAft>
+            <a:buNone/>
+          </a:pPr>
+          <a:r>
+            <a:rPr lang="de-DE" sz="2300" kern="1200"/>
+            <a:t>Unser Ziel</a:t>
+          </a:r>
+          <a:endParaRPr lang="en-US" sz="2300" kern="1200"/>
+        </a:p>
+      </dsp:txBody>
+      <dsp:txXfrm>
+        <a:off x="26930" y="2746987"/>
+        <a:ext cx="11470562" cy="497795"/>
+      </dsp:txXfrm>
+    </dsp:sp>
+    <dsp:sp modelId="{2448F6B3-A9E5-4B12-AFA9-D4FB6384555B}">
+      <dsp:nvSpPr>
+        <dsp:cNvPr id="0" name=""/>
+        <dsp:cNvSpPr/>
+      </dsp:nvSpPr>
+      <dsp:spPr>
+        <a:xfrm>
+          <a:off x="0" y="3271712"/>
+          <a:ext cx="11524422" cy="928395"/>
+        </a:xfrm>
+        <a:prstGeom prst="rect">
+          <a:avLst/>
+        </a:prstGeom>
+        <a:noFill/>
+        <a:ln>
+          <a:noFill/>
+        </a:ln>
+        <a:effectLst/>
+      </dsp:spPr>
+      <dsp:style>
+        <a:lnRef idx="0">
+          <a:scrgbClr r="0" g="0" b="0"/>
+        </a:lnRef>
+        <a:fillRef idx="0">
+          <a:scrgbClr r="0" g="0" b="0"/>
+        </a:fillRef>
+        <a:effectRef idx="0">
+          <a:scrgbClr r="0" g="0" b="0"/>
+        </a:effectRef>
+        <a:fontRef idx="minor"/>
+      </dsp:style>
+      <dsp:txBody>
+        <a:bodyPr spcFirstLastPara="0" vert="horz" wrap="square" lIns="365900" tIns="29210" rIns="163576" bIns="29210" numCol="1" spcCol="1270" anchor="t" anchorCtr="0">
+          <a:noAutofit/>
+        </a:bodyPr>
+        <a:lstStyle/>
+        <a:p>
+          <a:pPr marL="171450" lvl="1" indent="-171450" algn="l" defTabSz="800100">
+            <a:lnSpc>
+              <a:spcPct val="90000"/>
+            </a:lnSpc>
+            <a:spcBef>
+              <a:spcPct val="0"/>
+            </a:spcBef>
+            <a:spcAft>
+              <a:spcPct val="20000"/>
+            </a:spcAft>
+            <a:buChar char="•"/>
+          </a:pPr>
+          <a:r>
+            <a:rPr lang="de-CH" sz="1800" kern="1200"/>
+            <a:t>Bereitstellung eines umfassenden Analysetools</a:t>
+          </a:r>
+          <a:endParaRPr lang="en-US" sz="1800" kern="1200"/>
+        </a:p>
+        <a:p>
+          <a:pPr marL="171450" lvl="1" indent="-171450" algn="l" defTabSz="800100">
+            <a:lnSpc>
+              <a:spcPct val="90000"/>
+            </a:lnSpc>
+            <a:spcBef>
+              <a:spcPct val="0"/>
+            </a:spcBef>
+            <a:spcAft>
+              <a:spcPct val="20000"/>
+            </a:spcAft>
+            <a:buChar char="•"/>
+          </a:pPr>
+          <a:r>
+            <a:rPr lang="de-DE" sz="1800" kern="1200"/>
+            <a:t>Aufdeckung von Trends und Mustern der Medienberichterstattung</a:t>
+          </a:r>
+          <a:endParaRPr lang="en-US" sz="1800" kern="1200"/>
+        </a:p>
+        <a:p>
+          <a:pPr marL="171450" lvl="1" indent="-171450" algn="l" defTabSz="800100">
+            <a:lnSpc>
+              <a:spcPct val="90000"/>
+            </a:lnSpc>
+            <a:spcBef>
+              <a:spcPct val="0"/>
+            </a:spcBef>
+            <a:spcAft>
+              <a:spcPct val="20000"/>
+            </a:spcAft>
+            <a:buChar char="•"/>
+          </a:pPr>
+          <a:r>
+            <a:rPr lang="de-DE" sz="1800" kern="1200"/>
+            <a:t>Ermöglichung eines tieferen Verständnisses der gesellschaftsbewegenden Themen</a:t>
+          </a:r>
+          <a:endParaRPr lang="en-US" sz="1800" kern="1200"/>
+        </a:p>
+      </dsp:txBody>
+      <dsp:txXfrm>
+        <a:off x="0" y="3271712"/>
+        <a:ext cx="11524422" cy="928395"/>
+      </dsp:txXfrm>
+    </dsp:sp>
+    <dsp:sp modelId="{0F923B10-6378-42BB-A893-56BA006A6B09}">
+      <dsp:nvSpPr>
+        <dsp:cNvPr id="0" name=""/>
+        <dsp:cNvSpPr/>
+      </dsp:nvSpPr>
+      <dsp:spPr>
+        <a:xfrm>
+          <a:off x="0" y="4200107"/>
+          <a:ext cx="11524422" cy="551655"/>
+        </a:xfrm>
+        <a:prstGeom prst="roundRect">
+          <a:avLst/>
+        </a:prstGeom>
+        <a:solidFill>
+          <a:schemeClr val="accent1">
+            <a:hueOff val="0"/>
+            <a:satOff val="0"/>
+            <a:lumOff val="0"/>
+            <a:alphaOff val="0"/>
+          </a:schemeClr>
+        </a:solidFill>
+        <a:ln w="12700" cap="flat" cmpd="sng" algn="ctr">
+          <a:solidFill>
+            <a:schemeClr val="lt1">
+              <a:hueOff val="0"/>
+              <a:satOff val="0"/>
+              <a:lumOff val="0"/>
+              <a:alphaOff val="0"/>
+            </a:schemeClr>
+          </a:solidFill>
+          <a:prstDash val="solid"/>
+          <a:miter lim="800000"/>
+        </a:ln>
+        <a:effectLst/>
+      </dsp:spPr>
+      <dsp:style>
+        <a:lnRef idx="2">
+          <a:scrgbClr r="0" g="0" b="0"/>
+        </a:lnRef>
+        <a:fillRef idx="1">
+          <a:scrgbClr r="0" g="0" b="0"/>
+        </a:fillRef>
+        <a:effectRef idx="0">
+          <a:scrgbClr r="0" g="0" b="0"/>
+        </a:effectRef>
+        <a:fontRef idx="minor">
+          <a:schemeClr val="lt1"/>
+        </a:fontRef>
+      </dsp:style>
+      <dsp:txBody>
+        <a:bodyPr spcFirstLastPara="0" vert="horz" wrap="square" lIns="87630" tIns="87630" rIns="87630" bIns="87630" numCol="1" spcCol="1270" anchor="ctr" anchorCtr="0">
+          <a:noAutofit/>
+        </a:bodyPr>
+        <a:lstStyle/>
+        <a:p>
+          <a:pPr marL="0" lvl="0" indent="0" algn="l" defTabSz="1022350">
+            <a:lnSpc>
+              <a:spcPct val="90000"/>
+            </a:lnSpc>
+            <a:spcBef>
+              <a:spcPct val="0"/>
+            </a:spcBef>
+            <a:spcAft>
+              <a:spcPct val="35000"/>
+            </a:spcAft>
+            <a:buNone/>
+          </a:pPr>
+          <a:r>
+            <a:rPr lang="de-DE" sz="2300" kern="1200"/>
+            <a:t>Der Nutzen</a:t>
+          </a:r>
+          <a:endParaRPr lang="en-US" sz="2300" kern="1200"/>
+        </a:p>
+      </dsp:txBody>
+      <dsp:txXfrm>
+        <a:off x="26930" y="4227037"/>
+        <a:ext cx="11470562" cy="497795"/>
+      </dsp:txXfrm>
+    </dsp:sp>
+    <dsp:sp modelId="{494A643D-DEE2-4B91-ABD1-93CD2DE4F5A5}">
+      <dsp:nvSpPr>
+        <dsp:cNvPr id="0" name=""/>
+        <dsp:cNvSpPr/>
+      </dsp:nvSpPr>
+      <dsp:spPr>
+        <a:xfrm>
+          <a:off x="0" y="4751762"/>
+          <a:ext cx="11524422" cy="928395"/>
+        </a:xfrm>
+        <a:prstGeom prst="rect">
+          <a:avLst/>
+        </a:prstGeom>
+        <a:noFill/>
+        <a:ln>
+          <a:noFill/>
+        </a:ln>
+        <a:effectLst/>
+      </dsp:spPr>
+      <dsp:style>
+        <a:lnRef idx="0">
+          <a:scrgbClr r="0" g="0" b="0"/>
+        </a:lnRef>
+        <a:fillRef idx="0">
+          <a:scrgbClr r="0" g="0" b="0"/>
+        </a:fillRef>
+        <a:effectRef idx="0">
+          <a:scrgbClr r="0" g="0" b="0"/>
+        </a:effectRef>
+        <a:fontRef idx="minor"/>
+      </dsp:style>
+      <dsp:txBody>
+        <a:bodyPr spcFirstLastPara="0" vert="horz" wrap="square" lIns="365900" tIns="29210" rIns="163576" bIns="29210" numCol="1" spcCol="1270" anchor="t" anchorCtr="0">
+          <a:noAutofit/>
+        </a:bodyPr>
+        <a:lstStyle/>
+        <a:p>
+          <a:pPr marL="171450" lvl="1" indent="-171450" algn="l" defTabSz="800100">
+            <a:lnSpc>
+              <a:spcPct val="90000"/>
+            </a:lnSpc>
+            <a:spcBef>
+              <a:spcPct val="0"/>
+            </a:spcBef>
+            <a:spcAft>
+              <a:spcPct val="20000"/>
+            </a:spcAft>
+            <a:buChar char="•"/>
+          </a:pPr>
+          <a:r>
+            <a:rPr lang="de-DE" sz="1800" kern="1200"/>
+            <a:t>Fundament für zukunftsorientierte Entscheidungen und Strategien im Medienbereich</a:t>
+          </a:r>
+          <a:endParaRPr lang="en-US" sz="1800" kern="1200"/>
+        </a:p>
+        <a:p>
+          <a:pPr marL="171450" lvl="1" indent="-171450" algn="l" defTabSz="800100">
+            <a:lnSpc>
+              <a:spcPct val="90000"/>
+            </a:lnSpc>
+            <a:spcBef>
+              <a:spcPct val="0"/>
+            </a:spcBef>
+            <a:spcAft>
+              <a:spcPct val="20000"/>
+            </a:spcAft>
+            <a:buChar char="•"/>
+          </a:pPr>
+          <a:r>
+            <a:rPr lang="de-DE" sz="1800" kern="1200"/>
+            <a:t>Erweiterte Perspektive auf die Medienlandschaft</a:t>
+          </a:r>
+          <a:endParaRPr lang="en-US" sz="1800" kern="1200"/>
+        </a:p>
+        <a:p>
+          <a:pPr marL="171450" lvl="1" indent="-171450" algn="l" defTabSz="800100">
+            <a:lnSpc>
+              <a:spcPct val="90000"/>
+            </a:lnSpc>
+            <a:spcBef>
+              <a:spcPct val="0"/>
+            </a:spcBef>
+            <a:spcAft>
+              <a:spcPct val="20000"/>
+            </a:spcAft>
+            <a:buChar char="•"/>
+          </a:pPr>
+          <a:r>
+            <a:rPr lang="de-DE" sz="1800" kern="1200"/>
+            <a:t>Unterstützung bei der Identifikation von Informationslücken und Potentialen</a:t>
+          </a:r>
+          <a:endParaRPr lang="en-US" sz="1800" kern="1200"/>
+        </a:p>
+      </dsp:txBody>
+      <dsp:txXfrm>
+        <a:off x="0" y="4751762"/>
+        <a:ext cx="11524422" cy="928395"/>
+      </dsp:txXfrm>
+    </dsp:sp>
+  </dsp:spTree>
+</dsp:drawing>
+</file>
+
+<file path=ppt/diagrams/drawing2.xml><?xml version="1.0" encoding="utf-8"?>
+<dsp:drawing xmlns:dgm="http://schemas.openxmlformats.org/drawingml/2006/diagram" xmlns:dsp="http://schemas.microsoft.com/office/drawing/2008/diagram" xmlns:a="http://schemas.openxmlformats.org/drawingml/2006/main">
+  <dsp:spTree>
+    <dsp:nvGrpSpPr>
+      <dsp:cNvPr id="0" name=""/>
+      <dsp:cNvGrpSpPr/>
+    </dsp:nvGrpSpPr>
+    <dsp:grpSpPr/>
+    <dsp:sp modelId="{21B0C448-FFBA-46E9-A844-E79A5F0E66E0}">
+      <dsp:nvSpPr>
+        <dsp:cNvPr id="0" name=""/>
+        <dsp:cNvSpPr/>
+      </dsp:nvSpPr>
+      <dsp:spPr>
+        <a:xfrm>
+          <a:off x="1043342" y="956021"/>
+          <a:ext cx="1270963" cy="1270963"/>
+        </a:xfrm>
+        <a:prstGeom prst="rect">
+          <a:avLst/>
+        </a:prstGeom>
+        <a:blipFill>
+          <a:blip xmlns:r="http://schemas.openxmlformats.org/officeDocument/2006/relationships" r:embed="rId1">
+            <a:extLst>
+              <a:ext uri="{28A0092B-C50C-407E-A947-70E740481C1C}">
+                <a14:useLocalDpi xmlns:a14="http://schemas.microsoft.com/office/drawing/2010/main" val="0"/>
+              </a:ext>
+              <a:ext uri="{96DAC541-7B7A-43D3-8B79-37D633B846F1}">
+                <asvg:svgBlip xmlns:asvg="http://schemas.microsoft.com/office/drawing/2016/SVG/main" r:embed="rId2"/>
+              </a:ext>
+            </a:extLst>
+          </a:blip>
+          <a:stretch>
+            <a:fillRect/>
+          </a:stretch>
+        </a:blipFill>
+        <a:ln w="12700" cap="flat" cmpd="sng" algn="ctr">
+          <a:noFill/>
+          <a:prstDash val="solid"/>
+          <a:miter lim="800000"/>
+        </a:ln>
+        <a:effectLst/>
+      </dsp:spPr>
+      <dsp:style>
+        <a:lnRef idx="2">
+          <a:scrgbClr r="0" g="0" b="0"/>
+        </a:lnRef>
+        <a:fillRef idx="1">
+          <a:scrgbClr r="0" g="0" b="0"/>
+        </a:fillRef>
+        <a:effectRef idx="0">
+          <a:scrgbClr r="0" g="0" b="0"/>
+        </a:effectRef>
+        <a:fontRef idx="minor">
+          <a:schemeClr val="lt1"/>
+        </a:fontRef>
+      </dsp:style>
+    </dsp:sp>
+    <dsp:sp modelId="{38B7F327-E7D2-460C-8050-C0D6A7A852B9}">
+      <dsp:nvSpPr>
+        <dsp:cNvPr id="0" name=""/>
+        <dsp:cNvSpPr/>
+      </dsp:nvSpPr>
+      <dsp:spPr>
+        <a:xfrm>
+          <a:off x="266642" y="2578479"/>
+          <a:ext cx="2824362" cy="720000"/>
+        </a:xfrm>
+        <a:prstGeom prst="rect">
+          <a:avLst/>
+        </a:prstGeom>
+        <a:noFill/>
+        <a:ln>
+          <a:noFill/>
+        </a:ln>
+        <a:effectLst/>
+      </dsp:spPr>
+      <dsp:style>
+        <a:lnRef idx="0">
+          <a:scrgbClr r="0" g="0" b="0"/>
+        </a:lnRef>
+        <a:fillRef idx="0">
+          <a:scrgbClr r="0" g="0" b="0"/>
+        </a:fillRef>
+        <a:effectRef idx="0">
+          <a:scrgbClr r="0" g="0" b="0"/>
+        </a:effectRef>
+        <a:fontRef idx="minor"/>
+      </dsp:style>
+      <dsp:txBody>
+        <a:bodyPr spcFirstLastPara="0" vert="horz" wrap="square" lIns="0" tIns="0" rIns="0" bIns="0" numCol="1" spcCol="1270" anchor="t" anchorCtr="0">
+          <a:noAutofit/>
+        </a:bodyPr>
+        <a:lstStyle/>
+        <a:p>
+          <a:pPr marL="0" lvl="0" indent="0" algn="ctr" defTabSz="977900">
+            <a:lnSpc>
+              <a:spcPct val="90000"/>
+            </a:lnSpc>
+            <a:spcBef>
+              <a:spcPct val="0"/>
+            </a:spcBef>
+            <a:spcAft>
+              <a:spcPct val="35000"/>
+            </a:spcAft>
+            <a:buNone/>
+          </a:pPr>
+          <a:r>
+            <a:rPr lang="de-DE" sz="2200" b="1" kern="1200"/>
+            <a:t>Informationsüberfluss bewältigen</a:t>
+          </a:r>
+          <a:endParaRPr lang="de-CH" sz="2200" kern="1200"/>
+        </a:p>
+      </dsp:txBody>
+      <dsp:txXfrm>
+        <a:off x="266642" y="2578479"/>
+        <a:ext cx="2824362" cy="720000"/>
+      </dsp:txXfrm>
+    </dsp:sp>
+    <dsp:sp modelId="{0D4080E8-1E31-46F1-B6BC-69BC0D0561F2}">
+      <dsp:nvSpPr>
+        <dsp:cNvPr id="0" name=""/>
+        <dsp:cNvSpPr/>
+      </dsp:nvSpPr>
+      <dsp:spPr>
+        <a:xfrm>
+          <a:off x="4361968" y="956021"/>
+          <a:ext cx="1270963" cy="1270963"/>
+        </a:xfrm>
+        <a:prstGeom prst="rect">
+          <a:avLst/>
+        </a:prstGeom>
+        <a:blipFill>
+          <a:blip xmlns:r="http://schemas.openxmlformats.org/officeDocument/2006/relationships" r:embed="rId3">
+            <a:extLst>
+              <a:ext uri="{28A0092B-C50C-407E-A947-70E740481C1C}">
+                <a14:useLocalDpi xmlns:a14="http://schemas.microsoft.com/office/drawing/2010/main" val="0"/>
+              </a:ext>
+              <a:ext uri="{96DAC541-7B7A-43D3-8B79-37D633B846F1}">
+                <asvg:svgBlip xmlns:asvg="http://schemas.microsoft.com/office/drawing/2016/SVG/main" r:embed="rId4"/>
+              </a:ext>
+            </a:extLst>
+          </a:blip>
+          <a:stretch>
+            <a:fillRect/>
+          </a:stretch>
+        </a:blipFill>
+        <a:ln w="12700" cap="flat" cmpd="sng" algn="ctr">
+          <a:noFill/>
+          <a:prstDash val="solid"/>
+          <a:miter lim="800000"/>
+        </a:ln>
+        <a:effectLst/>
+      </dsp:spPr>
+      <dsp:style>
+        <a:lnRef idx="2">
+          <a:scrgbClr r="0" g="0" b="0"/>
+        </a:lnRef>
+        <a:fillRef idx="1">
+          <a:scrgbClr r="0" g="0" b="0"/>
+        </a:fillRef>
+        <a:effectRef idx="0">
+          <a:scrgbClr r="0" g="0" b="0"/>
+        </a:effectRef>
+        <a:fontRef idx="minor">
+          <a:schemeClr val="lt1"/>
+        </a:fontRef>
+      </dsp:style>
+    </dsp:sp>
+    <dsp:sp modelId="{509457D2-F316-4742-89B1-B94E0B721DB5}">
+      <dsp:nvSpPr>
+        <dsp:cNvPr id="0" name=""/>
+        <dsp:cNvSpPr/>
+      </dsp:nvSpPr>
+      <dsp:spPr>
+        <a:xfrm>
+          <a:off x="3585268" y="2578479"/>
+          <a:ext cx="2824362" cy="720000"/>
+        </a:xfrm>
+        <a:prstGeom prst="rect">
+          <a:avLst/>
+        </a:prstGeom>
+        <a:noFill/>
+        <a:ln>
+          <a:noFill/>
+        </a:ln>
+        <a:effectLst/>
+      </dsp:spPr>
+      <dsp:style>
+        <a:lnRef idx="0">
+          <a:scrgbClr r="0" g="0" b="0"/>
+        </a:lnRef>
+        <a:fillRef idx="0">
+          <a:scrgbClr r="0" g="0" b="0"/>
+        </a:fillRef>
+        <a:effectRef idx="0">
+          <a:scrgbClr r="0" g="0" b="0"/>
+        </a:effectRef>
+        <a:fontRef idx="minor"/>
+      </dsp:style>
+      <dsp:txBody>
+        <a:bodyPr spcFirstLastPara="0" vert="horz" wrap="square" lIns="0" tIns="0" rIns="0" bIns="0" numCol="1" spcCol="1270" anchor="t" anchorCtr="0">
+          <a:noAutofit/>
+        </a:bodyPr>
+        <a:lstStyle/>
+        <a:p>
+          <a:pPr marL="0" lvl="0" indent="0" algn="ctr" defTabSz="977900">
+            <a:lnSpc>
+              <a:spcPct val="90000"/>
+            </a:lnSpc>
+            <a:spcBef>
+              <a:spcPct val="0"/>
+            </a:spcBef>
+            <a:spcAft>
+              <a:spcPct val="35000"/>
+            </a:spcAft>
+            <a:buNone/>
+          </a:pPr>
+          <a:r>
+            <a:rPr lang="de-DE" sz="2200" b="1" kern="1200"/>
+            <a:t>Einblick in gesellschaftliche Trends</a:t>
+          </a:r>
+          <a:endParaRPr lang="de-CH" sz="2200" kern="1200"/>
+        </a:p>
+      </dsp:txBody>
+      <dsp:txXfrm>
+        <a:off x="3585268" y="2578479"/>
+        <a:ext cx="2824362" cy="720000"/>
+      </dsp:txXfrm>
+    </dsp:sp>
+    <dsp:sp modelId="{2E37B065-2BE7-4380-9084-10D13C3F0B06}">
+      <dsp:nvSpPr>
+        <dsp:cNvPr id="0" name=""/>
+        <dsp:cNvSpPr/>
+      </dsp:nvSpPr>
+      <dsp:spPr>
+        <a:xfrm>
+          <a:off x="7680594" y="956021"/>
+          <a:ext cx="1270963" cy="1270963"/>
+        </a:xfrm>
+        <a:prstGeom prst="rect">
+          <a:avLst/>
+        </a:prstGeom>
+        <a:blipFill>
+          <a:blip xmlns:r="http://schemas.openxmlformats.org/officeDocument/2006/relationships" r:embed="rId5">
+            <a:extLst>
+              <a:ext uri="{28A0092B-C50C-407E-A947-70E740481C1C}">
+                <a14:useLocalDpi xmlns:a14="http://schemas.microsoft.com/office/drawing/2010/main" val="0"/>
+              </a:ext>
+              <a:ext uri="{96DAC541-7B7A-43D3-8B79-37D633B846F1}">
+                <asvg:svgBlip xmlns:asvg="http://schemas.microsoft.com/office/drawing/2016/SVG/main" r:embed="rId6"/>
+              </a:ext>
+            </a:extLst>
+          </a:blip>
+          <a:stretch>
+            <a:fillRect/>
+          </a:stretch>
+        </a:blipFill>
+        <a:ln w="12700" cap="flat" cmpd="sng" algn="ctr">
+          <a:noFill/>
+          <a:prstDash val="solid"/>
+          <a:miter lim="800000"/>
+        </a:ln>
+        <a:effectLst/>
+      </dsp:spPr>
+      <dsp:style>
+        <a:lnRef idx="2">
+          <a:scrgbClr r="0" g="0" b="0"/>
+        </a:lnRef>
+        <a:fillRef idx="1">
+          <a:scrgbClr r="0" g="0" b="0"/>
+        </a:fillRef>
+        <a:effectRef idx="0">
+          <a:scrgbClr r="0" g="0" b="0"/>
+        </a:effectRef>
+        <a:fontRef idx="minor">
+          <a:schemeClr val="lt1"/>
+        </a:fontRef>
+      </dsp:style>
+    </dsp:sp>
+    <dsp:sp modelId="{F6AAC5BE-B997-4C60-82A2-083D60E28668}">
+      <dsp:nvSpPr>
+        <dsp:cNvPr id="0" name=""/>
+        <dsp:cNvSpPr/>
+      </dsp:nvSpPr>
+      <dsp:spPr>
+        <a:xfrm>
+          <a:off x="6903894" y="2578479"/>
+          <a:ext cx="2824362" cy="720000"/>
+        </a:xfrm>
+        <a:prstGeom prst="rect">
+          <a:avLst/>
+        </a:prstGeom>
+        <a:noFill/>
+        <a:ln>
+          <a:noFill/>
+        </a:ln>
+        <a:effectLst/>
+      </dsp:spPr>
+      <dsp:style>
+        <a:lnRef idx="0">
+          <a:scrgbClr r="0" g="0" b="0"/>
+        </a:lnRef>
+        <a:fillRef idx="0">
+          <a:scrgbClr r="0" g="0" b="0"/>
+        </a:fillRef>
+        <a:effectRef idx="0">
+          <a:scrgbClr r="0" g="0" b="0"/>
+        </a:effectRef>
+        <a:fontRef idx="minor"/>
+      </dsp:style>
+      <dsp:txBody>
+        <a:bodyPr spcFirstLastPara="0" vert="horz" wrap="square" lIns="0" tIns="0" rIns="0" bIns="0" numCol="1" spcCol="1270" anchor="t" anchorCtr="0">
+          <a:noAutofit/>
+        </a:bodyPr>
+        <a:lstStyle/>
+        <a:p>
+          <a:pPr marL="0" lvl="0" indent="0" algn="ctr" defTabSz="977900">
+            <a:lnSpc>
+              <a:spcPct val="90000"/>
+            </a:lnSpc>
+            <a:spcBef>
+              <a:spcPct val="0"/>
+            </a:spcBef>
+            <a:spcAft>
+              <a:spcPct val="35000"/>
+            </a:spcAft>
+            <a:buNone/>
+          </a:pPr>
+          <a:r>
+            <a:rPr lang="de-DE" sz="2200" b="1" kern="1200"/>
+            <a:t>Transparenz fördern</a:t>
+          </a:r>
+          <a:endParaRPr lang="de-CH" sz="2200" kern="1200"/>
+        </a:p>
+      </dsp:txBody>
+      <dsp:txXfrm>
+        <a:off x="6903894" y="2578479"/>
+        <a:ext cx="2824362" cy="720000"/>
+      </dsp:txXfrm>
+    </dsp:sp>
+  </dsp:spTree>
+</dsp:drawing>
+</file>
+
+<file path=ppt/diagrams/layout1.xml><?xml version="1.0" encoding="utf-8"?>
+<dgm:layoutDef xmlns:dgm="http://schemas.openxmlformats.org/drawingml/2006/diagram" xmlns:a="http://schemas.openxmlformats.org/drawingml/2006/main" uniqueId="urn:microsoft.com/office/officeart/2005/8/layout/vList2">
+  <dgm:title val=""/>
+  <dgm:desc val=""/>
+  <dgm:catLst>
+    <dgm:cat type="list" pri="3000"/>
+    <dgm:cat type="convert" pri="1000"/>
+  </dgm:catLst>
+  <dgm:sampData>
+    <dgm:dataModel>
+      <dgm:ptLst>
+        <dgm:pt modelId="0" type="doc"/>
+        <dgm:pt modelId="1">
+          <dgm:prSet phldr="1"/>
+        </dgm:pt>
+        <dgm:pt modelId="11">
+          <dgm:prSet phldr="1"/>
+        </dgm:pt>
+        <dgm:pt modelId="2">
+          <dgm:prSet phldr="1"/>
+        </dgm:pt>
+        <dgm:pt modelId="21">
+          <dgm:prSet phldr="1"/>
+        </dgm:pt>
+      </dgm:ptLst>
+      <dgm:cxnLst>
+        <dgm:cxn modelId="4" srcId="0" destId="1" srcOrd="0" destOrd="0"/>
+        <dgm:cxn modelId="5" srcId="0" destId="2" srcOrd="1" destOrd="0"/>
+        <dgm:cxn modelId="12" srcId="1" destId="11" srcOrd="0" destOrd="0"/>
+        <dgm:cxn modelId="23" srcId="2" destId="21" srcOrd="0" destOrd="0"/>
+      </dgm:cxnLst>
+      <dgm:bg/>
+      <dgm:whole/>
+    </dgm:dataModel>
+  </dgm:sampData>
+  <dgm:styleData>
+    <dgm:dataModel>
+      <dgm:ptLst>
+        <dgm:pt modelId="0" type="doc"/>
+        <dgm:pt modelId="1"/>
+        <dgm:pt modelId="2"/>
+      </dgm:ptLst>
+      <dgm:cxnLst>
+        <dgm:cxn modelId="3" srcId="0" destId="1" srcOrd="0" destOrd="0"/>
+        <dgm:cxn modelId="4" srcId="0" destId="2" srcOrd="1" destOrd="0"/>
+      </dgm:cxnLst>
+      <dgm:bg/>
+      <dgm:whole/>
+    </dgm:dataModel>
+  </dgm:styleData>
+  <dgm:clrData>
+    <dgm:dataModel>
+      <dgm:ptLst>
+        <dgm:pt modelId="0" type="doc"/>
+        <dgm:pt modelId="1"/>
+        <dgm:pt modelId="2"/>
+        <dgm:pt modelId="3"/>
+        <dgm:pt modelId="4"/>
+      </dgm:ptLst>
+      <dgm:cxnLst>
+        <dgm:cxn modelId="5" srcId="0" destId="1" srcOrd="0" destOrd="0"/>
+        <dgm:cxn modelId="6" srcId="0" destId="2" srcOrd="1" destOrd="0"/>
+        <dgm:cxn modelId="7" srcId="0" destId="3" srcOrd="2" destOrd="0"/>
+        <dgm:cxn modelId="8" srcId="0" destId="4" srcOrd="3" destOrd="0"/>
+      </dgm:cxnLst>
+      <dgm:bg/>
+      <dgm:whole/>
+    </dgm:dataModel>
+  </dgm:clrData>
+  <dgm:layoutNode name="linear">
+    <dgm:varLst>
+      <dgm:animLvl val="lvl"/>
+      <dgm:resizeHandles val="exact"/>
+    </dgm:varLst>
+    <dgm:alg type="lin">
+      <dgm:param type="linDir" val="fromT"/>
+      <dgm:param type="vertAlign" val="mid"/>
+    </dgm:alg>
+    <dgm:shape xmlns:r="http://schemas.openxmlformats.org/officeDocument/2006/relationships" r:blip="">
+      <dgm:adjLst/>
+    </dgm:shape>
+    <dgm:presOf/>
+    <dgm:constrLst>
+      <dgm:constr type="w" for="ch" forName="parentText" refType="w"/>
+      <dgm:constr type="h" for="ch" forName="parentText" refType="primFontSz" refFor="ch" refForName="parentText" fact="0.52"/>
+      <dgm:constr type="w" for="ch" forName="childText" refType="w"/>
+      <dgm:constr type="h" for="ch" forName="childText" refType="primFontSz" refFor="ch" refForName="parentText" fact="0.46"/>
+      <dgm:constr type="h" for="ch" forName="parentText" op="equ"/>
+      <dgm:constr type="primFontSz" for="ch" forName="parentText" op="equ" val="65"/>
+      <dgm:constr type="primFontSz" for="ch" forName="childText" refType="primFontSz" refFor="ch" refForName="parentText" op="equ"/>
+      <dgm:constr type="h" for="ch" forName="spacer" refType="primFontSz" refFor="ch" refForName="parentText" fact="0.08"/>
+    </dgm:constrLst>
+    <dgm:ruleLst>
+      <dgm:rule type="primFontSz" for="ch" forName="parentText" val="5" fact="NaN" max="NaN"/>
+    </dgm:ruleLst>
+    <dgm:forEach name="Name0" axis="ch" ptType="node">
+      <dgm:layoutNode name="parentText" styleLbl="node1">
+        <dgm:varLst>
+          <dgm:chMax val="0"/>
+          <dgm:bulletEnabled val="1"/>
+        </dgm:varLst>
+        <dgm:alg type="tx">
+          <dgm:param type="parTxLTRAlign" val="l"/>
+          <dgm:param type="parTxRTLAlign" val="r"/>
+        </dgm:alg>
+        <dgm:shape xmlns:r="http://schemas.openxmlformats.org/officeDocument/2006/relationships" type="roundRect" r:blip="">
+          <dgm:adjLst/>
+        </dgm:shape>
+        <dgm:presOf axis="self"/>
+        <dgm:constrLst>
+          <dgm:constr type="tMarg" refType="primFontSz" fact="0.3"/>
+          <dgm:constr type="bMarg" refType="primFontSz" fact="0.3"/>
+          <dgm:constr type="lMarg" refType="primFontSz" fact="0.3"/>
+          <dgm:constr type="rMarg" refType="primFontSz" fact="0.3"/>
+        </dgm:constrLst>
+        <dgm:ruleLst>
+          <dgm:rule type="h" val="INF" fact="NaN" max="NaN"/>
+        </dgm:ruleLst>
+      </dgm:layoutNode>
+      <dgm:choose name="Name1">
+        <dgm:if name="Name2" axis="ch" ptType="node" func="cnt" op="gte" val="1">
+          <dgm:layoutNode name="childText" styleLbl="revTx">
+            <dgm:varLst>
+              <dgm:bulletEnabled val="1"/>
+            </dgm:varLst>
+            <dgm:alg type="tx">
+              <dgm:param type="stBulletLvl" val="1"/>
+              <dgm:param type="lnSpAfChP" val="20"/>
+            </dgm:alg>
+            <dgm:shape xmlns:r="http://schemas.openxmlformats.org/officeDocument/2006/relationships" type="rect" r:blip="">
+              <dgm:adjLst/>
+            </dgm:shape>
+            <dgm:presOf axis="des" ptType="node"/>
+            <dgm:constrLst>
+              <dgm:constr type="tMarg" refType="primFontSz" fact="0.1"/>
+              <dgm:constr type="bMarg" refType="primFontSz" fact="0.1"/>
+              <dgm:constr type="lMarg" refType="w" fact="0.09"/>
+            </dgm:constrLst>
+            <dgm:ruleLst>
+              <dgm:rule type="h" val="INF" fact="NaN" max="NaN"/>
+            </dgm:ruleLst>
+          </dgm:layoutNode>
+        </dgm:if>
+        <dgm:else name="Name3">
+          <dgm:choose name="Name4">
+            <dgm:if name="Name5" axis="par ch" ptType="doc node" func="cnt" op="gte" val="2">
+              <dgm:forEach name="Name6" axis="followSib" ptType="sibTrans" cnt="1">
+                <dgm:layoutNode name="spacer">
+                  <dgm:alg type="sp"/>
+                  <dgm:shape xmlns:r="http://schemas.openxmlformats.org/officeDocument/2006/relationships" r:blip="">
+                    <dgm:adjLst/>
+                  </dgm:shape>
+                  <dgm:presOf/>
+                  <dgm:constrLst/>
+                  <dgm:ruleLst/>
+                </dgm:layoutNode>
+              </dgm:forEach>
+            </dgm:if>
+            <dgm:else name="Name7"/>
+          </dgm:choose>
+        </dgm:else>
+      </dgm:choose>
+    </dgm:forEach>
+  </dgm:layoutNode>
+</dgm:layoutDef>
+</file>
+
+<file path=ppt/diagrams/layout2.xml><?xml version="1.0" encoding="utf-8"?>
+<dgm:layoutDef xmlns:dgm="http://schemas.openxmlformats.org/drawingml/2006/diagram" xmlns:a="http://schemas.openxmlformats.org/drawingml/2006/main" uniqueId="urn:microsoft.com/office/officeart/2018/2/layout/IconLabelList">
+  <dgm:title val="Icon Label List"/>
+  <dgm:desc val="Use to show non-sequential or grouped chunks of information accompanied by a related visuals. Works best with icons or small pictures with short text captions."/>
+  <dgm:catLst>
+    <dgm:cat type="icon" pri="500"/>
+  </dgm:catLst>
+  <dgm:sampData useDef="1">
+    <dgm:dataModel>
+      <dgm:ptLst/>
+      <dgm:bg/>
+      <dgm:whole/>
+    </dgm:dataModel>
+  </dgm:sampData>
+  <dgm:styleData useDef="1">
+    <dgm:dataModel>
+      <dgm:ptLst/>
+      <dgm:bg/>
+      <dgm:whole/>
+    </dgm:dataModel>
+  </dgm:styleData>
+  <dgm:clrData useDef="1">
+    <dgm:dataModel>
+      <dgm:ptLst/>
+      <dgm:bg/>
+      <dgm:whole/>
+    </dgm:dataModel>
+  </dgm:clrData>
+  <dgm:layoutNode name="root">
+    <dgm:varLst>
+      <dgm:dir/>
+      <dgm:resizeHandles val="exact"/>
+    </dgm:varLst>
+    <dgm:choose name="Name0">
+      <dgm:if name="Name1" axis="self" func="var" arg="dir" op="equ" val="norm">
+        <dgm:alg type="snake">
+          <dgm:param type="grDir" val="tL"/>
+          <dgm:param type="flowDir" val="row"/>
+          <dgm:param type="contDir" val="sameDir"/>
+          <dgm:param type="off" val="ctr"/>
+          <dgm:param type="vertAlign" val="mid"/>
+          <dgm:param type="horzAlign" val="ctr"/>
+        </dgm:alg>
+      </dgm:if>
+      <dgm:else name="Name2">
+        <dgm:alg type="snake">
+          <dgm:param type="grDir" val="tR"/>
+          <dgm:param type="flowDir" val="row"/>
+          <dgm:param type="contDir" val="sameDir"/>
+          <dgm:param type="off" val="ctr"/>
+          <dgm:param type="vertAlign" val="mid"/>
+          <dgm:param type="horzAlign" val="ctr"/>
+        </dgm:alg>
+      </dgm:else>
+    </dgm:choose>
+    <dgm:shape xmlns:r="http://schemas.openxmlformats.org/officeDocument/2006/relationships" r:blip="">
+      <dgm:adjLst/>
+    </dgm:shape>
+    <dgm:presOf/>
+    <dgm:choose name="Name3">
+      <dgm:if name="Name4" axis="ch" ptType="node" func="cnt" op="lte" val="2">
+        <dgm:constrLst>
+          <dgm:constr type="h" for="ch" forName="compNode" refType="h" fact="0.4"/>
+          <dgm:constr type="w" for="ch" forName="compNode" val="120"/>
+          <dgm:constr type="w" for="ch" forName="sibTrans" refType="w" refFor="ch" refForName="compNode" fact="0.175"/>
+          <dgm:constr type="sp" refType="w" refFor="ch" refForName="compNode" op="equ" fact="0.25"/>
+          <dgm:constr type="primFontSz" for="des" ptType="node" op="equ" val="50"/>
+          <dgm:constr type="h" for="des" forName="compNode" op="equ"/>
+          <dgm:constr type="h" for="des" forName="textRect" op="equ"/>
+        </dgm:constrLst>
+      </dgm:if>
+      <dgm:if name="Name5" axis="ch" ptType="node" func="cnt" op="lte" val="4">
+        <dgm:constrLst>
+          <dgm:constr type="h" for="ch" forName="compNode" refType="h" fact="0.4"/>
+          <dgm:constr type="w" for="ch" forName="compNode" refType="w"/>
+          <dgm:constr type="w" for="ch" forName="sibTrans" refType="w" refFor="ch" refForName="compNode" fact="0.175"/>
+          <dgm:constr type="sp" refType="w" refFor="ch" refForName="compNode" op="equ" fact="0.25"/>
+          <dgm:constr type="primFontSz" for="des" ptType="node" op="equ" val="36"/>
+          <dgm:constr type="h" for="des" forName="compNode" op="equ"/>
+          <dgm:constr type="h" for="des" forName="textRect" op="equ"/>
+        </dgm:constrLst>
+      </dgm:if>
+      <dgm:else name="Name6">
+        <dgm:constrLst>
+          <dgm:constr type="h" for="ch" forName="compNode" refType="h" fact="0.4"/>
+          <dgm:constr type="w" for="ch" forName="compNode" refType="w"/>
+          <dgm:constr type="w" for="ch" forName="sibTrans" refType="w" refFor="ch" refForName="compNode" fact="0.175"/>
+          <dgm:constr type="sp" refType="w" refFor="ch" refForName="compNode" op="equ" fact="0.25"/>
+          <dgm:constr type="primFontSz" for="des" ptType="node" op="equ" val="24"/>
+          <dgm:constr type="h" for="des" forName="compNode" op="equ"/>
+          <dgm:constr type="h" for="des" forName="textRect" op="equ"/>
+        </dgm:constrLst>
+      </dgm:else>
+    </dgm:choose>
+    <dgm:ruleLst>
+      <dgm:rule type="w" for="ch" forName="compNode" val="50" fact="NaN" max="NaN"/>
+    </dgm:ruleLst>
+    <dgm:forEach name="Name7" axis="ch" ptType="node">
+      <dgm:layoutNode name="compNode">
+        <dgm:alg type="composite"/>
+        <dgm:shape xmlns:r="http://schemas.openxmlformats.org/officeDocument/2006/relationships" r:blip="">
+          <dgm:adjLst/>
+        </dgm:shape>
+        <dgm:presOf axis="self"/>
+        <dgm:constrLst>
+          <dgm:constr type="w" for="ch" forName="iconRect" refType="w" fact="0.45"/>
+          <dgm:constr type="h" for="ch" forName="iconRect" refType="w" refFor="ch" refForName="iconRect"/>
+          <dgm:constr type="ctrX" for="ch" forName="iconRect" refType="w" fact="0.5"/>
+          <dgm:constr type="t" for="ch" forName="iconRect"/>
+          <dgm:constr type="h" for="ch" forName="spaceRect" refType="h" fact="0.15"/>
+          <dgm:constr type="w" for="ch" forName="spaceRect" refType="w"/>
+          <dgm:constr type="l" for="ch" forName="spaceRect"/>
+          <dgm:constr type="t" for="ch" forName="spaceRect" refType="b" refFor="ch" refForName="iconRect"/>
+          <dgm:constr type="h" for="ch" forName="textRect" val="20"/>
+          <dgm:constr type="w" for="ch" forName="textRect" refType="w"/>
+          <dgm:constr type="l" for="ch" forName="textRect"/>
+          <dgm:constr type="t" for="ch" forName="textRect" refType="b" refFor="ch" refForName="spaceRect"/>
+        </dgm:constrLst>
+        <dgm:ruleLst>
+          <dgm:rule type="h" val="INF" fact="NaN" max="NaN"/>
+        </dgm:ruleLst>
+        <dgm:layoutNode name="iconRect" styleLbl="node1">
+          <dgm:alg type="sp"/>
+          <dgm:shape xmlns:r="http://schemas.openxmlformats.org/officeDocument/2006/relationships" type="rect" r:blip="" blipPhldr="1">
+            <dgm:adjLst/>
+          </dgm:shape>
+          <dgm:presOf/>
+          <dgm:constrLst/>
+          <dgm:ruleLst/>
+        </dgm:layoutNode>
+        <dgm:layoutNode name="spaceRect">
+          <dgm:alg type="sp"/>
+          <dgm:shape xmlns:r="http://schemas.openxmlformats.org/officeDocument/2006/relationships" r:blip="">
+            <dgm:adjLst/>
+          </dgm:shape>
+          <dgm:presOf/>
+          <dgm:constrLst/>
+          <dgm:ruleLst/>
+        </dgm:layoutNode>
+        <dgm:layoutNode name="textRect" styleLbl="revTx">
+          <dgm:varLst>
+            <dgm:chMax val="1"/>
+            <dgm:chPref val="1"/>
+          </dgm:varLst>
+          <dgm:alg type="tx">
+            <dgm:param type="txAnchorVert" val="t"/>
+          </dgm:alg>
+          <dgm:shape xmlns:r="http://schemas.openxmlformats.org/officeDocument/2006/relationships" type="rect" r:blip="">
+            <dgm:adjLst/>
+          </dgm:shape>
+          <dgm:presOf axis="self" ptType="node"/>
+          <dgm:constrLst>
+            <dgm:constr type="lMarg"/>
+            <dgm:constr type="rMarg"/>
+            <dgm:constr type="tMarg"/>
+            <dgm:constr type="bMarg"/>
+          </dgm:constrLst>
+          <dgm:ruleLst>
+            <dgm:rule type="primFontSz" val="11" fact="NaN" max="NaN"/>
+            <dgm:rule type="h" val="INF" fact="NaN" max="NaN"/>
+          </dgm:ruleLst>
+        </dgm:layoutNode>
+      </dgm:layoutNode>
+      <dgm:forEach name="Name8" axis="followSib" ptType="sibTrans" cnt="1">
+        <dgm:layoutNode name="sibTrans">
+          <dgm:alg type="sp"/>
+          <dgm:shape xmlns:r="http://schemas.openxmlformats.org/officeDocument/2006/relationships" r:blip="">
+            <dgm:adjLst/>
+          </dgm:shape>
+          <dgm:presOf axis="self"/>
+          <dgm:constrLst/>
+          <dgm:ruleLst/>
+        </dgm:layoutNode>
+      </dgm:forEach>
+    </dgm:forEach>
+  </dgm:layoutNode>
+  <dgm:extLst>
+    <a:ext uri="{68A01E43-0DF5-4B5B-8FA6-DAF915123BFB}">
+      <dgm1612:lstStyle xmlns:dgm1612="http://schemas.microsoft.com/office/drawing/2016/12/diagram">
+        <a:lvl1pPr>
+          <a:lnSpc>
+            <a:spcPct val="100000"/>
+          </a:lnSpc>
+        </a:lvl1pPr>
+      </dgm1612:lstStyle>
+    </a:ext>
+  </dgm:extLst>
+</dgm:layoutDef>
+</file>
+
+<file path=ppt/diagrams/quickStyle1.xml><?xml version="1.0" encoding="utf-8"?>
+<dgm:styleDef xmlns:dgm="http://schemas.openxmlformats.org/drawingml/2006/diagram" xmlns:a="http://schemas.openxmlformats.org/drawingml/2006/main" uniqueId="urn:microsoft.com/office/officeart/2005/8/quickstyle/simple1">
+  <dgm:title val=""/>
+  <dgm:desc val=""/>
+  <dgm:catLst>
+    <dgm:cat type="simple" pri="10100"/>
+  </dgm:catLst>
+  <dgm:scene3d>
+    <a:camera prst="orthographicFront"/>
+    <a:lightRig rig="threePt" dir="t"/>
+  </dgm:scene3d>
+  <dgm:styleLbl name="node0">
+    <dgm:scene3d>
+      <a:camera prst="orthographicFront"/>
+      <a:lightRig rig="threePt" dir="t"/>
+    </dgm:scene3d>
+    <dgm:sp3d/>
+    <dgm:txPr/>
+    <dgm:style>
+      <a:lnRef idx="2">
+        <a:scrgbClr r="0" g="0" b="0"/>
+      </a:lnRef>
+      <a:fillRef idx="1">
+        <a:scrgbClr r="0" g="0" b="0"/>
+      </a:fillRef>
+      <a:effectRef idx="0">
+        <a:scrgbClr r="0" g="0" b="0"/>
+      </a:effectRef>
+      <a:fontRef idx="minor">
+        <a:schemeClr val="lt1"/>
+      </a:fontRef>
+    </dgm:style>
+  </dgm:styleLbl>
+  <dgm:styleLbl name="lnNode1">
+    <dgm:scene3d>
+      <a:camera prst="orthographicFront"/>
+      <a:lightRig rig="threePt" dir="t"/>
+    </dgm:scene3d>
+    <dgm:sp3d/>
+    <dgm:txPr/>
+    <dgm:style>
+      <a:lnRef idx="2">
+        <a:scrgbClr r="0" g="0" b="0"/>
+      </a:lnRef>
+      <a:fillRef idx="1">
+        <a:scrgbClr r="0" g="0" b="0"/>
+      </a:fillRef>
+      <a:effectRef idx="0">
+        <a:scrgbClr r="0" g="0" b="0"/>
+      </a:effectRef>
+      <a:fontRef idx="minor">
+        <a:schemeClr val="lt1"/>
+      </a:fontRef>
+    </dgm:style>
+  </dgm:styleLbl>
+  <dgm:styleLbl name="vennNode1">
+    <dgm:scene3d>
+      <a:camera prst="orthographicFront"/>
+      <a:lightRig rig="threePt" dir="t"/>
+    </dgm:scene3d>
+    <dgm:sp3d/>
+    <dgm:txPr/>
+    <dgm:style>
+      <a:lnRef idx="2">
+        <a:scrgbClr r="0" g="0" b="0"/>
+      </a:lnRef>
+      <a:fillRef idx="1">
+        <a:scrgbClr r="0" g="0" b="0"/>
+      </a:fillRef>
+      <a:effectRef idx="0">
+        <a:scrgbClr r="0" g="0" b="0"/>
+      </a:effectRef>
+      <a:fontRef idx="minor">
+        <a:schemeClr val="tx1"/>
+      </a:fontRef>
+    </dgm:style>
+  </dgm:styleLbl>
+  <dgm:styleLbl name="alignNode1">
+    <dgm:scene3d>
+      <a:camera prst="orthographicFront"/>
+      <a:lightRig rig="threePt" dir="t"/>
+    </dgm:scene3d>
+    <dgm:sp3d/>
+    <dgm:txPr/>
+    <dgm:style>
+      <a:lnRef idx="2">
+        <a:scrgbClr r="0" g="0" b="0"/>
+      </a:lnRef>
+      <a:fillRef idx="1">
+        <a:scrgbClr r="0" g="0" b="0"/>
+      </a:fillRef>
+      <a:effectRef idx="0">
+        <a:scrgbClr r="0" g="0" b="0"/>
+      </a:effectRef>
+      <a:fontRef idx="minor">
+        <a:schemeClr val="lt1"/>
+      </a:fontRef>
+    </dgm:style>
+  </dgm:styleLbl>
+  <dgm:styleLbl name="node1">
+    <dgm:scene3d>
+      <a:camera prst="orthographicFront"/>
+      <a:lightRig rig="threePt" dir="t"/>
+    </dgm:scene3d>
+    <dgm:sp3d/>
+    <dgm:txPr/>
+    <dgm:style>
+      <a:lnRef idx="2">
+        <a:scrgbClr r="0" g="0" b="0"/>
+      </a:lnRef>
+      <a:fillRef idx="1">
+        <a:scrgbClr r="0" g="0" b="0"/>
+      </a:fillRef>
+      <a:effectRef idx="0">
+        <a:scrgbClr r="0" g="0" b="0"/>
+      </a:effectRef>
+      <a:fontRef idx="minor">
+        <a:schemeClr val="lt1"/>
+      </a:fontRef>
+    </dgm:style>
+  </dgm:styleLbl>
+  <dgm:styleLbl name="node2">
+    <dgm:scene3d>
+      <a:camera prst="orthographicFront"/>
+      <a:lightRig rig="threePt" dir="t"/>
+    </dgm:scene3d>
+    <dgm:sp3d/>
+    <dgm:txPr/>
+    <dgm:style>
+      <a:lnRef idx="2">
+        <a:scrgbClr r="0" g="0" b="0"/>
+      </a:lnRef>
+      <a:fillRef idx="1">
+        <a:scrgbClr r="0" g="0" b="0"/>
+      </a:fillRef>
+      <a:effectRef idx="0">
+        <a:scrgbClr r="0" g="0" b="0"/>
+      </a:effectRef>
+      <a:fontRef idx="minor">
+        <a:schemeClr val="lt1"/>
+      </a:fontRef>
+    </dgm:style>
+  </dgm:styleLbl>
+  <dgm:styleLbl name="node3">
+    <dgm:scene3d>
+      <a:camera prst="orthographicFront"/>
+      <a:lightRig rig="threePt" dir="t"/>
+    </dgm:scene3d>
+    <dgm:sp3d/>
+    <dgm:txPr/>
+    <dgm:style>
+      <a:lnRef idx="2">
+        <a:scrgbClr r="0" g="0" b="0"/>
+      </a:lnRef>
+      <a:fillRef idx="1">
+        <a:scrgbClr r="0" g="0" b="0"/>
+      </a:fillRef>
+      <a:effectRef idx="0">
+        <a:scrgbClr r="0" g="0" b="0"/>
+      </a:effectRef>
+      <a:fontRef idx="minor">
+        <a:schemeClr val="lt1"/>
+      </a:fontRef>
+    </dgm:style>
+  </dgm:styleLbl>
+  <dgm:styleLbl name="node4">
+    <dgm:scene3d>
+      <a:camera prst="orthographicFront"/>
+      <a:lightRig rig="threePt" dir="t"/>
+    </dgm:scene3d>
+    <dgm:sp3d/>
+    <dgm:txPr/>
+    <dgm:style>
+      <a:lnRef idx="2">
+        <a:scrgbClr r="0" g="0" b="0"/>
+      </a:lnRef>
+      <a:fillRef idx="1">
+        <a:scrgbClr r="0" g="0" b="0"/>
+      </a:fillRef>
+      <a:effectRef idx="0">
+        <a:scrgbClr r="0" g="0" b="0"/>
+      </a:effectRef>
+      <a:fontRef idx="minor">
+        <a:schemeClr val="lt1"/>
+      </a:fontRef>
+    </dgm:style>
+  </dgm:styleLbl>
+  <dgm:styleLbl name="fgImgPlace1">
+    <dgm:scene3d>
+      <a:camera prst="orthographicFront"/>
+      <a:lightRig rig="threePt" dir="t"/>
+    </dgm:scene3d>
+    <dgm:sp3d/>
+    <dgm:txPr/>
+    <dgm:style>
+      <a:lnRef idx="2">
+        <a:scrgbClr r="0" g="0" b="0"/>
+      </a:lnRef>
+      <a:fillRef idx="1">
+        <a:scrgbClr r="0" g="0" b="0"/>
+      </a:fillRef>
+      <a:effectRef idx="0">
+        <a:scrgbClr r="0" g="0" b="0"/>
+      </a:effectRef>
+      <a:fontRef idx="minor"/>
+    </dgm:style>
+  </dgm:styleLbl>
+  <dgm:styleLbl name="alignImgPlace1">
+    <dgm:scene3d>
+      <a:camera prst="orthographicFront"/>
+      <a:lightRig rig="threePt" dir="t"/>
+    </dgm:scene3d>
+    <dgm:sp3d/>
+    <dgm:txPr/>
+    <dgm:style>
+      <a:lnRef idx="2">
+        <a:scrgbClr r="0" g="0" b="0"/>
+      </a:lnRef>
+      <a:fillRef idx="1">
+        <a:scrgbClr r="0" g="0" b="0"/>
+      </a:fillRef>
+      <a:effectRef idx="0">
+        <a:scrgbClr r="0" g="0" b="0"/>
+      </a:effectRef>
+      <a:fontRef idx="minor"/>
+    </dgm:style>
+  </dgm:styleLbl>
+  <dgm:styleLbl name="bgImgPlace1">
+    <dgm:scene3d>
+      <a:camera prst="orthographicFront"/>
+      <a:lightRig rig="threePt" dir="t"/>
+    </dgm:scene3d>
+    <dgm:sp3d/>
+    <dgm:txPr/>
+    <dgm:style>
+      <a:lnRef idx="2">
+        <a:scrgbClr r="0" g="0" b="0"/>
+      </a:lnRef>
+      <a:fillRef idx="1">
+        <a:scrgbClr r="0" g="0" b="0"/>
+      </a:fillRef>
+      <a:effectRef idx="0">
+        <a:scrgbClr r="0" g="0" b="0"/>
+      </a:effectRef>
+      <a:fontRef idx="minor"/>
+    </dgm:style>
+  </dgm:styleLbl>
+  <dgm:styleLbl name="sibTrans2D1">
+    <dgm:scene3d>
+      <a:camera prst="orthographicFront"/>
+      <a:lightRig rig="threePt" dir="t"/>
+    </dgm:scene3d>
+    <dgm:sp3d/>
+    <dgm:txPr/>
+    <dgm:style>
+      <a:lnRef idx="0">
+        <a:scrgbClr r="0" g="0" b="0"/>
+      </a:lnRef>
+      <a:fillRef idx="1">
+        <a:scrgbClr r="0" g="0" b="0"/>
+      </a:fillRef>
+      <a:effectRef idx="0">
+        <a:scrgbClr r="0" g="0" b="0"/>
+      </a:effectRef>
+      <a:fontRef idx="minor">
+        <a:schemeClr val="lt1"/>
+      </a:fontRef>
+    </dgm:style>
+  </dgm:styleLbl>
+  <dgm:styleLbl name="fgSibTrans2D1">
+    <dgm:scene3d>
+      <a:camera prst="orthographicFront"/>
+      <a:lightRig rig="threePt" dir="t"/>
+    </dgm:scene3d>
+    <dgm:sp3d/>
+    <dgm:txPr/>
+    <dgm:style>
+      <a:lnRef idx="0">
+        <a:scrgbClr r="0" g="0" b="0"/>
+      </a:lnRef>
+      <a:fillRef idx="1">
+        <a:scrgbClr r="0" g="0" b="0"/>
+      </a:fillRef>
+      <a:effectRef idx="0">
+        <a:scrgbClr r="0" g="0" b="0"/>
+      </a:effectRef>
+      <a:fontRef idx="minor">
+        <a:schemeClr val="lt1"/>
+      </a:fontRef>
+    </dgm:style>
+  </dgm:styleLbl>
+  <dgm:styleLbl name="bgSibTrans2D1">
+    <dgm:scene3d>
+      <a:camera prst="orthographicFront"/>
+      <a:lightRig rig="threePt" dir="t"/>
+    </dgm:scene3d>
+    <dgm:sp3d/>
+    <dgm:txPr/>
+    <dgm:style>
+      <a:lnRef idx="0">
+        <a:scrgbClr r="0" g="0" b="0"/>
+      </a:lnRef>
+      <a:fillRef idx="1">
+        <a:scrgbClr r="0" g="0" b="0"/>
+      </a:fillRef>
+      <a:effectRef idx="0">
+        <a:scrgbClr r="0" g="0" b="0"/>
+      </a:effectRef>
+      <a:fontRef idx="minor">
+        <a:schemeClr val="lt1"/>
+      </a:fontRef>
+    </dgm:style>
+  </dgm:styleLbl>
+  <dgm:styleLbl name="sibTrans1D1">
+    <dgm:scene3d>
+      <a:camera prst="orthographicFront"/>
+      <a:lightRig rig="threePt" dir="t"/>
+    </dgm:scene3d>
+    <dgm:sp3d/>
+    <dgm:txPr/>
+    <dgm:style>
+      <a:lnRef idx="1">
+        <a:scrgbClr r="0" g="0" b="0"/>
+      </a:lnRef>
+      <a:fillRef idx="0">
+        <a:scrgbClr r="0" g="0" b="0"/>
+      </a:fillRef>
+      <a:effectRef idx="0">
+        <a:scrgbClr r="0" g="0" b="0"/>
+      </a:effectRef>
+      <a:fontRef idx="minor"/>
+    </dgm:style>
+  </dgm:styleLbl>
+  <dgm:styleLbl name="callout">
+    <dgm:scene3d>
+      <a:camera prst="orthographicFront"/>
+      <a:lightRig rig="threePt" dir="t"/>
+    </dgm:scene3d>
+    <dgm:sp3d/>
+    <dgm:txPr/>
+    <dgm:style>
+      <a:lnRef idx="2">
+        <a:scrgbClr r="0" g="0" b="0"/>
+      </a:lnRef>
+      <a:fillRef idx="1">
+        <a:scrgbClr r="0" g="0" b="0"/>
+      </a:fillRef>
+      <a:effectRef idx="0">
+        <a:scrgbClr r="0" g="0" b="0"/>
+      </a:effectRef>
+      <a:fontRef idx="minor"/>
+    </dgm:style>
+  </dgm:styleLbl>
+  <dgm:styleLbl name="asst0">
+    <dgm:scene3d>
+      <a:camera prst="orthographicFront"/>
+      <a:lightRig rig="threePt" dir="t"/>
+    </dgm:scene3d>
+    <dgm:sp3d/>
+    <dgm:txPr/>
+    <dgm:style>
+      <a:lnRef idx="2">
+        <a:scrgbClr r="0" g="0" b="0"/>
+      </a:lnRef>
+      <a:fillRef idx="1">
+        <a:scrgbClr r="0" g="0" b="0"/>
+      </a:fillRef>
+      <a:effectRef idx="0">
+        <a:scrgbClr r="0" g="0" b="0"/>
+      </a:effectRef>
+      <a:fontRef idx="minor">
+        <a:schemeClr val="lt1"/>
+      </a:fontRef>
+    </dgm:style>
+  </dgm:styleLbl>
+  <dgm:styleLbl name="asst1">
+    <dgm:scene3d>
+      <a:camera prst="orthographicFront"/>
+      <a:lightRig rig="threePt" dir="t"/>
+    </dgm:scene3d>
+    <dgm:sp3d/>
+    <dgm:txPr/>
+    <dgm:style>
+      <a:lnRef idx="2">
+        <a:scrgbClr r="0" g="0" b="0"/>
+      </a:lnRef>
+      <a:fillRef idx="1">
+        <a:scrgbClr r="0" g="0" b="0"/>
+      </a:fillRef>
+      <a:effectRef idx="0">
+        <a:scrgbClr r="0" g="0" b="0"/>
+      </a:effectRef>
+      <a:fontRef idx="minor">
+        <a:schemeClr val="lt1"/>
+      </a:fontRef>
+    </dgm:style>
+  </dgm:styleLbl>
+  <dgm:styleLbl name="asst2">
+    <dgm:scene3d>
+      <a:camera prst="orthographicFront"/>
+      <a:lightRig rig="threePt" dir="t"/>
+    </dgm:scene3d>
+    <dgm:sp3d/>
+    <dgm:txPr/>
+    <dgm:style>
+      <a:lnRef idx="2">
+        <a:scrgbClr r="0" g="0" b="0"/>
+      </a:lnRef>
+      <a:fillRef idx="1">
+        <a:scrgbClr r="0" g="0" b="0"/>
+      </a:fillRef>
+      <a:effectRef idx="0">
+        <a:scrgbClr r="0" g="0" b="0"/>
+      </a:effectRef>
+      <a:fontRef idx="minor">
+        <a:schemeClr val="lt1"/>
+      </a:fontRef>
+    </dgm:style>
+  </dgm:styleLbl>
+  <dgm:styleLbl name="asst3">
+    <dgm:scene3d>
+      <a:camera prst="orthographicFront"/>
+      <a:lightRig rig="threePt" dir="t"/>
+    </dgm:scene3d>
+    <dgm:sp3d/>
+    <dgm:txPr/>
+    <dgm:style>
+      <a:lnRef idx="2">
+        <a:scrgbClr r="0" g="0" b="0"/>
+      </a:lnRef>
+      <a:fillRef idx="1">
+        <a:scrgbClr r="0" g="0" b="0"/>
+      </a:fillRef>
+      <a:effectRef idx="0">
+        <a:scrgbClr r="0" g="0" b="0"/>
+      </a:effectRef>
+      <a:fontRef idx="minor">
+        <a:schemeClr val="lt1"/>
+      </a:fontRef>
+    </dgm:style>
+  </dgm:styleLbl>
+  <dgm:styleLbl name="asst4">
+    <dgm:scene3d>
+      <a:camera prst="orthographicFront"/>
+      <a:lightRig rig="threePt" dir="t"/>
+    </dgm:scene3d>
+    <dgm:sp3d/>
+    <dgm:txPr/>
+    <dgm:style>
+      <a:lnRef idx="2">
+        <a:scrgbClr r="0" g="0" b="0"/>
+      </a:lnRef>
+      <a:fillRef idx="1">
+        <a:scrgbClr r="0" g="0" b="0"/>
+      </a:fillRef>
+      <a:effectRef idx="0">
+        <a:scrgbClr r="0" g="0" b="0"/>
+      </a:effectRef>
+      <a:fontRef idx="minor">
+        <a:schemeClr val="lt1"/>
+      </a:fontRef>
+    </dgm:style>
+  </dgm:styleLbl>
+  <dgm:styleLbl name="parChTrans2D1">
+    <dgm:scene3d>
+      <a:camera prst="orthographicFront"/>
+      <a:lightRig rig="threePt" dir="t"/>
+    </dgm:scene3d>
+    <dgm:sp3d/>
+    <dgm:txPr/>
+    <dgm:style>
+      <a:lnRef idx="2">
+        <a:scrgbClr r="0" g="0" b="0"/>
+      </a:lnRef>
+      <a:fillRef idx="1">
+        <a:scrgbClr r="0" g="0" b="0"/>
+      </a:fillRef>
+      <a:effectRef idx="0">
+        <a:scrgbClr r="0" g="0" b="0"/>
+      </a:effectRef>
+      <a:fontRef idx="minor">
+        <a:schemeClr val="lt1"/>
+      </a:fontRef>
+    </dgm:style>
+  </dgm:styleLbl>
+  <dgm:styleLbl name="parChTrans2D2">
+    <dgm:scene3d>
+      <a:camera prst="orthographicFront"/>
+      <a:lightRig rig="threePt" dir="t"/>
+    </dgm:scene3d>
+    <dgm:sp3d/>
+    <dgm:txPr/>
+    <dgm:style>
+      <a:lnRef idx="2">
+        <a:scrgbClr r="0" g="0" b="0"/>
+      </a:lnRef>
+      <a:fillRef idx="1">
+        <a:scrgbClr r="0" g="0" b="0"/>
+      </a:fillRef>
+      <a:effectRef idx="0">
+        <a:scrgbClr r="0" g="0" b="0"/>
+      </a:effectRef>
+      <a:fontRef idx="minor">
+        <a:schemeClr val="lt1"/>
+      </a:fontRef>
+    </dgm:style>
+  </dgm:styleLbl>
+  <dgm:styleLbl name="parChTrans2D3">
+    <dgm:scene3d>
+      <a:camera prst="orthographicFront"/>
+      <a:lightRig rig="threePt" dir="t"/>
+    </dgm:scene3d>
+    <dgm:sp3d/>
+    <dgm:txPr/>
+    <dgm:style>
+      <a:lnRef idx="2">
+        <a:scrgbClr r="0" g="0" b="0"/>
+      </a:lnRef>
+      <a:fillRef idx="1">
+        <a:scrgbClr r="0" g="0" b="0"/>
+      </a:fillRef>
+      <a:effectRef idx="0">
+        <a:scrgbClr r="0" g="0" b="0"/>
+      </a:effectRef>
+      <a:fontRef idx="minor">
+        <a:schemeClr val="lt1"/>
+      </a:fontRef>
+    </dgm:style>
+  </dgm:styleLbl>
+  <dgm:styleLbl name="parChTrans2D4">
+    <dgm:scene3d>
+      <a:camera prst="orthographicFront"/>
+      <a:lightRig rig="threePt" dir="t"/>
+    </dgm:scene3d>
+    <dgm:sp3d/>
+    <dgm:txPr/>
+    <dgm:style>
+      <a:lnRef idx="2">
+        <a:scrgbClr r="0" g="0" b="0"/>
+      </a:lnRef>
+      <a:fillRef idx="1">
+        <a:scrgbClr r="0" g="0" b="0"/>
+      </a:fillRef>
+      <a:effectRef idx="0">
+        <a:scrgbClr r="0" g="0" b="0"/>
+      </a:effectRef>
+      <a:fontRef idx="minor">
+        <a:schemeClr val="lt1"/>
+      </a:fontRef>
+    </dgm:style>
+  </dgm:styleLbl>
+  <dgm:styleLbl name="parChTrans1D1">
+    <dgm:scene3d>
+      <a:camera prst="orthographicFront"/>
+      <a:lightRig rig="threePt" dir="t"/>
+    </dgm:scene3d>
+    <dgm:sp3d/>
+    <dgm:txPr/>
+    <dgm:style>
+      <a:lnRef idx="2">
+        <a:scrgbClr r="0" g="0" b="0"/>
+      </a:lnRef>
+      <a:fillRef idx="0">
+        <a:scrgbClr r="0" g="0" b="0"/>
+      </a:fillRef>
+      <a:effectRef idx="0">
+        <a:scrgbClr r="0" g="0" b="0"/>
+      </a:effectRef>
+      <a:fontRef idx="minor"/>
+    </dgm:style>
+  </dgm:styleLbl>
+  <dgm:styleLbl name="parChTrans1D2">
+    <dgm:scene3d>
+      <a:camera prst="orthographicFront"/>
+      <a:lightRig rig="threePt" dir="t"/>
+    </dgm:scene3d>
+    <dgm:sp3d/>
+    <dgm:txPr/>
+    <dgm:style>
+      <a:lnRef idx="2">
+        <a:scrgbClr r="0" g="0" b="0"/>
+      </a:lnRef>
+      <a:fillRef idx="0">
+        <a:scrgbClr r="0" g="0" b="0"/>
+      </a:fillRef>
+      <a:effectRef idx="0">
+        <a:scrgbClr r="0" g="0" b="0"/>
+      </a:effectRef>
+      <a:fontRef idx="minor"/>
+    </dgm:style>
+  </dgm:styleLbl>
+  <dgm:styleLbl name="parChTrans1D3">
+    <dgm:scene3d>
+      <a:camera prst="orthographicFront"/>
+      <a:lightRig rig="threePt" dir="t"/>
+    </dgm:scene3d>
+    <dgm:sp3d/>
+    <dgm:txPr/>
+    <dgm:style>
+      <a:lnRef idx="2">
+        <a:scrgbClr r="0" g="0" b="0"/>
+      </a:lnRef>
+      <a:fillRef idx="0">
+        <a:scrgbClr r="0" g="0" b="0"/>
+      </a:fillRef>
+      <a:effectRef idx="0">
+        <a:scrgbClr r="0" g="0" b="0"/>
+      </a:effectRef>
+      <a:fontRef idx="minor"/>
+    </dgm:style>
+  </dgm:styleLbl>
+  <dgm:styleLbl name="parChTrans1D4">
+    <dgm:scene3d>
+      <a:camera prst="orthographicFront"/>
+      <a:lightRig rig="threePt" dir="t"/>
+    </dgm:scene3d>
+    <dgm:sp3d/>
+    <dgm:txPr/>
+    <dgm:style>
+      <a:lnRef idx="2">
+        <a:scrgbClr r="0" g="0" b="0"/>
+      </a:lnRef>
+      <a:fillRef idx="0">
+        <a:scrgbClr r="0" g="0" b="0"/>
+      </a:fillRef>
+      <a:effectRef idx="0">
+        <a:scrgbClr r="0" g="0" b="0"/>
+      </a:effectRef>
+      <a:fontRef idx="minor"/>
+    </dgm:style>
+  </dgm:styleLbl>
+  <dgm:styleLbl name="fgAcc1">
+    <dgm:scene3d>
+      <a:camera prst="orthographicFront"/>
+      <a:lightRig rig="threePt" dir="t"/>
+    </dgm:scene3d>
+    <dgm:sp3d/>
+    <dgm:txPr/>
+    <dgm:style>
+      <a:lnRef idx="2">
+        <a:scrgbClr r="0" g="0" b="0"/>
+      </a:lnRef>
+      <a:fillRef idx="1">
+        <a:scrgbClr r="0" g="0" b="0"/>
+      </a:fillRef>
+      <a:effectRef idx="0">
+        <a:scrgbClr r="0" g="0" b="0"/>
+      </a:effectRef>
+      <a:fontRef idx="minor"/>
+    </dgm:style>
+  </dgm:styleLbl>
+  <dgm:styleLbl name="conFgAcc1">
+    <dgm:scene3d>
+      <a:camera prst="orthographicFront"/>
+      <a:lightRig rig="threePt" dir="t"/>
+    </dgm:scene3d>
+    <dgm:sp3d/>
+    <dgm:txPr/>
+    <dgm:style>
+      <a:lnRef idx="2">
+        <a:scrgbClr r="0" g="0" b="0"/>
+      </a:lnRef>
+      <a:fillRef idx="1">
+        <a:scrgbClr r="0" g="0" b="0"/>
+      </a:fillRef>
+      <a:effectRef idx="0">
+        <a:scrgbClr r="0" g="0" b="0"/>
+      </a:effectRef>
+      <a:fontRef idx="minor"/>
+    </dgm:style>
+  </dgm:styleLbl>
+  <dgm:styleLbl name="alignAcc1">
+    <dgm:scene3d>
+      <a:camera prst="orthographicFront"/>
+      <a:lightRig rig="threePt" dir="t"/>
+    </dgm:scene3d>
+    <dgm:sp3d/>
+    <dgm:txPr/>
+    <dgm:style>
+      <a:lnRef idx="2">
+        <a:scrgbClr r="0" g="0" b="0"/>
+      </a:lnRef>
+      <a:fillRef idx="1">
+        <a:scrgbClr r="0" g="0" b="0"/>
+      </a:fillRef>
+      <a:effectRef idx="0">
+        <a:scrgbClr r="0" g="0" b="0"/>
+      </a:effectRef>
+      <a:fontRef idx="minor"/>
+    </dgm:style>
+  </dgm:styleLbl>
+  <dgm:styleLbl name="trAlignAcc1">
+    <dgm:scene3d>
+      <a:camera prst="orthographicFront"/>
+      <a:lightRig rig="threePt" dir="t"/>
+    </dgm:scene3d>
+    <dgm:sp3d/>
+    <dgm:txPr/>
+    <dgm:style>
+      <a:lnRef idx="1">
+        <a:scrgbClr r="0" g="0" b="0"/>
+      </a:lnRef>
+      <a:fillRef idx="1">
+        <a:scrgbClr r="0" g="0" b="0"/>
+      </a:fillRef>
+      <a:effectRef idx="0">
+        <a:scrgbClr r="0" g="0" b="0"/>
+      </a:effectRef>
+      <a:fontRef idx="minor"/>
+    </dgm:style>
+  </dgm:styleLbl>
+  <dgm:styleLbl name="bgAcc1">
+    <dgm:scene3d>
+      <a:camera prst="orthographicFront"/>
+      <a:lightRig rig="threePt" dir="t"/>
+    </dgm:scene3d>
+    <dgm:sp3d/>
+    <dgm:txPr/>
+    <dgm:style>
+      <a:lnRef idx="2">
+        <a:scrgbClr r="0" g="0" b="0"/>
+      </a:lnRef>
+      <a:fillRef idx="1">
+        <a:scrgbClr r="0" g="0" b="0"/>
+      </a:fillRef>
+      <a:effectRef idx="0">
+        <a:scrgbClr r="0" g="0" b="0"/>
+      </a:effectRef>
+      <a:fontRef idx="minor"/>
+    </dgm:style>
+  </dgm:styleLbl>
+  <dgm:styleLbl name="solidFgAcc1">
+    <dgm:scene3d>
+      <a:camera prst="orthographicFront"/>
+      <a:lightRig rig="threePt" dir="t"/>
+    </dgm:scene3d>
+    <dgm:sp3d/>
+    <dgm:txPr/>
+    <dgm:style>
+      <a:lnRef idx="2">
+        <a:scrgbClr r="0" g="0" b="0"/>
+      </a:lnRef>
+      <a:fillRef idx="1">
+        <a:scrgbClr r="0" g="0" b="0"/>
+      </a:fillRef>
+      <a:effectRef idx="0">
+        <a:scrgbClr r="0" g="0" b="0"/>
+      </a:effectRef>
+      <a:fontRef idx="minor"/>
+    </dgm:style>
+  </dgm:styleLbl>
+  <dgm:styleLbl name="solidAlignAcc1">
+    <dgm:scene3d>
+      <a:camera prst="orthographicFront"/>
+      <a:lightRig rig="threePt" dir="t"/>
+    </dgm:scene3d>
+    <dgm:sp3d/>
+    <dgm:txPr/>
+    <dgm:style>
+      <a:lnRef idx="2">
+        <a:scrgbClr r="0" g="0" b="0"/>
+      </a:lnRef>
+      <a:fillRef idx="1">
+        <a:scrgbClr r="0" g="0" b="0"/>
+      </a:fillRef>
+      <a:effectRef idx="0">
+        <a:scrgbClr r="0" g="0" b="0"/>
+      </a:effectRef>
+      <a:fontRef idx="minor"/>
+    </dgm:style>
+  </dgm:styleLbl>
+  <dgm:styleLbl name="solidBgAcc1">
+    <dgm:scene3d>
+      <a:camera prst="orthographicFront"/>
+      <a:lightRig rig="threePt" dir="t"/>
+    </dgm:scene3d>
+    <dgm:sp3d/>
+    <dgm:txPr/>
+    <dgm:style>
+      <a:lnRef idx="2">
+        <a:scrgbClr r="0" g="0" b="0"/>
+      </a:lnRef>
+      <a:fillRef idx="1">
+        <a:scrgbClr r="0" g="0" b="0"/>
+      </a:fillRef>
+      <a:effectRef idx="0">
+        <a:scrgbClr r="0" g="0" b="0"/>
+      </a:effectRef>
+      <a:fontRef idx="minor"/>
+    </dgm:style>
+  </dgm:styleLbl>
+  <dgm:styleLbl name="fgAccFollowNode1">
+    <dgm:scene3d>
+      <a:camera prst="orthographicFront"/>
+      <a:lightRig rig="threePt" dir="t"/>
+    </dgm:scene3d>
+    <dgm:sp3d/>
+    <dgm:txPr/>
+    <dgm:style>
+      <a:lnRef idx="2">
+        <a:scrgbClr r="0" g="0" b="0"/>
+      </a:lnRef>
+      <a:fillRef idx="1">
+        <a:scrgbClr r="0" g="0" b="0"/>
+      </a:fillRef>
+      <a:effectRef idx="0">
+        <a:scrgbClr r="0" g="0" b="0"/>
+      </a:effectRef>
+      <a:fontRef idx="minor"/>
+    </dgm:style>
+  </dgm:styleLbl>
+  <dgm:styleLbl name="alignAccFollowNode1">
+    <dgm:scene3d>
+      <a:camera prst="orthographicFront"/>
+      <a:lightRig rig="threePt" dir="t"/>
+    </dgm:scene3d>
+    <dgm:sp3d/>
+    <dgm:txPr/>
+    <dgm:style>
+      <a:lnRef idx="2">
+        <a:scrgbClr r="0" g="0" b="0"/>
+      </a:lnRef>
+      <a:fillRef idx="1">
+        <a:scrgbClr r="0" g="0" b="0"/>
+      </a:fillRef>
+      <a:effectRef idx="0">
+        <a:scrgbClr r="0" g="0" b="0"/>
+      </a:effectRef>
+      <a:fontRef idx="minor"/>
+    </dgm:style>
+  </dgm:styleLbl>
+  <dgm:styleLbl name="bgAccFollowNode1">
+    <dgm:scene3d>
+      <a:camera prst="orthographicFront"/>
+      <a:lightRig rig="threePt" dir="t"/>
+    </dgm:scene3d>
+    <dgm:sp3d/>
+    <dgm:txPr/>
+    <dgm:style>
+      <a:lnRef idx="2">
+        <a:scrgbClr r="0" g="0" b="0"/>
+      </a:lnRef>
+      <a:fillRef idx="1">
+        <a:scrgbClr r="0" g="0" b="0"/>
+      </a:fillRef>
+      <a:effectRef idx="0">
+        <a:scrgbClr r="0" g="0" b="0"/>
+      </a:effectRef>
+      <a:fontRef idx="minor"/>
+    </dgm:style>
+  </dgm:styleLbl>
+  <dgm:styleLbl name="fgAcc0">
+    <dgm:scene3d>
+      <a:camera prst="orthographicFront"/>
+      <a:lightRig rig="threePt" dir="t"/>
+    </dgm:scene3d>
+    <dgm:sp3d/>
+    <dgm:txPr/>
+    <dgm:style>
+      <a:lnRef idx="2">
+        <a:scrgbClr r="0" g="0" b="0"/>
+      </a:lnRef>
+      <a:fillRef idx="1">
+        <a:scrgbClr r="0" g="0" b="0"/>
+      </a:fillRef>
+      <a:effectRef idx="0">
+        <a:scrgbClr r="0" g="0" b="0"/>
+      </a:effectRef>
+      <a:fontRef idx="minor"/>
+    </dgm:style>
+  </dgm:styleLbl>
+  <dgm:styleLbl name="fgAcc2">
+    <dgm:scene3d>
+      <a:camera prst="orthographicFront"/>
+      <a:lightRig rig="threePt" dir="t"/>
+    </dgm:scene3d>
+    <dgm:sp3d/>
+    <dgm:txPr/>
+    <dgm:style>
+      <a:lnRef idx="2">
+        <a:scrgbClr r="0" g="0" b="0"/>
+      </a:lnRef>
+      <a:fillRef idx="1">
+        <a:scrgbClr r="0" g="0" b="0"/>
+      </a:fillRef>
+      <a:effectRef idx="0">
+        <a:scrgbClr r="0" g="0" b="0"/>
+      </a:effectRef>
+      <a:fontRef idx="minor"/>
+    </dgm:style>
+  </dgm:styleLbl>
+  <dgm:styleLbl name="fgAcc3">
+    <dgm:scene3d>
+      <a:camera prst="orthographicFront"/>
+      <a:lightRig rig="threePt" dir="t"/>
+    </dgm:scene3d>
+    <dgm:sp3d/>
+    <dgm:txPr/>
+    <dgm:style>
+      <a:lnRef idx="2">
+        <a:scrgbClr r="0" g="0" b="0"/>
+      </a:lnRef>
+      <a:fillRef idx="1">
+        <a:scrgbClr r="0" g="0" b="0"/>
+      </a:fillRef>
+      <a:effectRef idx="0">
+        <a:scrgbClr r="0" g="0" b="0"/>
+      </a:effectRef>
+      <a:fontRef idx="minor"/>
+    </dgm:style>
+  </dgm:styleLbl>
+  <dgm:styleLbl name="fgAcc4">
+    <dgm:scene3d>
+      <a:camera prst="orthographicFront"/>
+      <a:lightRig rig="threePt" dir="t"/>
+    </dgm:scene3d>
+    <dgm:sp3d/>
+    <dgm:txPr/>
+    <dgm:style>
+      <a:lnRef idx="2">
+        <a:scrgbClr r="0" g="0" b="0"/>
+      </a:lnRef>
+      <a:fillRef idx="1">
+        <a:scrgbClr r="0" g="0" b="0"/>
+      </a:fillRef>
+      <a:effectRef idx="0">
+        <a:scrgbClr r="0" g="0" b="0"/>
+      </a:effectRef>
+      <a:fontRef idx="minor"/>
+    </dgm:style>
+  </dgm:styleLbl>
+  <dgm:styleLbl name="bgShp">
+    <dgm:scene3d>
+      <a:camera prst="orthographicFront"/>
+      <a:lightRig rig="threePt" dir="t"/>
+    </dgm:scene3d>
+    <dgm:sp3d/>
+    <dgm:txPr/>
+    <dgm:style>
+      <a:lnRef idx="0">
+        <a:scrgbClr r="0" g="0" b="0"/>
+      </a:lnRef>
+      <a:fillRef idx="1">
+        <a:scrgbClr r="0" g="0" b="0"/>
+      </a:fillRef>
+      <a:effectRef idx="0">
+        <a:scrgbClr r="0" g="0" b="0"/>
+      </a:effectRef>
+      <a:fontRef idx="minor"/>
+    </dgm:style>
+  </dgm:styleLbl>
+  <dgm:styleLbl name="dkBgShp">
+    <dgm:scene3d>
+      <a:camera prst="orthographicFront"/>
+      <a:lightRig rig="threePt" dir="t"/>
+    </dgm:scene3d>
+    <dgm:sp3d/>
+    <dgm:txPr/>
+    <dgm:style>
+      <a:lnRef idx="0">
+        <a:scrgbClr r="0" g="0" b="0"/>
+      </a:lnRef>
+      <a:fillRef idx="1">
+        <a:scrgbClr r="0" g="0" b="0"/>
+      </a:fillRef>
+      <a:effectRef idx="0">
+        <a:scrgbClr r="0" g="0" b="0"/>
+      </a:effectRef>
+      <a:fontRef idx="minor"/>
+    </dgm:style>
+  </dgm:styleLbl>
+  <dgm:styleLbl name="trBgShp">
+    <dgm:scene3d>
+      <a:camera prst="orthographicFront"/>
+      <a:lightRig rig="threePt" dir="t"/>
+    </dgm:scene3d>
+    <dgm:sp3d/>
+    <dgm:txPr/>
+    <dgm:style>
+      <a:lnRef idx="0">
+        <a:scrgbClr r="0" g="0" b="0"/>
+      </a:lnRef>
+      <a:fillRef idx="1">
+        <a:scrgbClr r="0" g="0" b="0"/>
+      </a:fillRef>
+      <a:effectRef idx="0">
+        <a:scrgbClr r="0" g="0" b="0"/>
+      </a:effectRef>
+      <a:fontRef idx="minor"/>
+    </dgm:style>
+  </dgm:styleLbl>
+  <dgm:styleLbl name="fgShp">
+    <dgm:scene3d>
+      <a:camera prst="orthographicFront"/>
+      <a:lightRig rig="threePt" dir="t"/>
+    </dgm:scene3d>
+    <dgm:sp3d/>
+    <dgm:txPr/>
+    <dgm:style>
+      <a:lnRef idx="2">
+        <a:scrgbClr r="0" g="0" b="0"/>
+      </a:lnRef>
+      <a:fillRef idx="1">
+        <a:scrgbClr r="0" g="0" b="0"/>
+      </a:fillRef>
+      <a:effectRef idx="0">
+        <a:scrgbClr r="0" g="0" b="0"/>
+      </a:effectRef>
+      <a:fontRef idx="minor"/>
+    </dgm:style>
+  </dgm:styleLbl>
+  <dgm:styleLbl name="revTx">
+    <dgm:scene3d>
+      <a:camera prst="orthographicFront"/>
+      <a:lightRig rig="threePt" dir="t"/>
+    </dgm:scene3d>
+    <dgm:sp3d/>
+    <dgm:txPr/>
+    <dgm:style>
+      <a:lnRef idx="0">
+        <a:scrgbClr r="0" g="0" b="0"/>
+      </a:lnRef>
+      <a:fillRef idx="0">
+        <a:scrgbClr r="0" g="0" b="0"/>
+      </a:fillRef>
+      <a:effectRef idx="0">
+        <a:scrgbClr r="0" g="0" b="0"/>
+      </a:effectRef>
+      <a:fontRef idx="minor"/>
+    </dgm:style>
+  </dgm:styleLbl>
+</dgm:styleDef>
+</file>
+
+<file path=ppt/diagrams/quickStyle2.xml><?xml version="1.0" encoding="utf-8"?>
+<dgm:styleDef xmlns:dgm="http://schemas.openxmlformats.org/drawingml/2006/diagram" xmlns:a="http://schemas.openxmlformats.org/drawingml/2006/main" uniqueId="urn:microsoft.com/office/officeart/2005/8/quickstyle/simple1">
+  <dgm:title val=""/>
+  <dgm:desc val=""/>
+  <dgm:catLst>
+    <dgm:cat type="simple" pri="10100"/>
+  </dgm:catLst>
+  <dgm:scene3d>
+    <a:camera prst="orthographicFront"/>
+    <a:lightRig rig="threePt" dir="t"/>
+  </dgm:scene3d>
+  <dgm:styleLbl name="node0">
+    <dgm:scene3d>
+      <a:camera prst="orthographicFront"/>
+      <a:lightRig rig="threePt" dir="t"/>
+    </dgm:scene3d>
+    <dgm:sp3d/>
+    <dgm:txPr/>
+    <dgm:style>
+      <a:lnRef idx="2">
+        <a:scrgbClr r="0" g="0" b="0"/>
+      </a:lnRef>
+      <a:fillRef idx="1">
+        <a:scrgbClr r="0" g="0" b="0"/>
+      </a:fillRef>
+      <a:effectRef idx="0">
+        <a:scrgbClr r="0" g="0" b="0"/>
+      </a:effectRef>
+      <a:fontRef idx="minor">
+        <a:schemeClr val="lt1"/>
+      </a:fontRef>
+    </dgm:style>
+  </dgm:styleLbl>
+  <dgm:styleLbl name="lnNode1">
+    <dgm:scene3d>
+      <a:camera prst="orthographicFront"/>
+      <a:lightRig rig="threePt" dir="t"/>
+    </dgm:scene3d>
+    <dgm:sp3d/>
+    <dgm:txPr/>
+    <dgm:style>
+      <a:lnRef idx="2">
+        <a:scrgbClr r="0" g="0" b="0"/>
+      </a:lnRef>
+      <a:fillRef idx="1">
+        <a:scrgbClr r="0" g="0" b="0"/>
+      </a:fillRef>
+      <a:effectRef idx="0">
+        <a:scrgbClr r="0" g="0" b="0"/>
+      </a:effectRef>
+      <a:fontRef idx="minor">
+        <a:schemeClr val="lt1"/>
+      </a:fontRef>
+    </dgm:style>
+  </dgm:styleLbl>
+  <dgm:styleLbl name="vennNode1">
+    <dgm:scene3d>
+      <a:camera prst="orthographicFront"/>
+      <a:lightRig rig="threePt" dir="t"/>
+    </dgm:scene3d>
+    <dgm:sp3d/>
+    <dgm:txPr/>
+    <dgm:style>
+      <a:lnRef idx="2">
+        <a:scrgbClr r="0" g="0" b="0"/>
+      </a:lnRef>
+      <a:fillRef idx="1">
+        <a:scrgbClr r="0" g="0" b="0"/>
+      </a:fillRef>
+      <a:effectRef idx="0">
+        <a:scrgbClr r="0" g="0" b="0"/>
+      </a:effectRef>
+      <a:fontRef idx="minor">
+        <a:schemeClr val="tx1"/>
+      </a:fontRef>
+    </dgm:style>
+  </dgm:styleLbl>
+  <dgm:styleLbl name="alignNode1">
+    <dgm:scene3d>
+      <a:camera prst="orthographicFront"/>
+      <a:lightRig rig="threePt" dir="t"/>
+    </dgm:scene3d>
+    <dgm:sp3d/>
+    <dgm:txPr/>
+    <dgm:style>
+      <a:lnRef idx="2">
+        <a:scrgbClr r="0" g="0" b="0"/>
+      </a:lnRef>
+      <a:fillRef idx="1">
+        <a:scrgbClr r="0" g="0" b="0"/>
+      </a:fillRef>
+      <a:effectRef idx="0">
+        <a:scrgbClr r="0" g="0" b="0"/>
+      </a:effectRef>
+      <a:fontRef idx="minor">
+        <a:schemeClr val="lt1"/>
+      </a:fontRef>
+    </dgm:style>
+  </dgm:styleLbl>
+  <dgm:styleLbl name="node1">
+    <dgm:scene3d>
+      <a:camera prst="orthographicFront"/>
+      <a:lightRig rig="threePt" dir="t"/>
+    </dgm:scene3d>
+    <dgm:sp3d/>
+    <dgm:txPr/>
+    <dgm:style>
+      <a:lnRef idx="2">
+        <a:scrgbClr r="0" g="0" b="0"/>
+      </a:lnRef>
+      <a:fillRef idx="1">
+        <a:scrgbClr r="0" g="0" b="0"/>
+      </a:fillRef>
+      <a:effectRef idx="0">
+        <a:scrgbClr r="0" g="0" b="0"/>
+      </a:effectRef>
+      <a:fontRef idx="minor">
+        <a:schemeClr val="lt1"/>
+      </a:fontRef>
+    </dgm:style>
+  </dgm:styleLbl>
+  <dgm:styleLbl name="node2">
+    <dgm:scene3d>
+      <a:camera prst="orthographicFront"/>
+      <a:lightRig rig="threePt" dir="t"/>
+    </dgm:scene3d>
+    <dgm:sp3d/>
+    <dgm:txPr/>
+    <dgm:style>
+      <a:lnRef idx="2">
+        <a:scrgbClr r="0" g="0" b="0"/>
+      </a:lnRef>
+      <a:fillRef idx="1">
+        <a:scrgbClr r="0" g="0" b="0"/>
+      </a:fillRef>
+      <a:effectRef idx="0">
+        <a:scrgbClr r="0" g="0" b="0"/>
+      </a:effectRef>
+      <a:fontRef idx="minor">
+        <a:schemeClr val="lt1"/>
+      </a:fontRef>
+    </dgm:style>
+  </dgm:styleLbl>
+  <dgm:styleLbl name="node3">
+    <dgm:scene3d>
+      <a:camera prst="orthographicFront"/>
+      <a:lightRig rig="threePt" dir="t"/>
+    </dgm:scene3d>
+    <dgm:sp3d/>
+    <dgm:txPr/>
+    <dgm:style>
+      <a:lnRef idx="2">
+        <a:scrgbClr r="0" g="0" b="0"/>
+      </a:lnRef>
+      <a:fillRef idx="1">
+        <a:scrgbClr r="0" g="0" b="0"/>
+      </a:fillRef>
+      <a:effectRef idx="0">
+        <a:scrgbClr r="0" g="0" b="0"/>
+      </a:effectRef>
+      <a:fontRef idx="minor">
+        <a:schemeClr val="lt1"/>
+      </a:fontRef>
+    </dgm:style>
+  </dgm:styleLbl>
+  <dgm:styleLbl name="node4">
+    <dgm:scene3d>
+      <a:camera prst="orthographicFront"/>
+      <a:lightRig rig="threePt" dir="t"/>
+    </dgm:scene3d>
+    <dgm:sp3d/>
+    <dgm:txPr/>
+    <dgm:style>
+      <a:lnRef idx="2">
+        <a:scrgbClr r="0" g="0" b="0"/>
+      </a:lnRef>
+      <a:fillRef idx="1">
+        <a:scrgbClr r="0" g="0" b="0"/>
+      </a:fillRef>
+      <a:effectRef idx="0">
+        <a:scrgbClr r="0" g="0" b="0"/>
+      </a:effectRef>
+      <a:fontRef idx="minor">
+        <a:schemeClr val="lt1"/>
+      </a:fontRef>
+    </dgm:style>
+  </dgm:styleLbl>
+  <dgm:styleLbl name="fgImgPlace1">
+    <dgm:scene3d>
+      <a:camera prst="orthographicFront"/>
+      <a:lightRig rig="threePt" dir="t"/>
+    </dgm:scene3d>
+    <dgm:sp3d/>
+    <dgm:txPr/>
+    <dgm:style>
+      <a:lnRef idx="2">
+        <a:scrgbClr r="0" g="0" b="0"/>
+      </a:lnRef>
+      <a:fillRef idx="1">
+        <a:scrgbClr r="0" g="0" b="0"/>
+      </a:fillRef>
+      <a:effectRef idx="0">
+        <a:scrgbClr r="0" g="0" b="0"/>
+      </a:effectRef>
+      <a:fontRef idx="minor"/>
+    </dgm:style>
+  </dgm:styleLbl>
+  <dgm:styleLbl name="alignImgPlace1">
+    <dgm:scene3d>
+      <a:camera prst="orthographicFront"/>
+      <a:lightRig rig="threePt" dir="t"/>
+    </dgm:scene3d>
+    <dgm:sp3d/>
+    <dgm:txPr/>
+    <dgm:style>
+      <a:lnRef idx="2">
+        <a:scrgbClr r="0" g="0" b="0"/>
+      </a:lnRef>
+      <a:fillRef idx="1">
+        <a:scrgbClr r="0" g="0" b="0"/>
+      </a:fillRef>
+      <a:effectRef idx="0">
+        <a:scrgbClr r="0" g="0" b="0"/>
+      </a:effectRef>
+      <a:fontRef idx="minor"/>
+    </dgm:style>
+  </dgm:styleLbl>
+  <dgm:styleLbl name="bgImgPlace1">
+    <dgm:scene3d>
+      <a:camera prst="orthographicFront"/>
+      <a:lightRig rig="threePt" dir="t"/>
+    </dgm:scene3d>
+    <dgm:sp3d/>
+    <dgm:txPr/>
+    <dgm:style>
+      <a:lnRef idx="2">
+        <a:scrgbClr r="0" g="0" b="0"/>
+      </a:lnRef>
+      <a:fillRef idx="1">
+        <a:scrgbClr r="0" g="0" b="0"/>
+      </a:fillRef>
+      <a:effectRef idx="0">
+        <a:scrgbClr r="0" g="0" b="0"/>
+      </a:effectRef>
+      <a:fontRef idx="minor"/>
+    </dgm:style>
+  </dgm:styleLbl>
+  <dgm:styleLbl name="sibTrans2D1">
+    <dgm:scene3d>
+      <a:camera prst="orthographicFront"/>
+      <a:lightRig rig="threePt" dir="t"/>
+    </dgm:scene3d>
+    <dgm:sp3d/>
+    <dgm:txPr/>
+    <dgm:style>
+      <a:lnRef idx="0">
+        <a:scrgbClr r="0" g="0" b="0"/>
+      </a:lnRef>
+      <a:fillRef idx="1">
+        <a:scrgbClr r="0" g="0" b="0"/>
+      </a:fillRef>
+      <a:effectRef idx="0">
+        <a:scrgbClr r="0" g="0" b="0"/>
+      </a:effectRef>
+      <a:fontRef idx="minor">
+        <a:schemeClr val="lt1"/>
+      </a:fontRef>
+    </dgm:style>
+  </dgm:styleLbl>
+  <dgm:styleLbl name="fgSibTrans2D1">
+    <dgm:scene3d>
+      <a:camera prst="orthographicFront"/>
+      <a:lightRig rig="threePt" dir="t"/>
+    </dgm:scene3d>
+    <dgm:sp3d/>
+    <dgm:txPr/>
+    <dgm:style>
+      <a:lnRef idx="0">
+        <a:scrgbClr r="0" g="0" b="0"/>
+      </a:lnRef>
+      <a:fillRef idx="1">
+        <a:scrgbClr r="0" g="0" b="0"/>
+      </a:fillRef>
+      <a:effectRef idx="0">
+        <a:scrgbClr r="0" g="0" b="0"/>
+      </a:effectRef>
+      <a:fontRef idx="minor">
+        <a:schemeClr val="lt1"/>
+      </a:fontRef>
+    </dgm:style>
+  </dgm:styleLbl>
+  <dgm:styleLbl name="bgSibTrans2D1">
+    <dgm:scene3d>
+      <a:camera prst="orthographicFront"/>
+      <a:lightRig rig="threePt" dir="t"/>
+    </dgm:scene3d>
+    <dgm:sp3d/>
+    <dgm:txPr/>
+    <dgm:style>
+      <a:lnRef idx="0">
+        <a:scrgbClr r="0" g="0" b="0"/>
+      </a:lnRef>
+      <a:fillRef idx="1">
+        <a:scrgbClr r="0" g="0" b="0"/>
+      </a:fillRef>
+      <a:effectRef idx="0">
+        <a:scrgbClr r="0" g="0" b="0"/>
+      </a:effectRef>
+      <a:fontRef idx="minor">
+        <a:schemeClr val="lt1"/>
+      </a:fontRef>
+    </dgm:style>
+  </dgm:styleLbl>
+  <dgm:styleLbl name="sibTrans1D1">
+    <dgm:scene3d>
+      <a:camera prst="orthographicFront"/>
+      <a:lightRig rig="threePt" dir="t"/>
+    </dgm:scene3d>
+    <dgm:sp3d/>
+    <dgm:txPr/>
+    <dgm:style>
+      <a:lnRef idx="1">
+        <a:scrgbClr r="0" g="0" b="0"/>
+      </a:lnRef>
+      <a:fillRef idx="0">
+        <a:scrgbClr r="0" g="0" b="0"/>
+      </a:fillRef>
+      <a:effectRef idx="0">
+        <a:scrgbClr r="0" g="0" b="0"/>
+      </a:effectRef>
+      <a:fontRef idx="minor"/>
+    </dgm:style>
+  </dgm:styleLbl>
+  <dgm:styleLbl name="callout">
+    <dgm:scene3d>
+      <a:camera prst="orthographicFront"/>
+      <a:lightRig rig="threePt" dir="t"/>
+    </dgm:scene3d>
+    <dgm:sp3d/>
+    <dgm:txPr/>
+    <dgm:style>
+      <a:lnRef idx="2">
+        <a:scrgbClr r="0" g="0" b="0"/>
+      </a:lnRef>
+      <a:fillRef idx="1">
+        <a:scrgbClr r="0" g="0" b="0"/>
+      </a:fillRef>
+      <a:effectRef idx="0">
+        <a:scrgbClr r="0" g="0" b="0"/>
+      </a:effectRef>
+      <a:fontRef idx="minor"/>
+    </dgm:style>
+  </dgm:styleLbl>
+  <dgm:styleLbl name="asst0">
+    <dgm:scene3d>
+      <a:camera prst="orthographicFront"/>
+      <a:lightRig rig="threePt" dir="t"/>
+    </dgm:scene3d>
+    <dgm:sp3d/>
+    <dgm:txPr/>
+    <dgm:style>
+      <a:lnRef idx="2">
+        <a:scrgbClr r="0" g="0" b="0"/>
+      </a:lnRef>
+      <a:fillRef idx="1">
+        <a:scrgbClr r="0" g="0" b="0"/>
+      </a:fillRef>
+      <a:effectRef idx="0">
+        <a:scrgbClr r="0" g="0" b="0"/>
+      </a:effectRef>
+      <a:fontRef idx="minor">
+        <a:schemeClr val="lt1"/>
+      </a:fontRef>
+    </dgm:style>
+  </dgm:styleLbl>
+  <dgm:styleLbl name="asst1">
+    <dgm:scene3d>
+      <a:camera prst="orthographicFront"/>
+      <a:lightRig rig="threePt" dir="t"/>
+    </dgm:scene3d>
+    <dgm:sp3d/>
+    <dgm:txPr/>
+    <dgm:style>
+      <a:lnRef idx="2">
+        <a:scrgbClr r="0" g="0" b="0"/>
+      </a:lnRef>
+      <a:fillRef idx="1">
+        <a:scrgbClr r="0" g="0" b="0"/>
+      </a:fillRef>
+      <a:effectRef idx="0">
+        <a:scrgbClr r="0" g="0" b="0"/>
+      </a:effectRef>
+      <a:fontRef idx="minor">
+        <a:schemeClr val="lt1"/>
+      </a:fontRef>
+    </dgm:style>
+  </dgm:styleLbl>
+  <dgm:styleLbl name="asst2">
+    <dgm:scene3d>
+      <a:camera prst="orthographicFront"/>
+      <a:lightRig rig="threePt" dir="t"/>
+    </dgm:scene3d>
+    <dgm:sp3d/>
+    <dgm:txPr/>
+    <dgm:style>
+      <a:lnRef idx="2">
+        <a:scrgbClr r="0" g="0" b="0"/>
+      </a:lnRef>
+      <a:fillRef idx="1">
+        <a:scrgbClr r="0" g="0" b="0"/>
+      </a:fillRef>
+      <a:effectRef idx="0">
+        <a:scrgbClr r="0" g="0" b="0"/>
+      </a:effectRef>
+      <a:fontRef idx="minor">
+        <a:schemeClr val="lt1"/>
+      </a:fontRef>
+    </dgm:style>
+  </dgm:styleLbl>
+  <dgm:styleLbl name="asst3">
+    <dgm:scene3d>
+      <a:camera prst="orthographicFront"/>
+      <a:lightRig rig="threePt" dir="t"/>
+    </dgm:scene3d>
+    <dgm:sp3d/>
+    <dgm:txPr/>
+    <dgm:style>
+      <a:lnRef idx="2">
+        <a:scrgbClr r="0" g="0" b="0"/>
+      </a:lnRef>
+      <a:fillRef idx="1">
+        <a:scrgbClr r="0" g="0" b="0"/>
+      </a:fillRef>
+      <a:effectRef idx="0">
+        <a:scrgbClr r="0" g="0" b="0"/>
+      </a:effectRef>
+      <a:fontRef idx="minor">
+        <a:schemeClr val="lt1"/>
+      </a:fontRef>
+    </dgm:style>
+  </dgm:styleLbl>
+  <dgm:styleLbl name="asst4">
+    <dgm:scene3d>
+      <a:camera prst="orthographicFront"/>
+      <a:lightRig rig="threePt" dir="t"/>
+    </dgm:scene3d>
+    <dgm:sp3d/>
+    <dgm:txPr/>
+    <dgm:style>
+      <a:lnRef idx="2">
+        <a:scrgbClr r="0" g="0" b="0"/>
+      </a:lnRef>
+      <a:fillRef idx="1">
+        <a:scrgbClr r="0" g="0" b="0"/>
+      </a:fillRef>
+      <a:effectRef idx="0">
+        <a:scrgbClr r="0" g="0" b="0"/>
+      </a:effectRef>
+      <a:fontRef idx="minor">
+        <a:schemeClr val="lt1"/>
+      </a:fontRef>
+    </dgm:style>
+  </dgm:styleLbl>
+  <dgm:styleLbl name="parChTrans2D1">
+    <dgm:scene3d>
+      <a:camera prst="orthographicFront"/>
+      <a:lightRig rig="threePt" dir="t"/>
+    </dgm:scene3d>
+    <dgm:sp3d/>
+    <dgm:txPr/>
+    <dgm:style>
+      <a:lnRef idx="2">
+        <a:scrgbClr r="0" g="0" b="0"/>
+      </a:lnRef>
+      <a:fillRef idx="1">
+        <a:scrgbClr r="0" g="0" b="0"/>
+      </a:fillRef>
+      <a:effectRef idx="0">
+        <a:scrgbClr r="0" g="0" b="0"/>
+      </a:effectRef>
+      <a:fontRef idx="minor">
+        <a:schemeClr val="lt1"/>
+      </a:fontRef>
+    </dgm:style>
+  </dgm:styleLbl>
+  <dgm:styleLbl name="parChTrans2D2">
+    <dgm:scene3d>
+      <a:camera prst="orthographicFront"/>
+      <a:lightRig rig="threePt" dir="t"/>
+    </dgm:scene3d>
+    <dgm:sp3d/>
+    <dgm:txPr/>
+    <dgm:style>
+      <a:lnRef idx="2">
+        <a:scrgbClr r="0" g="0" b="0"/>
+      </a:lnRef>
+      <a:fillRef idx="1">
+        <a:scrgbClr r="0" g="0" b="0"/>
+      </a:fillRef>
+      <a:effectRef idx="0">
+        <a:scrgbClr r="0" g="0" b="0"/>
+      </a:effectRef>
+      <a:fontRef idx="minor">
+        <a:schemeClr val="lt1"/>
+      </a:fontRef>
+    </dgm:style>
+  </dgm:styleLbl>
+  <dgm:styleLbl name="parChTrans2D3">
+    <dgm:scene3d>
+      <a:camera prst="orthographicFront"/>
+      <a:lightRig rig="threePt" dir="t"/>
+    </dgm:scene3d>
+    <dgm:sp3d/>
+    <dgm:txPr/>
+    <dgm:style>
+      <a:lnRef idx="2">
+        <a:scrgbClr r="0" g="0" b="0"/>
+      </a:lnRef>
+      <a:fillRef idx="1">
+        <a:scrgbClr r="0" g="0" b="0"/>
+      </a:fillRef>
+      <a:effectRef idx="0">
+        <a:scrgbClr r="0" g="0" b="0"/>
+      </a:effectRef>
+      <a:fontRef idx="minor">
+        <a:schemeClr val="lt1"/>
+      </a:fontRef>
+    </dgm:style>
+  </dgm:styleLbl>
+  <dgm:styleLbl name="parChTrans2D4">
+    <dgm:scene3d>
+      <a:camera prst="orthographicFront"/>
+      <a:lightRig rig="threePt" dir="t"/>
+    </dgm:scene3d>
+    <dgm:sp3d/>
+    <dgm:txPr/>
+    <dgm:style>
+      <a:lnRef idx="2">
+        <a:scrgbClr r="0" g="0" b="0"/>
+      </a:lnRef>
+      <a:fillRef idx="1">
+        <a:scrgbClr r="0" g="0" b="0"/>
+      </a:fillRef>
+      <a:effectRef idx="0">
+        <a:scrgbClr r="0" g="0" b="0"/>
+      </a:effectRef>
+      <a:fontRef idx="minor">
+        <a:schemeClr val="lt1"/>
+      </a:fontRef>
+    </dgm:style>
+  </dgm:styleLbl>
+  <dgm:styleLbl name="parChTrans1D1">
+    <dgm:scene3d>
+      <a:camera prst="orthographicFront"/>
+      <a:lightRig rig="threePt" dir="t"/>
+    </dgm:scene3d>
+    <dgm:sp3d/>
+    <dgm:txPr/>
+    <dgm:style>
+      <a:lnRef idx="2">
+        <a:scrgbClr r="0" g="0" b="0"/>
+      </a:lnRef>
+      <a:fillRef idx="0">
+        <a:scrgbClr r="0" g="0" b="0"/>
+      </a:fillRef>
+      <a:effectRef idx="0">
+        <a:scrgbClr r="0" g="0" b="0"/>
+      </a:effectRef>
+      <a:fontRef idx="minor"/>
+    </dgm:style>
+  </dgm:styleLbl>
+  <dgm:styleLbl name="parChTrans1D2">
+    <dgm:scene3d>
+      <a:camera prst="orthographicFront"/>
+      <a:lightRig rig="threePt" dir="t"/>
+    </dgm:scene3d>
+    <dgm:sp3d/>
+    <dgm:txPr/>
+    <dgm:style>
+      <a:lnRef idx="2">
+        <a:scrgbClr r="0" g="0" b="0"/>
+      </a:lnRef>
+      <a:fillRef idx="0">
+        <a:scrgbClr r="0" g="0" b="0"/>
+      </a:fillRef>
+      <a:effectRef idx="0">
+        <a:scrgbClr r="0" g="0" b="0"/>
+      </a:effectRef>
+      <a:fontRef idx="minor"/>
+    </dgm:style>
+  </dgm:styleLbl>
+  <dgm:styleLbl name="parChTrans1D3">
+    <dgm:scene3d>
+      <a:camera prst="orthographicFront"/>
+      <a:lightRig rig="threePt" dir="t"/>
+    </dgm:scene3d>
+    <dgm:sp3d/>
+    <dgm:txPr/>
+    <dgm:style>
+      <a:lnRef idx="2">
+        <a:scrgbClr r="0" g="0" b="0"/>
+      </a:lnRef>
+      <a:fillRef idx="0">
+        <a:scrgbClr r="0" g="0" b="0"/>
+      </a:fillRef>
+      <a:effectRef idx="0">
+        <a:scrgbClr r="0" g="0" b="0"/>
+      </a:effectRef>
+      <a:fontRef idx="minor"/>
+    </dgm:style>
+  </dgm:styleLbl>
+  <dgm:styleLbl name="parChTrans1D4">
+    <dgm:scene3d>
+      <a:camera prst="orthographicFront"/>
+      <a:lightRig rig="threePt" dir="t"/>
+    </dgm:scene3d>
+    <dgm:sp3d/>
+    <dgm:txPr/>
+    <dgm:style>
+      <a:lnRef idx="2">
+        <a:scrgbClr r="0" g="0" b="0"/>
+      </a:lnRef>
+      <a:fillRef idx="0">
+        <a:scrgbClr r="0" g="0" b="0"/>
+      </a:fillRef>
+      <a:effectRef idx="0">
+        <a:scrgbClr r="0" g="0" b="0"/>
+      </a:effectRef>
+      <a:fontRef idx="minor"/>
+    </dgm:style>
+  </dgm:styleLbl>
+  <dgm:styleLbl name="fgAcc1">
+    <dgm:scene3d>
+      <a:camera prst="orthographicFront"/>
+      <a:lightRig rig="threePt" dir="t"/>
+    </dgm:scene3d>
+    <dgm:sp3d/>
+    <dgm:txPr/>
+    <dgm:style>
+      <a:lnRef idx="2">
+        <a:scrgbClr r="0" g="0" b="0"/>
+      </a:lnRef>
+      <a:fillRef idx="1">
+        <a:scrgbClr r="0" g="0" b="0"/>
+      </a:fillRef>
+      <a:effectRef idx="0">
+        <a:scrgbClr r="0" g="0" b="0"/>
+      </a:effectRef>
+      <a:fontRef idx="minor"/>
+    </dgm:style>
+  </dgm:styleLbl>
+  <dgm:styleLbl name="conFgAcc1">
+    <dgm:scene3d>
+      <a:camera prst="orthographicFront"/>
+      <a:lightRig rig="threePt" dir="t"/>
+    </dgm:scene3d>
+    <dgm:sp3d/>
+    <dgm:txPr/>
+    <dgm:style>
+      <a:lnRef idx="2">
+        <a:scrgbClr r="0" g="0" b="0"/>
+      </a:lnRef>
+      <a:fillRef idx="1">
+        <a:scrgbClr r="0" g="0" b="0"/>
+      </a:fillRef>
+      <a:effectRef idx="0">
+        <a:scrgbClr r="0" g="0" b="0"/>
+      </a:effectRef>
+      <a:fontRef idx="minor"/>
+    </dgm:style>
+  </dgm:styleLbl>
+  <dgm:styleLbl name="alignAcc1">
+    <dgm:scene3d>
+      <a:camera prst="orthographicFront"/>
+      <a:lightRig rig="threePt" dir="t"/>
+    </dgm:scene3d>
+    <dgm:sp3d/>
+    <dgm:txPr/>
+    <dgm:style>
+      <a:lnRef idx="2">
+        <a:scrgbClr r="0" g="0" b="0"/>
+      </a:lnRef>
+      <a:fillRef idx="1">
+        <a:scrgbClr r="0" g="0" b="0"/>
+      </a:fillRef>
+      <a:effectRef idx="0">
+        <a:scrgbClr r="0" g="0" b="0"/>
+      </a:effectRef>
+      <a:fontRef idx="minor"/>
+    </dgm:style>
+  </dgm:styleLbl>
+  <dgm:styleLbl name="trAlignAcc1">
+    <dgm:scene3d>
+      <a:camera prst="orthographicFront"/>
+      <a:lightRig rig="threePt" dir="t"/>
+    </dgm:scene3d>
+    <dgm:sp3d/>
+    <dgm:txPr/>
+    <dgm:style>
+      <a:lnRef idx="1">
+        <a:scrgbClr r="0" g="0" b="0"/>
+      </a:lnRef>
+      <a:fillRef idx="1">
+        <a:scrgbClr r="0" g="0" b="0"/>
+      </a:fillRef>
+      <a:effectRef idx="0">
+        <a:scrgbClr r="0" g="0" b="0"/>
+      </a:effectRef>
+      <a:fontRef idx="minor"/>
+    </dgm:style>
+  </dgm:styleLbl>
+  <dgm:styleLbl name="bgAcc1">
+    <dgm:scene3d>
+      <a:camera prst="orthographicFront"/>
+      <a:lightRig rig="threePt" dir="t"/>
+    </dgm:scene3d>
+    <dgm:sp3d/>
+    <dgm:txPr/>
+    <dgm:style>
+      <a:lnRef idx="2">
+        <a:scrgbClr r="0" g="0" b="0"/>
+      </a:lnRef>
+      <a:fillRef idx="1">
+        <a:scrgbClr r="0" g="0" b="0"/>
+      </a:fillRef>
+      <a:effectRef idx="0">
+        <a:scrgbClr r="0" g="0" b="0"/>
+      </a:effectRef>
+      <a:fontRef idx="minor"/>
+    </dgm:style>
+  </dgm:styleLbl>
+  <dgm:styleLbl name="solidFgAcc1">
+    <dgm:scene3d>
+      <a:camera prst="orthographicFront"/>
+      <a:lightRig rig="threePt" dir="t"/>
+    </dgm:scene3d>
+    <dgm:sp3d/>
+    <dgm:txPr/>
+    <dgm:style>
+      <a:lnRef idx="2">
+        <a:scrgbClr r="0" g="0" b="0"/>
+      </a:lnRef>
+      <a:fillRef idx="1">
+        <a:scrgbClr r="0" g="0" b="0"/>
+      </a:fillRef>
+      <a:effectRef idx="0">
+        <a:scrgbClr r="0" g="0" b="0"/>
+      </a:effectRef>
+      <a:fontRef idx="minor"/>
+    </dgm:style>
+  </dgm:styleLbl>
+  <dgm:styleLbl name="solidAlignAcc1">
+    <dgm:scene3d>
+      <a:camera prst="orthographicFront"/>
+      <a:lightRig rig="threePt" dir="t"/>
+    </dgm:scene3d>
+    <dgm:sp3d/>
+    <dgm:txPr/>
+    <dgm:style>
+      <a:lnRef idx="2">
+        <a:scrgbClr r="0" g="0" b="0"/>
+      </a:lnRef>
+      <a:fillRef idx="1">
+        <a:scrgbClr r="0" g="0" b="0"/>
+      </a:fillRef>
+      <a:effectRef idx="0">
+        <a:scrgbClr r="0" g="0" b="0"/>
+      </a:effectRef>
+      <a:fontRef idx="minor"/>
+    </dgm:style>
+  </dgm:styleLbl>
+  <dgm:styleLbl name="solidBgAcc1">
+    <dgm:scene3d>
+      <a:camera prst="orthographicFront"/>
+      <a:lightRig rig="threePt" dir="t"/>
+    </dgm:scene3d>
+    <dgm:sp3d/>
+    <dgm:txPr/>
+    <dgm:style>
+      <a:lnRef idx="2">
+        <a:scrgbClr r="0" g="0" b="0"/>
+      </a:lnRef>
+      <a:fillRef idx="1">
+        <a:scrgbClr r="0" g="0" b="0"/>
+      </a:fillRef>
+      <a:effectRef idx="0">
+        <a:scrgbClr r="0" g="0" b="0"/>
+      </a:effectRef>
+      <a:fontRef idx="minor"/>
+    </dgm:style>
+  </dgm:styleLbl>
+  <dgm:styleLbl name="fgAccFollowNode1">
+    <dgm:scene3d>
+      <a:camera prst="orthographicFront"/>
+      <a:lightRig rig="threePt" dir="t"/>
+    </dgm:scene3d>
+    <dgm:sp3d/>
+    <dgm:txPr/>
+    <dgm:style>
+      <a:lnRef idx="2">
+        <a:scrgbClr r="0" g="0" b="0"/>
+      </a:lnRef>
+      <a:fillRef idx="1">
+        <a:scrgbClr r="0" g="0" b="0"/>
+      </a:fillRef>
+      <a:effectRef idx="0">
+        <a:scrgbClr r="0" g="0" b="0"/>
+      </a:effectRef>
+      <a:fontRef idx="minor"/>
+    </dgm:style>
+  </dgm:styleLbl>
+  <dgm:styleLbl name="alignAccFollowNode1">
+    <dgm:scene3d>
+      <a:camera prst="orthographicFront"/>
+      <a:lightRig rig="threePt" dir="t"/>
+    </dgm:scene3d>
+    <dgm:sp3d/>
+    <dgm:txPr/>
+    <dgm:style>
+      <a:lnRef idx="2">
+        <a:scrgbClr r="0" g="0" b="0"/>
+      </a:lnRef>
+      <a:fillRef idx="1">
+        <a:scrgbClr r="0" g="0" b="0"/>
+      </a:fillRef>
+      <a:effectRef idx="0">
+        <a:scrgbClr r="0" g="0" b="0"/>
+      </a:effectRef>
+      <a:fontRef idx="minor"/>
+    </dgm:style>
+  </dgm:styleLbl>
+  <dgm:styleLbl name="bgAccFollowNode1">
+    <dgm:scene3d>
+      <a:camera prst="orthographicFront"/>
+      <a:lightRig rig="threePt" dir="t"/>
+    </dgm:scene3d>
+    <dgm:sp3d/>
+    <dgm:txPr/>
+    <dgm:style>
+      <a:lnRef idx="2">
+        <a:scrgbClr r="0" g="0" b="0"/>
+      </a:lnRef>
+      <a:fillRef idx="1">
+        <a:scrgbClr r="0" g="0" b="0"/>
+      </a:fillRef>
+      <a:effectRef idx="0">
+        <a:scrgbClr r="0" g="0" b="0"/>
+      </a:effectRef>
+      <a:fontRef idx="minor"/>
+    </dgm:style>
+  </dgm:styleLbl>
+  <dgm:styleLbl name="fgAcc0">
+    <dgm:scene3d>
+      <a:camera prst="orthographicFront"/>
+      <a:lightRig rig="threePt" dir="t"/>
+    </dgm:scene3d>
+    <dgm:sp3d/>
+    <dgm:txPr/>
+    <dgm:style>
+      <a:lnRef idx="2">
+        <a:scrgbClr r="0" g="0" b="0"/>
+      </a:lnRef>
+      <a:fillRef idx="1">
+        <a:scrgbClr r="0" g="0" b="0"/>
+      </a:fillRef>
+      <a:effectRef idx="0">
+        <a:scrgbClr r="0" g="0" b="0"/>
+      </a:effectRef>
+      <a:fontRef idx="minor"/>
+    </dgm:style>
+  </dgm:styleLbl>
+  <dgm:styleLbl name="fgAcc2">
+    <dgm:scene3d>
+      <a:camera prst="orthographicFront"/>
+      <a:lightRig rig="threePt" dir="t"/>
+    </dgm:scene3d>
+    <dgm:sp3d/>
+    <dgm:txPr/>
+    <dgm:style>
+      <a:lnRef idx="2">
+        <a:scrgbClr r="0" g="0" b="0"/>
+      </a:lnRef>
+      <a:fillRef idx="1">
+        <a:scrgbClr r="0" g="0" b="0"/>
+      </a:fillRef>
+      <a:effectRef idx="0">
+        <a:scrgbClr r="0" g="0" b="0"/>
+      </a:effectRef>
+      <a:fontRef idx="minor"/>
+    </dgm:style>
+  </dgm:styleLbl>
+  <dgm:styleLbl name="fgAcc3">
+    <dgm:scene3d>
+      <a:camera prst="orthographicFront"/>
+      <a:lightRig rig="threePt" dir="t"/>
+    </dgm:scene3d>
+    <dgm:sp3d/>
+    <dgm:txPr/>
+    <dgm:style>
+      <a:lnRef idx="2">
+        <a:scrgbClr r="0" g="0" b="0"/>
+      </a:lnRef>
+      <a:fillRef idx="1">
+        <a:scrgbClr r="0" g="0" b="0"/>
+      </a:fillRef>
+      <a:effectRef idx="0">
+        <a:scrgbClr r="0" g="0" b="0"/>
+      </a:effectRef>
+      <a:fontRef idx="minor"/>
+    </dgm:style>
+  </dgm:styleLbl>
+  <dgm:styleLbl name="fgAcc4">
+    <dgm:scene3d>
+      <a:camera prst="orthographicFront"/>
+      <a:lightRig rig="threePt" dir="t"/>
+    </dgm:scene3d>
+    <dgm:sp3d/>
+    <dgm:txPr/>
+    <dgm:style>
+      <a:lnRef idx="2">
+        <a:scrgbClr r="0" g="0" b="0"/>
+      </a:lnRef>
+      <a:fillRef idx="1">
+        <a:scrgbClr r="0" g="0" b="0"/>
+      </a:fillRef>
+      <a:effectRef idx="0">
+        <a:scrgbClr r="0" g="0" b="0"/>
+      </a:effectRef>
+      <a:fontRef idx="minor"/>
+    </dgm:style>
+  </dgm:styleLbl>
+  <dgm:styleLbl name="bgShp">
+    <dgm:scene3d>
+      <a:camera prst="orthographicFront"/>
+      <a:lightRig rig="threePt" dir="t"/>
+    </dgm:scene3d>
+    <dgm:sp3d/>
+    <dgm:txPr/>
+    <dgm:style>
+      <a:lnRef idx="0">
+        <a:scrgbClr r="0" g="0" b="0"/>
+      </a:lnRef>
+      <a:fillRef idx="1">
+        <a:scrgbClr r="0" g="0" b="0"/>
+      </a:fillRef>
+      <a:effectRef idx="0">
+        <a:scrgbClr r="0" g="0" b="0"/>
+      </a:effectRef>
+      <a:fontRef idx="minor"/>
+    </dgm:style>
+  </dgm:styleLbl>
+  <dgm:styleLbl name="dkBgShp">
+    <dgm:scene3d>
+      <a:camera prst="orthographicFront"/>
+      <a:lightRig rig="threePt" dir="t"/>
+    </dgm:scene3d>
+    <dgm:sp3d/>
+    <dgm:txPr/>
+    <dgm:style>
+      <a:lnRef idx="0">
+        <a:scrgbClr r="0" g="0" b="0"/>
+      </a:lnRef>
+      <a:fillRef idx="1">
+        <a:scrgbClr r="0" g="0" b="0"/>
+      </a:fillRef>
+      <a:effectRef idx="0">
+        <a:scrgbClr r="0" g="0" b="0"/>
+      </a:effectRef>
+      <a:fontRef idx="minor"/>
+    </dgm:style>
+  </dgm:styleLbl>
+  <dgm:styleLbl name="trBgShp">
+    <dgm:scene3d>
+      <a:camera prst="orthographicFront"/>
+      <a:lightRig rig="threePt" dir="t"/>
+    </dgm:scene3d>
+    <dgm:sp3d/>
+    <dgm:txPr/>
+    <dgm:style>
+      <a:lnRef idx="0">
+        <a:scrgbClr r="0" g="0" b="0"/>
+      </a:lnRef>
+      <a:fillRef idx="1">
+        <a:scrgbClr r="0" g="0" b="0"/>
+      </a:fillRef>
+      <a:effectRef idx="0">
+        <a:scrgbClr r="0" g="0" b="0"/>
+      </a:effectRef>
+      <a:fontRef idx="minor"/>
+    </dgm:style>
+  </dgm:styleLbl>
+  <dgm:styleLbl name="fgShp">
+    <dgm:scene3d>
+      <a:camera prst="orthographicFront"/>
+      <a:lightRig rig="threePt" dir="t"/>
+    </dgm:scene3d>
+    <dgm:sp3d/>
+    <dgm:txPr/>
+    <dgm:style>
+      <a:lnRef idx="2">
+        <a:scrgbClr r="0" g="0" b="0"/>
+      </a:lnRef>
+      <a:fillRef idx="1">
+        <a:scrgbClr r="0" g="0" b="0"/>
+      </a:fillRef>
+      <a:effectRef idx="0">
+        <a:scrgbClr r="0" g="0" b="0"/>
+      </a:effectRef>
+      <a:fontRef idx="minor"/>
+    </dgm:style>
+  </dgm:styleLbl>
+  <dgm:styleLbl name="revTx">
+    <dgm:scene3d>
+      <a:camera prst="orthographicFront"/>
+      <a:lightRig rig="threePt" dir="t"/>
+    </dgm:scene3d>
+    <dgm:sp3d/>
+    <dgm:txPr/>
+    <dgm:style>
+      <a:lnRef idx="0">
+        <a:scrgbClr r="0" g="0" b="0"/>
+      </a:lnRef>
+      <a:fillRef idx="0">
+        <a:scrgbClr r="0" g="0" b="0"/>
+      </a:fillRef>
+      <a:effectRef idx="0">
+        <a:scrgbClr r="0" g="0" b="0"/>
+      </a:effectRef>
+      <a:fontRef idx="minor"/>
+    </dgm:style>
+  </dgm:styleLbl>
+</dgm:styleDef>
 </file>
 
 <file path=ppt/slideLayouts/slideLayout1.xml><?xml version="1.0" encoding="utf-8"?>
@@ -3332,6 +10798,14 @@
 <file path=ppt/slides/slide1.xml><?xml version="1.0" encoding="utf-8"?>
 <p:sld xmlns:a="http://schemas.openxmlformats.org/drawingml/2006/main" xmlns:r="http://schemas.openxmlformats.org/officeDocument/2006/relationships" xmlns:p="http://schemas.openxmlformats.org/presentationml/2006/main">
   <p:cSld>
+    <p:bg>
+      <p:bgPr>
+        <a:solidFill>
+          <a:schemeClr val="bg1"/>
+        </a:solidFill>
+        <a:effectLst/>
+      </p:bgPr>
+    </p:bg>
     <p:spTree>
       <p:nvGrpSpPr>
         <p:cNvPr id="1" name=""/>
@@ -3346,6 +10820,457 @@
           <a:chExt cx="0" cy="0"/>
         </a:xfrm>
       </p:grpSpPr>
+      <p:sp useBgFill="1">
+        <p:nvSpPr>
+          <p:cNvPr id="32" name="Rectangle 19">
+            <a:extLst>
+              <a:ext uri="{FF2B5EF4-FFF2-40B4-BE49-F238E27FC236}">
+                <a16:creationId xmlns:a16="http://schemas.microsoft.com/office/drawing/2014/main" id="{FFD48BC7-DC40-47DE-87EE-9F4B6ECB9ABB}"/>
+              </a:ext>
+              <a:ext uri="{C183D7F6-B498-43B3-948B-1728B52AA6E4}">
+                <adec:decorative xmlns:adec="http://schemas.microsoft.com/office/drawing/2017/decorative" val="1"/>
+              </a:ext>
+            </a:extLst>
+          </p:cNvPr>
+          <p:cNvSpPr>
+            <a:spLocks noGrp="1" noRot="1" noChangeAspect="1" noMove="1" noResize="1" noEditPoints="1" noAdjustHandles="1" noChangeArrowheads="1" noChangeShapeType="1" noTextEdit="1"/>
+          </p:cNvSpPr>
+          <p:nvPr>
+            <p:extLst>
+              <p:ext uri="{386F3935-93C4-4BCD-93E2-E3B085C9AB24}">
+                <p16:designElem xmlns:p16="http://schemas.microsoft.com/office/powerpoint/2015/main" val="1"/>
+              </p:ext>
+            </p:extLst>
+          </p:nvPr>
+        </p:nvSpPr>
+        <p:spPr>
+          <a:xfrm>
+            <a:off x="0" y="0"/>
+            <a:ext cx="12192000" cy="6858000"/>
+          </a:xfrm>
+          <a:prstGeom prst="rect">
+            <a:avLst/>
+          </a:prstGeom>
+          <a:ln>
+            <a:noFill/>
+          </a:ln>
+        </p:spPr>
+        <p:style>
+          <a:lnRef idx="2">
+            <a:schemeClr val="accent1">
+              <a:shade val="50000"/>
+            </a:schemeClr>
+          </a:lnRef>
+          <a:fillRef idx="1">
+            <a:schemeClr val="accent1"/>
+          </a:fillRef>
+          <a:effectRef idx="0">
+            <a:schemeClr val="accent1"/>
+          </a:effectRef>
+          <a:fontRef idx="minor">
+            <a:schemeClr val="lt1"/>
+          </a:fontRef>
+        </p:style>
+        <p:txBody>
+          <a:bodyPr rtlCol="0" anchor="ctr"/>
+          <a:lstStyle/>
+          <a:p>
+            <a:pPr algn="ctr"/>
+            <a:endParaRPr lang="en-US"/>
+          </a:p>
+        </p:txBody>
+      </p:sp>
+      <p:sp useBgFill="1">
+        <p:nvSpPr>
+          <p:cNvPr id="33" name="Freeform: Shape 21">
+            <a:extLst>
+              <a:ext uri="{FF2B5EF4-FFF2-40B4-BE49-F238E27FC236}">
+                <a16:creationId xmlns:a16="http://schemas.microsoft.com/office/drawing/2014/main" id="{E502BBC7-2C76-46F3-BC24-5985BC13DB88}"/>
+              </a:ext>
+              <a:ext uri="{C183D7F6-B498-43B3-948B-1728B52AA6E4}">
+                <adec:decorative xmlns:adec="http://schemas.microsoft.com/office/drawing/2017/decorative" val="1"/>
+              </a:ext>
+            </a:extLst>
+          </p:cNvPr>
+          <p:cNvSpPr>
+            <a:spLocks noGrp="1" noRot="1" noChangeAspect="1" noMove="1" noResize="1" noEditPoints="1" noAdjustHandles="1" noChangeArrowheads="1" noChangeShapeType="1" noTextEdit="1"/>
+          </p:cNvSpPr>
+          <p:nvPr>
+            <p:extLst>
+              <p:ext uri="{386F3935-93C4-4BCD-93E2-E3B085C9AB24}">
+                <p16:designElem xmlns:p16="http://schemas.microsoft.com/office/powerpoint/2015/main" val="1"/>
+              </p:ext>
+            </p:extLst>
+          </p:nvPr>
+        </p:nvSpPr>
+        <p:spPr>
+          <a:xfrm>
+            <a:off x="1114425" y="0"/>
+            <a:ext cx="9963150" cy="6858000"/>
+          </a:xfrm>
+          <a:custGeom>
+            <a:avLst/>
+            <a:gdLst>
+              <a:gd name="connsiteX0" fmla="*/ 1595771 w 9963150"/>
+              <a:gd name="connsiteY0" fmla="*/ 0 h 6858000"/>
+              <a:gd name="connsiteX1" fmla="*/ 8367379 w 9963150"/>
+              <a:gd name="connsiteY1" fmla="*/ 0 h 6858000"/>
+              <a:gd name="connsiteX2" fmla="*/ 8504080 w 9963150"/>
+              <a:gd name="connsiteY2" fmla="*/ 130333 h 6858000"/>
+              <a:gd name="connsiteX3" fmla="*/ 9963150 w 9963150"/>
+              <a:gd name="connsiteY3" fmla="*/ 3652838 h 6858000"/>
+              <a:gd name="connsiteX4" fmla="*/ 8825600 w 9963150"/>
+              <a:gd name="connsiteY4" fmla="*/ 6821583 h 6858000"/>
+              <a:gd name="connsiteX5" fmla="*/ 8794055 w 9963150"/>
+              <a:gd name="connsiteY5" fmla="*/ 6858000 h 6858000"/>
+              <a:gd name="connsiteX6" fmla="*/ 1169096 w 9963150"/>
+              <a:gd name="connsiteY6" fmla="*/ 6858000 h 6858000"/>
+              <a:gd name="connsiteX7" fmla="*/ 1137550 w 9963150"/>
+              <a:gd name="connsiteY7" fmla="*/ 6821583 h 6858000"/>
+              <a:gd name="connsiteX8" fmla="*/ 0 w 9963150"/>
+              <a:gd name="connsiteY8" fmla="*/ 3652838 h 6858000"/>
+              <a:gd name="connsiteX9" fmla="*/ 1459070 w 9963150"/>
+              <a:gd name="connsiteY9" fmla="*/ 130333 h 6858000"/>
+            </a:gdLst>
+            <a:ahLst/>
+            <a:cxnLst>
+              <a:cxn ang="0">
+                <a:pos x="connsiteX0" y="connsiteY0"/>
+              </a:cxn>
+              <a:cxn ang="0">
+                <a:pos x="connsiteX1" y="connsiteY1"/>
+              </a:cxn>
+              <a:cxn ang="0">
+                <a:pos x="connsiteX2" y="connsiteY2"/>
+              </a:cxn>
+              <a:cxn ang="0">
+                <a:pos x="connsiteX3" y="connsiteY3"/>
+              </a:cxn>
+              <a:cxn ang="0">
+                <a:pos x="connsiteX4" y="connsiteY4"/>
+              </a:cxn>
+              <a:cxn ang="0">
+                <a:pos x="connsiteX5" y="connsiteY5"/>
+              </a:cxn>
+              <a:cxn ang="0">
+                <a:pos x="connsiteX6" y="connsiteY6"/>
+              </a:cxn>
+              <a:cxn ang="0">
+                <a:pos x="connsiteX7" y="connsiteY7"/>
+              </a:cxn>
+              <a:cxn ang="0">
+                <a:pos x="connsiteX8" y="connsiteY8"/>
+              </a:cxn>
+              <a:cxn ang="0">
+                <a:pos x="connsiteX9" y="connsiteY9"/>
+              </a:cxn>
+            </a:cxnLst>
+            <a:rect l="l" t="t" r="r" b="b"/>
+            <a:pathLst>
+              <a:path w="9963150" h="6858000">
+                <a:moveTo>
+                  <a:pt x="1595771" y="0"/>
+                </a:moveTo>
+                <a:lnTo>
+                  <a:pt x="8367379" y="0"/>
+                </a:lnTo>
+                <a:lnTo>
+                  <a:pt x="8504080" y="130333"/>
+                </a:lnTo>
+                <a:cubicBezTo>
+                  <a:pt x="9405568" y="1031820"/>
+                  <a:pt x="9963150" y="2277214"/>
+                  <a:pt x="9963150" y="3652838"/>
+                </a:cubicBezTo>
+                <a:cubicBezTo>
+                  <a:pt x="9963150" y="4856509"/>
+                  <a:pt x="9536251" y="5960473"/>
+                  <a:pt x="8825600" y="6821583"/>
+                </a:cubicBezTo>
+                <a:lnTo>
+                  <a:pt x="8794055" y="6858000"/>
+                </a:lnTo>
+                <a:lnTo>
+                  <a:pt x="1169096" y="6858000"/>
+                </a:lnTo>
+                <a:lnTo>
+                  <a:pt x="1137550" y="6821583"/>
+                </a:lnTo>
+                <a:cubicBezTo>
+                  <a:pt x="426899" y="5960473"/>
+                  <a:pt x="0" y="4856509"/>
+                  <a:pt x="0" y="3652838"/>
+                </a:cubicBezTo>
+                <a:cubicBezTo>
+                  <a:pt x="0" y="2277214"/>
+                  <a:pt x="557582" y="1031820"/>
+                  <a:pt x="1459070" y="130333"/>
+                </a:cubicBezTo>
+                <a:close/>
+              </a:path>
+            </a:pathLst>
+          </a:custGeom>
+          <a:ln w="9525">
+            <a:solidFill>
+              <a:srgbClr val="EFEFEF"/>
+            </a:solidFill>
+          </a:ln>
+          <a:effectLst>
+            <a:outerShdw blurRad="139700" sx="102000" sy="102000" algn="ctr" rotWithShape="0">
+              <a:schemeClr val="bg1">
+                <a:lumMod val="85000"/>
+                <a:alpha val="38000"/>
+              </a:schemeClr>
+            </a:outerShdw>
+          </a:effectLst>
+        </p:spPr>
+        <p:style>
+          <a:lnRef idx="2">
+            <a:schemeClr val="accent1">
+              <a:shade val="50000"/>
+            </a:schemeClr>
+          </a:lnRef>
+          <a:fillRef idx="1">
+            <a:schemeClr val="accent1"/>
+          </a:fillRef>
+          <a:effectRef idx="0">
+            <a:schemeClr val="accent1"/>
+          </a:effectRef>
+          <a:fontRef idx="minor">
+            <a:schemeClr val="lt1"/>
+          </a:fontRef>
+        </p:style>
+        <p:txBody>
+          <a:bodyPr wrap="square" rtlCol="0" anchor="ctr">
+            <a:noAutofit/>
+          </a:bodyPr>
+          <a:lstStyle/>
+          <a:p>
+            <a:pPr marL="0" marR="0" lvl="0" indent="0" algn="ctr" defTabSz="914400" rtl="0" eaLnBrk="1" fontAlgn="auto" latinLnBrk="0" hangingPunct="1">
+              <a:lnSpc>
+                <a:spcPct val="100000"/>
+              </a:lnSpc>
+              <a:spcBef>
+                <a:spcPts val="0"/>
+              </a:spcBef>
+              <a:spcAft>
+                <a:spcPts val="0"/>
+              </a:spcAft>
+              <a:buClrTx/>
+              <a:buSzTx/>
+              <a:buFontTx/>
+              <a:buNone/>
+              <a:tabLst/>
+              <a:defRPr/>
+            </a:pPr>
+            <a:endParaRPr kumimoji="0" lang="en-US" sz="1800" b="0" i="0" u="none" strike="noStrike" kern="1200" cap="none" spc="0" normalizeH="0" baseline="0" noProof="0">
+              <a:ln>
+                <a:noFill/>
+              </a:ln>
+              <a:solidFill>
+                <a:prstClr val="white"/>
+              </a:solidFill>
+              <a:effectLst/>
+              <a:uLnTx/>
+              <a:uFillTx/>
+              <a:latin typeface="Calibri" panose="020F0502020204030204"/>
+              <a:ea typeface="+mn-ea"/>
+              <a:cs typeface="+mn-cs"/>
+            </a:endParaRPr>
+          </a:p>
+        </p:txBody>
+      </p:sp>
+      <p:sp useBgFill="1">
+        <p:nvSpPr>
+          <p:cNvPr id="34" name="Freeform: Shape 23">
+            <a:extLst>
+              <a:ext uri="{FF2B5EF4-FFF2-40B4-BE49-F238E27FC236}">
+                <a16:creationId xmlns:a16="http://schemas.microsoft.com/office/drawing/2014/main" id="{C7F28D52-2A5F-4D23-81AE-7CB8B591C7AF}"/>
+              </a:ext>
+              <a:ext uri="{C183D7F6-B498-43B3-948B-1728B52AA6E4}">
+                <adec:decorative xmlns:adec="http://schemas.microsoft.com/office/drawing/2017/decorative" val="1"/>
+              </a:ext>
+            </a:extLst>
+          </p:cNvPr>
+          <p:cNvSpPr>
+            <a:spLocks noGrp="1" noRot="1" noChangeAspect="1" noMove="1" noResize="1" noEditPoints="1" noAdjustHandles="1" noChangeArrowheads="1" noChangeShapeType="1" noTextEdit="1"/>
+          </p:cNvSpPr>
+          <p:nvPr>
+            <p:extLst>
+              <p:ext uri="{386F3935-93C4-4BCD-93E2-E3B085C9AB24}">
+                <p16:designElem xmlns:p16="http://schemas.microsoft.com/office/powerpoint/2015/main" val="1"/>
+              </p:ext>
+            </p:extLst>
+          </p:nvPr>
+        </p:nvSpPr>
+        <p:spPr>
+          <a:xfrm>
+            <a:off x="1121664" y="0"/>
+            <a:ext cx="9948672" cy="6858000"/>
+          </a:xfrm>
+          <a:custGeom>
+            <a:avLst/>
+            <a:gdLst>
+              <a:gd name="connsiteX0" fmla="*/ 1595771 w 9963150"/>
+              <a:gd name="connsiteY0" fmla="*/ 0 h 6858000"/>
+              <a:gd name="connsiteX1" fmla="*/ 8367379 w 9963150"/>
+              <a:gd name="connsiteY1" fmla="*/ 0 h 6858000"/>
+              <a:gd name="connsiteX2" fmla="*/ 8504080 w 9963150"/>
+              <a:gd name="connsiteY2" fmla="*/ 130333 h 6858000"/>
+              <a:gd name="connsiteX3" fmla="*/ 9963150 w 9963150"/>
+              <a:gd name="connsiteY3" fmla="*/ 3652838 h 6858000"/>
+              <a:gd name="connsiteX4" fmla="*/ 8825600 w 9963150"/>
+              <a:gd name="connsiteY4" fmla="*/ 6821583 h 6858000"/>
+              <a:gd name="connsiteX5" fmla="*/ 8794055 w 9963150"/>
+              <a:gd name="connsiteY5" fmla="*/ 6858000 h 6858000"/>
+              <a:gd name="connsiteX6" fmla="*/ 1169096 w 9963150"/>
+              <a:gd name="connsiteY6" fmla="*/ 6858000 h 6858000"/>
+              <a:gd name="connsiteX7" fmla="*/ 1137550 w 9963150"/>
+              <a:gd name="connsiteY7" fmla="*/ 6821583 h 6858000"/>
+              <a:gd name="connsiteX8" fmla="*/ 0 w 9963150"/>
+              <a:gd name="connsiteY8" fmla="*/ 3652838 h 6858000"/>
+              <a:gd name="connsiteX9" fmla="*/ 1459070 w 9963150"/>
+              <a:gd name="connsiteY9" fmla="*/ 130333 h 6858000"/>
+            </a:gdLst>
+            <a:ahLst/>
+            <a:cxnLst>
+              <a:cxn ang="0">
+                <a:pos x="connsiteX0" y="connsiteY0"/>
+              </a:cxn>
+              <a:cxn ang="0">
+                <a:pos x="connsiteX1" y="connsiteY1"/>
+              </a:cxn>
+              <a:cxn ang="0">
+                <a:pos x="connsiteX2" y="connsiteY2"/>
+              </a:cxn>
+              <a:cxn ang="0">
+                <a:pos x="connsiteX3" y="connsiteY3"/>
+              </a:cxn>
+              <a:cxn ang="0">
+                <a:pos x="connsiteX4" y="connsiteY4"/>
+              </a:cxn>
+              <a:cxn ang="0">
+                <a:pos x="connsiteX5" y="connsiteY5"/>
+              </a:cxn>
+              <a:cxn ang="0">
+                <a:pos x="connsiteX6" y="connsiteY6"/>
+              </a:cxn>
+              <a:cxn ang="0">
+                <a:pos x="connsiteX7" y="connsiteY7"/>
+              </a:cxn>
+              <a:cxn ang="0">
+                <a:pos x="connsiteX8" y="connsiteY8"/>
+              </a:cxn>
+              <a:cxn ang="0">
+                <a:pos x="connsiteX9" y="connsiteY9"/>
+              </a:cxn>
+            </a:cxnLst>
+            <a:rect l="l" t="t" r="r" b="b"/>
+            <a:pathLst>
+              <a:path w="9963150" h="6858000">
+                <a:moveTo>
+                  <a:pt x="1595771" y="0"/>
+                </a:moveTo>
+                <a:lnTo>
+                  <a:pt x="8367379" y="0"/>
+                </a:lnTo>
+                <a:lnTo>
+                  <a:pt x="8504080" y="130333"/>
+                </a:lnTo>
+                <a:cubicBezTo>
+                  <a:pt x="9405568" y="1031820"/>
+                  <a:pt x="9963150" y="2277214"/>
+                  <a:pt x="9963150" y="3652838"/>
+                </a:cubicBezTo>
+                <a:cubicBezTo>
+                  <a:pt x="9963150" y="4856509"/>
+                  <a:pt x="9536251" y="5960473"/>
+                  <a:pt x="8825600" y="6821583"/>
+                </a:cubicBezTo>
+                <a:lnTo>
+                  <a:pt x="8794055" y="6858000"/>
+                </a:lnTo>
+                <a:lnTo>
+                  <a:pt x="1169096" y="6858000"/>
+                </a:lnTo>
+                <a:lnTo>
+                  <a:pt x="1137550" y="6821583"/>
+                </a:lnTo>
+                <a:cubicBezTo>
+                  <a:pt x="426899" y="5960473"/>
+                  <a:pt x="0" y="4856509"/>
+                  <a:pt x="0" y="3652838"/>
+                </a:cubicBezTo>
+                <a:cubicBezTo>
+                  <a:pt x="0" y="2277214"/>
+                  <a:pt x="557582" y="1031820"/>
+                  <a:pt x="1459070" y="130333"/>
+                </a:cubicBezTo>
+                <a:close/>
+              </a:path>
+            </a:pathLst>
+          </a:custGeom>
+          <a:ln w="9525">
+            <a:noFill/>
+          </a:ln>
+          <a:effectLst/>
+        </p:spPr>
+        <p:style>
+          <a:lnRef idx="2">
+            <a:schemeClr val="accent1">
+              <a:shade val="50000"/>
+            </a:schemeClr>
+          </a:lnRef>
+          <a:fillRef idx="1">
+            <a:schemeClr val="accent1"/>
+          </a:fillRef>
+          <a:effectRef idx="0">
+            <a:schemeClr val="accent1"/>
+          </a:effectRef>
+          <a:fontRef idx="minor">
+            <a:schemeClr val="lt1"/>
+          </a:fontRef>
+        </p:style>
+        <p:txBody>
+          <a:bodyPr wrap="square" rtlCol="0" anchor="ctr">
+            <a:noAutofit/>
+          </a:bodyPr>
+          <a:lstStyle/>
+          <a:p>
+            <a:pPr marL="0" marR="0" lvl="0" indent="0" algn="ctr" defTabSz="914400" rtl="0" eaLnBrk="1" fontAlgn="auto" latinLnBrk="0" hangingPunct="1">
+              <a:lnSpc>
+                <a:spcPct val="100000"/>
+              </a:lnSpc>
+              <a:spcBef>
+                <a:spcPts val="0"/>
+              </a:spcBef>
+              <a:spcAft>
+                <a:spcPts val="0"/>
+              </a:spcAft>
+              <a:buClrTx/>
+              <a:buSzTx/>
+              <a:buFontTx/>
+              <a:buNone/>
+              <a:tabLst/>
+              <a:defRPr/>
+            </a:pPr>
+            <a:endParaRPr kumimoji="0" lang="en-US" sz="1800" b="0" i="0" u="none" strike="noStrike" kern="1200" cap="none" spc="0" normalizeH="0" baseline="0" noProof="0">
+              <a:ln>
+                <a:noFill/>
+              </a:ln>
+              <a:solidFill>
+                <a:prstClr val="white"/>
+              </a:solidFill>
+              <a:effectLst/>
+              <a:uLnTx/>
+              <a:uFillTx/>
+              <a:latin typeface="Calibri" panose="020F0502020204030204"/>
+              <a:ea typeface="+mn-ea"/>
+              <a:cs typeface="+mn-cs"/>
+            </a:endParaRPr>
+          </a:p>
+        </p:txBody>
+      </p:sp>
       <p:sp>
         <p:nvSpPr>
           <p:cNvPr id="2" name="Titel 1">
@@ -3362,14 +11287,21 @@
             <p:ph type="ctrTitle"/>
           </p:nvPr>
         </p:nvSpPr>
-        <p:spPr/>
+        <p:spPr>
+          <a:xfrm>
+            <a:off x="1524003" y="1999615"/>
+            <a:ext cx="9144000" cy="2764028"/>
+          </a:xfrm>
+        </p:spPr>
         <p:txBody>
-          <a:bodyPr/>
+          <a:bodyPr anchor="ctr">
+            <a:normAutofit/>
+          </a:bodyPr>
           <a:lstStyle/>
           <a:p>
             <a:r>
-              <a:rPr lang="de-CH" dirty="0"/>
-              <a:t>News Dashboard</a:t>
+              <a:rPr lang="de-CH" sz="7200"/>
+              <a:t>Medienanalyse-Webanwendung</a:t>
             </a:r>
           </a:p>
         </p:txBody>
@@ -3390,15 +11322,146 @@
             <p:ph type="subTitle" idx="1"/>
           </p:nvPr>
         </p:nvSpPr>
-        <p:spPr/>
+        <p:spPr>
+          <a:xfrm>
+            <a:off x="1966912" y="5645150"/>
+            <a:ext cx="8258176" cy="631825"/>
+          </a:xfrm>
+        </p:spPr>
         <p:txBody>
-          <a:bodyPr/>
+          <a:bodyPr anchor="ctr">
+            <a:normAutofit/>
+          </a:bodyPr>
           <a:lstStyle/>
           <a:p>
-            <a:endParaRPr lang="de-CH" dirty="0"/>
+            <a:r>
+              <a:rPr lang="de-CH" sz="2200"/>
+              <a:t>Mike Gasser, Andrés Mock, Adrian Obermühlner, Linus Stuhlmann</a:t>
+            </a:r>
           </a:p>
         </p:txBody>
       </p:sp>
+      <p:sp>
+        <p:nvSpPr>
+          <p:cNvPr id="35" name="Rectangle 25">
+            <a:extLst>
+              <a:ext uri="{FF2B5EF4-FFF2-40B4-BE49-F238E27FC236}">
+                <a16:creationId xmlns:a16="http://schemas.microsoft.com/office/drawing/2014/main" id="{3629484E-3792-4B3D-89AD-7C8A1ED0E0D4}"/>
+              </a:ext>
+              <a:ext uri="{C183D7F6-B498-43B3-948B-1728B52AA6E4}">
+                <adec:decorative xmlns:adec="http://schemas.microsoft.com/office/drawing/2017/decorative" val="1"/>
+              </a:ext>
+            </a:extLst>
+          </p:cNvPr>
+          <p:cNvSpPr>
+            <a:spLocks noGrp="1" noRot="1" noChangeAspect="1" noMove="1" noResize="1" noEditPoints="1" noAdjustHandles="1" noChangeArrowheads="1" noChangeShapeType="1" noTextEdit="1"/>
+          </p:cNvSpPr>
+          <p:nvPr>
+            <p:extLst>
+              <p:ext uri="{386F3935-93C4-4BCD-93E2-E3B085C9AB24}">
+                <p16:designElem xmlns:p16="http://schemas.microsoft.com/office/powerpoint/2015/main" val="1"/>
+              </p:ext>
+            </p:extLst>
+          </p:nvPr>
+        </p:nvSpPr>
+        <p:spPr>
+          <a:xfrm>
+            <a:off x="3718560" y="5524786"/>
+            <a:ext cx="4754880" cy="27432"/>
+          </a:xfrm>
+          <a:prstGeom prst="rect">
+            <a:avLst/>
+          </a:prstGeom>
+          <a:solidFill>
+            <a:schemeClr val="accent2"/>
+          </a:solidFill>
+          <a:ln>
+            <a:noFill/>
+          </a:ln>
+        </p:spPr>
+        <p:style>
+          <a:lnRef idx="2">
+            <a:schemeClr val="accent1">
+              <a:shade val="50000"/>
+            </a:schemeClr>
+          </a:lnRef>
+          <a:fillRef idx="1">
+            <a:schemeClr val="accent1"/>
+          </a:fillRef>
+          <a:effectRef idx="0">
+            <a:schemeClr val="accent1"/>
+          </a:effectRef>
+          <a:fontRef idx="minor">
+            <a:schemeClr val="lt1"/>
+          </a:fontRef>
+        </p:style>
+        <p:txBody>
+          <a:bodyPr rtlCol="0" anchor="ctr"/>
+          <a:lstStyle/>
+          <a:p>
+            <a:pPr marL="0" marR="0" lvl="0" indent="0" algn="ctr" defTabSz="914400" rtl="0" eaLnBrk="1" fontAlgn="auto" latinLnBrk="0" hangingPunct="1">
+              <a:lnSpc>
+                <a:spcPct val="100000"/>
+              </a:lnSpc>
+              <a:spcBef>
+                <a:spcPts val="0"/>
+              </a:spcBef>
+              <a:spcAft>
+                <a:spcPts val="0"/>
+              </a:spcAft>
+              <a:buClrTx/>
+              <a:buSzTx/>
+              <a:buFontTx/>
+              <a:buNone/>
+              <a:tabLst/>
+              <a:defRPr/>
+            </a:pPr>
+            <a:endParaRPr kumimoji="0" lang="en-US" sz="1800" b="0" i="0" u="none" strike="noStrike" kern="1200" cap="none" spc="0" normalizeH="0" baseline="0" noProof="0">
+              <a:ln>
+                <a:noFill/>
+              </a:ln>
+              <a:solidFill>
+                <a:prstClr val="white"/>
+              </a:solidFill>
+              <a:effectLst/>
+              <a:uLnTx/>
+              <a:uFillTx/>
+              <a:latin typeface="Calibri" panose="020F0502020204030204"/>
+              <a:ea typeface="+mn-ea"/>
+              <a:cs typeface="+mn-cs"/>
+            </a:endParaRPr>
+          </a:p>
+        </p:txBody>
+      </p:sp>
+      <p:pic>
+        <p:nvPicPr>
+          <p:cNvPr id="4" name="Grafik 3">
+            <a:extLst>
+              <a:ext uri="{FF2B5EF4-FFF2-40B4-BE49-F238E27FC236}">
+                <a16:creationId xmlns:a16="http://schemas.microsoft.com/office/drawing/2014/main" id="{B323DC05-632C-69DC-10DE-800FFCF62431}"/>
+              </a:ext>
+            </a:extLst>
+          </p:cNvPr>
+          <p:cNvPicPr>
+            <a:picLocks noChangeAspect="1"/>
+          </p:cNvPicPr>
+          <p:nvPr/>
+        </p:nvPicPr>
+        <p:blipFill rotWithShape="1">
+          <a:blip r:embed="rId2"/>
+          <a:srcRect l="34388"/>
+          <a:stretch/>
+        </p:blipFill>
+        <p:spPr>
+          <a:xfrm>
+            <a:off x="11201400" y="109918"/>
+            <a:ext cx="749046" cy="957505"/>
+          </a:xfrm>
+          <a:prstGeom prst="rect">
+            <a:avLst/>
+          </a:prstGeom>
+        </p:spPr>
+      </p:pic>
     </p:spTree>
     <p:extLst>
       <p:ext uri="{BB962C8B-B14F-4D97-AF65-F5344CB8AC3E}">
@@ -3415,6 +11478,14 @@
 <file path=ppt/slides/slide2.xml><?xml version="1.0" encoding="utf-8"?>
 <p:sld xmlns:a="http://schemas.openxmlformats.org/drawingml/2006/main" xmlns:r="http://schemas.openxmlformats.org/officeDocument/2006/relationships" xmlns:p="http://schemas.openxmlformats.org/presentationml/2006/main">
   <p:cSld>
+    <p:bg>
+      <p:bgPr>
+        <a:solidFill>
+          <a:schemeClr val="bg1"/>
+        </a:solidFill>
+        <a:effectLst/>
+      </p:bgPr>
+    </p:bg>
     <p:spTree>
       <p:nvGrpSpPr>
         <p:cNvPr id="1" name=""/>
@@ -3429,72 +11500,41 @@
           <a:chExt cx="0" cy="0"/>
         </a:xfrm>
       </p:grpSpPr>
-      <p:sp>
-        <p:nvSpPr>
-          <p:cNvPr id="2" name="Titel 1">
+      <p:graphicFrame>
+        <p:nvGraphicFramePr>
+          <p:cNvPr id="25" name="Inhaltsplatzhalter 2">
             <a:extLst>
               <a:ext uri="{FF2B5EF4-FFF2-40B4-BE49-F238E27FC236}">
-                <a16:creationId xmlns:a16="http://schemas.microsoft.com/office/drawing/2014/main" id="{2F3A695E-13D0-9BC3-3341-CB7F7C484ED8}"/>
+                <a16:creationId xmlns:a16="http://schemas.microsoft.com/office/drawing/2014/main" id="{6A08201B-E277-EAEC-7C61-CB3C0E46055C}"/>
               </a:ext>
             </a:extLst>
           </p:cNvPr>
-          <p:cNvSpPr>
-            <a:spLocks noGrp="1"/>
-          </p:cNvSpPr>
-          <p:nvPr>
-            <p:ph type="title"/>
-          </p:nvPr>
-        </p:nvSpPr>
-        <p:spPr/>
-        <p:txBody>
-          <a:bodyPr/>
-          <a:lstStyle/>
-          <a:p>
-            <a:r>
-              <a:rPr lang="de-CH" dirty="0"/>
-              <a:t>Einleitung</a:t>
-            </a:r>
-          </a:p>
-        </p:txBody>
-      </p:sp>
-      <p:sp>
-        <p:nvSpPr>
-          <p:cNvPr id="3" name="Inhaltsplatzhalter 2">
-            <a:extLst>
-              <a:ext uri="{FF2B5EF4-FFF2-40B4-BE49-F238E27FC236}">
-                <a16:creationId xmlns:a16="http://schemas.microsoft.com/office/drawing/2014/main" id="{DC2D6670-983B-7015-4658-6C84E07BB6D1}"/>
-              </a:ext>
-            </a:extLst>
-          </p:cNvPr>
-          <p:cNvSpPr>
-            <a:spLocks noGrp="1"/>
-          </p:cNvSpPr>
+          <p:cNvGraphicFramePr>
+            <a:graphicFrameLocks noGrp="1"/>
+          </p:cNvGraphicFramePr>
           <p:nvPr>
             <p:ph idx="1"/>
+            <p:extLst>
+              <p:ext uri="{D42A27DB-BD31-4B8C-83A1-F6EECF244321}">
+                <p14:modId xmlns:p14="http://schemas.microsoft.com/office/powerpoint/2010/main" val="4206109291"/>
+              </p:ext>
+            </p:extLst>
           </p:nvPr>
-        </p:nvSpPr>
-        <p:spPr/>
-        <p:txBody>
-          <a:bodyPr>
-            <a:normAutofit lnSpcReduction="10000"/>
-          </a:bodyPr>
-          <a:lstStyle/>
-          <a:p>
-            <a:pPr marL="0" indent="0">
-              <a:buNone/>
-            </a:pPr>
-            <a:r>
-              <a:rPr lang="de-DE" dirty="0"/>
-              <a:t>Wir erstellen ein interaktives, datenbasiertes Dashboard, das eine tiefgreifende Analyse der Berichterstattung von acht Zeitungen aus dem Jahr 2022 bietet. Durch die Visualisierung täglicher Themen, Länderreferenzen, Beziehungen sowie der am häufigsten erwähnten Personen und Nomen, ermöglicht unser Dashboard Medienanalysten, Journalisten, PR- und Kommunikationsspezialisten, politischen Strategen, Marktforschern und akademischen Forschern, Trends in der Berichterstattung zu identifizieren, Lücken in der Medienlandschaft zu entdecken und fundierte Vorhersagen und Strategien zu entwickeln. Ziel unseres Projekts ist es, eine wertvolle Ressource zur Verfügung zu stellen, die das Verständnis der Medienlandschaft verbessert und informierte Entscheidungen unterstützt.</a:t>
-            </a:r>
-            <a:endParaRPr lang="de-CH" dirty="0"/>
-          </a:p>
-        </p:txBody>
-      </p:sp>
+        </p:nvGraphicFramePr>
+        <p:xfrm>
+          <a:off x="387626" y="427384"/>
+          <a:ext cx="11524422" cy="5749580"/>
+        </p:xfrm>
+        <a:graphic>
+          <a:graphicData uri="http://schemas.openxmlformats.org/drawingml/2006/diagram">
+            <dgm:relIds xmlns:dgm="http://schemas.openxmlformats.org/drawingml/2006/diagram" xmlns:r="http://schemas.openxmlformats.org/officeDocument/2006/relationships" r:dm="rId2" r:lo="rId3" r:qs="rId4" r:cs="rId5"/>
+          </a:graphicData>
+        </a:graphic>
+      </p:graphicFrame>
     </p:spTree>
     <p:extLst>
       <p:ext uri="{BB962C8B-B14F-4D97-AF65-F5344CB8AC3E}">
-        <p14:creationId xmlns:p14="http://schemas.microsoft.com/office/powerpoint/2010/main" val="171745422"/>
+        <p14:creationId xmlns:p14="http://schemas.microsoft.com/office/powerpoint/2010/main" val="1662944093"/>
       </p:ext>
     </p:extLst>
   </p:cSld>
@@ -3507,6 +11547,14 @@
 <file path=ppt/slides/slide3.xml><?xml version="1.0" encoding="utf-8"?>
 <p:sld xmlns:a="http://schemas.openxmlformats.org/drawingml/2006/main" xmlns:r="http://schemas.openxmlformats.org/officeDocument/2006/relationships" xmlns:p="http://schemas.openxmlformats.org/presentationml/2006/main">
   <p:cSld>
+    <p:bg>
+      <p:bgPr>
+        <a:solidFill>
+          <a:schemeClr val="bg1"/>
+        </a:solidFill>
+        <a:effectLst/>
+      </p:bgPr>
+    </p:bg>
     <p:spTree>
       <p:nvGrpSpPr>
         <p:cNvPr id="1" name=""/>
@@ -3521,6 +11569,66 @@
           <a:chExt cx="0" cy="0"/>
         </a:xfrm>
       </p:grpSpPr>
+      <p:sp useBgFill="1">
+        <p:nvSpPr>
+          <p:cNvPr id="115" name="Rectangle 114">
+            <a:extLst>
+              <a:ext uri="{FF2B5EF4-FFF2-40B4-BE49-F238E27FC236}">
+                <a16:creationId xmlns:a16="http://schemas.microsoft.com/office/drawing/2014/main" id="{E02239D2-A05D-4A1C-9F06-FBA7FC730E1B}"/>
+              </a:ext>
+              <a:ext uri="{C183D7F6-B498-43B3-948B-1728B52AA6E4}">
+                <adec:decorative xmlns:adec="http://schemas.microsoft.com/office/drawing/2017/decorative" val="1"/>
+              </a:ext>
+            </a:extLst>
+          </p:cNvPr>
+          <p:cNvSpPr>
+            <a:spLocks noGrp="1" noRot="1" noChangeAspect="1" noMove="1" noResize="1" noEditPoints="1" noAdjustHandles="1" noChangeArrowheads="1" noChangeShapeType="1" noTextEdit="1"/>
+          </p:cNvSpPr>
+          <p:nvPr>
+            <p:extLst>
+              <p:ext uri="{386F3935-93C4-4BCD-93E2-E3B085C9AB24}">
+                <p16:designElem xmlns:p16="http://schemas.microsoft.com/office/powerpoint/2015/main" val="1"/>
+              </p:ext>
+            </p:extLst>
+          </p:nvPr>
+        </p:nvSpPr>
+        <p:spPr>
+          <a:xfrm>
+            <a:off x="0" y="-1"/>
+            <a:ext cx="12188952" cy="6858000"/>
+          </a:xfrm>
+          <a:prstGeom prst="rect">
+            <a:avLst/>
+          </a:prstGeom>
+          <a:ln>
+            <a:noFill/>
+          </a:ln>
+        </p:spPr>
+        <p:style>
+          <a:lnRef idx="2">
+            <a:schemeClr val="accent1">
+              <a:shade val="50000"/>
+            </a:schemeClr>
+          </a:lnRef>
+          <a:fillRef idx="1">
+            <a:schemeClr val="accent1"/>
+          </a:fillRef>
+          <a:effectRef idx="0">
+            <a:schemeClr val="accent1"/>
+          </a:effectRef>
+          <a:fontRef idx="minor">
+            <a:schemeClr val="lt1"/>
+          </a:fontRef>
+        </p:style>
+        <p:txBody>
+          <a:bodyPr rtlCol="0" anchor="ctr"/>
+          <a:lstStyle/>
+          <a:p>
+            <a:pPr algn="ctr"/>
+            <a:endParaRPr lang="en-US"/>
+          </a:p>
+        </p:txBody>
+      </p:sp>
       <p:sp>
         <p:nvSpPr>
           <p:cNvPr id="2" name="Titel 1">
@@ -3537,70 +11645,57 @@
             <p:ph type="title"/>
           </p:nvPr>
         </p:nvSpPr>
-        <p:spPr/>
+        <p:spPr>
+          <a:xfrm>
+            <a:off x="1514475" y="487440"/>
+            <a:ext cx="8985250" cy="1118394"/>
+          </a:xfrm>
+        </p:spPr>
         <p:txBody>
-          <a:bodyPr/>
+          <a:bodyPr anchor="t">
+            <a:normAutofit/>
+          </a:bodyPr>
           <a:lstStyle/>
           <a:p>
+            <a:pPr algn="ctr"/>
             <a:r>
-              <a:rPr lang="de-CH" dirty="0"/>
+              <a:rPr lang="de-CH" sz="4000" b="1" dirty="0"/>
               <a:t>Motivation</a:t>
             </a:r>
           </a:p>
         </p:txBody>
       </p:sp>
-      <p:sp>
-        <p:nvSpPr>
-          <p:cNvPr id="3" name="Inhaltsplatzhalter 2">
+      <p:graphicFrame>
+        <p:nvGraphicFramePr>
+          <p:cNvPr id="4" name="Inhaltsplatzhalter 3">
             <a:extLst>
               <a:ext uri="{FF2B5EF4-FFF2-40B4-BE49-F238E27FC236}">
-                <a16:creationId xmlns:a16="http://schemas.microsoft.com/office/drawing/2014/main" id="{6A02531B-E70B-73A3-48B5-ED7CCF75FA72}"/>
+                <a16:creationId xmlns:a16="http://schemas.microsoft.com/office/drawing/2014/main" id="{A30AEF16-02BF-6223-C209-1ED6639BD96D}"/>
               </a:ext>
             </a:extLst>
           </p:cNvPr>
-          <p:cNvSpPr>
-            <a:spLocks noGrp="1"/>
-          </p:cNvSpPr>
+          <p:cNvGraphicFramePr>
+            <a:graphicFrameLocks noGrp="1"/>
+          </p:cNvGraphicFramePr>
           <p:nvPr>
             <p:ph idx="1"/>
+            <p:extLst>
+              <p:ext uri="{D42A27DB-BD31-4B8C-83A1-F6EECF244321}">
+                <p14:modId xmlns:p14="http://schemas.microsoft.com/office/powerpoint/2010/main" val="4139125075"/>
+              </p:ext>
+            </p:extLst>
           </p:nvPr>
-        </p:nvSpPr>
-        <p:spPr/>
-        <p:txBody>
-          <a:bodyPr/>
-          <a:lstStyle/>
-          <a:p>
-            <a:r>
-              <a:rPr lang="de-DE" b="1" dirty="0"/>
-              <a:t>Informationsüberfluss bewältigen</a:t>
-            </a:r>
-            <a:r>
-              <a:rPr lang="de-DE" dirty="0"/>
-              <a:t>: Wir wollen ein Werkzeug schaffen, das hilft, die komplexe Medienlandschaft zu verstehen und relevante Informationen schnell und effizient zu extrahieren.</a:t>
-            </a:r>
-          </a:p>
-          <a:p>
-            <a:r>
-              <a:rPr lang="de-DE" b="1" dirty="0"/>
-              <a:t>Demokratisierung des Informationszugangs</a:t>
-            </a:r>
-            <a:r>
-              <a:rPr lang="de-DE" dirty="0"/>
-              <a:t>: Durch die Aufbereitung komplexer Daten ermöglichen wir es mehr Menschen, Medienberichterstattung zu verstehen und zu nutzen.</a:t>
-            </a:r>
-          </a:p>
-          <a:p>
-            <a:r>
-              <a:rPr lang="de-DE" b="1" dirty="0"/>
-              <a:t>Einblick in gesellschaftliche Trends</a:t>
-            </a:r>
-            <a:r>
-              <a:rPr lang="de-DE" dirty="0"/>
-              <a:t>: Die Analyse von Medienberichten bietet die Chance, mehr über aktuelle und zukünftige gesellschaftliche Trends zu erfahren.</a:t>
-            </a:r>
-          </a:p>
-        </p:txBody>
-      </p:sp>
+        </p:nvGraphicFramePr>
+        <p:xfrm>
+          <a:off x="1009650" y="1847849"/>
+          <a:ext cx="9994900" cy="4254501"/>
+        </p:xfrm>
+        <a:graphic>
+          <a:graphicData uri="http://schemas.openxmlformats.org/drawingml/2006/diagram">
+            <dgm:relIds xmlns:dgm="http://schemas.openxmlformats.org/drawingml/2006/diagram" xmlns:r="http://schemas.openxmlformats.org/officeDocument/2006/relationships" r:dm="rId2" r:lo="rId3" r:qs="rId4" r:cs="rId5"/>
+          </a:graphicData>
+        </a:graphic>
+      </p:graphicFrame>
     </p:spTree>
     <p:extLst>
       <p:ext uri="{BB962C8B-B14F-4D97-AF65-F5344CB8AC3E}">
@@ -3631,202 +11726,45 @@
           <a:chExt cx="0" cy="0"/>
         </a:xfrm>
       </p:grpSpPr>
-      <p:sp>
-        <p:nvSpPr>
-          <p:cNvPr id="2" name="Titel 1">
+      <p:pic>
+        <p:nvPicPr>
+          <p:cNvPr id="5" name="Inhaltsplatzhalter 4" descr="Ein Bild, das Text, Menschliches Gesicht, Person, Kleidung enthält.&#10;&#10;Automatisch generierte Beschreibung">
             <a:extLst>
               <a:ext uri="{FF2B5EF4-FFF2-40B4-BE49-F238E27FC236}">
-                <a16:creationId xmlns:a16="http://schemas.microsoft.com/office/drawing/2014/main" id="{788FB5AC-4B76-783C-EBB1-C1D114AD51CA}"/>
+                <a16:creationId xmlns:a16="http://schemas.microsoft.com/office/drawing/2014/main" id="{F2C95D6F-EA01-04E6-90A5-57F3C1EF0C88}"/>
               </a:ext>
             </a:extLst>
           </p:cNvPr>
-          <p:cNvSpPr>
-            <a:spLocks noGrp="1"/>
-          </p:cNvSpPr>
-          <p:nvPr>
-            <p:ph type="title"/>
-          </p:nvPr>
-        </p:nvSpPr>
-        <p:spPr/>
-        <p:txBody>
-          <a:bodyPr/>
-          <a:lstStyle/>
-          <a:p>
-            <a:r>
-              <a:rPr lang="de-CH" dirty="0"/>
-              <a:t>Personas</a:t>
-            </a:r>
-          </a:p>
-        </p:txBody>
-      </p:sp>
-      <p:sp>
-        <p:nvSpPr>
-          <p:cNvPr id="3" name="Inhaltsplatzhalter 2">
-            <a:extLst>
-              <a:ext uri="{FF2B5EF4-FFF2-40B4-BE49-F238E27FC236}">
-                <a16:creationId xmlns:a16="http://schemas.microsoft.com/office/drawing/2014/main" id="{177359EA-0885-CB9E-836F-64226617CE29}"/>
-              </a:ext>
-            </a:extLst>
-          </p:cNvPr>
-          <p:cNvSpPr>
-            <a:spLocks noGrp="1"/>
-          </p:cNvSpPr>
+          <p:cNvPicPr>
+            <a:picLocks noGrp="1" noChangeAspect="1"/>
+          </p:cNvPicPr>
           <p:nvPr>
             <p:ph idx="1"/>
           </p:nvPr>
-        </p:nvSpPr>
-        <p:spPr/>
-        <p:txBody>
-          <a:bodyPr>
-            <a:normAutofit fontScale="92500" lnSpcReduction="20000"/>
-          </a:bodyPr>
-          <a:lstStyle/>
-          <a:p>
-            <a:r>
-              <a:rPr lang="de-DE" b="1" dirty="0"/>
-              <a:t>Medienanalysten</a:t>
-            </a:r>
-            <a:r>
-              <a:rPr lang="de-DE" dirty="0"/>
-              <a:t> - Diese Personen könnten das Dashboard verwenden, um Trends in den Berichterstattungen zu verfolgen und zu verstehen, wie sich Themen im Laufe der Zeit ändern. Sie könnten auch Informationen über die Häufigkeit und den Kontext der Berichterstattung über bestimmte Länder oder Personen verwenden, um ihre Analysen zu informieren.</a:t>
-            </a:r>
-          </a:p>
-          <a:p>
-            <a:r>
-              <a:rPr lang="de-DE" b="1" dirty="0"/>
-              <a:t>Journalisten und Redakteure </a:t>
-            </a:r>
-            <a:r>
-              <a:rPr lang="de-DE" dirty="0"/>
-              <a:t>- Sie könnten das Dashboard verwenden, um Ideen für Artikel zu finden, Lücken in der Berichterstattung zu identifizieren oder um zu sehen, wie ihre Konkurrenten über bestimmte Themen berichten.</a:t>
-            </a:r>
-          </a:p>
-          <a:p>
-            <a:r>
-              <a:rPr lang="de-DE" b="1" dirty="0"/>
-              <a:t>Öffentlichkeitsarbeit und Kommunikationsspezialisten </a:t>
-            </a:r>
-            <a:r>
-              <a:rPr lang="de-DE" dirty="0"/>
-              <a:t>- Sie könnten das Dashboard verwenden, um zu sehen, wie ihre Organisation oder Kunden in den Medien dargestellt werden, welche Themen im Zusammenhang mit ihrer Branche Aufmerksamkeit erhalten, und um mögliche Möglichkeiten für Medienplatzierungen zu identifizieren.</a:t>
-            </a:r>
-          </a:p>
-        </p:txBody>
-      </p:sp>
+        </p:nvPicPr>
+        <p:blipFill>
+          <a:blip r:embed="rId2">
+            <a:extLst>
+              <a:ext uri="{28A0092B-C50C-407E-A947-70E740481C1C}">
+                <a14:useLocalDpi xmlns:a14="http://schemas.microsoft.com/office/drawing/2010/main" val="0"/>
+              </a:ext>
+            </a:extLst>
+          </a:blip>
+          <a:stretch>
+            <a:fillRect/>
+          </a:stretch>
+        </p:blipFill>
+        <p:spPr>
+          <a:xfrm>
+            <a:off x="872746" y="143984"/>
+            <a:ext cx="10254232" cy="6573393"/>
+          </a:xfrm>
+        </p:spPr>
+      </p:pic>
     </p:spTree>
     <p:extLst>
       <p:ext uri="{BB962C8B-B14F-4D97-AF65-F5344CB8AC3E}">
-        <p14:creationId xmlns:p14="http://schemas.microsoft.com/office/powerpoint/2010/main" val="2805990035"/>
-      </p:ext>
-    </p:extLst>
-  </p:cSld>
-  <p:clrMapOvr>
-    <a:masterClrMapping/>
-  </p:clrMapOvr>
-</p:sld>
-</file>
-
-<file path=ppt/slides/slide5.xml><?xml version="1.0" encoding="utf-8"?>
-<p:sld xmlns:a="http://schemas.openxmlformats.org/drawingml/2006/main" xmlns:r="http://schemas.openxmlformats.org/officeDocument/2006/relationships" xmlns:p="http://schemas.openxmlformats.org/presentationml/2006/main">
-  <p:cSld>
-    <p:spTree>
-      <p:nvGrpSpPr>
-        <p:cNvPr id="1" name=""/>
-        <p:cNvGrpSpPr/>
-        <p:nvPr/>
-      </p:nvGrpSpPr>
-      <p:grpSpPr>
-        <a:xfrm>
-          <a:off x="0" y="0"/>
-          <a:ext cx="0" cy="0"/>
-          <a:chOff x="0" y="0"/>
-          <a:chExt cx="0" cy="0"/>
-        </a:xfrm>
-      </p:grpSpPr>
-      <p:sp>
-        <p:nvSpPr>
-          <p:cNvPr id="2" name="Titel 1">
-            <a:extLst>
-              <a:ext uri="{FF2B5EF4-FFF2-40B4-BE49-F238E27FC236}">
-                <a16:creationId xmlns:a16="http://schemas.microsoft.com/office/drawing/2014/main" id="{17227BB3-0E69-C2F3-268C-2D1CC460D675}"/>
-              </a:ext>
-            </a:extLst>
-          </p:cNvPr>
-          <p:cNvSpPr>
-            <a:spLocks noGrp="1"/>
-          </p:cNvSpPr>
-          <p:nvPr>
-            <p:ph type="title"/>
-          </p:nvPr>
-        </p:nvSpPr>
-        <p:spPr/>
-        <p:txBody>
-          <a:bodyPr/>
-          <a:lstStyle/>
-          <a:p>
-            <a:endParaRPr lang="de-CH" dirty="0"/>
-          </a:p>
-        </p:txBody>
-      </p:sp>
-      <p:sp>
-        <p:nvSpPr>
-          <p:cNvPr id="3" name="Inhaltsplatzhalter 2">
-            <a:extLst>
-              <a:ext uri="{FF2B5EF4-FFF2-40B4-BE49-F238E27FC236}">
-                <a16:creationId xmlns:a16="http://schemas.microsoft.com/office/drawing/2014/main" id="{78AD2713-516E-582D-C76E-8A21C8CF9981}"/>
-              </a:ext>
-            </a:extLst>
-          </p:cNvPr>
-          <p:cNvSpPr>
-            <a:spLocks noGrp="1"/>
-          </p:cNvSpPr>
-          <p:nvPr>
-            <p:ph idx="1"/>
-          </p:nvPr>
-        </p:nvSpPr>
-        <p:spPr/>
-        <p:txBody>
-          <a:bodyPr>
-            <a:normAutofit fontScale="92500" lnSpcReduction="10000"/>
-          </a:bodyPr>
-          <a:lstStyle/>
-          <a:p>
-            <a:r>
-              <a:rPr lang="de-DE" b="1" dirty="0"/>
-              <a:t>Politische Strategen </a:t>
-            </a:r>
-            <a:r>
-              <a:rPr lang="de-DE" dirty="0"/>
-              <a:t>- Sie könnten das Dashboard verwenden, um zu sehen, wie bestimmte Themen, Länder oder Personen in den Medien dargestellt werden. Dies könnte ihnen dabei helfen, ihre Kommunikationsstrategien zu formulieren.</a:t>
-            </a:r>
-          </a:p>
-          <a:p>
-            <a:r>
-              <a:rPr lang="de-DE" b="1" dirty="0"/>
-              <a:t>Marktforscher und Trendanalysten </a:t>
-            </a:r>
-            <a:r>
-              <a:rPr lang="de-DE" dirty="0"/>
-              <a:t>- Sie könnten das Dashboard verwenden, um aktuelle Trends und Themen zu identifizieren, die in den Medien auftauchen. Dies könnte ihnen dabei helfen, Vorhersagen darüber zu treffen, welche Themen in der Zukunft relevant sein könnten.</a:t>
-            </a:r>
-          </a:p>
-          <a:p>
-            <a:r>
-              <a:rPr lang="de-DE" b="1" dirty="0"/>
-              <a:t>Akademische Forscher </a:t>
-            </a:r>
-            <a:r>
-              <a:rPr lang="de-DE" dirty="0"/>
-              <a:t>- In den Sozial- und Politikwissenschaften könnte dieses Dashboard verwendet werden, um die Medienlandschaft zu analysieren und Trends in der Berichterstattung über bestimmte Themen oder Länder zu erforschen.</a:t>
-            </a:r>
-            <a:endParaRPr lang="de-CH" dirty="0"/>
-          </a:p>
-        </p:txBody>
-      </p:sp>
-    </p:spTree>
-    <p:extLst>
-      <p:ext uri="{BB962C8B-B14F-4D97-AF65-F5344CB8AC3E}">
-        <p14:creationId xmlns:p14="http://schemas.microsoft.com/office/powerpoint/2010/main" val="4054085666"/>
+        <p14:creationId xmlns:p14="http://schemas.microsoft.com/office/powerpoint/2010/main" val="3854154161"/>
       </p:ext>
     </p:extLst>
   </p:cSld>

--- a/documents/News Dashboard.pptx
+++ b/documents/News Dashboard.pptx
@@ -6,8 +6,8 @@
   </p:sldMasterIdLst>
   <p:sldIdLst>
     <p:sldId id="256" r:id="rId2"/>
-    <p:sldId id="260" r:id="rId3"/>
-    <p:sldId id="258" r:id="rId4"/>
+    <p:sldId id="258" r:id="rId3"/>
+    <p:sldId id="260" r:id="rId4"/>
     <p:sldId id="259" r:id="rId5"/>
   </p:sldIdLst>
   <p:sldSz cx="12192000" cy="6858000"/>
@@ -118,8 +118,7 @@
 <file path=ppt/revisionInfo.xml><?xml version="1.0" encoding="utf-8"?>
 <p1510:revInfo xmlns:a="http://schemas.openxmlformats.org/drawingml/2006/main" xmlns:r="http://schemas.openxmlformats.org/officeDocument/2006/relationships" xmlns:p1510="http://schemas.microsoft.com/office/powerpoint/2015/10/main">
   <p1510:revLst>
-    <p1510:client id="{35162536-F808-402C-8072-4AD7802BF7D2}" v="185" dt="2023-06-12T19:48:09.895"/>
-    <p1510:client id="{86EC039E-8995-4AE5-8D69-358184608638}" v="28" dt="2023-06-12T19:38:43.199"/>
+    <p1510:client id="{7BC9288E-A04B-4F7E-A4E5-01CAA745E28A}" v="270" dt="2023-06-26T14:46:01.699"/>
   </p1510:revLst>
 </p1510:revInfo>
 </file>
@@ -1594,11 +1593,65 @@
       </pc:sldChg>
     </pc:docChg>
   </pc:docChgLst>
+  <pc:docChgLst>
+    <pc:chgData name="Linus Stuhlmann" userId="90a9ed2d19377e33" providerId="LiveId" clId="{7BC9288E-A04B-4F7E-A4E5-01CAA745E28A}"/>
+    <pc:docChg chg="custSel modSld sldOrd">
+      <pc:chgData name="Linus Stuhlmann" userId="90a9ed2d19377e33" providerId="LiveId" clId="{7BC9288E-A04B-4F7E-A4E5-01CAA745E28A}" dt="2023-06-26T14:52:02.393" v="275"/>
+      <pc:docMkLst>
+        <pc:docMk/>
+      </pc:docMkLst>
+      <pc:sldChg chg="ord">
+        <pc:chgData name="Linus Stuhlmann" userId="90a9ed2d19377e33" providerId="LiveId" clId="{7BC9288E-A04B-4F7E-A4E5-01CAA745E28A}" dt="2023-06-26T14:52:02.393" v="275"/>
+        <pc:sldMkLst>
+          <pc:docMk/>
+          <pc:sldMk cId="4280237170" sldId="258"/>
+        </pc:sldMkLst>
+      </pc:sldChg>
+      <pc:sldChg chg="modSp mod">
+        <pc:chgData name="Linus Stuhlmann" userId="90a9ed2d19377e33" providerId="LiveId" clId="{7BC9288E-A04B-4F7E-A4E5-01CAA745E28A}" dt="2023-06-26T14:51:58.428" v="273" actId="1076"/>
+        <pc:sldMkLst>
+          <pc:docMk/>
+          <pc:sldMk cId="3854154161" sldId="259"/>
+        </pc:sldMkLst>
+        <pc:picChg chg="mod">
+          <ac:chgData name="Linus Stuhlmann" userId="90a9ed2d19377e33" providerId="LiveId" clId="{7BC9288E-A04B-4F7E-A4E5-01CAA745E28A}" dt="2023-06-26T14:51:58.428" v="273" actId="1076"/>
+          <ac:picMkLst>
+            <pc:docMk/>
+            <pc:sldMk cId="3854154161" sldId="259"/>
+            <ac:picMk id="5" creationId="{F2C95D6F-EA01-04E6-90A5-57F3C1EF0C88}"/>
+          </ac:picMkLst>
+        </pc:picChg>
+      </pc:sldChg>
+      <pc:sldChg chg="addSp delSp modSp mod ord">
+        <pc:chgData name="Linus Stuhlmann" userId="90a9ed2d19377e33" providerId="LiveId" clId="{7BC9288E-A04B-4F7E-A4E5-01CAA745E28A}" dt="2023-06-26T14:46:12.847" v="272"/>
+        <pc:sldMkLst>
+          <pc:docMk/>
+          <pc:sldMk cId="1662944093" sldId="260"/>
+        </pc:sldMkLst>
+        <pc:graphicFrameChg chg="mod">
+          <ac:chgData name="Linus Stuhlmann" userId="90a9ed2d19377e33" providerId="LiveId" clId="{7BC9288E-A04B-4F7E-A4E5-01CAA745E28A}" dt="2023-06-26T14:46:01.699" v="270" actId="20577"/>
+          <ac:graphicFrameMkLst>
+            <pc:docMk/>
+            <pc:sldMk cId="1662944093" sldId="260"/>
+            <ac:graphicFrameMk id="25" creationId="{6A08201B-E277-EAEC-7C61-CB3C0E46055C}"/>
+          </ac:graphicFrameMkLst>
+        </pc:graphicFrameChg>
+        <pc:picChg chg="add del mod">
+          <ac:chgData name="Linus Stuhlmann" userId="90a9ed2d19377e33" providerId="LiveId" clId="{7BC9288E-A04B-4F7E-A4E5-01CAA745E28A}" dt="2023-06-26T14:45:21.303" v="267" actId="478"/>
+          <ac:picMkLst>
+            <pc:docMk/>
+            <pc:sldMk cId="1662944093" sldId="260"/>
+            <ac:picMk id="2" creationId="{61F9754D-9480-1EBF-02FA-D3EC2321A42E}"/>
+          </ac:picMkLst>
+        </pc:picChg>
+      </pc:sldChg>
+    </pc:docChg>
+  </pc:docChgLst>
 </pc:chgInfo>
 </file>
 
 <file path=ppt/diagrams/colors1.xml><?xml version="1.0" encoding="utf-8"?>
-<dgm:colorsDef xmlns:dgm="http://schemas.openxmlformats.org/drawingml/2006/diagram" xmlns:a="http://schemas.openxmlformats.org/drawingml/2006/main" uniqueId="urn:microsoft.com/office/officeart/2005/8/colors/accent1_2">
+<dgm:colorsDef xmlns:dgm="http://schemas.openxmlformats.org/drawingml/2006/diagram" xmlns:a="http://schemas.openxmlformats.org/drawingml/2006/main" uniqueId="urn:microsoft.com/office/officeart/2018/5/colors/Iconchunking_neutralbg_accent1_2">
   <dgm:title val=""/>
   <dgm:desc val=""/>
   <dgm:catLst>
@@ -1633,7 +1686,9 @@
       <a:schemeClr val="accent1"/>
     </dgm:fillClrLst>
     <dgm:linClrLst meth="repeat">
-      <a:schemeClr val="lt1"/>
+      <a:schemeClr val="lt1">
+        <a:alpha val="0"/>
+      </a:schemeClr>
     </dgm:linClrLst>
     <dgm:effectClrLst/>
     <dgm:txLinClrLst/>
@@ -2260,8 +2315,8 @@
   </dgm:styleLbl>
   <dgm:styleLbl name="bgShp">
     <dgm:fillClrLst meth="repeat">
-      <a:schemeClr val="accent1">
-        <a:tint val="40000"/>
+      <a:schemeClr val="bg1">
+        <a:lumMod val="95000"/>
       </a:schemeClr>
     </dgm:fillClrLst>
     <dgm:linClrLst meth="repeat">
@@ -2345,7 +2400,7 @@
 </file>
 
 <file path=ppt/diagrams/colors2.xml><?xml version="1.0" encoding="utf-8"?>
-<dgm:colorsDef xmlns:dgm="http://schemas.openxmlformats.org/drawingml/2006/diagram" xmlns:a="http://schemas.openxmlformats.org/drawingml/2006/main" uniqueId="urn:microsoft.com/office/officeart/2018/5/colors/Iconchunking_neutralbg_accent1_2">
+<dgm:colorsDef xmlns:dgm="http://schemas.openxmlformats.org/drawingml/2006/diagram" xmlns:a="http://schemas.openxmlformats.org/drawingml/2006/main" uniqueId="urn:microsoft.com/office/officeart/2005/8/colors/accent1_2">
   <dgm:title val=""/>
   <dgm:desc val=""/>
   <dgm:catLst>
@@ -2380,9 +2435,7 @@
       <a:schemeClr val="accent1"/>
     </dgm:fillClrLst>
     <dgm:linClrLst meth="repeat">
-      <a:schemeClr val="lt1">
-        <a:alpha val="0"/>
-      </a:schemeClr>
+      <a:schemeClr val="lt1"/>
     </dgm:linClrLst>
     <dgm:effectClrLst/>
     <dgm:txLinClrLst/>
@@ -3009,8 +3062,8 @@
   </dgm:styleLbl>
   <dgm:styleLbl name="bgShp">
     <dgm:fillClrLst meth="repeat">
-      <a:schemeClr val="bg1">
-        <a:lumMod val="95000"/>
+      <a:schemeClr val="accent1">
+        <a:tint val="40000"/>
       </a:schemeClr>
     </dgm:fillClrLst>
     <dgm:linClrLst meth="repeat">
@@ -3094,704 +3147,6 @@
 </file>
 
 <file path=ppt/diagrams/data1.xml><?xml version="1.0" encoding="utf-8"?>
-<dgm:dataModel xmlns:dgm="http://schemas.openxmlformats.org/drawingml/2006/diagram" xmlns:a="http://schemas.openxmlformats.org/drawingml/2006/main">
-  <dgm:ptLst>
-    <dgm:pt modelId="{EC75874E-FC66-4236-996C-042E6951ED78}" type="doc">
-      <dgm:prSet loTypeId="urn:microsoft.com/office/officeart/2005/8/layout/vList2" loCatId="list" qsTypeId="urn:microsoft.com/office/officeart/2005/8/quickstyle/simple1" qsCatId="simple" csTypeId="urn:microsoft.com/office/officeart/2005/8/colors/accent1_2" csCatId="accent1"/>
-      <dgm:spPr/>
-      <dgm:t>
-        <a:bodyPr/>
-        <a:lstStyle/>
-        <a:p>
-          <a:endParaRPr lang="en-US"/>
-        </a:p>
-      </dgm:t>
-    </dgm:pt>
-    <dgm:pt modelId="{4B1ACBDF-E7AD-44F0-A83C-84CA8316E972}">
-      <dgm:prSet/>
-      <dgm:spPr/>
-      <dgm:t>
-        <a:bodyPr/>
-        <a:lstStyle/>
-        <a:p>
-          <a:r>
-            <a:rPr lang="de-CH"/>
-            <a:t>Unser Projekt</a:t>
-          </a:r>
-          <a:endParaRPr lang="en-US"/>
-        </a:p>
-      </dgm:t>
-    </dgm:pt>
-    <dgm:pt modelId="{299FA21B-7C73-4D9E-AB7C-65818B1EFE41}" type="parTrans" cxnId="{2A105E30-3563-4B65-96E3-9D892305D1C8}">
-      <dgm:prSet/>
-      <dgm:spPr/>
-      <dgm:t>
-        <a:bodyPr/>
-        <a:lstStyle/>
-        <a:p>
-          <a:endParaRPr lang="en-US"/>
-        </a:p>
-      </dgm:t>
-    </dgm:pt>
-    <dgm:pt modelId="{57336158-CCE4-4462-9517-E114D211554D}" type="sibTrans" cxnId="{2A105E30-3563-4B65-96E3-9D892305D1C8}">
-      <dgm:prSet/>
-      <dgm:spPr/>
-      <dgm:t>
-        <a:bodyPr/>
-        <a:lstStyle/>
-        <a:p>
-          <a:endParaRPr lang="en-US"/>
-        </a:p>
-      </dgm:t>
-    </dgm:pt>
-    <dgm:pt modelId="{E450D12C-8D6A-479A-BB6A-86302AF96E77}">
-      <dgm:prSet/>
-      <dgm:spPr/>
-      <dgm:t>
-        <a:bodyPr/>
-        <a:lstStyle/>
-        <a:p>
-          <a:r>
-            <a:rPr lang="de-DE"/>
-            <a:t>Entwicklung eines dynamischen, datenbasierten Dashboards</a:t>
-          </a:r>
-          <a:endParaRPr lang="en-US"/>
-        </a:p>
-      </dgm:t>
-    </dgm:pt>
-    <dgm:pt modelId="{913D5605-0B9E-4766-9216-7551ACF5843B}" type="parTrans" cxnId="{60BF301E-A848-4CDE-B17B-0752C4FAABCA}">
-      <dgm:prSet/>
-      <dgm:spPr/>
-      <dgm:t>
-        <a:bodyPr/>
-        <a:lstStyle/>
-        <a:p>
-          <a:endParaRPr lang="en-US"/>
-        </a:p>
-      </dgm:t>
-    </dgm:pt>
-    <dgm:pt modelId="{923923D8-5A5B-49F3-BF78-789FD14DC706}" type="sibTrans" cxnId="{60BF301E-A848-4CDE-B17B-0752C4FAABCA}">
-      <dgm:prSet/>
-      <dgm:spPr/>
-      <dgm:t>
-        <a:bodyPr/>
-        <a:lstStyle/>
-        <a:p>
-          <a:endParaRPr lang="en-US"/>
-        </a:p>
-      </dgm:t>
-    </dgm:pt>
-    <dgm:pt modelId="{FC79ADE7-EE1D-4B4C-B873-79FC414E1D5C}">
-      <dgm:prSet/>
-      <dgm:spPr/>
-      <dgm:t>
-        <a:bodyPr/>
-        <a:lstStyle/>
-        <a:p>
-          <a:r>
-            <a:rPr lang="de-DE"/>
-            <a:t>Detaillierte Abbildung der Berichterstattung von acht Schweizer Zeitungen aus dem Jahr 2022</a:t>
-          </a:r>
-          <a:endParaRPr lang="en-US"/>
-        </a:p>
-      </dgm:t>
-    </dgm:pt>
-    <dgm:pt modelId="{924F45D5-2657-4974-88E7-4E27A3931A55}" type="parTrans" cxnId="{D5A1F258-5E70-4E59-ACFD-16E52AA04502}">
-      <dgm:prSet/>
-      <dgm:spPr/>
-      <dgm:t>
-        <a:bodyPr/>
-        <a:lstStyle/>
-        <a:p>
-          <a:endParaRPr lang="en-US"/>
-        </a:p>
-      </dgm:t>
-    </dgm:pt>
-    <dgm:pt modelId="{F5686E28-F11F-46BF-A252-2E28822178A9}" type="sibTrans" cxnId="{D5A1F258-5E70-4E59-ACFD-16E52AA04502}">
-      <dgm:prSet/>
-      <dgm:spPr/>
-      <dgm:t>
-        <a:bodyPr/>
-        <a:lstStyle/>
-        <a:p>
-          <a:endParaRPr lang="en-US"/>
-        </a:p>
-      </dgm:t>
-    </dgm:pt>
-    <dgm:pt modelId="{AE6DF04A-9698-479A-A37E-8AD47826268B}">
-      <dgm:prSet/>
-      <dgm:spPr/>
-      <dgm:t>
-        <a:bodyPr/>
-        <a:lstStyle/>
-        <a:p>
-          <a:r>
-            <a:rPr lang="de-CH"/>
-            <a:t>Was wir bieten</a:t>
-          </a:r>
-          <a:endParaRPr lang="en-US"/>
-        </a:p>
-      </dgm:t>
-    </dgm:pt>
-    <dgm:pt modelId="{43D34F04-EA67-4DF0-AB1C-97E0A0974D38}" type="parTrans" cxnId="{1B9CD402-6281-48F8-A6FE-012DD073ECC9}">
-      <dgm:prSet/>
-      <dgm:spPr/>
-      <dgm:t>
-        <a:bodyPr/>
-        <a:lstStyle/>
-        <a:p>
-          <a:endParaRPr lang="en-US"/>
-        </a:p>
-      </dgm:t>
-    </dgm:pt>
-    <dgm:pt modelId="{E3DF9C37-CFF0-43CD-A273-D71B96FDD6FE}" type="sibTrans" cxnId="{1B9CD402-6281-48F8-A6FE-012DD073ECC9}">
-      <dgm:prSet/>
-      <dgm:spPr/>
-      <dgm:t>
-        <a:bodyPr/>
-        <a:lstStyle/>
-        <a:p>
-          <a:endParaRPr lang="en-US"/>
-        </a:p>
-      </dgm:t>
-    </dgm:pt>
-    <dgm:pt modelId="{F905BC0F-FFD5-4BEC-A1E2-C89819E13345}">
-      <dgm:prSet/>
-      <dgm:spPr/>
-      <dgm:t>
-        <a:bodyPr/>
-        <a:lstStyle/>
-        <a:p>
-          <a:r>
-            <a:rPr lang="de-DE"/>
-            <a:t>Interaktive Visualisierung von täglichen Themen</a:t>
-          </a:r>
-          <a:endParaRPr lang="en-US"/>
-        </a:p>
-      </dgm:t>
-    </dgm:pt>
-    <dgm:pt modelId="{21299508-0E98-42F6-BE62-B1FB2C986719}" type="parTrans" cxnId="{E1840AA0-9F1B-4DD3-AEA2-64AADDD6D9FA}">
-      <dgm:prSet/>
-      <dgm:spPr/>
-      <dgm:t>
-        <a:bodyPr/>
-        <a:lstStyle/>
-        <a:p>
-          <a:endParaRPr lang="en-US"/>
-        </a:p>
-      </dgm:t>
-    </dgm:pt>
-    <dgm:pt modelId="{B487DD23-C658-4681-BDA5-25D4575CE486}" type="sibTrans" cxnId="{E1840AA0-9F1B-4DD3-AEA2-64AADDD6D9FA}">
-      <dgm:prSet/>
-      <dgm:spPr/>
-      <dgm:t>
-        <a:bodyPr/>
-        <a:lstStyle/>
-        <a:p>
-          <a:endParaRPr lang="en-US"/>
-        </a:p>
-      </dgm:t>
-    </dgm:pt>
-    <dgm:pt modelId="{67749B2E-0CDB-4A04-87CA-99E0B0E181A5}">
-      <dgm:prSet/>
-      <dgm:spPr/>
-      <dgm:t>
-        <a:bodyPr/>
-        <a:lstStyle/>
-        <a:p>
-          <a:r>
-            <a:rPr lang="de-DE"/>
-            <a:t>Darstellung von Länderreferenzen und deren Beziehungen</a:t>
-          </a:r>
-          <a:endParaRPr lang="en-US"/>
-        </a:p>
-      </dgm:t>
-    </dgm:pt>
-    <dgm:pt modelId="{147575B8-AE57-499D-8813-DAEF8B599312}" type="parTrans" cxnId="{095BA9D0-F14B-4E06-A18A-CCDB8CEA0CDB}">
-      <dgm:prSet/>
-      <dgm:spPr/>
-      <dgm:t>
-        <a:bodyPr/>
-        <a:lstStyle/>
-        <a:p>
-          <a:endParaRPr lang="en-US"/>
-        </a:p>
-      </dgm:t>
-    </dgm:pt>
-    <dgm:pt modelId="{DE277908-1BB9-4B33-84BD-65D7B5E765BE}" type="sibTrans" cxnId="{095BA9D0-F14B-4E06-A18A-CCDB8CEA0CDB}">
-      <dgm:prSet/>
-      <dgm:spPr/>
-      <dgm:t>
-        <a:bodyPr/>
-        <a:lstStyle/>
-        <a:p>
-          <a:endParaRPr lang="en-US"/>
-        </a:p>
-      </dgm:t>
-    </dgm:pt>
-    <dgm:pt modelId="{DB737A2E-CF19-4CB5-B74B-0C281E5B9A38}">
-      <dgm:prSet/>
-      <dgm:spPr/>
-      <dgm:t>
-        <a:bodyPr/>
-        <a:lstStyle/>
-        <a:p>
-          <a:r>
-            <a:rPr lang="de-DE"/>
-            <a:t>Highlighting der am häufigsten diskutierten Personen und Nomen</a:t>
-          </a:r>
-          <a:endParaRPr lang="en-US"/>
-        </a:p>
-      </dgm:t>
-    </dgm:pt>
-    <dgm:pt modelId="{A876496B-9B5F-45E8-92E3-4030666A8862}" type="parTrans" cxnId="{377875CF-57FA-49E7-8950-8FBAA050CABF}">
-      <dgm:prSet/>
-      <dgm:spPr/>
-      <dgm:t>
-        <a:bodyPr/>
-        <a:lstStyle/>
-        <a:p>
-          <a:endParaRPr lang="en-US"/>
-        </a:p>
-      </dgm:t>
-    </dgm:pt>
-    <dgm:pt modelId="{D702FA87-9564-46E0-98C5-EEE1288E960C}" type="sibTrans" cxnId="{377875CF-57FA-49E7-8950-8FBAA050CABF}">
-      <dgm:prSet/>
-      <dgm:spPr/>
-      <dgm:t>
-        <a:bodyPr/>
-        <a:lstStyle/>
-        <a:p>
-          <a:endParaRPr lang="en-US"/>
-        </a:p>
-      </dgm:t>
-    </dgm:pt>
-    <dgm:pt modelId="{B51C684C-826C-45C2-AA28-FD32DD879158}">
-      <dgm:prSet/>
-      <dgm:spPr/>
-      <dgm:t>
-        <a:bodyPr/>
-        <a:lstStyle/>
-        <a:p>
-          <a:r>
-            <a:rPr lang="de-DE"/>
-            <a:t>Unser Ziel</a:t>
-          </a:r>
-          <a:endParaRPr lang="en-US"/>
-        </a:p>
-      </dgm:t>
-    </dgm:pt>
-    <dgm:pt modelId="{6813F034-25AF-415F-9DD5-0D2E42B6D622}" type="parTrans" cxnId="{0CA360C6-7E00-486B-AF7A-48F437FD2724}">
-      <dgm:prSet/>
-      <dgm:spPr/>
-      <dgm:t>
-        <a:bodyPr/>
-        <a:lstStyle/>
-        <a:p>
-          <a:endParaRPr lang="en-US"/>
-        </a:p>
-      </dgm:t>
-    </dgm:pt>
-    <dgm:pt modelId="{C4B98692-6A55-4D58-8D10-E286EA69637A}" type="sibTrans" cxnId="{0CA360C6-7E00-486B-AF7A-48F437FD2724}">
-      <dgm:prSet/>
-      <dgm:spPr/>
-      <dgm:t>
-        <a:bodyPr/>
-        <a:lstStyle/>
-        <a:p>
-          <a:endParaRPr lang="en-US"/>
-        </a:p>
-      </dgm:t>
-    </dgm:pt>
-    <dgm:pt modelId="{F3130879-72DA-455F-9E7C-F0C73B4B207D}">
-      <dgm:prSet/>
-      <dgm:spPr/>
-      <dgm:t>
-        <a:bodyPr/>
-        <a:lstStyle/>
-        <a:p>
-          <a:r>
-            <a:rPr lang="de-CH"/>
-            <a:t>Bereitstellung eines umfassenden Analysetools</a:t>
-          </a:r>
-          <a:endParaRPr lang="en-US"/>
-        </a:p>
-      </dgm:t>
-    </dgm:pt>
-    <dgm:pt modelId="{BCE1D066-8160-4F95-8CD2-B4EA668B65BB}" type="parTrans" cxnId="{1006B4D9-07D8-4C11-A31D-4D77A150720A}">
-      <dgm:prSet/>
-      <dgm:spPr/>
-      <dgm:t>
-        <a:bodyPr/>
-        <a:lstStyle/>
-        <a:p>
-          <a:endParaRPr lang="en-US"/>
-        </a:p>
-      </dgm:t>
-    </dgm:pt>
-    <dgm:pt modelId="{414A58BA-9DCC-4E5A-A485-C8B8D333255F}" type="sibTrans" cxnId="{1006B4D9-07D8-4C11-A31D-4D77A150720A}">
-      <dgm:prSet/>
-      <dgm:spPr/>
-      <dgm:t>
-        <a:bodyPr/>
-        <a:lstStyle/>
-        <a:p>
-          <a:endParaRPr lang="en-US"/>
-        </a:p>
-      </dgm:t>
-    </dgm:pt>
-    <dgm:pt modelId="{87AFC753-E70B-400D-850A-92659B6B69A9}">
-      <dgm:prSet/>
-      <dgm:spPr/>
-      <dgm:t>
-        <a:bodyPr/>
-        <a:lstStyle/>
-        <a:p>
-          <a:r>
-            <a:rPr lang="de-DE"/>
-            <a:t>Aufdeckung von Trends und Mustern der Medienberichterstattung</a:t>
-          </a:r>
-          <a:endParaRPr lang="en-US"/>
-        </a:p>
-      </dgm:t>
-    </dgm:pt>
-    <dgm:pt modelId="{4D2D13F3-2E8C-4E60-8402-47DAB5A726FA}" type="parTrans" cxnId="{5ACFB14C-9FB6-4EC7-8E08-DFBCC0D1339E}">
-      <dgm:prSet/>
-      <dgm:spPr/>
-      <dgm:t>
-        <a:bodyPr/>
-        <a:lstStyle/>
-        <a:p>
-          <a:endParaRPr lang="en-US"/>
-        </a:p>
-      </dgm:t>
-    </dgm:pt>
-    <dgm:pt modelId="{C75EEF81-B93B-4E8B-806C-8112AA3A885C}" type="sibTrans" cxnId="{5ACFB14C-9FB6-4EC7-8E08-DFBCC0D1339E}">
-      <dgm:prSet/>
-      <dgm:spPr/>
-      <dgm:t>
-        <a:bodyPr/>
-        <a:lstStyle/>
-        <a:p>
-          <a:endParaRPr lang="en-US"/>
-        </a:p>
-      </dgm:t>
-    </dgm:pt>
-    <dgm:pt modelId="{C628BE97-ACA7-49D1-A6F1-C2B01B3FD98D}">
-      <dgm:prSet/>
-      <dgm:spPr/>
-      <dgm:t>
-        <a:bodyPr/>
-        <a:lstStyle/>
-        <a:p>
-          <a:r>
-            <a:rPr lang="de-DE"/>
-            <a:t>Ermöglichung eines tieferen Verständnisses der gesellschaftsbewegenden Themen</a:t>
-          </a:r>
-          <a:endParaRPr lang="en-US"/>
-        </a:p>
-      </dgm:t>
-    </dgm:pt>
-    <dgm:pt modelId="{6CBDFB23-472D-484C-A4C0-9A1BA8B57957}" type="parTrans" cxnId="{BDFDFB5F-07ED-45B1-88BC-8E7BF7BB1C02}">
-      <dgm:prSet/>
-      <dgm:spPr/>
-      <dgm:t>
-        <a:bodyPr/>
-        <a:lstStyle/>
-        <a:p>
-          <a:endParaRPr lang="en-US"/>
-        </a:p>
-      </dgm:t>
-    </dgm:pt>
-    <dgm:pt modelId="{353388D8-ED1A-4CC0-950A-405966839EA1}" type="sibTrans" cxnId="{BDFDFB5F-07ED-45B1-88BC-8E7BF7BB1C02}">
-      <dgm:prSet/>
-      <dgm:spPr/>
-      <dgm:t>
-        <a:bodyPr/>
-        <a:lstStyle/>
-        <a:p>
-          <a:endParaRPr lang="en-US"/>
-        </a:p>
-      </dgm:t>
-    </dgm:pt>
-    <dgm:pt modelId="{CC8A1D5C-499A-4E9F-A436-F0149B7156F2}">
-      <dgm:prSet/>
-      <dgm:spPr/>
-      <dgm:t>
-        <a:bodyPr/>
-        <a:lstStyle/>
-        <a:p>
-          <a:r>
-            <a:rPr lang="de-DE"/>
-            <a:t>Der Nutzen</a:t>
-          </a:r>
-          <a:endParaRPr lang="en-US"/>
-        </a:p>
-      </dgm:t>
-    </dgm:pt>
-    <dgm:pt modelId="{15475771-1D06-42F7-BF3F-391B1F2ECAF6}" type="parTrans" cxnId="{AEB04D8A-0C2A-4F8E-ADFE-B88CE868AA76}">
-      <dgm:prSet/>
-      <dgm:spPr/>
-      <dgm:t>
-        <a:bodyPr/>
-        <a:lstStyle/>
-        <a:p>
-          <a:endParaRPr lang="en-US"/>
-        </a:p>
-      </dgm:t>
-    </dgm:pt>
-    <dgm:pt modelId="{01C91D05-C9D2-49EB-9E70-35443EA90454}" type="sibTrans" cxnId="{AEB04D8A-0C2A-4F8E-ADFE-B88CE868AA76}">
-      <dgm:prSet/>
-      <dgm:spPr/>
-      <dgm:t>
-        <a:bodyPr/>
-        <a:lstStyle/>
-        <a:p>
-          <a:endParaRPr lang="en-US"/>
-        </a:p>
-      </dgm:t>
-    </dgm:pt>
-    <dgm:pt modelId="{A094F5EF-38C9-4416-9121-A0D456D0BB98}">
-      <dgm:prSet/>
-      <dgm:spPr/>
-      <dgm:t>
-        <a:bodyPr/>
-        <a:lstStyle/>
-        <a:p>
-          <a:r>
-            <a:rPr lang="de-DE"/>
-            <a:t>Fundament für zukunftsorientierte Entscheidungen und Strategien im Medienbereich</a:t>
-          </a:r>
-          <a:endParaRPr lang="en-US"/>
-        </a:p>
-      </dgm:t>
-    </dgm:pt>
-    <dgm:pt modelId="{2C00BB41-B3E7-44D4-A445-43BF253C3DCB}" type="parTrans" cxnId="{DCE9044C-3AE5-4977-BB3B-E9E72FFC4250}">
-      <dgm:prSet/>
-      <dgm:spPr/>
-      <dgm:t>
-        <a:bodyPr/>
-        <a:lstStyle/>
-        <a:p>
-          <a:endParaRPr lang="en-US"/>
-        </a:p>
-      </dgm:t>
-    </dgm:pt>
-    <dgm:pt modelId="{47EBD6CF-E68F-4A9A-8237-1F88A2912E81}" type="sibTrans" cxnId="{DCE9044C-3AE5-4977-BB3B-E9E72FFC4250}">
-      <dgm:prSet/>
-      <dgm:spPr/>
-      <dgm:t>
-        <a:bodyPr/>
-        <a:lstStyle/>
-        <a:p>
-          <a:endParaRPr lang="en-US"/>
-        </a:p>
-      </dgm:t>
-    </dgm:pt>
-    <dgm:pt modelId="{2F7A435A-678C-4FD9-865B-4F20666A14B1}">
-      <dgm:prSet/>
-      <dgm:spPr/>
-      <dgm:t>
-        <a:bodyPr/>
-        <a:lstStyle/>
-        <a:p>
-          <a:r>
-            <a:rPr lang="de-DE"/>
-            <a:t>Erweiterte Perspektive auf die Medienlandschaft</a:t>
-          </a:r>
-          <a:endParaRPr lang="en-US"/>
-        </a:p>
-      </dgm:t>
-    </dgm:pt>
-    <dgm:pt modelId="{179DCFFD-0980-472F-B14A-3FA5A00C1A83}" type="parTrans" cxnId="{0BB87DD2-C9CD-43C8-9692-045130F69BAC}">
-      <dgm:prSet/>
-      <dgm:spPr/>
-      <dgm:t>
-        <a:bodyPr/>
-        <a:lstStyle/>
-        <a:p>
-          <a:endParaRPr lang="en-US"/>
-        </a:p>
-      </dgm:t>
-    </dgm:pt>
-    <dgm:pt modelId="{28A18DBC-6AA7-422C-82EF-A26A985B0985}" type="sibTrans" cxnId="{0BB87DD2-C9CD-43C8-9692-045130F69BAC}">
-      <dgm:prSet/>
-      <dgm:spPr/>
-      <dgm:t>
-        <a:bodyPr/>
-        <a:lstStyle/>
-        <a:p>
-          <a:endParaRPr lang="en-US"/>
-        </a:p>
-      </dgm:t>
-    </dgm:pt>
-    <dgm:pt modelId="{2C2ADD90-62A4-4659-AD68-CD5312B78154}">
-      <dgm:prSet/>
-      <dgm:spPr/>
-      <dgm:t>
-        <a:bodyPr/>
-        <a:lstStyle/>
-        <a:p>
-          <a:r>
-            <a:rPr lang="de-DE"/>
-            <a:t>Unterstützung bei der Identifikation von Informationslücken und Potentialen</a:t>
-          </a:r>
-          <a:endParaRPr lang="en-US"/>
-        </a:p>
-      </dgm:t>
-    </dgm:pt>
-    <dgm:pt modelId="{B78D1CD6-CB3F-45EF-97F0-35BE480CB1C3}" type="parTrans" cxnId="{03885855-3504-4189-B9D3-08A0FC5C0206}">
-      <dgm:prSet/>
-      <dgm:spPr/>
-      <dgm:t>
-        <a:bodyPr/>
-        <a:lstStyle/>
-        <a:p>
-          <a:endParaRPr lang="en-US"/>
-        </a:p>
-      </dgm:t>
-    </dgm:pt>
-    <dgm:pt modelId="{CBCDABB4-4D8A-42B5-AA82-B94A1E36B370}" type="sibTrans" cxnId="{03885855-3504-4189-B9D3-08A0FC5C0206}">
-      <dgm:prSet/>
-      <dgm:spPr/>
-      <dgm:t>
-        <a:bodyPr/>
-        <a:lstStyle/>
-        <a:p>
-          <a:endParaRPr lang="en-US"/>
-        </a:p>
-      </dgm:t>
-    </dgm:pt>
-    <dgm:pt modelId="{4E68E5CF-53B4-493C-960C-EF088EAFB746}" type="pres">
-      <dgm:prSet presAssocID="{EC75874E-FC66-4236-996C-042E6951ED78}" presName="linear" presStyleCnt="0">
-        <dgm:presLayoutVars>
-          <dgm:animLvl val="lvl"/>
-          <dgm:resizeHandles val="exact"/>
-        </dgm:presLayoutVars>
-      </dgm:prSet>
-      <dgm:spPr/>
-    </dgm:pt>
-    <dgm:pt modelId="{D27BA4E2-9FBB-48A2-A03C-0936070BD690}" type="pres">
-      <dgm:prSet presAssocID="{4B1ACBDF-E7AD-44F0-A83C-84CA8316E972}" presName="parentText" presStyleLbl="node1" presStyleIdx="0" presStyleCnt="4">
-        <dgm:presLayoutVars>
-          <dgm:chMax val="0"/>
-          <dgm:bulletEnabled val="1"/>
-        </dgm:presLayoutVars>
-      </dgm:prSet>
-      <dgm:spPr/>
-    </dgm:pt>
-    <dgm:pt modelId="{6A829E34-31FC-4CCC-AD08-A8A0827641F1}" type="pres">
-      <dgm:prSet presAssocID="{4B1ACBDF-E7AD-44F0-A83C-84CA8316E972}" presName="childText" presStyleLbl="revTx" presStyleIdx="0" presStyleCnt="4">
-        <dgm:presLayoutVars>
-          <dgm:bulletEnabled val="1"/>
-        </dgm:presLayoutVars>
-      </dgm:prSet>
-      <dgm:spPr/>
-    </dgm:pt>
-    <dgm:pt modelId="{A6B2AED9-FB72-41D1-8202-C04F5FFEF7BA}" type="pres">
-      <dgm:prSet presAssocID="{AE6DF04A-9698-479A-A37E-8AD47826268B}" presName="parentText" presStyleLbl="node1" presStyleIdx="1" presStyleCnt="4">
-        <dgm:presLayoutVars>
-          <dgm:chMax val="0"/>
-          <dgm:bulletEnabled val="1"/>
-        </dgm:presLayoutVars>
-      </dgm:prSet>
-      <dgm:spPr/>
-    </dgm:pt>
-    <dgm:pt modelId="{21B708FD-3C92-47D9-BFEC-1D0372E829BC}" type="pres">
-      <dgm:prSet presAssocID="{AE6DF04A-9698-479A-A37E-8AD47826268B}" presName="childText" presStyleLbl="revTx" presStyleIdx="1" presStyleCnt="4">
-        <dgm:presLayoutVars>
-          <dgm:bulletEnabled val="1"/>
-        </dgm:presLayoutVars>
-      </dgm:prSet>
-      <dgm:spPr/>
-    </dgm:pt>
-    <dgm:pt modelId="{C2CA9DC7-7EE6-4EF6-BC85-1964DC343E9F}" type="pres">
-      <dgm:prSet presAssocID="{B51C684C-826C-45C2-AA28-FD32DD879158}" presName="parentText" presStyleLbl="node1" presStyleIdx="2" presStyleCnt="4">
-        <dgm:presLayoutVars>
-          <dgm:chMax val="0"/>
-          <dgm:bulletEnabled val="1"/>
-        </dgm:presLayoutVars>
-      </dgm:prSet>
-      <dgm:spPr/>
-    </dgm:pt>
-    <dgm:pt modelId="{2448F6B3-A9E5-4B12-AFA9-D4FB6384555B}" type="pres">
-      <dgm:prSet presAssocID="{B51C684C-826C-45C2-AA28-FD32DD879158}" presName="childText" presStyleLbl="revTx" presStyleIdx="2" presStyleCnt="4">
-        <dgm:presLayoutVars>
-          <dgm:bulletEnabled val="1"/>
-        </dgm:presLayoutVars>
-      </dgm:prSet>
-      <dgm:spPr/>
-    </dgm:pt>
-    <dgm:pt modelId="{0F923B10-6378-42BB-A893-56BA006A6B09}" type="pres">
-      <dgm:prSet presAssocID="{CC8A1D5C-499A-4E9F-A436-F0149B7156F2}" presName="parentText" presStyleLbl="node1" presStyleIdx="3" presStyleCnt="4">
-        <dgm:presLayoutVars>
-          <dgm:chMax val="0"/>
-          <dgm:bulletEnabled val="1"/>
-        </dgm:presLayoutVars>
-      </dgm:prSet>
-      <dgm:spPr/>
-    </dgm:pt>
-    <dgm:pt modelId="{494A643D-DEE2-4B91-ABD1-93CD2DE4F5A5}" type="pres">
-      <dgm:prSet presAssocID="{CC8A1D5C-499A-4E9F-A436-F0149B7156F2}" presName="childText" presStyleLbl="revTx" presStyleIdx="3" presStyleCnt="4">
-        <dgm:presLayoutVars>
-          <dgm:bulletEnabled val="1"/>
-        </dgm:presLayoutVars>
-      </dgm:prSet>
-      <dgm:spPr/>
-    </dgm:pt>
-  </dgm:ptLst>
-  <dgm:cxnLst>
-    <dgm:cxn modelId="{1B9CD402-6281-48F8-A6FE-012DD073ECC9}" srcId="{EC75874E-FC66-4236-996C-042E6951ED78}" destId="{AE6DF04A-9698-479A-A37E-8AD47826268B}" srcOrd="1" destOrd="0" parTransId="{43D34F04-EA67-4DF0-AB1C-97E0A0974D38}" sibTransId="{E3DF9C37-CFF0-43CD-A273-D71B96FDD6FE}"/>
-    <dgm:cxn modelId="{2EBF1C03-86BF-4CC2-99BE-2EAB711AB028}" type="presOf" srcId="{AE6DF04A-9698-479A-A37E-8AD47826268B}" destId="{A6B2AED9-FB72-41D1-8202-C04F5FFEF7BA}" srcOrd="0" destOrd="0" presId="urn:microsoft.com/office/officeart/2005/8/layout/vList2"/>
-    <dgm:cxn modelId="{56354110-4036-40BF-A498-539A74038271}" type="presOf" srcId="{A094F5EF-38C9-4416-9121-A0D456D0BB98}" destId="{494A643D-DEE2-4B91-ABD1-93CD2DE4F5A5}" srcOrd="0" destOrd="0" presId="urn:microsoft.com/office/officeart/2005/8/layout/vList2"/>
-    <dgm:cxn modelId="{E9989615-49CC-480F-87C1-BF22C60A982A}" type="presOf" srcId="{2F7A435A-678C-4FD9-865B-4F20666A14B1}" destId="{494A643D-DEE2-4B91-ABD1-93CD2DE4F5A5}" srcOrd="0" destOrd="1" presId="urn:microsoft.com/office/officeart/2005/8/layout/vList2"/>
-    <dgm:cxn modelId="{D939AD17-E878-4D68-AEAF-7A4C9A0ACBB3}" type="presOf" srcId="{C628BE97-ACA7-49D1-A6F1-C2B01B3FD98D}" destId="{2448F6B3-A9E5-4B12-AFA9-D4FB6384555B}" srcOrd="0" destOrd="2" presId="urn:microsoft.com/office/officeart/2005/8/layout/vList2"/>
-    <dgm:cxn modelId="{FA66D81A-9DCC-4C9B-888B-2B30A9661F5D}" type="presOf" srcId="{F905BC0F-FFD5-4BEC-A1E2-C89819E13345}" destId="{21B708FD-3C92-47D9-BFEC-1D0372E829BC}" srcOrd="0" destOrd="0" presId="urn:microsoft.com/office/officeart/2005/8/layout/vList2"/>
-    <dgm:cxn modelId="{60BF301E-A848-4CDE-B17B-0752C4FAABCA}" srcId="{4B1ACBDF-E7AD-44F0-A83C-84CA8316E972}" destId="{E450D12C-8D6A-479A-BB6A-86302AF96E77}" srcOrd="0" destOrd="0" parTransId="{913D5605-0B9E-4766-9216-7551ACF5843B}" sibTransId="{923923D8-5A5B-49F3-BF78-789FD14DC706}"/>
-    <dgm:cxn modelId="{7086F82A-DD83-4EA0-A5F9-8CE630434C37}" type="presOf" srcId="{87AFC753-E70B-400D-850A-92659B6B69A9}" destId="{2448F6B3-A9E5-4B12-AFA9-D4FB6384555B}" srcOrd="0" destOrd="1" presId="urn:microsoft.com/office/officeart/2005/8/layout/vList2"/>
-    <dgm:cxn modelId="{2A105E30-3563-4B65-96E3-9D892305D1C8}" srcId="{EC75874E-FC66-4236-996C-042E6951ED78}" destId="{4B1ACBDF-E7AD-44F0-A83C-84CA8316E972}" srcOrd="0" destOrd="0" parTransId="{299FA21B-7C73-4D9E-AB7C-65818B1EFE41}" sibTransId="{57336158-CCE4-4462-9517-E114D211554D}"/>
-    <dgm:cxn modelId="{2BABF23D-FA51-496D-8801-221290DECE70}" type="presOf" srcId="{B51C684C-826C-45C2-AA28-FD32DD879158}" destId="{C2CA9DC7-7EE6-4EF6-BC85-1964DC343E9F}" srcOrd="0" destOrd="0" presId="urn:microsoft.com/office/officeart/2005/8/layout/vList2"/>
-    <dgm:cxn modelId="{BDFDFB5F-07ED-45B1-88BC-8E7BF7BB1C02}" srcId="{B51C684C-826C-45C2-AA28-FD32DD879158}" destId="{C628BE97-ACA7-49D1-A6F1-C2B01B3FD98D}" srcOrd="2" destOrd="0" parTransId="{6CBDFB23-472D-484C-A4C0-9A1BA8B57957}" sibTransId="{353388D8-ED1A-4CC0-950A-405966839EA1}"/>
-    <dgm:cxn modelId="{DCE9044C-3AE5-4977-BB3B-E9E72FFC4250}" srcId="{CC8A1D5C-499A-4E9F-A436-F0149B7156F2}" destId="{A094F5EF-38C9-4416-9121-A0D456D0BB98}" srcOrd="0" destOrd="0" parTransId="{2C00BB41-B3E7-44D4-A445-43BF253C3DCB}" sibTransId="{47EBD6CF-E68F-4A9A-8237-1F88A2912E81}"/>
-    <dgm:cxn modelId="{5ACFB14C-9FB6-4EC7-8E08-DFBCC0D1339E}" srcId="{B51C684C-826C-45C2-AA28-FD32DD879158}" destId="{87AFC753-E70B-400D-850A-92659B6B69A9}" srcOrd="1" destOrd="0" parTransId="{4D2D13F3-2E8C-4E60-8402-47DAB5A726FA}" sibTransId="{C75EEF81-B93B-4E8B-806C-8112AA3A885C}"/>
-    <dgm:cxn modelId="{03885855-3504-4189-B9D3-08A0FC5C0206}" srcId="{CC8A1D5C-499A-4E9F-A436-F0149B7156F2}" destId="{2C2ADD90-62A4-4659-AD68-CD5312B78154}" srcOrd="2" destOrd="0" parTransId="{B78D1CD6-CB3F-45EF-97F0-35BE480CB1C3}" sibTransId="{CBCDABB4-4D8A-42B5-AA82-B94A1E36B370}"/>
-    <dgm:cxn modelId="{D5A1F258-5E70-4E59-ACFD-16E52AA04502}" srcId="{4B1ACBDF-E7AD-44F0-A83C-84CA8316E972}" destId="{FC79ADE7-EE1D-4B4C-B873-79FC414E1D5C}" srcOrd="1" destOrd="0" parTransId="{924F45D5-2657-4974-88E7-4E27A3931A55}" sibTransId="{F5686E28-F11F-46BF-A252-2E28822178A9}"/>
-    <dgm:cxn modelId="{0AE52A7F-DF4B-4CC8-AF42-BE32A4CA99E4}" type="presOf" srcId="{DB737A2E-CF19-4CB5-B74B-0C281E5B9A38}" destId="{21B708FD-3C92-47D9-BFEC-1D0372E829BC}" srcOrd="0" destOrd="2" presId="urn:microsoft.com/office/officeart/2005/8/layout/vList2"/>
-    <dgm:cxn modelId="{DA36FB89-9780-4A26-96DB-E7F536170859}" type="presOf" srcId="{CC8A1D5C-499A-4E9F-A436-F0149B7156F2}" destId="{0F923B10-6378-42BB-A893-56BA006A6B09}" srcOrd="0" destOrd="0" presId="urn:microsoft.com/office/officeart/2005/8/layout/vList2"/>
-    <dgm:cxn modelId="{AEB04D8A-0C2A-4F8E-ADFE-B88CE868AA76}" srcId="{EC75874E-FC66-4236-996C-042E6951ED78}" destId="{CC8A1D5C-499A-4E9F-A436-F0149B7156F2}" srcOrd="3" destOrd="0" parTransId="{15475771-1D06-42F7-BF3F-391B1F2ECAF6}" sibTransId="{01C91D05-C9D2-49EB-9E70-35443EA90454}"/>
-    <dgm:cxn modelId="{E1840AA0-9F1B-4DD3-AEA2-64AADDD6D9FA}" srcId="{AE6DF04A-9698-479A-A37E-8AD47826268B}" destId="{F905BC0F-FFD5-4BEC-A1E2-C89819E13345}" srcOrd="0" destOrd="0" parTransId="{21299508-0E98-42F6-BE62-B1FB2C986719}" sibTransId="{B487DD23-C658-4681-BDA5-25D4575CE486}"/>
-    <dgm:cxn modelId="{736FCEC3-6314-4E71-BEE7-41F59AE0597E}" type="presOf" srcId="{2C2ADD90-62A4-4659-AD68-CD5312B78154}" destId="{494A643D-DEE2-4B91-ABD1-93CD2DE4F5A5}" srcOrd="0" destOrd="2" presId="urn:microsoft.com/office/officeart/2005/8/layout/vList2"/>
-    <dgm:cxn modelId="{0CA360C6-7E00-486B-AF7A-48F437FD2724}" srcId="{EC75874E-FC66-4236-996C-042E6951ED78}" destId="{B51C684C-826C-45C2-AA28-FD32DD879158}" srcOrd="2" destOrd="0" parTransId="{6813F034-25AF-415F-9DD5-0D2E42B6D622}" sibTransId="{C4B98692-6A55-4D58-8D10-E286EA69637A}"/>
-    <dgm:cxn modelId="{377875CF-57FA-49E7-8950-8FBAA050CABF}" srcId="{AE6DF04A-9698-479A-A37E-8AD47826268B}" destId="{DB737A2E-CF19-4CB5-B74B-0C281E5B9A38}" srcOrd="2" destOrd="0" parTransId="{A876496B-9B5F-45E8-92E3-4030666A8862}" sibTransId="{D702FA87-9564-46E0-98C5-EEE1288E960C}"/>
-    <dgm:cxn modelId="{095BA9D0-F14B-4E06-A18A-CCDB8CEA0CDB}" srcId="{AE6DF04A-9698-479A-A37E-8AD47826268B}" destId="{67749B2E-0CDB-4A04-87CA-99E0B0E181A5}" srcOrd="1" destOrd="0" parTransId="{147575B8-AE57-499D-8813-DAEF8B599312}" sibTransId="{DE277908-1BB9-4B33-84BD-65D7B5E765BE}"/>
-    <dgm:cxn modelId="{0BB87DD2-C9CD-43C8-9692-045130F69BAC}" srcId="{CC8A1D5C-499A-4E9F-A436-F0149B7156F2}" destId="{2F7A435A-678C-4FD9-865B-4F20666A14B1}" srcOrd="1" destOrd="0" parTransId="{179DCFFD-0980-472F-B14A-3FA5A00C1A83}" sibTransId="{28A18DBC-6AA7-422C-82EF-A26A985B0985}"/>
-    <dgm:cxn modelId="{C10143D3-916B-4F5C-957F-ED4313DFAEAC}" type="presOf" srcId="{67749B2E-0CDB-4A04-87CA-99E0B0E181A5}" destId="{21B708FD-3C92-47D9-BFEC-1D0372E829BC}" srcOrd="0" destOrd="1" presId="urn:microsoft.com/office/officeart/2005/8/layout/vList2"/>
-    <dgm:cxn modelId="{A61698D7-3341-42E3-BB29-10363D810C42}" type="presOf" srcId="{FC79ADE7-EE1D-4B4C-B873-79FC414E1D5C}" destId="{6A829E34-31FC-4CCC-AD08-A8A0827641F1}" srcOrd="0" destOrd="1" presId="urn:microsoft.com/office/officeart/2005/8/layout/vList2"/>
-    <dgm:cxn modelId="{1006B4D9-07D8-4C11-A31D-4D77A150720A}" srcId="{B51C684C-826C-45C2-AA28-FD32DD879158}" destId="{F3130879-72DA-455F-9E7C-F0C73B4B207D}" srcOrd="0" destOrd="0" parTransId="{BCE1D066-8160-4F95-8CD2-B4EA668B65BB}" sibTransId="{414A58BA-9DCC-4E5A-A485-C8B8D333255F}"/>
-    <dgm:cxn modelId="{8B6E99DA-F36F-496A-926B-A8A9D620EA06}" type="presOf" srcId="{EC75874E-FC66-4236-996C-042E6951ED78}" destId="{4E68E5CF-53B4-493C-960C-EF088EAFB746}" srcOrd="0" destOrd="0" presId="urn:microsoft.com/office/officeart/2005/8/layout/vList2"/>
-    <dgm:cxn modelId="{C95414E2-3545-4946-BE67-8A64A346DE60}" type="presOf" srcId="{E450D12C-8D6A-479A-BB6A-86302AF96E77}" destId="{6A829E34-31FC-4CCC-AD08-A8A0827641F1}" srcOrd="0" destOrd="0" presId="urn:microsoft.com/office/officeart/2005/8/layout/vList2"/>
-    <dgm:cxn modelId="{66FE35EA-E5CC-432D-9775-33463C5A4102}" type="presOf" srcId="{4B1ACBDF-E7AD-44F0-A83C-84CA8316E972}" destId="{D27BA4E2-9FBB-48A2-A03C-0936070BD690}" srcOrd="0" destOrd="0" presId="urn:microsoft.com/office/officeart/2005/8/layout/vList2"/>
-    <dgm:cxn modelId="{F2240FFE-7DA6-4BA6-85A6-1614E3717293}" type="presOf" srcId="{F3130879-72DA-455F-9E7C-F0C73B4B207D}" destId="{2448F6B3-A9E5-4B12-AFA9-D4FB6384555B}" srcOrd="0" destOrd="0" presId="urn:microsoft.com/office/officeart/2005/8/layout/vList2"/>
-    <dgm:cxn modelId="{E5A8DE7D-0A59-41F4-9AFB-3181096E6D8C}" type="presParOf" srcId="{4E68E5CF-53B4-493C-960C-EF088EAFB746}" destId="{D27BA4E2-9FBB-48A2-A03C-0936070BD690}" srcOrd="0" destOrd="0" presId="urn:microsoft.com/office/officeart/2005/8/layout/vList2"/>
-    <dgm:cxn modelId="{269E0867-BE39-4598-9A53-24218D23E80C}" type="presParOf" srcId="{4E68E5CF-53B4-493C-960C-EF088EAFB746}" destId="{6A829E34-31FC-4CCC-AD08-A8A0827641F1}" srcOrd="1" destOrd="0" presId="urn:microsoft.com/office/officeart/2005/8/layout/vList2"/>
-    <dgm:cxn modelId="{453C94E2-D499-4315-B1AE-BD49679DDBB1}" type="presParOf" srcId="{4E68E5CF-53B4-493C-960C-EF088EAFB746}" destId="{A6B2AED9-FB72-41D1-8202-C04F5FFEF7BA}" srcOrd="2" destOrd="0" presId="urn:microsoft.com/office/officeart/2005/8/layout/vList2"/>
-    <dgm:cxn modelId="{552DCB36-C614-45F5-9609-011032DE10D0}" type="presParOf" srcId="{4E68E5CF-53B4-493C-960C-EF088EAFB746}" destId="{21B708FD-3C92-47D9-BFEC-1D0372E829BC}" srcOrd="3" destOrd="0" presId="urn:microsoft.com/office/officeart/2005/8/layout/vList2"/>
-    <dgm:cxn modelId="{4F996A4C-F136-404B-813E-7CE698A88F68}" type="presParOf" srcId="{4E68E5CF-53B4-493C-960C-EF088EAFB746}" destId="{C2CA9DC7-7EE6-4EF6-BC85-1964DC343E9F}" srcOrd="4" destOrd="0" presId="urn:microsoft.com/office/officeart/2005/8/layout/vList2"/>
-    <dgm:cxn modelId="{3DA8CE1F-C911-4B7A-9025-44DE91B96097}" type="presParOf" srcId="{4E68E5CF-53B4-493C-960C-EF088EAFB746}" destId="{2448F6B3-A9E5-4B12-AFA9-D4FB6384555B}" srcOrd="5" destOrd="0" presId="urn:microsoft.com/office/officeart/2005/8/layout/vList2"/>
-    <dgm:cxn modelId="{7B4A4168-B686-45E9-840A-E098005E84E7}" type="presParOf" srcId="{4E68E5CF-53B4-493C-960C-EF088EAFB746}" destId="{0F923B10-6378-42BB-A893-56BA006A6B09}" srcOrd="6" destOrd="0" presId="urn:microsoft.com/office/officeart/2005/8/layout/vList2"/>
-    <dgm:cxn modelId="{5E25D026-4B91-4AAA-8F5C-CDC47AE01F7B}" type="presParOf" srcId="{4E68E5CF-53B4-493C-960C-EF088EAFB746}" destId="{494A643D-DEE2-4B91-ABD1-93CD2DE4F5A5}" srcOrd="7" destOrd="0" presId="urn:microsoft.com/office/officeart/2005/8/layout/vList2"/>
-  </dgm:cxnLst>
-  <dgm:bg/>
-  <dgm:whole/>
-  <dgm:extLst>
-    <a:ext uri="http://schemas.microsoft.com/office/drawing/2008/diagram">
-      <dsp:dataModelExt xmlns:dsp="http://schemas.microsoft.com/office/drawing/2008/diagram" relId="rId6" minVer="http://schemas.openxmlformats.org/drawingml/2006/diagram"/>
-    </a:ext>
-  </dgm:extLst>
-</dgm:dataModel>
-</file>
-
-<file path=ppt/diagrams/data2.xml><?xml version="1.0" encoding="utf-8"?>
 <dgm:dataModel xmlns:dgm="http://schemas.openxmlformats.org/drawingml/2006/diagram" xmlns:a="http://schemas.openxmlformats.org/drawingml/2006/main">
   <dgm:ptLst>
     <dgm:pt modelId="{DD8C9898-20BC-4013-9748-A5F879C2AC3C}" type="doc">
@@ -4102,712 +3457,725 @@
 </dgm:dataModel>
 </file>
 
-<file path=ppt/diagrams/drawing1.xml><?xml version="1.0" encoding="utf-8"?>
-<dsp:drawing xmlns:dgm="http://schemas.openxmlformats.org/drawingml/2006/diagram" xmlns:dsp="http://schemas.microsoft.com/office/drawing/2008/diagram" xmlns:a="http://schemas.openxmlformats.org/drawingml/2006/main">
-  <dsp:spTree>
-    <dsp:nvGrpSpPr>
-      <dsp:cNvPr id="0" name=""/>
-      <dsp:cNvGrpSpPr/>
-    </dsp:nvGrpSpPr>
-    <dsp:grpSpPr/>
-    <dsp:sp modelId="{D27BA4E2-9FBB-48A2-A03C-0936070BD690}">
-      <dsp:nvSpPr>
-        <dsp:cNvPr id="0" name=""/>
-        <dsp:cNvSpPr/>
-      </dsp:nvSpPr>
-      <dsp:spPr>
-        <a:xfrm>
-          <a:off x="0" y="69422"/>
-          <a:ext cx="11524422" cy="551655"/>
-        </a:xfrm>
-        <a:prstGeom prst="roundRect">
-          <a:avLst/>
-        </a:prstGeom>
-        <a:solidFill>
-          <a:schemeClr val="accent1">
-            <a:hueOff val="0"/>
-            <a:satOff val="0"/>
-            <a:lumOff val="0"/>
-            <a:alphaOff val="0"/>
-          </a:schemeClr>
-        </a:solidFill>
-        <a:ln w="12700" cap="flat" cmpd="sng" algn="ctr">
-          <a:solidFill>
-            <a:schemeClr val="lt1">
-              <a:hueOff val="0"/>
-              <a:satOff val="0"/>
-              <a:lumOff val="0"/>
-              <a:alphaOff val="0"/>
-            </a:schemeClr>
-          </a:solidFill>
-          <a:prstDash val="solid"/>
-          <a:miter lim="800000"/>
-        </a:ln>
-        <a:effectLst/>
-      </dsp:spPr>
-      <dsp:style>
-        <a:lnRef idx="2">
-          <a:scrgbClr r="0" g="0" b="0"/>
-        </a:lnRef>
-        <a:fillRef idx="1">
-          <a:scrgbClr r="0" g="0" b="0"/>
-        </a:fillRef>
-        <a:effectRef idx="0">
-          <a:scrgbClr r="0" g="0" b="0"/>
-        </a:effectRef>
-        <a:fontRef idx="minor">
-          <a:schemeClr val="lt1"/>
-        </a:fontRef>
-      </dsp:style>
-      <dsp:txBody>
-        <a:bodyPr spcFirstLastPara="0" vert="horz" wrap="square" lIns="87630" tIns="87630" rIns="87630" bIns="87630" numCol="1" spcCol="1270" anchor="ctr" anchorCtr="0">
-          <a:noAutofit/>
-        </a:bodyPr>
+<file path=ppt/diagrams/data2.xml><?xml version="1.0" encoding="utf-8"?>
+<dgm:dataModel xmlns:dgm="http://schemas.openxmlformats.org/drawingml/2006/diagram" xmlns:a="http://schemas.openxmlformats.org/drawingml/2006/main">
+  <dgm:ptLst>
+    <dgm:pt modelId="{EC75874E-FC66-4236-996C-042E6951ED78}" type="doc">
+      <dgm:prSet loTypeId="urn:microsoft.com/office/officeart/2005/8/layout/vList2" loCatId="list" qsTypeId="urn:microsoft.com/office/officeart/2005/8/quickstyle/simple1" qsCatId="simple" csTypeId="urn:microsoft.com/office/officeart/2005/8/colors/accent1_2" csCatId="accent1" phldr="1"/>
+      <dgm:spPr/>
+      <dgm:t>
+        <a:bodyPr/>
         <a:lstStyle/>
         <a:p>
-          <a:pPr marL="0" lvl="0" indent="0" algn="l" defTabSz="1022350">
-            <a:lnSpc>
-              <a:spcPct val="90000"/>
-            </a:lnSpc>
-            <a:spcBef>
-              <a:spcPct val="0"/>
-            </a:spcBef>
-            <a:spcAft>
-              <a:spcPct val="35000"/>
-            </a:spcAft>
-            <a:buNone/>
-          </a:pPr>
+          <a:endParaRPr lang="en-US"/>
+        </a:p>
+      </dgm:t>
+    </dgm:pt>
+    <dgm:pt modelId="{4B1ACBDF-E7AD-44F0-A83C-84CA8316E972}">
+      <dgm:prSet/>
+      <dgm:spPr/>
+      <dgm:t>
+        <a:bodyPr/>
+        <a:lstStyle/>
+        <a:p>
           <a:r>
-            <a:rPr lang="de-CH" sz="2300" kern="1200"/>
+            <a:rPr lang="de-CH"/>
             <a:t>Unser Projekt</a:t>
           </a:r>
-          <a:endParaRPr lang="en-US" sz="2300" kern="1200"/>
+          <a:endParaRPr lang="en-US"/>
         </a:p>
-      </dsp:txBody>
-      <dsp:txXfrm>
-        <a:off x="26930" y="96352"/>
-        <a:ext cx="11470562" cy="497795"/>
-      </dsp:txXfrm>
-    </dsp:sp>
-    <dsp:sp modelId="{6A829E34-31FC-4CCC-AD08-A8A0827641F1}">
-      <dsp:nvSpPr>
-        <dsp:cNvPr id="0" name=""/>
-        <dsp:cNvSpPr/>
-      </dsp:nvSpPr>
-      <dsp:spPr>
-        <a:xfrm>
-          <a:off x="0" y="621077"/>
-          <a:ext cx="11524422" cy="618930"/>
-        </a:xfrm>
-        <a:prstGeom prst="rect">
-          <a:avLst/>
-        </a:prstGeom>
-        <a:noFill/>
-        <a:ln>
-          <a:noFill/>
-        </a:ln>
-        <a:effectLst/>
-      </dsp:spPr>
-      <dsp:style>
-        <a:lnRef idx="0">
-          <a:scrgbClr r="0" g="0" b="0"/>
-        </a:lnRef>
-        <a:fillRef idx="0">
-          <a:scrgbClr r="0" g="0" b="0"/>
-        </a:fillRef>
-        <a:effectRef idx="0">
-          <a:scrgbClr r="0" g="0" b="0"/>
-        </a:effectRef>
-        <a:fontRef idx="minor"/>
-      </dsp:style>
-      <dsp:txBody>
-        <a:bodyPr spcFirstLastPara="0" vert="horz" wrap="square" lIns="365900" tIns="29210" rIns="163576" bIns="29210" numCol="1" spcCol="1270" anchor="t" anchorCtr="0">
-          <a:noAutofit/>
-        </a:bodyPr>
+      </dgm:t>
+    </dgm:pt>
+    <dgm:pt modelId="{299FA21B-7C73-4D9E-AB7C-65818B1EFE41}" type="parTrans" cxnId="{2A105E30-3563-4B65-96E3-9D892305D1C8}">
+      <dgm:prSet/>
+      <dgm:spPr/>
+      <dgm:t>
+        <a:bodyPr/>
         <a:lstStyle/>
         <a:p>
-          <a:pPr marL="171450" lvl="1" indent="-171450" algn="l" defTabSz="800100">
-            <a:lnSpc>
-              <a:spcPct val="90000"/>
-            </a:lnSpc>
-            <a:spcBef>
-              <a:spcPct val="0"/>
-            </a:spcBef>
-            <a:spcAft>
-              <a:spcPct val="20000"/>
-            </a:spcAft>
-            <a:buChar char="•"/>
-          </a:pPr>
-          <a:r>
-            <a:rPr lang="de-DE" sz="1800" kern="1200"/>
-            <a:t>Entwicklung eines dynamischen, datenbasierten Dashboards</a:t>
-          </a:r>
-          <a:endParaRPr lang="en-US" sz="1800" kern="1200"/>
+          <a:endParaRPr lang="en-US"/>
         </a:p>
-        <a:p>
-          <a:pPr marL="171450" lvl="1" indent="-171450" algn="l" defTabSz="800100">
-            <a:lnSpc>
-              <a:spcPct val="90000"/>
-            </a:lnSpc>
-            <a:spcBef>
-              <a:spcPct val="0"/>
-            </a:spcBef>
-            <a:spcAft>
-              <a:spcPct val="20000"/>
-            </a:spcAft>
-            <a:buChar char="•"/>
-          </a:pPr>
-          <a:r>
-            <a:rPr lang="de-DE" sz="1800" kern="1200"/>
-            <a:t>Detaillierte Abbildung der Berichterstattung von acht Schweizer Zeitungen aus dem Jahr 2022</a:t>
-          </a:r>
-          <a:endParaRPr lang="en-US" sz="1800" kern="1200"/>
-        </a:p>
-      </dsp:txBody>
-      <dsp:txXfrm>
-        <a:off x="0" y="621077"/>
-        <a:ext cx="11524422" cy="618930"/>
-      </dsp:txXfrm>
-    </dsp:sp>
-    <dsp:sp modelId="{A6B2AED9-FB72-41D1-8202-C04F5FFEF7BA}">
-      <dsp:nvSpPr>
-        <dsp:cNvPr id="0" name=""/>
-        <dsp:cNvSpPr/>
-      </dsp:nvSpPr>
-      <dsp:spPr>
-        <a:xfrm>
-          <a:off x="0" y="1240007"/>
-          <a:ext cx="11524422" cy="551655"/>
-        </a:xfrm>
-        <a:prstGeom prst="roundRect">
-          <a:avLst/>
-        </a:prstGeom>
-        <a:solidFill>
-          <a:schemeClr val="accent1">
-            <a:hueOff val="0"/>
-            <a:satOff val="0"/>
-            <a:lumOff val="0"/>
-            <a:alphaOff val="0"/>
-          </a:schemeClr>
-        </a:solidFill>
-        <a:ln w="12700" cap="flat" cmpd="sng" algn="ctr">
-          <a:solidFill>
-            <a:schemeClr val="lt1">
-              <a:hueOff val="0"/>
-              <a:satOff val="0"/>
-              <a:lumOff val="0"/>
-              <a:alphaOff val="0"/>
-            </a:schemeClr>
-          </a:solidFill>
-          <a:prstDash val="solid"/>
-          <a:miter lim="800000"/>
-        </a:ln>
-        <a:effectLst/>
-      </dsp:spPr>
-      <dsp:style>
-        <a:lnRef idx="2">
-          <a:scrgbClr r="0" g="0" b="0"/>
-        </a:lnRef>
-        <a:fillRef idx="1">
-          <a:scrgbClr r="0" g="0" b="0"/>
-        </a:fillRef>
-        <a:effectRef idx="0">
-          <a:scrgbClr r="0" g="0" b="0"/>
-        </a:effectRef>
-        <a:fontRef idx="minor">
-          <a:schemeClr val="lt1"/>
-        </a:fontRef>
-      </dsp:style>
-      <dsp:txBody>
-        <a:bodyPr spcFirstLastPara="0" vert="horz" wrap="square" lIns="87630" tIns="87630" rIns="87630" bIns="87630" numCol="1" spcCol="1270" anchor="ctr" anchorCtr="0">
-          <a:noAutofit/>
-        </a:bodyPr>
+      </dgm:t>
+    </dgm:pt>
+    <dgm:pt modelId="{57336158-CCE4-4462-9517-E114D211554D}" type="sibTrans" cxnId="{2A105E30-3563-4B65-96E3-9D892305D1C8}">
+      <dgm:prSet/>
+      <dgm:spPr/>
+      <dgm:t>
+        <a:bodyPr/>
         <a:lstStyle/>
         <a:p>
-          <a:pPr marL="0" lvl="0" indent="0" algn="l" defTabSz="1022350">
-            <a:lnSpc>
-              <a:spcPct val="90000"/>
-            </a:lnSpc>
-            <a:spcBef>
-              <a:spcPct val="0"/>
-            </a:spcBef>
-            <a:spcAft>
-              <a:spcPct val="35000"/>
-            </a:spcAft>
-            <a:buNone/>
-          </a:pPr>
+          <a:endParaRPr lang="en-US"/>
+        </a:p>
+      </dgm:t>
+    </dgm:pt>
+    <dgm:pt modelId="{E450D12C-8D6A-479A-BB6A-86302AF96E77}">
+      <dgm:prSet/>
+      <dgm:spPr/>
+      <dgm:t>
+        <a:bodyPr/>
+        <a:lstStyle/>
+        <a:p>
           <a:r>
-            <a:rPr lang="de-CH" sz="2300" kern="1200"/>
+            <a:rPr lang="de-DE" dirty="0"/>
+            <a:t>datenbasierten Dashboards für Recherchezwecke</a:t>
+          </a:r>
+          <a:endParaRPr lang="en-US" dirty="0"/>
+        </a:p>
+      </dgm:t>
+    </dgm:pt>
+    <dgm:pt modelId="{913D5605-0B9E-4766-9216-7551ACF5843B}" type="parTrans" cxnId="{60BF301E-A848-4CDE-B17B-0752C4FAABCA}">
+      <dgm:prSet/>
+      <dgm:spPr/>
+      <dgm:t>
+        <a:bodyPr/>
+        <a:lstStyle/>
+        <a:p>
+          <a:endParaRPr lang="en-US"/>
+        </a:p>
+      </dgm:t>
+    </dgm:pt>
+    <dgm:pt modelId="{923923D8-5A5B-49F3-BF78-789FD14DC706}" type="sibTrans" cxnId="{60BF301E-A848-4CDE-B17B-0752C4FAABCA}">
+      <dgm:prSet/>
+      <dgm:spPr/>
+      <dgm:t>
+        <a:bodyPr/>
+        <a:lstStyle/>
+        <a:p>
+          <a:endParaRPr lang="en-US"/>
+        </a:p>
+      </dgm:t>
+    </dgm:pt>
+    <dgm:pt modelId="{FC79ADE7-EE1D-4B4C-B873-79FC414E1D5C}">
+      <dgm:prSet/>
+      <dgm:spPr/>
+      <dgm:t>
+        <a:bodyPr/>
+        <a:lstStyle/>
+        <a:p>
+          <a:r>
+            <a:rPr lang="de-DE" dirty="0"/>
+            <a:t>acht Schweizer Zeitungen aus dem Jahr 2022</a:t>
+          </a:r>
+          <a:endParaRPr lang="en-US" dirty="0"/>
+        </a:p>
+      </dgm:t>
+    </dgm:pt>
+    <dgm:pt modelId="{924F45D5-2657-4974-88E7-4E27A3931A55}" type="parTrans" cxnId="{D5A1F258-5E70-4E59-ACFD-16E52AA04502}">
+      <dgm:prSet/>
+      <dgm:spPr/>
+      <dgm:t>
+        <a:bodyPr/>
+        <a:lstStyle/>
+        <a:p>
+          <a:endParaRPr lang="en-US"/>
+        </a:p>
+      </dgm:t>
+    </dgm:pt>
+    <dgm:pt modelId="{F5686E28-F11F-46BF-A252-2E28822178A9}" type="sibTrans" cxnId="{D5A1F258-5E70-4E59-ACFD-16E52AA04502}">
+      <dgm:prSet/>
+      <dgm:spPr/>
+      <dgm:t>
+        <a:bodyPr/>
+        <a:lstStyle/>
+        <a:p>
+          <a:endParaRPr lang="en-US"/>
+        </a:p>
+      </dgm:t>
+    </dgm:pt>
+    <dgm:pt modelId="{AE6DF04A-9698-479A-A37E-8AD47826268B}">
+      <dgm:prSet/>
+      <dgm:spPr/>
+      <dgm:t>
+        <a:bodyPr/>
+        <a:lstStyle/>
+        <a:p>
+          <a:r>
+            <a:rPr lang="de-CH"/>
             <a:t>Was wir bieten</a:t>
           </a:r>
-          <a:endParaRPr lang="en-US" sz="2300" kern="1200"/>
+          <a:endParaRPr lang="en-US"/>
         </a:p>
-      </dsp:txBody>
-      <dsp:txXfrm>
-        <a:off x="26930" y="1266937"/>
-        <a:ext cx="11470562" cy="497795"/>
-      </dsp:txXfrm>
-    </dsp:sp>
-    <dsp:sp modelId="{21B708FD-3C92-47D9-BFEC-1D0372E829BC}">
-      <dsp:nvSpPr>
-        <dsp:cNvPr id="0" name=""/>
-        <dsp:cNvSpPr/>
-      </dsp:nvSpPr>
-      <dsp:spPr>
-        <a:xfrm>
-          <a:off x="0" y="1791662"/>
-          <a:ext cx="11524422" cy="928395"/>
-        </a:xfrm>
-        <a:prstGeom prst="rect">
-          <a:avLst/>
-        </a:prstGeom>
-        <a:noFill/>
-        <a:ln>
-          <a:noFill/>
-        </a:ln>
-        <a:effectLst/>
-      </dsp:spPr>
-      <dsp:style>
-        <a:lnRef idx="0">
-          <a:scrgbClr r="0" g="0" b="0"/>
-        </a:lnRef>
-        <a:fillRef idx="0">
-          <a:scrgbClr r="0" g="0" b="0"/>
-        </a:fillRef>
-        <a:effectRef idx="0">
-          <a:scrgbClr r="0" g="0" b="0"/>
-        </a:effectRef>
-        <a:fontRef idx="minor"/>
-      </dsp:style>
-      <dsp:txBody>
-        <a:bodyPr spcFirstLastPara="0" vert="horz" wrap="square" lIns="365900" tIns="29210" rIns="163576" bIns="29210" numCol="1" spcCol="1270" anchor="t" anchorCtr="0">
-          <a:noAutofit/>
-        </a:bodyPr>
+      </dgm:t>
+    </dgm:pt>
+    <dgm:pt modelId="{43D34F04-EA67-4DF0-AB1C-97E0A0974D38}" type="parTrans" cxnId="{1B9CD402-6281-48F8-A6FE-012DD073ECC9}">
+      <dgm:prSet/>
+      <dgm:spPr/>
+      <dgm:t>
+        <a:bodyPr/>
         <a:lstStyle/>
         <a:p>
-          <a:pPr marL="171450" lvl="1" indent="-171450" algn="l" defTabSz="800100">
-            <a:lnSpc>
-              <a:spcPct val="90000"/>
-            </a:lnSpc>
-            <a:spcBef>
-              <a:spcPct val="0"/>
-            </a:spcBef>
-            <a:spcAft>
-              <a:spcPct val="20000"/>
-            </a:spcAft>
-            <a:buChar char="•"/>
-          </a:pPr>
+          <a:endParaRPr lang="en-US"/>
+        </a:p>
+      </dgm:t>
+    </dgm:pt>
+    <dgm:pt modelId="{E3DF9C37-CFF0-43CD-A273-D71B96FDD6FE}" type="sibTrans" cxnId="{1B9CD402-6281-48F8-A6FE-012DD073ECC9}">
+      <dgm:prSet/>
+      <dgm:spPr/>
+      <dgm:t>
+        <a:bodyPr/>
+        <a:lstStyle/>
+        <a:p>
+          <a:endParaRPr lang="en-US"/>
+        </a:p>
+      </dgm:t>
+    </dgm:pt>
+    <dgm:pt modelId="{F905BC0F-FFD5-4BEC-A1E2-C89819E13345}">
+      <dgm:prSet/>
+      <dgm:spPr/>
+      <dgm:t>
+        <a:bodyPr/>
+        <a:lstStyle/>
+        <a:p>
           <a:r>
-            <a:rPr lang="de-DE" sz="1800" kern="1200"/>
+            <a:rPr lang="de-DE"/>
             <a:t>Interaktive Visualisierung von täglichen Themen</a:t>
           </a:r>
-          <a:endParaRPr lang="en-US" sz="1800" kern="1200"/>
+          <a:endParaRPr lang="en-US"/>
         </a:p>
+      </dgm:t>
+    </dgm:pt>
+    <dgm:pt modelId="{21299508-0E98-42F6-BE62-B1FB2C986719}" type="parTrans" cxnId="{E1840AA0-9F1B-4DD3-AEA2-64AADDD6D9FA}">
+      <dgm:prSet/>
+      <dgm:spPr/>
+      <dgm:t>
+        <a:bodyPr/>
+        <a:lstStyle/>
         <a:p>
-          <a:pPr marL="171450" lvl="1" indent="-171450" algn="l" defTabSz="800100">
-            <a:lnSpc>
-              <a:spcPct val="90000"/>
-            </a:lnSpc>
-            <a:spcBef>
-              <a:spcPct val="0"/>
-            </a:spcBef>
-            <a:spcAft>
-              <a:spcPct val="20000"/>
-            </a:spcAft>
-            <a:buChar char="•"/>
-          </a:pPr>
+          <a:endParaRPr lang="en-US"/>
+        </a:p>
+      </dgm:t>
+    </dgm:pt>
+    <dgm:pt modelId="{B487DD23-C658-4681-BDA5-25D4575CE486}" type="sibTrans" cxnId="{E1840AA0-9F1B-4DD3-AEA2-64AADDD6D9FA}">
+      <dgm:prSet/>
+      <dgm:spPr/>
+      <dgm:t>
+        <a:bodyPr/>
+        <a:lstStyle/>
+        <a:p>
+          <a:endParaRPr lang="en-US"/>
+        </a:p>
+      </dgm:t>
+    </dgm:pt>
+    <dgm:pt modelId="{67749B2E-0CDB-4A04-87CA-99E0B0E181A5}">
+      <dgm:prSet/>
+      <dgm:spPr/>
+      <dgm:t>
+        <a:bodyPr/>
+        <a:lstStyle/>
+        <a:p>
           <a:r>
-            <a:rPr lang="de-DE" sz="1800" kern="1200"/>
+            <a:rPr lang="de-DE"/>
             <a:t>Darstellung von Länderreferenzen und deren Beziehungen</a:t>
           </a:r>
-          <a:endParaRPr lang="en-US" sz="1800" kern="1200"/>
+          <a:endParaRPr lang="en-US"/>
         </a:p>
-        <a:p>
-          <a:pPr marL="171450" lvl="1" indent="-171450" algn="l" defTabSz="800100">
-            <a:lnSpc>
-              <a:spcPct val="90000"/>
-            </a:lnSpc>
-            <a:spcBef>
-              <a:spcPct val="0"/>
-            </a:spcBef>
-            <a:spcAft>
-              <a:spcPct val="20000"/>
-            </a:spcAft>
-            <a:buChar char="•"/>
-          </a:pPr>
-          <a:r>
-            <a:rPr lang="de-DE" sz="1800" kern="1200"/>
-            <a:t>Highlighting der am häufigsten diskutierten Personen und Nomen</a:t>
-          </a:r>
-          <a:endParaRPr lang="en-US" sz="1800" kern="1200"/>
-        </a:p>
-      </dsp:txBody>
-      <dsp:txXfrm>
-        <a:off x="0" y="1791662"/>
-        <a:ext cx="11524422" cy="928395"/>
-      </dsp:txXfrm>
-    </dsp:sp>
-    <dsp:sp modelId="{C2CA9DC7-7EE6-4EF6-BC85-1964DC343E9F}">
-      <dsp:nvSpPr>
-        <dsp:cNvPr id="0" name=""/>
-        <dsp:cNvSpPr/>
-      </dsp:nvSpPr>
-      <dsp:spPr>
-        <a:xfrm>
-          <a:off x="0" y="2720057"/>
-          <a:ext cx="11524422" cy="551655"/>
-        </a:xfrm>
-        <a:prstGeom prst="roundRect">
-          <a:avLst/>
-        </a:prstGeom>
-        <a:solidFill>
-          <a:schemeClr val="accent1">
-            <a:hueOff val="0"/>
-            <a:satOff val="0"/>
-            <a:lumOff val="0"/>
-            <a:alphaOff val="0"/>
-          </a:schemeClr>
-        </a:solidFill>
-        <a:ln w="12700" cap="flat" cmpd="sng" algn="ctr">
-          <a:solidFill>
-            <a:schemeClr val="lt1">
-              <a:hueOff val="0"/>
-              <a:satOff val="0"/>
-              <a:lumOff val="0"/>
-              <a:alphaOff val="0"/>
-            </a:schemeClr>
-          </a:solidFill>
-          <a:prstDash val="solid"/>
-          <a:miter lim="800000"/>
-        </a:ln>
-        <a:effectLst/>
-      </dsp:spPr>
-      <dsp:style>
-        <a:lnRef idx="2">
-          <a:scrgbClr r="0" g="0" b="0"/>
-        </a:lnRef>
-        <a:fillRef idx="1">
-          <a:scrgbClr r="0" g="0" b="0"/>
-        </a:fillRef>
-        <a:effectRef idx="0">
-          <a:scrgbClr r="0" g="0" b="0"/>
-        </a:effectRef>
-        <a:fontRef idx="minor">
-          <a:schemeClr val="lt1"/>
-        </a:fontRef>
-      </dsp:style>
-      <dsp:txBody>
-        <a:bodyPr spcFirstLastPara="0" vert="horz" wrap="square" lIns="87630" tIns="87630" rIns="87630" bIns="87630" numCol="1" spcCol="1270" anchor="ctr" anchorCtr="0">
-          <a:noAutofit/>
-        </a:bodyPr>
+      </dgm:t>
+    </dgm:pt>
+    <dgm:pt modelId="{147575B8-AE57-499D-8813-DAEF8B599312}" type="parTrans" cxnId="{095BA9D0-F14B-4E06-A18A-CCDB8CEA0CDB}">
+      <dgm:prSet/>
+      <dgm:spPr/>
+      <dgm:t>
+        <a:bodyPr/>
         <a:lstStyle/>
         <a:p>
-          <a:pPr marL="0" lvl="0" indent="0" algn="l" defTabSz="1022350">
-            <a:lnSpc>
-              <a:spcPct val="90000"/>
-            </a:lnSpc>
-            <a:spcBef>
-              <a:spcPct val="0"/>
-            </a:spcBef>
-            <a:spcAft>
-              <a:spcPct val="35000"/>
-            </a:spcAft>
-            <a:buNone/>
-          </a:pPr>
+          <a:endParaRPr lang="en-US"/>
+        </a:p>
+      </dgm:t>
+    </dgm:pt>
+    <dgm:pt modelId="{DE277908-1BB9-4B33-84BD-65D7B5E765BE}" type="sibTrans" cxnId="{095BA9D0-F14B-4E06-A18A-CCDB8CEA0CDB}">
+      <dgm:prSet/>
+      <dgm:spPr/>
+      <dgm:t>
+        <a:bodyPr/>
+        <a:lstStyle/>
+        <a:p>
+          <a:endParaRPr lang="en-US"/>
+        </a:p>
+      </dgm:t>
+    </dgm:pt>
+    <dgm:pt modelId="{DB737A2E-CF19-4CB5-B74B-0C281E5B9A38}">
+      <dgm:prSet/>
+      <dgm:spPr/>
+      <dgm:t>
+        <a:bodyPr/>
+        <a:lstStyle/>
+        <a:p>
           <a:r>
-            <a:rPr lang="de-DE" sz="2300" kern="1200"/>
+            <a:rPr lang="de-DE" dirty="0"/>
+            <a:t>häufigste diskutierte Personen und deren Beziehungen</a:t>
+          </a:r>
+          <a:endParaRPr lang="en-US" dirty="0"/>
+        </a:p>
+      </dgm:t>
+    </dgm:pt>
+    <dgm:pt modelId="{A876496B-9B5F-45E8-92E3-4030666A8862}" type="parTrans" cxnId="{377875CF-57FA-49E7-8950-8FBAA050CABF}">
+      <dgm:prSet/>
+      <dgm:spPr/>
+      <dgm:t>
+        <a:bodyPr/>
+        <a:lstStyle/>
+        <a:p>
+          <a:endParaRPr lang="en-US"/>
+        </a:p>
+      </dgm:t>
+    </dgm:pt>
+    <dgm:pt modelId="{D702FA87-9564-46E0-98C5-EEE1288E960C}" type="sibTrans" cxnId="{377875CF-57FA-49E7-8950-8FBAA050CABF}">
+      <dgm:prSet/>
+      <dgm:spPr/>
+      <dgm:t>
+        <a:bodyPr/>
+        <a:lstStyle/>
+        <a:p>
+          <a:endParaRPr lang="en-US"/>
+        </a:p>
+      </dgm:t>
+    </dgm:pt>
+    <dgm:pt modelId="{B51C684C-826C-45C2-AA28-FD32DD879158}">
+      <dgm:prSet/>
+      <dgm:spPr/>
+      <dgm:t>
+        <a:bodyPr/>
+        <a:lstStyle/>
+        <a:p>
+          <a:r>
+            <a:rPr lang="de-DE"/>
             <a:t>Unser Ziel</a:t>
           </a:r>
-          <a:endParaRPr lang="en-US" sz="2300" kern="1200"/>
+          <a:endParaRPr lang="en-US"/>
         </a:p>
-      </dsp:txBody>
-      <dsp:txXfrm>
-        <a:off x="26930" y="2746987"/>
-        <a:ext cx="11470562" cy="497795"/>
-      </dsp:txXfrm>
-    </dsp:sp>
-    <dsp:sp modelId="{2448F6B3-A9E5-4B12-AFA9-D4FB6384555B}">
-      <dsp:nvSpPr>
-        <dsp:cNvPr id="0" name=""/>
-        <dsp:cNvSpPr/>
-      </dsp:nvSpPr>
-      <dsp:spPr>
-        <a:xfrm>
-          <a:off x="0" y="3271712"/>
-          <a:ext cx="11524422" cy="928395"/>
-        </a:xfrm>
-        <a:prstGeom prst="rect">
-          <a:avLst/>
-        </a:prstGeom>
-        <a:noFill/>
-        <a:ln>
-          <a:noFill/>
-        </a:ln>
-        <a:effectLst/>
-      </dsp:spPr>
-      <dsp:style>
-        <a:lnRef idx="0">
-          <a:scrgbClr r="0" g="0" b="0"/>
-        </a:lnRef>
-        <a:fillRef idx="0">
-          <a:scrgbClr r="0" g="0" b="0"/>
-        </a:fillRef>
-        <a:effectRef idx="0">
-          <a:scrgbClr r="0" g="0" b="0"/>
-        </a:effectRef>
-        <a:fontRef idx="minor"/>
-      </dsp:style>
-      <dsp:txBody>
-        <a:bodyPr spcFirstLastPara="0" vert="horz" wrap="square" lIns="365900" tIns="29210" rIns="163576" bIns="29210" numCol="1" spcCol="1270" anchor="t" anchorCtr="0">
-          <a:noAutofit/>
-        </a:bodyPr>
+      </dgm:t>
+    </dgm:pt>
+    <dgm:pt modelId="{6813F034-25AF-415F-9DD5-0D2E42B6D622}" type="parTrans" cxnId="{0CA360C6-7E00-486B-AF7A-48F437FD2724}">
+      <dgm:prSet/>
+      <dgm:spPr/>
+      <dgm:t>
+        <a:bodyPr/>
         <a:lstStyle/>
         <a:p>
-          <a:pPr marL="171450" lvl="1" indent="-171450" algn="l" defTabSz="800100">
-            <a:lnSpc>
-              <a:spcPct val="90000"/>
-            </a:lnSpc>
-            <a:spcBef>
-              <a:spcPct val="0"/>
-            </a:spcBef>
-            <a:spcAft>
-              <a:spcPct val="20000"/>
-            </a:spcAft>
-            <a:buChar char="•"/>
-          </a:pPr>
-          <a:r>
-            <a:rPr lang="de-CH" sz="1800" kern="1200"/>
-            <a:t>Bereitstellung eines umfassenden Analysetools</a:t>
-          </a:r>
-          <a:endParaRPr lang="en-US" sz="1800" kern="1200"/>
+          <a:endParaRPr lang="en-US"/>
         </a:p>
-        <a:p>
-          <a:pPr marL="171450" lvl="1" indent="-171450" algn="l" defTabSz="800100">
-            <a:lnSpc>
-              <a:spcPct val="90000"/>
-            </a:lnSpc>
-            <a:spcBef>
-              <a:spcPct val="0"/>
-            </a:spcBef>
-            <a:spcAft>
-              <a:spcPct val="20000"/>
-            </a:spcAft>
-            <a:buChar char="•"/>
-          </a:pPr>
-          <a:r>
-            <a:rPr lang="de-DE" sz="1800" kern="1200"/>
-            <a:t>Aufdeckung von Trends und Mustern der Medienberichterstattung</a:t>
-          </a:r>
-          <a:endParaRPr lang="en-US" sz="1800" kern="1200"/>
-        </a:p>
-        <a:p>
-          <a:pPr marL="171450" lvl="1" indent="-171450" algn="l" defTabSz="800100">
-            <a:lnSpc>
-              <a:spcPct val="90000"/>
-            </a:lnSpc>
-            <a:spcBef>
-              <a:spcPct val="0"/>
-            </a:spcBef>
-            <a:spcAft>
-              <a:spcPct val="20000"/>
-            </a:spcAft>
-            <a:buChar char="•"/>
-          </a:pPr>
-          <a:r>
-            <a:rPr lang="de-DE" sz="1800" kern="1200"/>
-            <a:t>Ermöglichung eines tieferen Verständnisses der gesellschaftsbewegenden Themen</a:t>
-          </a:r>
-          <a:endParaRPr lang="en-US" sz="1800" kern="1200"/>
-        </a:p>
-      </dsp:txBody>
-      <dsp:txXfrm>
-        <a:off x="0" y="3271712"/>
-        <a:ext cx="11524422" cy="928395"/>
-      </dsp:txXfrm>
-    </dsp:sp>
-    <dsp:sp modelId="{0F923B10-6378-42BB-A893-56BA006A6B09}">
-      <dsp:nvSpPr>
-        <dsp:cNvPr id="0" name=""/>
-        <dsp:cNvSpPr/>
-      </dsp:nvSpPr>
-      <dsp:spPr>
-        <a:xfrm>
-          <a:off x="0" y="4200107"/>
-          <a:ext cx="11524422" cy="551655"/>
-        </a:xfrm>
-        <a:prstGeom prst="roundRect">
-          <a:avLst/>
-        </a:prstGeom>
-        <a:solidFill>
-          <a:schemeClr val="accent1">
-            <a:hueOff val="0"/>
-            <a:satOff val="0"/>
-            <a:lumOff val="0"/>
-            <a:alphaOff val="0"/>
-          </a:schemeClr>
-        </a:solidFill>
-        <a:ln w="12700" cap="flat" cmpd="sng" algn="ctr">
-          <a:solidFill>
-            <a:schemeClr val="lt1">
-              <a:hueOff val="0"/>
-              <a:satOff val="0"/>
-              <a:lumOff val="0"/>
-              <a:alphaOff val="0"/>
-            </a:schemeClr>
-          </a:solidFill>
-          <a:prstDash val="solid"/>
-          <a:miter lim="800000"/>
-        </a:ln>
-        <a:effectLst/>
-      </dsp:spPr>
-      <dsp:style>
-        <a:lnRef idx="2">
-          <a:scrgbClr r="0" g="0" b="0"/>
-        </a:lnRef>
-        <a:fillRef idx="1">
-          <a:scrgbClr r="0" g="0" b="0"/>
-        </a:fillRef>
-        <a:effectRef idx="0">
-          <a:scrgbClr r="0" g="0" b="0"/>
-        </a:effectRef>
-        <a:fontRef idx="minor">
-          <a:schemeClr val="lt1"/>
-        </a:fontRef>
-      </dsp:style>
-      <dsp:txBody>
-        <a:bodyPr spcFirstLastPara="0" vert="horz" wrap="square" lIns="87630" tIns="87630" rIns="87630" bIns="87630" numCol="1" spcCol="1270" anchor="ctr" anchorCtr="0">
-          <a:noAutofit/>
-        </a:bodyPr>
+      </dgm:t>
+    </dgm:pt>
+    <dgm:pt modelId="{C4B98692-6A55-4D58-8D10-E286EA69637A}" type="sibTrans" cxnId="{0CA360C6-7E00-486B-AF7A-48F437FD2724}">
+      <dgm:prSet/>
+      <dgm:spPr/>
+      <dgm:t>
+        <a:bodyPr/>
         <a:lstStyle/>
         <a:p>
-          <a:pPr marL="0" lvl="0" indent="0" algn="l" defTabSz="1022350">
-            <a:lnSpc>
-              <a:spcPct val="90000"/>
-            </a:lnSpc>
-            <a:spcBef>
-              <a:spcPct val="0"/>
-            </a:spcBef>
-            <a:spcAft>
-              <a:spcPct val="35000"/>
-            </a:spcAft>
-            <a:buNone/>
-          </a:pPr>
+          <a:endParaRPr lang="en-US"/>
+        </a:p>
+      </dgm:t>
+    </dgm:pt>
+    <dgm:pt modelId="{F3130879-72DA-455F-9E7C-F0C73B4B207D}">
+      <dgm:prSet/>
+      <dgm:spPr/>
+      <dgm:t>
+        <a:bodyPr/>
+        <a:lstStyle/>
+        <a:p>
           <a:r>
-            <a:rPr lang="de-DE" sz="2300" kern="1200"/>
+            <a:rPr lang="de-CH" dirty="0"/>
+            <a:t>umfassende Analysetools</a:t>
+          </a:r>
+          <a:endParaRPr lang="en-US" dirty="0"/>
+        </a:p>
+      </dgm:t>
+    </dgm:pt>
+    <dgm:pt modelId="{BCE1D066-8160-4F95-8CD2-B4EA668B65BB}" type="parTrans" cxnId="{1006B4D9-07D8-4C11-A31D-4D77A150720A}">
+      <dgm:prSet/>
+      <dgm:spPr/>
+      <dgm:t>
+        <a:bodyPr/>
+        <a:lstStyle/>
+        <a:p>
+          <a:endParaRPr lang="en-US"/>
+        </a:p>
+      </dgm:t>
+    </dgm:pt>
+    <dgm:pt modelId="{414A58BA-9DCC-4E5A-A485-C8B8D333255F}" type="sibTrans" cxnId="{1006B4D9-07D8-4C11-A31D-4D77A150720A}">
+      <dgm:prSet/>
+      <dgm:spPr/>
+      <dgm:t>
+        <a:bodyPr/>
+        <a:lstStyle/>
+        <a:p>
+          <a:endParaRPr lang="en-US"/>
+        </a:p>
+      </dgm:t>
+    </dgm:pt>
+    <dgm:pt modelId="{87AFC753-E70B-400D-850A-92659B6B69A9}">
+      <dgm:prSet/>
+      <dgm:spPr/>
+      <dgm:t>
+        <a:bodyPr/>
+        <a:lstStyle/>
+        <a:p>
+          <a:r>
+            <a:rPr lang="de-DE" dirty="0"/>
+            <a:t>Trends und Muster der Medienberichterstattung</a:t>
+          </a:r>
+          <a:endParaRPr lang="en-US" dirty="0"/>
+        </a:p>
+      </dgm:t>
+    </dgm:pt>
+    <dgm:pt modelId="{4D2D13F3-2E8C-4E60-8402-47DAB5A726FA}" type="parTrans" cxnId="{5ACFB14C-9FB6-4EC7-8E08-DFBCC0D1339E}">
+      <dgm:prSet/>
+      <dgm:spPr/>
+      <dgm:t>
+        <a:bodyPr/>
+        <a:lstStyle/>
+        <a:p>
+          <a:endParaRPr lang="en-US"/>
+        </a:p>
+      </dgm:t>
+    </dgm:pt>
+    <dgm:pt modelId="{C75EEF81-B93B-4E8B-806C-8112AA3A885C}" type="sibTrans" cxnId="{5ACFB14C-9FB6-4EC7-8E08-DFBCC0D1339E}">
+      <dgm:prSet/>
+      <dgm:spPr/>
+      <dgm:t>
+        <a:bodyPr/>
+        <a:lstStyle/>
+        <a:p>
+          <a:endParaRPr lang="en-US"/>
+        </a:p>
+      </dgm:t>
+    </dgm:pt>
+    <dgm:pt modelId="{C628BE97-ACA7-49D1-A6F1-C2B01B3FD98D}">
+      <dgm:prSet/>
+      <dgm:spPr/>
+      <dgm:t>
+        <a:bodyPr/>
+        <a:lstStyle/>
+        <a:p>
+          <a:r>
+            <a:rPr lang="de-DE" dirty="0"/>
+            <a:t>Verständnis von gesellschaftsbewegenden Themen</a:t>
+          </a:r>
+          <a:endParaRPr lang="en-US" dirty="0"/>
+        </a:p>
+      </dgm:t>
+    </dgm:pt>
+    <dgm:pt modelId="{6CBDFB23-472D-484C-A4C0-9A1BA8B57957}" type="parTrans" cxnId="{BDFDFB5F-07ED-45B1-88BC-8E7BF7BB1C02}">
+      <dgm:prSet/>
+      <dgm:spPr/>
+      <dgm:t>
+        <a:bodyPr/>
+        <a:lstStyle/>
+        <a:p>
+          <a:endParaRPr lang="en-US"/>
+        </a:p>
+      </dgm:t>
+    </dgm:pt>
+    <dgm:pt modelId="{353388D8-ED1A-4CC0-950A-405966839EA1}" type="sibTrans" cxnId="{BDFDFB5F-07ED-45B1-88BC-8E7BF7BB1C02}">
+      <dgm:prSet/>
+      <dgm:spPr/>
+      <dgm:t>
+        <a:bodyPr/>
+        <a:lstStyle/>
+        <a:p>
+          <a:endParaRPr lang="en-US"/>
+        </a:p>
+      </dgm:t>
+    </dgm:pt>
+    <dgm:pt modelId="{CC8A1D5C-499A-4E9F-A436-F0149B7156F2}">
+      <dgm:prSet/>
+      <dgm:spPr/>
+      <dgm:t>
+        <a:bodyPr/>
+        <a:lstStyle/>
+        <a:p>
+          <a:r>
+            <a:rPr lang="de-DE"/>
             <a:t>Der Nutzen</a:t>
           </a:r>
-          <a:endParaRPr lang="en-US" sz="2300" kern="1200"/>
+          <a:endParaRPr lang="en-US"/>
         </a:p>
-      </dsp:txBody>
-      <dsp:txXfrm>
-        <a:off x="26930" y="4227037"/>
-        <a:ext cx="11470562" cy="497795"/>
-      </dsp:txXfrm>
-    </dsp:sp>
-    <dsp:sp modelId="{494A643D-DEE2-4B91-ABD1-93CD2DE4F5A5}">
-      <dsp:nvSpPr>
-        <dsp:cNvPr id="0" name=""/>
-        <dsp:cNvSpPr/>
-      </dsp:nvSpPr>
-      <dsp:spPr>
-        <a:xfrm>
-          <a:off x="0" y="4751762"/>
-          <a:ext cx="11524422" cy="928395"/>
-        </a:xfrm>
-        <a:prstGeom prst="rect">
-          <a:avLst/>
-        </a:prstGeom>
-        <a:noFill/>
-        <a:ln>
-          <a:noFill/>
-        </a:ln>
-        <a:effectLst/>
-      </dsp:spPr>
-      <dsp:style>
-        <a:lnRef idx="0">
-          <a:scrgbClr r="0" g="0" b="0"/>
-        </a:lnRef>
-        <a:fillRef idx="0">
-          <a:scrgbClr r="0" g="0" b="0"/>
-        </a:fillRef>
-        <a:effectRef idx="0">
-          <a:scrgbClr r="0" g="0" b="0"/>
-        </a:effectRef>
-        <a:fontRef idx="minor"/>
-      </dsp:style>
-      <dsp:txBody>
-        <a:bodyPr spcFirstLastPara="0" vert="horz" wrap="square" lIns="365900" tIns="29210" rIns="163576" bIns="29210" numCol="1" spcCol="1270" anchor="t" anchorCtr="0">
-          <a:noAutofit/>
-        </a:bodyPr>
+      </dgm:t>
+    </dgm:pt>
+    <dgm:pt modelId="{15475771-1D06-42F7-BF3F-391B1F2ECAF6}" type="parTrans" cxnId="{AEB04D8A-0C2A-4F8E-ADFE-B88CE868AA76}">
+      <dgm:prSet/>
+      <dgm:spPr/>
+      <dgm:t>
+        <a:bodyPr/>
         <a:lstStyle/>
         <a:p>
-          <a:pPr marL="171450" lvl="1" indent="-171450" algn="l" defTabSz="800100">
-            <a:lnSpc>
-              <a:spcPct val="90000"/>
-            </a:lnSpc>
-            <a:spcBef>
-              <a:spcPct val="0"/>
-            </a:spcBef>
-            <a:spcAft>
-              <a:spcPct val="20000"/>
-            </a:spcAft>
-            <a:buChar char="•"/>
-          </a:pPr>
+          <a:endParaRPr lang="en-US"/>
+        </a:p>
+      </dgm:t>
+    </dgm:pt>
+    <dgm:pt modelId="{01C91D05-C9D2-49EB-9E70-35443EA90454}" type="sibTrans" cxnId="{AEB04D8A-0C2A-4F8E-ADFE-B88CE868AA76}">
+      <dgm:prSet/>
+      <dgm:spPr/>
+      <dgm:t>
+        <a:bodyPr/>
+        <a:lstStyle/>
+        <a:p>
+          <a:endParaRPr lang="en-US"/>
+        </a:p>
+      </dgm:t>
+    </dgm:pt>
+    <dgm:pt modelId="{A094F5EF-38C9-4416-9121-A0D456D0BB98}">
+      <dgm:prSet/>
+      <dgm:spPr/>
+      <dgm:t>
+        <a:bodyPr/>
+        <a:lstStyle/>
+        <a:p>
           <a:r>
-            <a:rPr lang="de-DE" sz="1800" kern="1200"/>
-            <a:t>Fundament für zukunftsorientierte Entscheidungen und Strategien im Medienbereich</a:t>
+            <a:rPr lang="en-US" dirty="0"/>
+            <a:t>Fundament für </a:t>
           </a:r>
-          <a:endParaRPr lang="en-US" sz="1800" kern="1200"/>
+          <a:r>
+            <a:rPr lang="en-US" dirty="0" err="1"/>
+            <a:t>weiterführende</a:t>
+          </a:r>
+          <a:r>
+            <a:rPr lang="en-US" dirty="0"/>
+            <a:t> </a:t>
+          </a:r>
+          <a:r>
+            <a:rPr lang="en-US" dirty="0" err="1"/>
+            <a:t>journalisitsche</a:t>
+          </a:r>
+          <a:r>
+            <a:rPr lang="en-US" dirty="0"/>
+            <a:t> </a:t>
+          </a:r>
+          <a:r>
+            <a:rPr lang="en-US" dirty="0" err="1"/>
+            <a:t>Recherchen</a:t>
+          </a:r>
+          <a:endParaRPr lang="en-US" dirty="0"/>
         </a:p>
+      </dgm:t>
+    </dgm:pt>
+    <dgm:pt modelId="{2C00BB41-B3E7-44D4-A445-43BF253C3DCB}" type="parTrans" cxnId="{DCE9044C-3AE5-4977-BB3B-E9E72FFC4250}">
+      <dgm:prSet/>
+      <dgm:spPr/>
+      <dgm:t>
+        <a:bodyPr/>
+        <a:lstStyle/>
         <a:p>
-          <a:pPr marL="171450" lvl="1" indent="-171450" algn="l" defTabSz="800100">
-            <a:lnSpc>
-              <a:spcPct val="90000"/>
-            </a:lnSpc>
-            <a:spcBef>
-              <a:spcPct val="0"/>
-            </a:spcBef>
-            <a:spcAft>
-              <a:spcPct val="20000"/>
-            </a:spcAft>
-            <a:buChar char="•"/>
-          </a:pPr>
+          <a:endParaRPr lang="en-US"/>
+        </a:p>
+      </dgm:t>
+    </dgm:pt>
+    <dgm:pt modelId="{47EBD6CF-E68F-4A9A-8237-1F88A2912E81}" type="sibTrans" cxnId="{DCE9044C-3AE5-4977-BB3B-E9E72FFC4250}">
+      <dgm:prSet/>
+      <dgm:spPr/>
+      <dgm:t>
+        <a:bodyPr/>
+        <a:lstStyle/>
+        <a:p>
+          <a:endParaRPr lang="en-US"/>
+        </a:p>
+      </dgm:t>
+    </dgm:pt>
+    <dgm:pt modelId="{2F7A435A-678C-4FD9-865B-4F20666A14B1}">
+      <dgm:prSet/>
+      <dgm:spPr/>
+      <dgm:t>
+        <a:bodyPr/>
+        <a:lstStyle/>
+        <a:p>
           <a:r>
-            <a:rPr lang="de-DE" sz="1800" kern="1200"/>
+            <a:rPr lang="de-DE" dirty="0"/>
             <a:t>Erweiterte Perspektive auf die Medienlandschaft</a:t>
           </a:r>
-          <a:endParaRPr lang="en-US" sz="1800" kern="1200"/>
+          <a:endParaRPr lang="en-US" dirty="0"/>
         </a:p>
+      </dgm:t>
+    </dgm:pt>
+    <dgm:pt modelId="{179DCFFD-0980-472F-B14A-3FA5A00C1A83}" type="parTrans" cxnId="{0BB87DD2-C9CD-43C8-9692-045130F69BAC}">
+      <dgm:prSet/>
+      <dgm:spPr/>
+      <dgm:t>
+        <a:bodyPr/>
+        <a:lstStyle/>
         <a:p>
-          <a:pPr marL="171450" lvl="1" indent="-171450" algn="l" defTabSz="800100">
-            <a:lnSpc>
-              <a:spcPct val="90000"/>
-            </a:lnSpc>
-            <a:spcBef>
-              <a:spcPct val="0"/>
-            </a:spcBef>
-            <a:spcAft>
-              <a:spcPct val="20000"/>
-            </a:spcAft>
-            <a:buChar char="•"/>
-          </a:pPr>
+          <a:endParaRPr lang="en-US"/>
+        </a:p>
+      </dgm:t>
+    </dgm:pt>
+    <dgm:pt modelId="{28A18DBC-6AA7-422C-82EF-A26A985B0985}" type="sibTrans" cxnId="{0BB87DD2-C9CD-43C8-9692-045130F69BAC}">
+      <dgm:prSet/>
+      <dgm:spPr/>
+      <dgm:t>
+        <a:bodyPr/>
+        <a:lstStyle/>
+        <a:p>
+          <a:endParaRPr lang="en-US"/>
+        </a:p>
+      </dgm:t>
+    </dgm:pt>
+    <dgm:pt modelId="{2C2ADD90-62A4-4659-AD68-CD5312B78154}">
+      <dgm:prSet/>
+      <dgm:spPr/>
+      <dgm:t>
+        <a:bodyPr/>
+        <a:lstStyle/>
+        <a:p>
           <a:r>
-            <a:rPr lang="de-DE" sz="1800" kern="1200"/>
-            <a:t>Unterstützung bei der Identifikation von Informationslücken und Potentialen</a:t>
+            <a:rPr lang="de-DE" dirty="0"/>
+            <a:t>Identifikation von Informationslücken und Potentialen</a:t>
           </a:r>
-          <a:endParaRPr lang="en-US" sz="1800" kern="1200"/>
+          <a:endParaRPr lang="en-US" dirty="0"/>
         </a:p>
-      </dsp:txBody>
-      <dsp:txXfrm>
-        <a:off x="0" y="4751762"/>
-        <a:ext cx="11524422" cy="928395"/>
-      </dsp:txXfrm>
-    </dsp:sp>
-  </dsp:spTree>
-</dsp:drawing>
+      </dgm:t>
+    </dgm:pt>
+    <dgm:pt modelId="{B78D1CD6-CB3F-45EF-97F0-35BE480CB1C3}" type="parTrans" cxnId="{03885855-3504-4189-B9D3-08A0FC5C0206}">
+      <dgm:prSet/>
+      <dgm:spPr/>
+      <dgm:t>
+        <a:bodyPr/>
+        <a:lstStyle/>
+        <a:p>
+          <a:endParaRPr lang="en-US"/>
+        </a:p>
+      </dgm:t>
+    </dgm:pt>
+    <dgm:pt modelId="{CBCDABB4-4D8A-42B5-AA82-B94A1E36B370}" type="sibTrans" cxnId="{03885855-3504-4189-B9D3-08A0FC5C0206}">
+      <dgm:prSet/>
+      <dgm:spPr/>
+      <dgm:t>
+        <a:bodyPr/>
+        <a:lstStyle/>
+        <a:p>
+          <a:endParaRPr lang="en-US"/>
+        </a:p>
+      </dgm:t>
+    </dgm:pt>
+    <dgm:pt modelId="{4E68E5CF-53B4-493C-960C-EF088EAFB746}" type="pres">
+      <dgm:prSet presAssocID="{EC75874E-FC66-4236-996C-042E6951ED78}" presName="linear" presStyleCnt="0">
+        <dgm:presLayoutVars>
+          <dgm:animLvl val="lvl"/>
+          <dgm:resizeHandles val="exact"/>
+        </dgm:presLayoutVars>
+      </dgm:prSet>
+      <dgm:spPr/>
+    </dgm:pt>
+    <dgm:pt modelId="{D27BA4E2-9FBB-48A2-A03C-0936070BD690}" type="pres">
+      <dgm:prSet presAssocID="{4B1ACBDF-E7AD-44F0-A83C-84CA8316E972}" presName="parentText" presStyleLbl="node1" presStyleIdx="0" presStyleCnt="4">
+        <dgm:presLayoutVars>
+          <dgm:chMax val="0"/>
+          <dgm:bulletEnabled val="1"/>
+        </dgm:presLayoutVars>
+      </dgm:prSet>
+      <dgm:spPr/>
+    </dgm:pt>
+    <dgm:pt modelId="{6A829E34-31FC-4CCC-AD08-A8A0827641F1}" type="pres">
+      <dgm:prSet presAssocID="{4B1ACBDF-E7AD-44F0-A83C-84CA8316E972}" presName="childText" presStyleLbl="revTx" presStyleIdx="0" presStyleCnt="4">
+        <dgm:presLayoutVars>
+          <dgm:bulletEnabled val="1"/>
+        </dgm:presLayoutVars>
+      </dgm:prSet>
+      <dgm:spPr/>
+    </dgm:pt>
+    <dgm:pt modelId="{A6B2AED9-FB72-41D1-8202-C04F5FFEF7BA}" type="pres">
+      <dgm:prSet presAssocID="{AE6DF04A-9698-479A-A37E-8AD47826268B}" presName="parentText" presStyleLbl="node1" presStyleIdx="1" presStyleCnt="4">
+        <dgm:presLayoutVars>
+          <dgm:chMax val="0"/>
+          <dgm:bulletEnabled val="1"/>
+        </dgm:presLayoutVars>
+      </dgm:prSet>
+      <dgm:spPr/>
+    </dgm:pt>
+    <dgm:pt modelId="{21B708FD-3C92-47D9-BFEC-1D0372E829BC}" type="pres">
+      <dgm:prSet presAssocID="{AE6DF04A-9698-479A-A37E-8AD47826268B}" presName="childText" presStyleLbl="revTx" presStyleIdx="1" presStyleCnt="4">
+        <dgm:presLayoutVars>
+          <dgm:bulletEnabled val="1"/>
+        </dgm:presLayoutVars>
+      </dgm:prSet>
+      <dgm:spPr/>
+    </dgm:pt>
+    <dgm:pt modelId="{C2CA9DC7-7EE6-4EF6-BC85-1964DC343E9F}" type="pres">
+      <dgm:prSet presAssocID="{B51C684C-826C-45C2-AA28-FD32DD879158}" presName="parentText" presStyleLbl="node1" presStyleIdx="2" presStyleCnt="4">
+        <dgm:presLayoutVars>
+          <dgm:chMax val="0"/>
+          <dgm:bulletEnabled val="1"/>
+        </dgm:presLayoutVars>
+      </dgm:prSet>
+      <dgm:spPr/>
+    </dgm:pt>
+    <dgm:pt modelId="{2448F6B3-A9E5-4B12-AFA9-D4FB6384555B}" type="pres">
+      <dgm:prSet presAssocID="{B51C684C-826C-45C2-AA28-FD32DD879158}" presName="childText" presStyleLbl="revTx" presStyleIdx="2" presStyleCnt="4">
+        <dgm:presLayoutVars>
+          <dgm:bulletEnabled val="1"/>
+        </dgm:presLayoutVars>
+      </dgm:prSet>
+      <dgm:spPr/>
+    </dgm:pt>
+    <dgm:pt modelId="{0F923B10-6378-42BB-A893-56BA006A6B09}" type="pres">
+      <dgm:prSet presAssocID="{CC8A1D5C-499A-4E9F-A436-F0149B7156F2}" presName="parentText" presStyleLbl="node1" presStyleIdx="3" presStyleCnt="4">
+        <dgm:presLayoutVars>
+          <dgm:chMax val="0"/>
+          <dgm:bulletEnabled val="1"/>
+        </dgm:presLayoutVars>
+      </dgm:prSet>
+      <dgm:spPr/>
+    </dgm:pt>
+    <dgm:pt modelId="{494A643D-DEE2-4B91-ABD1-93CD2DE4F5A5}" type="pres">
+      <dgm:prSet presAssocID="{CC8A1D5C-499A-4E9F-A436-F0149B7156F2}" presName="childText" presStyleLbl="revTx" presStyleIdx="3" presStyleCnt="4">
+        <dgm:presLayoutVars>
+          <dgm:bulletEnabled val="1"/>
+        </dgm:presLayoutVars>
+      </dgm:prSet>
+      <dgm:spPr/>
+    </dgm:pt>
+  </dgm:ptLst>
+  <dgm:cxnLst>
+    <dgm:cxn modelId="{1B9CD402-6281-48F8-A6FE-012DD073ECC9}" srcId="{EC75874E-FC66-4236-996C-042E6951ED78}" destId="{AE6DF04A-9698-479A-A37E-8AD47826268B}" srcOrd="1" destOrd="0" parTransId="{43D34F04-EA67-4DF0-AB1C-97E0A0974D38}" sibTransId="{E3DF9C37-CFF0-43CD-A273-D71B96FDD6FE}"/>
+    <dgm:cxn modelId="{2EBF1C03-86BF-4CC2-99BE-2EAB711AB028}" type="presOf" srcId="{AE6DF04A-9698-479A-A37E-8AD47826268B}" destId="{A6B2AED9-FB72-41D1-8202-C04F5FFEF7BA}" srcOrd="0" destOrd="0" presId="urn:microsoft.com/office/officeart/2005/8/layout/vList2"/>
+    <dgm:cxn modelId="{56354110-4036-40BF-A498-539A74038271}" type="presOf" srcId="{A094F5EF-38C9-4416-9121-A0D456D0BB98}" destId="{494A643D-DEE2-4B91-ABD1-93CD2DE4F5A5}" srcOrd="0" destOrd="0" presId="urn:microsoft.com/office/officeart/2005/8/layout/vList2"/>
+    <dgm:cxn modelId="{E9989615-49CC-480F-87C1-BF22C60A982A}" type="presOf" srcId="{2F7A435A-678C-4FD9-865B-4F20666A14B1}" destId="{494A643D-DEE2-4B91-ABD1-93CD2DE4F5A5}" srcOrd="0" destOrd="1" presId="urn:microsoft.com/office/officeart/2005/8/layout/vList2"/>
+    <dgm:cxn modelId="{D939AD17-E878-4D68-AEAF-7A4C9A0ACBB3}" type="presOf" srcId="{C628BE97-ACA7-49D1-A6F1-C2B01B3FD98D}" destId="{2448F6B3-A9E5-4B12-AFA9-D4FB6384555B}" srcOrd="0" destOrd="2" presId="urn:microsoft.com/office/officeart/2005/8/layout/vList2"/>
+    <dgm:cxn modelId="{FA66D81A-9DCC-4C9B-888B-2B30A9661F5D}" type="presOf" srcId="{F905BC0F-FFD5-4BEC-A1E2-C89819E13345}" destId="{21B708FD-3C92-47D9-BFEC-1D0372E829BC}" srcOrd="0" destOrd="0" presId="urn:microsoft.com/office/officeart/2005/8/layout/vList2"/>
+    <dgm:cxn modelId="{60BF301E-A848-4CDE-B17B-0752C4FAABCA}" srcId="{4B1ACBDF-E7AD-44F0-A83C-84CA8316E972}" destId="{E450D12C-8D6A-479A-BB6A-86302AF96E77}" srcOrd="0" destOrd="0" parTransId="{913D5605-0B9E-4766-9216-7551ACF5843B}" sibTransId="{923923D8-5A5B-49F3-BF78-789FD14DC706}"/>
+    <dgm:cxn modelId="{7086F82A-DD83-4EA0-A5F9-8CE630434C37}" type="presOf" srcId="{87AFC753-E70B-400D-850A-92659B6B69A9}" destId="{2448F6B3-A9E5-4B12-AFA9-D4FB6384555B}" srcOrd="0" destOrd="1" presId="urn:microsoft.com/office/officeart/2005/8/layout/vList2"/>
+    <dgm:cxn modelId="{2A105E30-3563-4B65-96E3-9D892305D1C8}" srcId="{EC75874E-FC66-4236-996C-042E6951ED78}" destId="{4B1ACBDF-E7AD-44F0-A83C-84CA8316E972}" srcOrd="0" destOrd="0" parTransId="{299FA21B-7C73-4D9E-AB7C-65818B1EFE41}" sibTransId="{57336158-CCE4-4462-9517-E114D211554D}"/>
+    <dgm:cxn modelId="{2BABF23D-FA51-496D-8801-221290DECE70}" type="presOf" srcId="{B51C684C-826C-45C2-AA28-FD32DD879158}" destId="{C2CA9DC7-7EE6-4EF6-BC85-1964DC343E9F}" srcOrd="0" destOrd="0" presId="urn:microsoft.com/office/officeart/2005/8/layout/vList2"/>
+    <dgm:cxn modelId="{BDFDFB5F-07ED-45B1-88BC-8E7BF7BB1C02}" srcId="{B51C684C-826C-45C2-AA28-FD32DD879158}" destId="{C628BE97-ACA7-49D1-A6F1-C2B01B3FD98D}" srcOrd="2" destOrd="0" parTransId="{6CBDFB23-472D-484C-A4C0-9A1BA8B57957}" sibTransId="{353388D8-ED1A-4CC0-950A-405966839EA1}"/>
+    <dgm:cxn modelId="{DCE9044C-3AE5-4977-BB3B-E9E72FFC4250}" srcId="{CC8A1D5C-499A-4E9F-A436-F0149B7156F2}" destId="{A094F5EF-38C9-4416-9121-A0D456D0BB98}" srcOrd="0" destOrd="0" parTransId="{2C00BB41-B3E7-44D4-A445-43BF253C3DCB}" sibTransId="{47EBD6CF-E68F-4A9A-8237-1F88A2912E81}"/>
+    <dgm:cxn modelId="{5ACFB14C-9FB6-4EC7-8E08-DFBCC0D1339E}" srcId="{B51C684C-826C-45C2-AA28-FD32DD879158}" destId="{87AFC753-E70B-400D-850A-92659B6B69A9}" srcOrd="1" destOrd="0" parTransId="{4D2D13F3-2E8C-4E60-8402-47DAB5A726FA}" sibTransId="{C75EEF81-B93B-4E8B-806C-8112AA3A885C}"/>
+    <dgm:cxn modelId="{03885855-3504-4189-B9D3-08A0FC5C0206}" srcId="{CC8A1D5C-499A-4E9F-A436-F0149B7156F2}" destId="{2C2ADD90-62A4-4659-AD68-CD5312B78154}" srcOrd="2" destOrd="0" parTransId="{B78D1CD6-CB3F-45EF-97F0-35BE480CB1C3}" sibTransId="{CBCDABB4-4D8A-42B5-AA82-B94A1E36B370}"/>
+    <dgm:cxn modelId="{D5A1F258-5E70-4E59-ACFD-16E52AA04502}" srcId="{4B1ACBDF-E7AD-44F0-A83C-84CA8316E972}" destId="{FC79ADE7-EE1D-4B4C-B873-79FC414E1D5C}" srcOrd="1" destOrd="0" parTransId="{924F45D5-2657-4974-88E7-4E27A3931A55}" sibTransId="{F5686E28-F11F-46BF-A252-2E28822178A9}"/>
+    <dgm:cxn modelId="{0AE52A7F-DF4B-4CC8-AF42-BE32A4CA99E4}" type="presOf" srcId="{DB737A2E-CF19-4CB5-B74B-0C281E5B9A38}" destId="{21B708FD-3C92-47D9-BFEC-1D0372E829BC}" srcOrd="0" destOrd="2" presId="urn:microsoft.com/office/officeart/2005/8/layout/vList2"/>
+    <dgm:cxn modelId="{DA36FB89-9780-4A26-96DB-E7F536170859}" type="presOf" srcId="{CC8A1D5C-499A-4E9F-A436-F0149B7156F2}" destId="{0F923B10-6378-42BB-A893-56BA006A6B09}" srcOrd="0" destOrd="0" presId="urn:microsoft.com/office/officeart/2005/8/layout/vList2"/>
+    <dgm:cxn modelId="{AEB04D8A-0C2A-4F8E-ADFE-B88CE868AA76}" srcId="{EC75874E-FC66-4236-996C-042E6951ED78}" destId="{CC8A1D5C-499A-4E9F-A436-F0149B7156F2}" srcOrd="3" destOrd="0" parTransId="{15475771-1D06-42F7-BF3F-391B1F2ECAF6}" sibTransId="{01C91D05-C9D2-49EB-9E70-35443EA90454}"/>
+    <dgm:cxn modelId="{E1840AA0-9F1B-4DD3-AEA2-64AADDD6D9FA}" srcId="{AE6DF04A-9698-479A-A37E-8AD47826268B}" destId="{F905BC0F-FFD5-4BEC-A1E2-C89819E13345}" srcOrd="0" destOrd="0" parTransId="{21299508-0E98-42F6-BE62-B1FB2C986719}" sibTransId="{B487DD23-C658-4681-BDA5-25D4575CE486}"/>
+    <dgm:cxn modelId="{736FCEC3-6314-4E71-BEE7-41F59AE0597E}" type="presOf" srcId="{2C2ADD90-62A4-4659-AD68-CD5312B78154}" destId="{494A643D-DEE2-4B91-ABD1-93CD2DE4F5A5}" srcOrd="0" destOrd="2" presId="urn:microsoft.com/office/officeart/2005/8/layout/vList2"/>
+    <dgm:cxn modelId="{0CA360C6-7E00-486B-AF7A-48F437FD2724}" srcId="{EC75874E-FC66-4236-996C-042E6951ED78}" destId="{B51C684C-826C-45C2-AA28-FD32DD879158}" srcOrd="2" destOrd="0" parTransId="{6813F034-25AF-415F-9DD5-0D2E42B6D622}" sibTransId="{C4B98692-6A55-4D58-8D10-E286EA69637A}"/>
+    <dgm:cxn modelId="{377875CF-57FA-49E7-8950-8FBAA050CABF}" srcId="{AE6DF04A-9698-479A-A37E-8AD47826268B}" destId="{DB737A2E-CF19-4CB5-B74B-0C281E5B9A38}" srcOrd="2" destOrd="0" parTransId="{A876496B-9B5F-45E8-92E3-4030666A8862}" sibTransId="{D702FA87-9564-46E0-98C5-EEE1288E960C}"/>
+    <dgm:cxn modelId="{095BA9D0-F14B-4E06-A18A-CCDB8CEA0CDB}" srcId="{AE6DF04A-9698-479A-A37E-8AD47826268B}" destId="{67749B2E-0CDB-4A04-87CA-99E0B0E181A5}" srcOrd="1" destOrd="0" parTransId="{147575B8-AE57-499D-8813-DAEF8B599312}" sibTransId="{DE277908-1BB9-4B33-84BD-65D7B5E765BE}"/>
+    <dgm:cxn modelId="{0BB87DD2-C9CD-43C8-9692-045130F69BAC}" srcId="{CC8A1D5C-499A-4E9F-A436-F0149B7156F2}" destId="{2F7A435A-678C-4FD9-865B-4F20666A14B1}" srcOrd="1" destOrd="0" parTransId="{179DCFFD-0980-472F-B14A-3FA5A00C1A83}" sibTransId="{28A18DBC-6AA7-422C-82EF-A26A985B0985}"/>
+    <dgm:cxn modelId="{C10143D3-916B-4F5C-957F-ED4313DFAEAC}" type="presOf" srcId="{67749B2E-0CDB-4A04-87CA-99E0B0E181A5}" destId="{21B708FD-3C92-47D9-BFEC-1D0372E829BC}" srcOrd="0" destOrd="1" presId="urn:microsoft.com/office/officeart/2005/8/layout/vList2"/>
+    <dgm:cxn modelId="{A61698D7-3341-42E3-BB29-10363D810C42}" type="presOf" srcId="{FC79ADE7-EE1D-4B4C-B873-79FC414E1D5C}" destId="{6A829E34-31FC-4CCC-AD08-A8A0827641F1}" srcOrd="0" destOrd="1" presId="urn:microsoft.com/office/officeart/2005/8/layout/vList2"/>
+    <dgm:cxn modelId="{1006B4D9-07D8-4C11-A31D-4D77A150720A}" srcId="{B51C684C-826C-45C2-AA28-FD32DD879158}" destId="{F3130879-72DA-455F-9E7C-F0C73B4B207D}" srcOrd="0" destOrd="0" parTransId="{BCE1D066-8160-4F95-8CD2-B4EA668B65BB}" sibTransId="{414A58BA-9DCC-4E5A-A485-C8B8D333255F}"/>
+    <dgm:cxn modelId="{8B6E99DA-F36F-496A-926B-A8A9D620EA06}" type="presOf" srcId="{EC75874E-FC66-4236-996C-042E6951ED78}" destId="{4E68E5CF-53B4-493C-960C-EF088EAFB746}" srcOrd="0" destOrd="0" presId="urn:microsoft.com/office/officeart/2005/8/layout/vList2"/>
+    <dgm:cxn modelId="{C95414E2-3545-4946-BE67-8A64A346DE60}" type="presOf" srcId="{E450D12C-8D6A-479A-BB6A-86302AF96E77}" destId="{6A829E34-31FC-4CCC-AD08-A8A0827641F1}" srcOrd="0" destOrd="0" presId="urn:microsoft.com/office/officeart/2005/8/layout/vList2"/>
+    <dgm:cxn modelId="{66FE35EA-E5CC-432D-9775-33463C5A4102}" type="presOf" srcId="{4B1ACBDF-E7AD-44F0-A83C-84CA8316E972}" destId="{D27BA4E2-9FBB-48A2-A03C-0936070BD690}" srcOrd="0" destOrd="0" presId="urn:microsoft.com/office/officeart/2005/8/layout/vList2"/>
+    <dgm:cxn modelId="{F2240FFE-7DA6-4BA6-85A6-1614E3717293}" type="presOf" srcId="{F3130879-72DA-455F-9E7C-F0C73B4B207D}" destId="{2448F6B3-A9E5-4B12-AFA9-D4FB6384555B}" srcOrd="0" destOrd="0" presId="urn:microsoft.com/office/officeart/2005/8/layout/vList2"/>
+    <dgm:cxn modelId="{E5A8DE7D-0A59-41F4-9AFB-3181096E6D8C}" type="presParOf" srcId="{4E68E5CF-53B4-493C-960C-EF088EAFB746}" destId="{D27BA4E2-9FBB-48A2-A03C-0936070BD690}" srcOrd="0" destOrd="0" presId="urn:microsoft.com/office/officeart/2005/8/layout/vList2"/>
+    <dgm:cxn modelId="{269E0867-BE39-4598-9A53-24218D23E80C}" type="presParOf" srcId="{4E68E5CF-53B4-493C-960C-EF088EAFB746}" destId="{6A829E34-31FC-4CCC-AD08-A8A0827641F1}" srcOrd="1" destOrd="0" presId="urn:microsoft.com/office/officeart/2005/8/layout/vList2"/>
+    <dgm:cxn modelId="{453C94E2-D499-4315-B1AE-BD49679DDBB1}" type="presParOf" srcId="{4E68E5CF-53B4-493C-960C-EF088EAFB746}" destId="{A6B2AED9-FB72-41D1-8202-C04F5FFEF7BA}" srcOrd="2" destOrd="0" presId="urn:microsoft.com/office/officeart/2005/8/layout/vList2"/>
+    <dgm:cxn modelId="{552DCB36-C614-45F5-9609-011032DE10D0}" type="presParOf" srcId="{4E68E5CF-53B4-493C-960C-EF088EAFB746}" destId="{21B708FD-3C92-47D9-BFEC-1D0372E829BC}" srcOrd="3" destOrd="0" presId="urn:microsoft.com/office/officeart/2005/8/layout/vList2"/>
+    <dgm:cxn modelId="{4F996A4C-F136-404B-813E-7CE698A88F68}" type="presParOf" srcId="{4E68E5CF-53B4-493C-960C-EF088EAFB746}" destId="{C2CA9DC7-7EE6-4EF6-BC85-1964DC343E9F}" srcOrd="4" destOrd="0" presId="urn:microsoft.com/office/officeart/2005/8/layout/vList2"/>
+    <dgm:cxn modelId="{3DA8CE1F-C911-4B7A-9025-44DE91B96097}" type="presParOf" srcId="{4E68E5CF-53B4-493C-960C-EF088EAFB746}" destId="{2448F6B3-A9E5-4B12-AFA9-D4FB6384555B}" srcOrd="5" destOrd="0" presId="urn:microsoft.com/office/officeart/2005/8/layout/vList2"/>
+    <dgm:cxn modelId="{7B4A4168-B686-45E9-840A-E098005E84E7}" type="presParOf" srcId="{4E68E5CF-53B4-493C-960C-EF088EAFB746}" destId="{0F923B10-6378-42BB-A893-56BA006A6B09}" srcOrd="6" destOrd="0" presId="urn:microsoft.com/office/officeart/2005/8/layout/vList2"/>
+    <dgm:cxn modelId="{5E25D026-4B91-4AAA-8F5C-CDC47AE01F7B}" type="presParOf" srcId="{4E68E5CF-53B4-493C-960C-EF088EAFB746}" destId="{494A643D-DEE2-4B91-ABD1-93CD2DE4F5A5}" srcOrd="7" destOrd="0" presId="urn:microsoft.com/office/officeart/2005/8/layout/vList2"/>
+  </dgm:cxnLst>
+  <dgm:bg/>
+  <dgm:whole/>
+  <dgm:extLst>
+    <a:ext uri="http://schemas.microsoft.com/office/drawing/2008/diagram">
+      <dsp:dataModelExt xmlns:dsp="http://schemas.microsoft.com/office/drawing/2008/diagram" relId="rId6" minVer="http://schemas.openxmlformats.org/drawingml/2006/diagram"/>
+    </a:ext>
+  </dgm:extLst>
+</dgm:dataModel>
 </file>
 
-<file path=ppt/diagrams/drawing2.xml><?xml version="1.0" encoding="utf-8"?>
+<file path=ppt/diagrams/drawing1.xml><?xml version="1.0" encoding="utf-8"?>
 <dsp:drawing xmlns:dgm="http://schemas.openxmlformats.org/drawingml/2006/diagram" xmlns:dsp="http://schemas.microsoft.com/office/drawing/2008/diagram" xmlns:a="http://schemas.openxmlformats.org/drawingml/2006/main">
   <dsp:spTree>
     <dsp:nvGrpSpPr>
@@ -5152,174 +4520,732 @@
 </dsp:drawing>
 </file>
 
-<file path=ppt/diagrams/layout1.xml><?xml version="1.0" encoding="utf-8"?>
-<dgm:layoutDef xmlns:dgm="http://schemas.openxmlformats.org/drawingml/2006/diagram" xmlns:a="http://schemas.openxmlformats.org/drawingml/2006/main" uniqueId="urn:microsoft.com/office/officeart/2005/8/layout/vList2">
-  <dgm:title val=""/>
-  <dgm:desc val=""/>
-  <dgm:catLst>
-    <dgm:cat type="list" pri="3000"/>
-    <dgm:cat type="convert" pri="1000"/>
-  </dgm:catLst>
-  <dgm:sampData>
-    <dgm:dataModel>
-      <dgm:ptLst>
-        <dgm:pt modelId="0" type="doc"/>
-        <dgm:pt modelId="1">
-          <dgm:prSet phldr="1"/>
-        </dgm:pt>
-        <dgm:pt modelId="11">
-          <dgm:prSet phldr="1"/>
-        </dgm:pt>
-        <dgm:pt modelId="2">
-          <dgm:prSet phldr="1"/>
-        </dgm:pt>
-        <dgm:pt modelId="21">
-          <dgm:prSet phldr="1"/>
-        </dgm:pt>
-      </dgm:ptLst>
-      <dgm:cxnLst>
-        <dgm:cxn modelId="4" srcId="0" destId="1" srcOrd="0" destOrd="0"/>
-        <dgm:cxn modelId="5" srcId="0" destId="2" srcOrd="1" destOrd="0"/>
-        <dgm:cxn modelId="12" srcId="1" destId="11" srcOrd="0" destOrd="0"/>
-        <dgm:cxn modelId="23" srcId="2" destId="21" srcOrd="0" destOrd="0"/>
-      </dgm:cxnLst>
-      <dgm:bg/>
-      <dgm:whole/>
-    </dgm:dataModel>
-  </dgm:sampData>
-  <dgm:styleData>
-    <dgm:dataModel>
-      <dgm:ptLst>
-        <dgm:pt modelId="0" type="doc"/>
-        <dgm:pt modelId="1"/>
-        <dgm:pt modelId="2"/>
-      </dgm:ptLst>
-      <dgm:cxnLst>
-        <dgm:cxn modelId="3" srcId="0" destId="1" srcOrd="0" destOrd="0"/>
-        <dgm:cxn modelId="4" srcId="0" destId="2" srcOrd="1" destOrd="0"/>
-      </dgm:cxnLst>
-      <dgm:bg/>
-      <dgm:whole/>
-    </dgm:dataModel>
-  </dgm:styleData>
-  <dgm:clrData>
-    <dgm:dataModel>
-      <dgm:ptLst>
-        <dgm:pt modelId="0" type="doc"/>
-        <dgm:pt modelId="1"/>
-        <dgm:pt modelId="2"/>
-        <dgm:pt modelId="3"/>
-        <dgm:pt modelId="4"/>
-      </dgm:ptLst>
-      <dgm:cxnLst>
-        <dgm:cxn modelId="5" srcId="0" destId="1" srcOrd="0" destOrd="0"/>
-        <dgm:cxn modelId="6" srcId="0" destId="2" srcOrd="1" destOrd="0"/>
-        <dgm:cxn modelId="7" srcId="0" destId="3" srcOrd="2" destOrd="0"/>
-        <dgm:cxn modelId="8" srcId="0" destId="4" srcOrd="3" destOrd="0"/>
-      </dgm:cxnLst>
-      <dgm:bg/>
-      <dgm:whole/>
-    </dgm:dataModel>
-  </dgm:clrData>
-  <dgm:layoutNode name="linear">
-    <dgm:varLst>
-      <dgm:animLvl val="lvl"/>
-      <dgm:resizeHandles val="exact"/>
-    </dgm:varLst>
-    <dgm:alg type="lin">
-      <dgm:param type="linDir" val="fromT"/>
-      <dgm:param type="vertAlign" val="mid"/>
-    </dgm:alg>
-    <dgm:shape xmlns:r="http://schemas.openxmlformats.org/officeDocument/2006/relationships" r:blip="">
-      <dgm:adjLst/>
-    </dgm:shape>
-    <dgm:presOf/>
-    <dgm:constrLst>
-      <dgm:constr type="w" for="ch" forName="parentText" refType="w"/>
-      <dgm:constr type="h" for="ch" forName="parentText" refType="primFontSz" refFor="ch" refForName="parentText" fact="0.52"/>
-      <dgm:constr type="w" for="ch" forName="childText" refType="w"/>
-      <dgm:constr type="h" for="ch" forName="childText" refType="primFontSz" refFor="ch" refForName="parentText" fact="0.46"/>
-      <dgm:constr type="h" for="ch" forName="parentText" op="equ"/>
-      <dgm:constr type="primFontSz" for="ch" forName="parentText" op="equ" val="65"/>
-      <dgm:constr type="primFontSz" for="ch" forName="childText" refType="primFontSz" refFor="ch" refForName="parentText" op="equ"/>
-      <dgm:constr type="h" for="ch" forName="spacer" refType="primFontSz" refFor="ch" refForName="parentText" fact="0.08"/>
-    </dgm:constrLst>
-    <dgm:ruleLst>
-      <dgm:rule type="primFontSz" for="ch" forName="parentText" val="5" fact="NaN" max="NaN"/>
-    </dgm:ruleLst>
-    <dgm:forEach name="Name0" axis="ch" ptType="node">
-      <dgm:layoutNode name="parentText" styleLbl="node1">
-        <dgm:varLst>
-          <dgm:chMax val="0"/>
-          <dgm:bulletEnabled val="1"/>
-        </dgm:varLst>
-        <dgm:alg type="tx">
-          <dgm:param type="parTxLTRAlign" val="l"/>
-          <dgm:param type="parTxRTLAlign" val="r"/>
-        </dgm:alg>
-        <dgm:shape xmlns:r="http://schemas.openxmlformats.org/officeDocument/2006/relationships" type="roundRect" r:blip="">
-          <dgm:adjLst/>
-        </dgm:shape>
-        <dgm:presOf axis="self"/>
-        <dgm:constrLst>
-          <dgm:constr type="tMarg" refType="primFontSz" fact="0.3"/>
-          <dgm:constr type="bMarg" refType="primFontSz" fact="0.3"/>
-          <dgm:constr type="lMarg" refType="primFontSz" fact="0.3"/>
-          <dgm:constr type="rMarg" refType="primFontSz" fact="0.3"/>
-        </dgm:constrLst>
-        <dgm:ruleLst>
-          <dgm:rule type="h" val="INF" fact="NaN" max="NaN"/>
-        </dgm:ruleLst>
-      </dgm:layoutNode>
-      <dgm:choose name="Name1">
-        <dgm:if name="Name2" axis="ch" ptType="node" func="cnt" op="gte" val="1">
-          <dgm:layoutNode name="childText" styleLbl="revTx">
-            <dgm:varLst>
-              <dgm:bulletEnabled val="1"/>
-            </dgm:varLst>
-            <dgm:alg type="tx">
-              <dgm:param type="stBulletLvl" val="1"/>
-              <dgm:param type="lnSpAfChP" val="20"/>
-            </dgm:alg>
-            <dgm:shape xmlns:r="http://schemas.openxmlformats.org/officeDocument/2006/relationships" type="rect" r:blip="">
-              <dgm:adjLst/>
-            </dgm:shape>
-            <dgm:presOf axis="des" ptType="node"/>
-            <dgm:constrLst>
-              <dgm:constr type="tMarg" refType="primFontSz" fact="0.1"/>
-              <dgm:constr type="bMarg" refType="primFontSz" fact="0.1"/>
-              <dgm:constr type="lMarg" refType="w" fact="0.09"/>
-            </dgm:constrLst>
-            <dgm:ruleLst>
-              <dgm:rule type="h" val="INF" fact="NaN" max="NaN"/>
-            </dgm:ruleLst>
-          </dgm:layoutNode>
-        </dgm:if>
-        <dgm:else name="Name3">
-          <dgm:choose name="Name4">
-            <dgm:if name="Name5" axis="par ch" ptType="doc node" func="cnt" op="gte" val="2">
-              <dgm:forEach name="Name6" axis="followSib" ptType="sibTrans" cnt="1">
-                <dgm:layoutNode name="spacer">
-                  <dgm:alg type="sp"/>
-                  <dgm:shape xmlns:r="http://schemas.openxmlformats.org/officeDocument/2006/relationships" r:blip="">
-                    <dgm:adjLst/>
-                  </dgm:shape>
-                  <dgm:presOf/>
-                  <dgm:constrLst/>
-                  <dgm:ruleLst/>
-                </dgm:layoutNode>
-              </dgm:forEach>
-            </dgm:if>
-            <dgm:else name="Name7"/>
-          </dgm:choose>
-        </dgm:else>
-      </dgm:choose>
-    </dgm:forEach>
-  </dgm:layoutNode>
-</dgm:layoutDef>
+<file path=ppt/diagrams/drawing2.xml><?xml version="1.0" encoding="utf-8"?>
+<dsp:drawing xmlns:dgm="http://schemas.openxmlformats.org/drawingml/2006/diagram" xmlns:dsp="http://schemas.microsoft.com/office/drawing/2008/diagram" xmlns:a="http://schemas.openxmlformats.org/drawingml/2006/main">
+  <dsp:spTree>
+    <dsp:nvGrpSpPr>
+      <dsp:cNvPr id="0" name=""/>
+      <dsp:cNvGrpSpPr/>
+    </dsp:nvGrpSpPr>
+    <dsp:grpSpPr/>
+    <dsp:sp modelId="{D27BA4E2-9FBB-48A2-A03C-0936070BD690}">
+      <dsp:nvSpPr>
+        <dsp:cNvPr id="0" name=""/>
+        <dsp:cNvSpPr/>
+      </dsp:nvSpPr>
+      <dsp:spPr>
+        <a:xfrm>
+          <a:off x="0" y="69422"/>
+          <a:ext cx="11524422" cy="551655"/>
+        </a:xfrm>
+        <a:prstGeom prst="roundRect">
+          <a:avLst/>
+        </a:prstGeom>
+        <a:solidFill>
+          <a:schemeClr val="accent1">
+            <a:hueOff val="0"/>
+            <a:satOff val="0"/>
+            <a:lumOff val="0"/>
+            <a:alphaOff val="0"/>
+          </a:schemeClr>
+        </a:solidFill>
+        <a:ln w="12700" cap="flat" cmpd="sng" algn="ctr">
+          <a:solidFill>
+            <a:schemeClr val="lt1">
+              <a:hueOff val="0"/>
+              <a:satOff val="0"/>
+              <a:lumOff val="0"/>
+              <a:alphaOff val="0"/>
+            </a:schemeClr>
+          </a:solidFill>
+          <a:prstDash val="solid"/>
+          <a:miter lim="800000"/>
+        </a:ln>
+        <a:effectLst/>
+      </dsp:spPr>
+      <dsp:style>
+        <a:lnRef idx="2">
+          <a:scrgbClr r="0" g="0" b="0"/>
+        </a:lnRef>
+        <a:fillRef idx="1">
+          <a:scrgbClr r="0" g="0" b="0"/>
+        </a:fillRef>
+        <a:effectRef idx="0">
+          <a:scrgbClr r="0" g="0" b="0"/>
+        </a:effectRef>
+        <a:fontRef idx="minor">
+          <a:schemeClr val="lt1"/>
+        </a:fontRef>
+      </dsp:style>
+      <dsp:txBody>
+        <a:bodyPr spcFirstLastPara="0" vert="horz" wrap="square" lIns="87630" tIns="87630" rIns="87630" bIns="87630" numCol="1" spcCol="1270" anchor="ctr" anchorCtr="0">
+          <a:noAutofit/>
+        </a:bodyPr>
+        <a:lstStyle/>
+        <a:p>
+          <a:pPr marL="0" lvl="0" indent="0" algn="l" defTabSz="1022350">
+            <a:lnSpc>
+              <a:spcPct val="90000"/>
+            </a:lnSpc>
+            <a:spcBef>
+              <a:spcPct val="0"/>
+            </a:spcBef>
+            <a:spcAft>
+              <a:spcPct val="35000"/>
+            </a:spcAft>
+            <a:buNone/>
+          </a:pPr>
+          <a:r>
+            <a:rPr lang="de-CH" sz="2300" kern="1200"/>
+            <a:t>Unser Projekt</a:t>
+          </a:r>
+          <a:endParaRPr lang="en-US" sz="2300" kern="1200"/>
+        </a:p>
+      </dsp:txBody>
+      <dsp:txXfrm>
+        <a:off x="26930" y="96352"/>
+        <a:ext cx="11470562" cy="497795"/>
+      </dsp:txXfrm>
+    </dsp:sp>
+    <dsp:sp modelId="{6A829E34-31FC-4CCC-AD08-A8A0827641F1}">
+      <dsp:nvSpPr>
+        <dsp:cNvPr id="0" name=""/>
+        <dsp:cNvSpPr/>
+      </dsp:nvSpPr>
+      <dsp:spPr>
+        <a:xfrm>
+          <a:off x="0" y="621077"/>
+          <a:ext cx="11524422" cy="618930"/>
+        </a:xfrm>
+        <a:prstGeom prst="rect">
+          <a:avLst/>
+        </a:prstGeom>
+        <a:noFill/>
+        <a:ln>
+          <a:noFill/>
+        </a:ln>
+        <a:effectLst/>
+      </dsp:spPr>
+      <dsp:style>
+        <a:lnRef idx="0">
+          <a:scrgbClr r="0" g="0" b="0"/>
+        </a:lnRef>
+        <a:fillRef idx="0">
+          <a:scrgbClr r="0" g="0" b="0"/>
+        </a:fillRef>
+        <a:effectRef idx="0">
+          <a:scrgbClr r="0" g="0" b="0"/>
+        </a:effectRef>
+        <a:fontRef idx="minor"/>
+      </dsp:style>
+      <dsp:txBody>
+        <a:bodyPr spcFirstLastPara="0" vert="horz" wrap="square" lIns="365900" tIns="29210" rIns="163576" bIns="29210" numCol="1" spcCol="1270" anchor="t" anchorCtr="0">
+          <a:noAutofit/>
+        </a:bodyPr>
+        <a:lstStyle/>
+        <a:p>
+          <a:pPr marL="171450" lvl="1" indent="-171450" algn="l" defTabSz="800100">
+            <a:lnSpc>
+              <a:spcPct val="90000"/>
+            </a:lnSpc>
+            <a:spcBef>
+              <a:spcPct val="0"/>
+            </a:spcBef>
+            <a:spcAft>
+              <a:spcPct val="20000"/>
+            </a:spcAft>
+            <a:buChar char="•"/>
+          </a:pPr>
+          <a:r>
+            <a:rPr lang="de-DE" sz="1800" kern="1200" dirty="0"/>
+            <a:t>datenbasierten Dashboards für Recherchezwecke</a:t>
+          </a:r>
+          <a:endParaRPr lang="en-US" sz="1800" kern="1200" dirty="0"/>
+        </a:p>
+        <a:p>
+          <a:pPr marL="171450" lvl="1" indent="-171450" algn="l" defTabSz="800100">
+            <a:lnSpc>
+              <a:spcPct val="90000"/>
+            </a:lnSpc>
+            <a:spcBef>
+              <a:spcPct val="0"/>
+            </a:spcBef>
+            <a:spcAft>
+              <a:spcPct val="20000"/>
+            </a:spcAft>
+            <a:buChar char="•"/>
+          </a:pPr>
+          <a:r>
+            <a:rPr lang="de-DE" sz="1800" kern="1200" dirty="0"/>
+            <a:t>acht Schweizer Zeitungen aus dem Jahr 2022</a:t>
+          </a:r>
+          <a:endParaRPr lang="en-US" sz="1800" kern="1200" dirty="0"/>
+        </a:p>
+      </dsp:txBody>
+      <dsp:txXfrm>
+        <a:off x="0" y="621077"/>
+        <a:ext cx="11524422" cy="618930"/>
+      </dsp:txXfrm>
+    </dsp:sp>
+    <dsp:sp modelId="{A6B2AED9-FB72-41D1-8202-C04F5FFEF7BA}">
+      <dsp:nvSpPr>
+        <dsp:cNvPr id="0" name=""/>
+        <dsp:cNvSpPr/>
+      </dsp:nvSpPr>
+      <dsp:spPr>
+        <a:xfrm>
+          <a:off x="0" y="1240007"/>
+          <a:ext cx="11524422" cy="551655"/>
+        </a:xfrm>
+        <a:prstGeom prst="roundRect">
+          <a:avLst/>
+        </a:prstGeom>
+        <a:solidFill>
+          <a:schemeClr val="accent1">
+            <a:hueOff val="0"/>
+            <a:satOff val="0"/>
+            <a:lumOff val="0"/>
+            <a:alphaOff val="0"/>
+          </a:schemeClr>
+        </a:solidFill>
+        <a:ln w="12700" cap="flat" cmpd="sng" algn="ctr">
+          <a:solidFill>
+            <a:schemeClr val="lt1">
+              <a:hueOff val="0"/>
+              <a:satOff val="0"/>
+              <a:lumOff val="0"/>
+              <a:alphaOff val="0"/>
+            </a:schemeClr>
+          </a:solidFill>
+          <a:prstDash val="solid"/>
+          <a:miter lim="800000"/>
+        </a:ln>
+        <a:effectLst/>
+      </dsp:spPr>
+      <dsp:style>
+        <a:lnRef idx="2">
+          <a:scrgbClr r="0" g="0" b="0"/>
+        </a:lnRef>
+        <a:fillRef idx="1">
+          <a:scrgbClr r="0" g="0" b="0"/>
+        </a:fillRef>
+        <a:effectRef idx="0">
+          <a:scrgbClr r="0" g="0" b="0"/>
+        </a:effectRef>
+        <a:fontRef idx="minor">
+          <a:schemeClr val="lt1"/>
+        </a:fontRef>
+      </dsp:style>
+      <dsp:txBody>
+        <a:bodyPr spcFirstLastPara="0" vert="horz" wrap="square" lIns="87630" tIns="87630" rIns="87630" bIns="87630" numCol="1" spcCol="1270" anchor="ctr" anchorCtr="0">
+          <a:noAutofit/>
+        </a:bodyPr>
+        <a:lstStyle/>
+        <a:p>
+          <a:pPr marL="0" lvl="0" indent="0" algn="l" defTabSz="1022350">
+            <a:lnSpc>
+              <a:spcPct val="90000"/>
+            </a:lnSpc>
+            <a:spcBef>
+              <a:spcPct val="0"/>
+            </a:spcBef>
+            <a:spcAft>
+              <a:spcPct val="35000"/>
+            </a:spcAft>
+            <a:buNone/>
+          </a:pPr>
+          <a:r>
+            <a:rPr lang="de-CH" sz="2300" kern="1200"/>
+            <a:t>Was wir bieten</a:t>
+          </a:r>
+          <a:endParaRPr lang="en-US" sz="2300" kern="1200"/>
+        </a:p>
+      </dsp:txBody>
+      <dsp:txXfrm>
+        <a:off x="26930" y="1266937"/>
+        <a:ext cx="11470562" cy="497795"/>
+      </dsp:txXfrm>
+    </dsp:sp>
+    <dsp:sp modelId="{21B708FD-3C92-47D9-BFEC-1D0372E829BC}">
+      <dsp:nvSpPr>
+        <dsp:cNvPr id="0" name=""/>
+        <dsp:cNvSpPr/>
+      </dsp:nvSpPr>
+      <dsp:spPr>
+        <a:xfrm>
+          <a:off x="0" y="1791662"/>
+          <a:ext cx="11524422" cy="928395"/>
+        </a:xfrm>
+        <a:prstGeom prst="rect">
+          <a:avLst/>
+        </a:prstGeom>
+        <a:noFill/>
+        <a:ln>
+          <a:noFill/>
+        </a:ln>
+        <a:effectLst/>
+      </dsp:spPr>
+      <dsp:style>
+        <a:lnRef idx="0">
+          <a:scrgbClr r="0" g="0" b="0"/>
+        </a:lnRef>
+        <a:fillRef idx="0">
+          <a:scrgbClr r="0" g="0" b="0"/>
+        </a:fillRef>
+        <a:effectRef idx="0">
+          <a:scrgbClr r="0" g="0" b="0"/>
+        </a:effectRef>
+        <a:fontRef idx="minor"/>
+      </dsp:style>
+      <dsp:txBody>
+        <a:bodyPr spcFirstLastPara="0" vert="horz" wrap="square" lIns="365900" tIns="29210" rIns="163576" bIns="29210" numCol="1" spcCol="1270" anchor="t" anchorCtr="0">
+          <a:noAutofit/>
+        </a:bodyPr>
+        <a:lstStyle/>
+        <a:p>
+          <a:pPr marL="171450" lvl="1" indent="-171450" algn="l" defTabSz="800100">
+            <a:lnSpc>
+              <a:spcPct val="90000"/>
+            </a:lnSpc>
+            <a:spcBef>
+              <a:spcPct val="0"/>
+            </a:spcBef>
+            <a:spcAft>
+              <a:spcPct val="20000"/>
+            </a:spcAft>
+            <a:buChar char="•"/>
+          </a:pPr>
+          <a:r>
+            <a:rPr lang="de-DE" sz="1800" kern="1200"/>
+            <a:t>Interaktive Visualisierung von täglichen Themen</a:t>
+          </a:r>
+          <a:endParaRPr lang="en-US" sz="1800" kern="1200"/>
+        </a:p>
+        <a:p>
+          <a:pPr marL="171450" lvl="1" indent="-171450" algn="l" defTabSz="800100">
+            <a:lnSpc>
+              <a:spcPct val="90000"/>
+            </a:lnSpc>
+            <a:spcBef>
+              <a:spcPct val="0"/>
+            </a:spcBef>
+            <a:spcAft>
+              <a:spcPct val="20000"/>
+            </a:spcAft>
+            <a:buChar char="•"/>
+          </a:pPr>
+          <a:r>
+            <a:rPr lang="de-DE" sz="1800" kern="1200"/>
+            <a:t>Darstellung von Länderreferenzen und deren Beziehungen</a:t>
+          </a:r>
+          <a:endParaRPr lang="en-US" sz="1800" kern="1200"/>
+        </a:p>
+        <a:p>
+          <a:pPr marL="171450" lvl="1" indent="-171450" algn="l" defTabSz="800100">
+            <a:lnSpc>
+              <a:spcPct val="90000"/>
+            </a:lnSpc>
+            <a:spcBef>
+              <a:spcPct val="0"/>
+            </a:spcBef>
+            <a:spcAft>
+              <a:spcPct val="20000"/>
+            </a:spcAft>
+            <a:buChar char="•"/>
+          </a:pPr>
+          <a:r>
+            <a:rPr lang="de-DE" sz="1800" kern="1200" dirty="0"/>
+            <a:t>häufigste diskutierte Personen und deren Beziehungen</a:t>
+          </a:r>
+          <a:endParaRPr lang="en-US" sz="1800" kern="1200" dirty="0"/>
+        </a:p>
+      </dsp:txBody>
+      <dsp:txXfrm>
+        <a:off x="0" y="1791662"/>
+        <a:ext cx="11524422" cy="928395"/>
+      </dsp:txXfrm>
+    </dsp:sp>
+    <dsp:sp modelId="{C2CA9DC7-7EE6-4EF6-BC85-1964DC343E9F}">
+      <dsp:nvSpPr>
+        <dsp:cNvPr id="0" name=""/>
+        <dsp:cNvSpPr/>
+      </dsp:nvSpPr>
+      <dsp:spPr>
+        <a:xfrm>
+          <a:off x="0" y="2720057"/>
+          <a:ext cx="11524422" cy="551655"/>
+        </a:xfrm>
+        <a:prstGeom prst="roundRect">
+          <a:avLst/>
+        </a:prstGeom>
+        <a:solidFill>
+          <a:schemeClr val="accent1">
+            <a:hueOff val="0"/>
+            <a:satOff val="0"/>
+            <a:lumOff val="0"/>
+            <a:alphaOff val="0"/>
+          </a:schemeClr>
+        </a:solidFill>
+        <a:ln w="12700" cap="flat" cmpd="sng" algn="ctr">
+          <a:solidFill>
+            <a:schemeClr val="lt1">
+              <a:hueOff val="0"/>
+              <a:satOff val="0"/>
+              <a:lumOff val="0"/>
+              <a:alphaOff val="0"/>
+            </a:schemeClr>
+          </a:solidFill>
+          <a:prstDash val="solid"/>
+          <a:miter lim="800000"/>
+        </a:ln>
+        <a:effectLst/>
+      </dsp:spPr>
+      <dsp:style>
+        <a:lnRef idx="2">
+          <a:scrgbClr r="0" g="0" b="0"/>
+        </a:lnRef>
+        <a:fillRef idx="1">
+          <a:scrgbClr r="0" g="0" b="0"/>
+        </a:fillRef>
+        <a:effectRef idx="0">
+          <a:scrgbClr r="0" g="0" b="0"/>
+        </a:effectRef>
+        <a:fontRef idx="minor">
+          <a:schemeClr val="lt1"/>
+        </a:fontRef>
+      </dsp:style>
+      <dsp:txBody>
+        <a:bodyPr spcFirstLastPara="0" vert="horz" wrap="square" lIns="87630" tIns="87630" rIns="87630" bIns="87630" numCol="1" spcCol="1270" anchor="ctr" anchorCtr="0">
+          <a:noAutofit/>
+        </a:bodyPr>
+        <a:lstStyle/>
+        <a:p>
+          <a:pPr marL="0" lvl="0" indent="0" algn="l" defTabSz="1022350">
+            <a:lnSpc>
+              <a:spcPct val="90000"/>
+            </a:lnSpc>
+            <a:spcBef>
+              <a:spcPct val="0"/>
+            </a:spcBef>
+            <a:spcAft>
+              <a:spcPct val="35000"/>
+            </a:spcAft>
+            <a:buNone/>
+          </a:pPr>
+          <a:r>
+            <a:rPr lang="de-DE" sz="2300" kern="1200"/>
+            <a:t>Unser Ziel</a:t>
+          </a:r>
+          <a:endParaRPr lang="en-US" sz="2300" kern="1200"/>
+        </a:p>
+      </dsp:txBody>
+      <dsp:txXfrm>
+        <a:off x="26930" y="2746987"/>
+        <a:ext cx="11470562" cy="497795"/>
+      </dsp:txXfrm>
+    </dsp:sp>
+    <dsp:sp modelId="{2448F6B3-A9E5-4B12-AFA9-D4FB6384555B}">
+      <dsp:nvSpPr>
+        <dsp:cNvPr id="0" name=""/>
+        <dsp:cNvSpPr/>
+      </dsp:nvSpPr>
+      <dsp:spPr>
+        <a:xfrm>
+          <a:off x="0" y="3271712"/>
+          <a:ext cx="11524422" cy="928395"/>
+        </a:xfrm>
+        <a:prstGeom prst="rect">
+          <a:avLst/>
+        </a:prstGeom>
+        <a:noFill/>
+        <a:ln>
+          <a:noFill/>
+        </a:ln>
+        <a:effectLst/>
+      </dsp:spPr>
+      <dsp:style>
+        <a:lnRef idx="0">
+          <a:scrgbClr r="0" g="0" b="0"/>
+        </a:lnRef>
+        <a:fillRef idx="0">
+          <a:scrgbClr r="0" g="0" b="0"/>
+        </a:fillRef>
+        <a:effectRef idx="0">
+          <a:scrgbClr r="0" g="0" b="0"/>
+        </a:effectRef>
+        <a:fontRef idx="minor"/>
+      </dsp:style>
+      <dsp:txBody>
+        <a:bodyPr spcFirstLastPara="0" vert="horz" wrap="square" lIns="365900" tIns="29210" rIns="163576" bIns="29210" numCol="1" spcCol="1270" anchor="t" anchorCtr="0">
+          <a:noAutofit/>
+        </a:bodyPr>
+        <a:lstStyle/>
+        <a:p>
+          <a:pPr marL="171450" lvl="1" indent="-171450" algn="l" defTabSz="800100">
+            <a:lnSpc>
+              <a:spcPct val="90000"/>
+            </a:lnSpc>
+            <a:spcBef>
+              <a:spcPct val="0"/>
+            </a:spcBef>
+            <a:spcAft>
+              <a:spcPct val="20000"/>
+            </a:spcAft>
+            <a:buChar char="•"/>
+          </a:pPr>
+          <a:r>
+            <a:rPr lang="de-CH" sz="1800" kern="1200" dirty="0"/>
+            <a:t>umfassende Analysetools</a:t>
+          </a:r>
+          <a:endParaRPr lang="en-US" sz="1800" kern="1200" dirty="0"/>
+        </a:p>
+        <a:p>
+          <a:pPr marL="171450" lvl="1" indent="-171450" algn="l" defTabSz="800100">
+            <a:lnSpc>
+              <a:spcPct val="90000"/>
+            </a:lnSpc>
+            <a:spcBef>
+              <a:spcPct val="0"/>
+            </a:spcBef>
+            <a:spcAft>
+              <a:spcPct val="20000"/>
+            </a:spcAft>
+            <a:buChar char="•"/>
+          </a:pPr>
+          <a:r>
+            <a:rPr lang="de-DE" sz="1800" kern="1200" dirty="0"/>
+            <a:t>Trends und Muster der Medienberichterstattung</a:t>
+          </a:r>
+          <a:endParaRPr lang="en-US" sz="1800" kern="1200" dirty="0"/>
+        </a:p>
+        <a:p>
+          <a:pPr marL="171450" lvl="1" indent="-171450" algn="l" defTabSz="800100">
+            <a:lnSpc>
+              <a:spcPct val="90000"/>
+            </a:lnSpc>
+            <a:spcBef>
+              <a:spcPct val="0"/>
+            </a:spcBef>
+            <a:spcAft>
+              <a:spcPct val="20000"/>
+            </a:spcAft>
+            <a:buChar char="•"/>
+          </a:pPr>
+          <a:r>
+            <a:rPr lang="de-DE" sz="1800" kern="1200" dirty="0"/>
+            <a:t>Verständnis von gesellschaftsbewegenden Themen</a:t>
+          </a:r>
+          <a:endParaRPr lang="en-US" sz="1800" kern="1200" dirty="0"/>
+        </a:p>
+      </dsp:txBody>
+      <dsp:txXfrm>
+        <a:off x="0" y="3271712"/>
+        <a:ext cx="11524422" cy="928395"/>
+      </dsp:txXfrm>
+    </dsp:sp>
+    <dsp:sp modelId="{0F923B10-6378-42BB-A893-56BA006A6B09}">
+      <dsp:nvSpPr>
+        <dsp:cNvPr id="0" name=""/>
+        <dsp:cNvSpPr/>
+      </dsp:nvSpPr>
+      <dsp:spPr>
+        <a:xfrm>
+          <a:off x="0" y="4200107"/>
+          <a:ext cx="11524422" cy="551655"/>
+        </a:xfrm>
+        <a:prstGeom prst="roundRect">
+          <a:avLst/>
+        </a:prstGeom>
+        <a:solidFill>
+          <a:schemeClr val="accent1">
+            <a:hueOff val="0"/>
+            <a:satOff val="0"/>
+            <a:lumOff val="0"/>
+            <a:alphaOff val="0"/>
+          </a:schemeClr>
+        </a:solidFill>
+        <a:ln w="12700" cap="flat" cmpd="sng" algn="ctr">
+          <a:solidFill>
+            <a:schemeClr val="lt1">
+              <a:hueOff val="0"/>
+              <a:satOff val="0"/>
+              <a:lumOff val="0"/>
+              <a:alphaOff val="0"/>
+            </a:schemeClr>
+          </a:solidFill>
+          <a:prstDash val="solid"/>
+          <a:miter lim="800000"/>
+        </a:ln>
+        <a:effectLst/>
+      </dsp:spPr>
+      <dsp:style>
+        <a:lnRef idx="2">
+          <a:scrgbClr r="0" g="0" b="0"/>
+        </a:lnRef>
+        <a:fillRef idx="1">
+          <a:scrgbClr r="0" g="0" b="0"/>
+        </a:fillRef>
+        <a:effectRef idx="0">
+          <a:scrgbClr r="0" g="0" b="0"/>
+        </a:effectRef>
+        <a:fontRef idx="minor">
+          <a:schemeClr val="lt1"/>
+        </a:fontRef>
+      </dsp:style>
+      <dsp:txBody>
+        <a:bodyPr spcFirstLastPara="0" vert="horz" wrap="square" lIns="87630" tIns="87630" rIns="87630" bIns="87630" numCol="1" spcCol="1270" anchor="ctr" anchorCtr="0">
+          <a:noAutofit/>
+        </a:bodyPr>
+        <a:lstStyle/>
+        <a:p>
+          <a:pPr marL="0" lvl="0" indent="0" algn="l" defTabSz="1022350">
+            <a:lnSpc>
+              <a:spcPct val="90000"/>
+            </a:lnSpc>
+            <a:spcBef>
+              <a:spcPct val="0"/>
+            </a:spcBef>
+            <a:spcAft>
+              <a:spcPct val="35000"/>
+            </a:spcAft>
+            <a:buNone/>
+          </a:pPr>
+          <a:r>
+            <a:rPr lang="de-DE" sz="2300" kern="1200"/>
+            <a:t>Der Nutzen</a:t>
+          </a:r>
+          <a:endParaRPr lang="en-US" sz="2300" kern="1200"/>
+        </a:p>
+      </dsp:txBody>
+      <dsp:txXfrm>
+        <a:off x="26930" y="4227037"/>
+        <a:ext cx="11470562" cy="497795"/>
+      </dsp:txXfrm>
+    </dsp:sp>
+    <dsp:sp modelId="{494A643D-DEE2-4B91-ABD1-93CD2DE4F5A5}">
+      <dsp:nvSpPr>
+        <dsp:cNvPr id="0" name=""/>
+        <dsp:cNvSpPr/>
+      </dsp:nvSpPr>
+      <dsp:spPr>
+        <a:xfrm>
+          <a:off x="0" y="4751762"/>
+          <a:ext cx="11524422" cy="928395"/>
+        </a:xfrm>
+        <a:prstGeom prst="rect">
+          <a:avLst/>
+        </a:prstGeom>
+        <a:noFill/>
+        <a:ln>
+          <a:noFill/>
+        </a:ln>
+        <a:effectLst/>
+      </dsp:spPr>
+      <dsp:style>
+        <a:lnRef idx="0">
+          <a:scrgbClr r="0" g="0" b="0"/>
+        </a:lnRef>
+        <a:fillRef idx="0">
+          <a:scrgbClr r="0" g="0" b="0"/>
+        </a:fillRef>
+        <a:effectRef idx="0">
+          <a:scrgbClr r="0" g="0" b="0"/>
+        </a:effectRef>
+        <a:fontRef idx="minor"/>
+      </dsp:style>
+      <dsp:txBody>
+        <a:bodyPr spcFirstLastPara="0" vert="horz" wrap="square" lIns="365900" tIns="29210" rIns="163576" bIns="29210" numCol="1" spcCol="1270" anchor="t" anchorCtr="0">
+          <a:noAutofit/>
+        </a:bodyPr>
+        <a:lstStyle/>
+        <a:p>
+          <a:pPr marL="171450" lvl="1" indent="-171450" algn="l" defTabSz="800100">
+            <a:lnSpc>
+              <a:spcPct val="90000"/>
+            </a:lnSpc>
+            <a:spcBef>
+              <a:spcPct val="0"/>
+            </a:spcBef>
+            <a:spcAft>
+              <a:spcPct val="20000"/>
+            </a:spcAft>
+            <a:buChar char="•"/>
+          </a:pPr>
+          <a:r>
+            <a:rPr lang="en-US" sz="1800" kern="1200" dirty="0"/>
+            <a:t>Fundament für </a:t>
+          </a:r>
+          <a:r>
+            <a:rPr lang="en-US" sz="1800" kern="1200" dirty="0" err="1"/>
+            <a:t>weiterführende</a:t>
+          </a:r>
+          <a:r>
+            <a:rPr lang="en-US" sz="1800" kern="1200" dirty="0"/>
+            <a:t> </a:t>
+          </a:r>
+          <a:r>
+            <a:rPr lang="en-US" sz="1800" kern="1200" dirty="0" err="1"/>
+            <a:t>journalisitsche</a:t>
+          </a:r>
+          <a:r>
+            <a:rPr lang="en-US" sz="1800" kern="1200" dirty="0"/>
+            <a:t> </a:t>
+          </a:r>
+          <a:r>
+            <a:rPr lang="en-US" sz="1800" kern="1200" dirty="0" err="1"/>
+            <a:t>Recherchen</a:t>
+          </a:r>
+          <a:endParaRPr lang="en-US" sz="1800" kern="1200" dirty="0"/>
+        </a:p>
+        <a:p>
+          <a:pPr marL="171450" lvl="1" indent="-171450" algn="l" defTabSz="800100">
+            <a:lnSpc>
+              <a:spcPct val="90000"/>
+            </a:lnSpc>
+            <a:spcBef>
+              <a:spcPct val="0"/>
+            </a:spcBef>
+            <a:spcAft>
+              <a:spcPct val="20000"/>
+            </a:spcAft>
+            <a:buChar char="•"/>
+          </a:pPr>
+          <a:r>
+            <a:rPr lang="de-DE" sz="1800" kern="1200" dirty="0"/>
+            <a:t>Erweiterte Perspektive auf die Medienlandschaft</a:t>
+          </a:r>
+          <a:endParaRPr lang="en-US" sz="1800" kern="1200" dirty="0"/>
+        </a:p>
+        <a:p>
+          <a:pPr marL="171450" lvl="1" indent="-171450" algn="l" defTabSz="800100">
+            <a:lnSpc>
+              <a:spcPct val="90000"/>
+            </a:lnSpc>
+            <a:spcBef>
+              <a:spcPct val="0"/>
+            </a:spcBef>
+            <a:spcAft>
+              <a:spcPct val="20000"/>
+            </a:spcAft>
+            <a:buChar char="•"/>
+          </a:pPr>
+          <a:r>
+            <a:rPr lang="de-DE" sz="1800" kern="1200" dirty="0"/>
+            <a:t>Identifikation von Informationslücken und Potentialen</a:t>
+          </a:r>
+          <a:endParaRPr lang="en-US" sz="1800" kern="1200" dirty="0"/>
+        </a:p>
+      </dsp:txBody>
+      <dsp:txXfrm>
+        <a:off x="0" y="4751762"/>
+        <a:ext cx="11524422" cy="928395"/>
+      </dsp:txXfrm>
+    </dsp:sp>
+  </dsp:spTree>
+</dsp:drawing>
 </file>
 
-<file path=ppt/diagrams/layout2.xml><?xml version="1.0" encoding="utf-8"?>
+<file path=ppt/diagrams/layout1.xml><?xml version="1.0" encoding="utf-8"?>
 <dgm:layoutDef xmlns:dgm="http://schemas.openxmlformats.org/drawingml/2006/diagram" xmlns:a="http://schemas.openxmlformats.org/drawingml/2006/main" uniqueId="urn:microsoft.com/office/officeart/2018/2/layout/IconLabelList">
   <dgm:title val="Icon Label List"/>
   <dgm:desc val="Use to show non-sequential or grouped chunks of information accompanied by a related visuals. Works best with icons or small pictures with short text captions."/>
@@ -5509,6 +5435,173 @@
 </dgm:layoutDef>
 </file>
 
+<file path=ppt/diagrams/layout2.xml><?xml version="1.0" encoding="utf-8"?>
+<dgm:layoutDef xmlns:dgm="http://schemas.openxmlformats.org/drawingml/2006/diagram" xmlns:a="http://schemas.openxmlformats.org/drawingml/2006/main" uniqueId="urn:microsoft.com/office/officeart/2005/8/layout/vList2">
+  <dgm:title val=""/>
+  <dgm:desc val=""/>
+  <dgm:catLst>
+    <dgm:cat type="list" pri="3000"/>
+    <dgm:cat type="convert" pri="1000"/>
+  </dgm:catLst>
+  <dgm:sampData>
+    <dgm:dataModel>
+      <dgm:ptLst>
+        <dgm:pt modelId="0" type="doc"/>
+        <dgm:pt modelId="1">
+          <dgm:prSet phldr="1"/>
+        </dgm:pt>
+        <dgm:pt modelId="11">
+          <dgm:prSet phldr="1"/>
+        </dgm:pt>
+        <dgm:pt modelId="2">
+          <dgm:prSet phldr="1"/>
+        </dgm:pt>
+        <dgm:pt modelId="21">
+          <dgm:prSet phldr="1"/>
+        </dgm:pt>
+      </dgm:ptLst>
+      <dgm:cxnLst>
+        <dgm:cxn modelId="4" srcId="0" destId="1" srcOrd="0" destOrd="0"/>
+        <dgm:cxn modelId="5" srcId="0" destId="2" srcOrd="1" destOrd="0"/>
+        <dgm:cxn modelId="12" srcId="1" destId="11" srcOrd="0" destOrd="0"/>
+        <dgm:cxn modelId="23" srcId="2" destId="21" srcOrd="0" destOrd="0"/>
+      </dgm:cxnLst>
+      <dgm:bg/>
+      <dgm:whole/>
+    </dgm:dataModel>
+  </dgm:sampData>
+  <dgm:styleData>
+    <dgm:dataModel>
+      <dgm:ptLst>
+        <dgm:pt modelId="0" type="doc"/>
+        <dgm:pt modelId="1"/>
+        <dgm:pt modelId="2"/>
+      </dgm:ptLst>
+      <dgm:cxnLst>
+        <dgm:cxn modelId="3" srcId="0" destId="1" srcOrd="0" destOrd="0"/>
+        <dgm:cxn modelId="4" srcId="0" destId="2" srcOrd="1" destOrd="0"/>
+      </dgm:cxnLst>
+      <dgm:bg/>
+      <dgm:whole/>
+    </dgm:dataModel>
+  </dgm:styleData>
+  <dgm:clrData>
+    <dgm:dataModel>
+      <dgm:ptLst>
+        <dgm:pt modelId="0" type="doc"/>
+        <dgm:pt modelId="1"/>
+        <dgm:pt modelId="2"/>
+        <dgm:pt modelId="3"/>
+        <dgm:pt modelId="4"/>
+      </dgm:ptLst>
+      <dgm:cxnLst>
+        <dgm:cxn modelId="5" srcId="0" destId="1" srcOrd="0" destOrd="0"/>
+        <dgm:cxn modelId="6" srcId="0" destId="2" srcOrd="1" destOrd="0"/>
+        <dgm:cxn modelId="7" srcId="0" destId="3" srcOrd="2" destOrd="0"/>
+        <dgm:cxn modelId="8" srcId="0" destId="4" srcOrd="3" destOrd="0"/>
+      </dgm:cxnLst>
+      <dgm:bg/>
+      <dgm:whole/>
+    </dgm:dataModel>
+  </dgm:clrData>
+  <dgm:layoutNode name="linear">
+    <dgm:varLst>
+      <dgm:animLvl val="lvl"/>
+      <dgm:resizeHandles val="exact"/>
+    </dgm:varLst>
+    <dgm:alg type="lin">
+      <dgm:param type="linDir" val="fromT"/>
+      <dgm:param type="vertAlign" val="mid"/>
+    </dgm:alg>
+    <dgm:shape xmlns:r="http://schemas.openxmlformats.org/officeDocument/2006/relationships" r:blip="">
+      <dgm:adjLst/>
+    </dgm:shape>
+    <dgm:presOf/>
+    <dgm:constrLst>
+      <dgm:constr type="w" for="ch" forName="parentText" refType="w"/>
+      <dgm:constr type="h" for="ch" forName="parentText" refType="primFontSz" refFor="ch" refForName="parentText" fact="0.52"/>
+      <dgm:constr type="w" for="ch" forName="childText" refType="w"/>
+      <dgm:constr type="h" for="ch" forName="childText" refType="primFontSz" refFor="ch" refForName="parentText" fact="0.46"/>
+      <dgm:constr type="h" for="ch" forName="parentText" op="equ"/>
+      <dgm:constr type="primFontSz" for="ch" forName="parentText" op="equ" val="65"/>
+      <dgm:constr type="primFontSz" for="ch" forName="childText" refType="primFontSz" refFor="ch" refForName="parentText" op="equ"/>
+      <dgm:constr type="h" for="ch" forName="spacer" refType="primFontSz" refFor="ch" refForName="parentText" fact="0.08"/>
+    </dgm:constrLst>
+    <dgm:ruleLst>
+      <dgm:rule type="primFontSz" for="ch" forName="parentText" val="5" fact="NaN" max="NaN"/>
+    </dgm:ruleLst>
+    <dgm:forEach name="Name0" axis="ch" ptType="node">
+      <dgm:layoutNode name="parentText" styleLbl="node1">
+        <dgm:varLst>
+          <dgm:chMax val="0"/>
+          <dgm:bulletEnabled val="1"/>
+        </dgm:varLst>
+        <dgm:alg type="tx">
+          <dgm:param type="parTxLTRAlign" val="l"/>
+          <dgm:param type="parTxRTLAlign" val="r"/>
+        </dgm:alg>
+        <dgm:shape xmlns:r="http://schemas.openxmlformats.org/officeDocument/2006/relationships" type="roundRect" r:blip="">
+          <dgm:adjLst/>
+        </dgm:shape>
+        <dgm:presOf axis="self"/>
+        <dgm:constrLst>
+          <dgm:constr type="tMarg" refType="primFontSz" fact="0.3"/>
+          <dgm:constr type="bMarg" refType="primFontSz" fact="0.3"/>
+          <dgm:constr type="lMarg" refType="primFontSz" fact="0.3"/>
+          <dgm:constr type="rMarg" refType="primFontSz" fact="0.3"/>
+        </dgm:constrLst>
+        <dgm:ruleLst>
+          <dgm:rule type="h" val="INF" fact="NaN" max="NaN"/>
+        </dgm:ruleLst>
+      </dgm:layoutNode>
+      <dgm:choose name="Name1">
+        <dgm:if name="Name2" axis="ch" ptType="node" func="cnt" op="gte" val="1">
+          <dgm:layoutNode name="childText" styleLbl="revTx">
+            <dgm:varLst>
+              <dgm:bulletEnabled val="1"/>
+            </dgm:varLst>
+            <dgm:alg type="tx">
+              <dgm:param type="stBulletLvl" val="1"/>
+              <dgm:param type="lnSpAfChP" val="20"/>
+            </dgm:alg>
+            <dgm:shape xmlns:r="http://schemas.openxmlformats.org/officeDocument/2006/relationships" type="rect" r:blip="">
+              <dgm:adjLst/>
+            </dgm:shape>
+            <dgm:presOf axis="des" ptType="node"/>
+            <dgm:constrLst>
+              <dgm:constr type="tMarg" refType="primFontSz" fact="0.1"/>
+              <dgm:constr type="bMarg" refType="primFontSz" fact="0.1"/>
+              <dgm:constr type="lMarg" refType="w" fact="0.09"/>
+            </dgm:constrLst>
+            <dgm:ruleLst>
+              <dgm:rule type="h" val="INF" fact="NaN" max="NaN"/>
+            </dgm:ruleLst>
+          </dgm:layoutNode>
+        </dgm:if>
+        <dgm:else name="Name3">
+          <dgm:choose name="Name4">
+            <dgm:if name="Name5" axis="par ch" ptType="doc node" func="cnt" op="gte" val="2">
+              <dgm:forEach name="Name6" axis="followSib" ptType="sibTrans" cnt="1">
+                <dgm:layoutNode name="spacer">
+                  <dgm:alg type="sp"/>
+                  <dgm:shape xmlns:r="http://schemas.openxmlformats.org/officeDocument/2006/relationships" r:blip="">
+                    <dgm:adjLst/>
+                  </dgm:shape>
+                  <dgm:presOf/>
+                  <dgm:constrLst/>
+                  <dgm:ruleLst/>
+                </dgm:layoutNode>
+              </dgm:forEach>
+            </dgm:if>
+            <dgm:else name="Name7"/>
+          </dgm:choose>
+        </dgm:else>
+      </dgm:choose>
+    </dgm:forEach>
+  </dgm:layoutNode>
+</dgm:layoutDef>
+</file>
+
 <file path=ppt/diagrams/quickStyle1.xml><?xml version="1.0" encoding="utf-8"?>
 <dgm:styleDef xmlns:dgm="http://schemas.openxmlformats.org/drawingml/2006/diagram" xmlns:a="http://schemas.openxmlformats.org/drawingml/2006/main" uniqueId="urn:microsoft.com/office/officeart/2005/8/quickstyle/simple1">
   <dgm:title val=""/>
@@ -7726,7 +7819,7 @@
           <a:p>
             <a:fld id="{36506519-39A8-4A48-BAF2-BA3568FDE45E}" type="datetimeFigureOut">
               <a:rPr lang="de-CH" smtClean="0"/>
-              <a:t>12.06.2023</a:t>
+              <a:t>26.06.2023</a:t>
             </a:fld>
             <a:endParaRPr lang="de-CH"/>
           </a:p>
@@ -7926,7 +8019,7 @@
           <a:p>
             <a:fld id="{36506519-39A8-4A48-BAF2-BA3568FDE45E}" type="datetimeFigureOut">
               <a:rPr lang="de-CH" smtClean="0"/>
-              <a:t>12.06.2023</a:t>
+              <a:t>26.06.2023</a:t>
             </a:fld>
             <a:endParaRPr lang="de-CH"/>
           </a:p>
@@ -8136,7 +8229,7 @@
           <a:p>
             <a:fld id="{36506519-39A8-4A48-BAF2-BA3568FDE45E}" type="datetimeFigureOut">
               <a:rPr lang="de-CH" smtClean="0"/>
-              <a:t>12.06.2023</a:t>
+              <a:t>26.06.2023</a:t>
             </a:fld>
             <a:endParaRPr lang="de-CH"/>
           </a:p>
@@ -8336,7 +8429,7 @@
           <a:p>
             <a:fld id="{36506519-39A8-4A48-BAF2-BA3568FDE45E}" type="datetimeFigureOut">
               <a:rPr lang="de-CH" smtClean="0"/>
-              <a:t>12.06.2023</a:t>
+              <a:t>26.06.2023</a:t>
             </a:fld>
             <a:endParaRPr lang="de-CH"/>
           </a:p>
@@ -8612,7 +8705,7 @@
           <a:p>
             <a:fld id="{36506519-39A8-4A48-BAF2-BA3568FDE45E}" type="datetimeFigureOut">
               <a:rPr lang="de-CH" smtClean="0"/>
-              <a:t>12.06.2023</a:t>
+              <a:t>26.06.2023</a:t>
             </a:fld>
             <a:endParaRPr lang="de-CH"/>
           </a:p>
@@ -8880,7 +8973,7 @@
           <a:p>
             <a:fld id="{36506519-39A8-4A48-BAF2-BA3568FDE45E}" type="datetimeFigureOut">
               <a:rPr lang="de-CH" smtClean="0"/>
-              <a:t>12.06.2023</a:t>
+              <a:t>26.06.2023</a:t>
             </a:fld>
             <a:endParaRPr lang="de-CH"/>
           </a:p>
@@ -9295,7 +9388,7 @@
           <a:p>
             <a:fld id="{36506519-39A8-4A48-BAF2-BA3568FDE45E}" type="datetimeFigureOut">
               <a:rPr lang="de-CH" smtClean="0"/>
-              <a:t>12.06.2023</a:t>
+              <a:t>26.06.2023</a:t>
             </a:fld>
             <a:endParaRPr lang="de-CH"/>
           </a:p>
@@ -9437,7 +9530,7 @@
           <a:p>
             <a:fld id="{36506519-39A8-4A48-BAF2-BA3568FDE45E}" type="datetimeFigureOut">
               <a:rPr lang="de-CH" smtClean="0"/>
-              <a:t>12.06.2023</a:t>
+              <a:t>26.06.2023</a:t>
             </a:fld>
             <a:endParaRPr lang="de-CH"/>
           </a:p>
@@ -9550,7 +9643,7 @@
           <a:p>
             <a:fld id="{36506519-39A8-4A48-BAF2-BA3568FDE45E}" type="datetimeFigureOut">
               <a:rPr lang="de-CH" smtClean="0"/>
-              <a:t>12.06.2023</a:t>
+              <a:t>26.06.2023</a:t>
             </a:fld>
             <a:endParaRPr lang="de-CH"/>
           </a:p>
@@ -9863,7 +9956,7 @@
           <a:p>
             <a:fld id="{36506519-39A8-4A48-BAF2-BA3568FDE45E}" type="datetimeFigureOut">
               <a:rPr lang="de-CH" smtClean="0"/>
-              <a:t>12.06.2023</a:t>
+              <a:t>26.06.2023</a:t>
             </a:fld>
             <a:endParaRPr lang="de-CH"/>
           </a:p>
@@ -10152,7 +10245,7 @@
           <a:p>
             <a:fld id="{36506519-39A8-4A48-BAF2-BA3568FDE45E}" type="datetimeFigureOut">
               <a:rPr lang="de-CH" smtClean="0"/>
-              <a:t>12.06.2023</a:t>
+              <a:t>26.06.2023</a:t>
             </a:fld>
             <a:endParaRPr lang="de-CH"/>
           </a:p>
@@ -10395,7 +10488,7 @@
           <a:p>
             <a:fld id="{36506519-39A8-4A48-BAF2-BA3568FDE45E}" type="datetimeFigureOut">
               <a:rPr lang="de-CH" smtClean="0"/>
-              <a:t>12.06.2023</a:t>
+              <a:t>26.06.2023</a:t>
             </a:fld>
             <a:endParaRPr lang="de-CH"/>
           </a:p>
@@ -11500,75 +11593,6 @@
           <a:chExt cx="0" cy="0"/>
         </a:xfrm>
       </p:grpSpPr>
-      <p:graphicFrame>
-        <p:nvGraphicFramePr>
-          <p:cNvPr id="25" name="Inhaltsplatzhalter 2">
-            <a:extLst>
-              <a:ext uri="{FF2B5EF4-FFF2-40B4-BE49-F238E27FC236}">
-                <a16:creationId xmlns:a16="http://schemas.microsoft.com/office/drawing/2014/main" id="{6A08201B-E277-EAEC-7C61-CB3C0E46055C}"/>
-              </a:ext>
-            </a:extLst>
-          </p:cNvPr>
-          <p:cNvGraphicFramePr>
-            <a:graphicFrameLocks noGrp="1"/>
-          </p:cNvGraphicFramePr>
-          <p:nvPr>
-            <p:ph idx="1"/>
-            <p:extLst>
-              <p:ext uri="{D42A27DB-BD31-4B8C-83A1-F6EECF244321}">
-                <p14:modId xmlns:p14="http://schemas.microsoft.com/office/powerpoint/2010/main" val="4206109291"/>
-              </p:ext>
-            </p:extLst>
-          </p:nvPr>
-        </p:nvGraphicFramePr>
-        <p:xfrm>
-          <a:off x="387626" y="427384"/>
-          <a:ext cx="11524422" cy="5749580"/>
-        </p:xfrm>
-        <a:graphic>
-          <a:graphicData uri="http://schemas.openxmlformats.org/drawingml/2006/diagram">
-            <dgm:relIds xmlns:dgm="http://schemas.openxmlformats.org/drawingml/2006/diagram" xmlns:r="http://schemas.openxmlformats.org/officeDocument/2006/relationships" r:dm="rId2" r:lo="rId3" r:qs="rId4" r:cs="rId5"/>
-          </a:graphicData>
-        </a:graphic>
-      </p:graphicFrame>
-    </p:spTree>
-    <p:extLst>
-      <p:ext uri="{BB962C8B-B14F-4D97-AF65-F5344CB8AC3E}">
-        <p14:creationId xmlns:p14="http://schemas.microsoft.com/office/powerpoint/2010/main" val="1662944093"/>
-      </p:ext>
-    </p:extLst>
-  </p:cSld>
-  <p:clrMapOvr>
-    <a:masterClrMapping/>
-  </p:clrMapOvr>
-</p:sld>
-</file>
-
-<file path=ppt/slides/slide3.xml><?xml version="1.0" encoding="utf-8"?>
-<p:sld xmlns:a="http://schemas.openxmlformats.org/drawingml/2006/main" xmlns:r="http://schemas.openxmlformats.org/officeDocument/2006/relationships" xmlns:p="http://schemas.openxmlformats.org/presentationml/2006/main">
-  <p:cSld>
-    <p:bg>
-      <p:bgPr>
-        <a:solidFill>
-          <a:schemeClr val="bg1"/>
-        </a:solidFill>
-        <a:effectLst/>
-      </p:bgPr>
-    </p:bg>
-    <p:spTree>
-      <p:nvGrpSpPr>
-        <p:cNvPr id="1" name=""/>
-        <p:cNvGrpSpPr/>
-        <p:nvPr/>
-      </p:nvGrpSpPr>
-      <p:grpSpPr>
-        <a:xfrm>
-          <a:off x="0" y="0"/>
-          <a:ext cx="0" cy="0"/>
-          <a:chOff x="0" y="0"/>
-          <a:chExt cx="0" cy="0"/>
-        </a:xfrm>
-      </p:grpSpPr>
       <p:sp useBgFill="1">
         <p:nvSpPr>
           <p:cNvPr id="115" name="Rectangle 114">
@@ -11709,6 +11733,75 @@
 </p:sld>
 </file>
 
+<file path=ppt/slides/slide3.xml><?xml version="1.0" encoding="utf-8"?>
+<p:sld xmlns:a="http://schemas.openxmlformats.org/drawingml/2006/main" xmlns:r="http://schemas.openxmlformats.org/officeDocument/2006/relationships" xmlns:p="http://schemas.openxmlformats.org/presentationml/2006/main">
+  <p:cSld>
+    <p:bg>
+      <p:bgPr>
+        <a:solidFill>
+          <a:schemeClr val="bg1"/>
+        </a:solidFill>
+        <a:effectLst/>
+      </p:bgPr>
+    </p:bg>
+    <p:spTree>
+      <p:nvGrpSpPr>
+        <p:cNvPr id="1" name=""/>
+        <p:cNvGrpSpPr/>
+        <p:nvPr/>
+      </p:nvGrpSpPr>
+      <p:grpSpPr>
+        <a:xfrm>
+          <a:off x="0" y="0"/>
+          <a:ext cx="0" cy="0"/>
+          <a:chOff x="0" y="0"/>
+          <a:chExt cx="0" cy="0"/>
+        </a:xfrm>
+      </p:grpSpPr>
+      <p:graphicFrame>
+        <p:nvGraphicFramePr>
+          <p:cNvPr id="25" name="Inhaltsplatzhalter 2">
+            <a:extLst>
+              <a:ext uri="{FF2B5EF4-FFF2-40B4-BE49-F238E27FC236}">
+                <a16:creationId xmlns:a16="http://schemas.microsoft.com/office/drawing/2014/main" id="{6A08201B-E277-EAEC-7C61-CB3C0E46055C}"/>
+              </a:ext>
+            </a:extLst>
+          </p:cNvPr>
+          <p:cNvGraphicFramePr>
+            <a:graphicFrameLocks noGrp="1"/>
+          </p:cNvGraphicFramePr>
+          <p:nvPr>
+            <p:ph idx="1"/>
+            <p:extLst>
+              <p:ext uri="{D42A27DB-BD31-4B8C-83A1-F6EECF244321}">
+                <p14:modId xmlns:p14="http://schemas.microsoft.com/office/powerpoint/2010/main" val="2255407468"/>
+              </p:ext>
+            </p:extLst>
+          </p:nvPr>
+        </p:nvGraphicFramePr>
+        <p:xfrm>
+          <a:off x="387626" y="427384"/>
+          <a:ext cx="11524422" cy="5749580"/>
+        </p:xfrm>
+        <a:graphic>
+          <a:graphicData uri="http://schemas.openxmlformats.org/drawingml/2006/diagram">
+            <dgm:relIds xmlns:dgm="http://schemas.openxmlformats.org/drawingml/2006/diagram" xmlns:r="http://schemas.openxmlformats.org/officeDocument/2006/relationships" r:dm="rId2" r:lo="rId3" r:qs="rId4" r:cs="rId5"/>
+          </a:graphicData>
+        </a:graphic>
+      </p:graphicFrame>
+    </p:spTree>
+    <p:extLst>
+      <p:ext uri="{BB962C8B-B14F-4D97-AF65-F5344CB8AC3E}">
+        <p14:creationId xmlns:p14="http://schemas.microsoft.com/office/powerpoint/2010/main" val="1662944093"/>
+      </p:ext>
+    </p:extLst>
+  </p:cSld>
+  <p:clrMapOvr>
+    <a:masterClrMapping/>
+  </p:clrMapOvr>
+</p:sld>
+</file>
+
 <file path=ppt/slides/slide4.xml><?xml version="1.0" encoding="utf-8"?>
 <p:sld xmlns:a="http://schemas.openxmlformats.org/drawingml/2006/main" xmlns:r="http://schemas.openxmlformats.org/officeDocument/2006/relationships" xmlns:p="http://schemas.openxmlformats.org/presentationml/2006/main">
   <p:cSld>
@@ -11756,7 +11849,7 @@
         </p:blipFill>
         <p:spPr>
           <a:xfrm>
-            <a:off x="872746" y="143984"/>
+            <a:off x="922988" y="0"/>
             <a:ext cx="10254232" cy="6573393"/>
           </a:xfrm>
         </p:spPr>
